--- a/Week05.pptx
+++ b/Week05.pptx
@@ -237,7 +237,7 @@
           <a:p>
             <a:fld id="{089AF9C2-E781-415F-AD58-ECBA12D10A34}" type="datetimeFigureOut">
               <a:rPr lang="ko-KR" altLang="en-US" smtClean="0"/>
-              <a:t>2019-03-29</a:t>
+              <a:t>2019-03-31</a:t>
             </a:fld>
             <a:endParaRPr lang="ko-KR" altLang="en-US"/>
           </a:p>
@@ -402,7 +402,7 @@
           <a:p>
             <a:fld id="{65694B03-ACCE-4F3B-8CA1-4A1F2158852F}" type="datetimeFigureOut">
               <a:rPr lang="ko-KR" altLang="en-US" smtClean="0"/>
-              <a:t>2019-03-29</a:t>
+              <a:t>2019-03-31</a:t>
             </a:fld>
             <a:endParaRPr lang="ko-KR" altLang="en-US"/>
           </a:p>
@@ -800,7 +800,7 @@
           <a:p>
             <a:fld id="{E98DAD7C-7ECF-48EA-AF04-5E4B11BBE3FA}" type="datetime1">
               <a:rPr lang="ko-KR" altLang="en-US" smtClean="0"/>
-              <a:t>2019-03-29</a:t>
+              <a:t>2019-03-31</a:t>
             </a:fld>
             <a:endParaRPr lang="ko-KR" altLang="en-US"/>
           </a:p>
@@ -970,7 +970,7 @@
           <a:p>
             <a:fld id="{8592FDC5-20BE-4068-9231-65BE560A8AAA}" type="datetime1">
               <a:rPr lang="ko-KR" altLang="en-US" smtClean="0"/>
-              <a:t>2019-03-29</a:t>
+              <a:t>2019-03-31</a:t>
             </a:fld>
             <a:endParaRPr lang="ko-KR" altLang="en-US"/>
           </a:p>
@@ -1150,7 +1150,7 @@
           <a:p>
             <a:fld id="{A6BAF35D-F588-4ECC-9A0F-05C2E4794B9E}" type="datetime1">
               <a:rPr lang="ko-KR" altLang="en-US" smtClean="0"/>
-              <a:t>2019-03-29</a:t>
+              <a:t>2019-03-31</a:t>
             </a:fld>
             <a:endParaRPr lang="ko-KR" altLang="en-US"/>
           </a:p>
@@ -1358,7 +1358,7 @@
           <a:p>
             <a:fld id="{ECE38F9B-9D56-4B6A-B849-ABFC9D9CD529}" type="datetime1">
               <a:rPr lang="ko-KR" altLang="en-US" smtClean="0"/>
-              <a:t>2019-03-29</a:t>
+              <a:t>2019-03-31</a:t>
             </a:fld>
             <a:endParaRPr lang="ko-KR" altLang="en-US"/>
           </a:p>
@@ -1602,7 +1602,7 @@
           <a:p>
             <a:fld id="{FB9FBD68-9FA8-4224-A45F-2122F2D5B1DA}" type="datetime1">
               <a:rPr lang="ko-KR" altLang="en-US" smtClean="0"/>
-              <a:t>2019-03-29</a:t>
+              <a:t>2019-03-31</a:t>
             </a:fld>
             <a:endParaRPr lang="ko-KR" altLang="en-US"/>
           </a:p>
@@ -1834,7 +1834,7 @@
           <a:p>
             <a:fld id="{F10C821E-2046-4B9B-A770-D71373F53EFC}" type="datetime1">
               <a:rPr lang="ko-KR" altLang="en-US" smtClean="0"/>
-              <a:t>2019-03-29</a:t>
+              <a:t>2019-03-31</a:t>
             </a:fld>
             <a:endParaRPr lang="ko-KR" altLang="en-US"/>
           </a:p>
@@ -2201,7 +2201,7 @@
           <a:p>
             <a:fld id="{87B54263-25BA-4719-A9FF-4F211D3464C7}" type="datetime1">
               <a:rPr lang="ko-KR" altLang="en-US" smtClean="0"/>
-              <a:t>2019-03-29</a:t>
+              <a:t>2019-03-31</a:t>
             </a:fld>
             <a:endParaRPr lang="ko-KR" altLang="en-US"/>
           </a:p>
@@ -2319,7 +2319,7 @@
           <a:p>
             <a:fld id="{5B22A525-C018-42B8-975E-961CB956D9F9}" type="datetime1">
               <a:rPr lang="ko-KR" altLang="en-US" smtClean="0"/>
-              <a:t>2019-03-29</a:t>
+              <a:t>2019-03-31</a:t>
             </a:fld>
             <a:endParaRPr lang="ko-KR" altLang="en-US"/>
           </a:p>
@@ -2414,7 +2414,7 @@
           <a:p>
             <a:fld id="{9AE4C0F5-06ED-4044-A30B-00BDE88DFCB8}" type="datetime1">
               <a:rPr lang="ko-KR" altLang="en-US" smtClean="0"/>
-              <a:t>2019-03-29</a:t>
+              <a:t>2019-03-31</a:t>
             </a:fld>
             <a:endParaRPr lang="ko-KR" altLang="en-US"/>
           </a:p>
@@ -2691,7 +2691,7 @@
           <a:p>
             <a:fld id="{77F39165-C6EB-4106-AF8F-0C931B393587}" type="datetime1">
               <a:rPr lang="ko-KR" altLang="en-US" smtClean="0"/>
-              <a:t>2019-03-29</a:t>
+              <a:t>2019-03-31</a:t>
             </a:fld>
             <a:endParaRPr lang="ko-KR" altLang="en-US"/>
           </a:p>
@@ -2948,7 +2948,7 @@
           <a:p>
             <a:fld id="{3A829D98-5CAB-4515-AF38-F236B86C4C7D}" type="datetime1">
               <a:rPr lang="ko-KR" altLang="en-US" smtClean="0"/>
-              <a:t>2019-03-29</a:t>
+              <a:t>2019-03-31</a:t>
             </a:fld>
             <a:endParaRPr lang="ko-KR" altLang="en-US"/>
           </a:p>
@@ -3161,7 +3161,7 @@
           <a:p>
             <a:fld id="{BDA12B1B-EA43-4C07-8238-6B2CF1392F6B}" type="datetime1">
               <a:rPr lang="ko-KR" altLang="en-US" smtClean="0"/>
-              <a:t>2019-03-29</a:t>
+              <a:t>2019-03-31</a:t>
             </a:fld>
             <a:endParaRPr lang="ko-KR" altLang="en-US"/>
           </a:p>
@@ -5779,6 +5779,78 @@
       </p:grpSpPr>
       <p:sp>
         <p:nvSpPr>
+          <p:cNvPr id="11" name="TextBox 10"/>
+          <p:cNvSpPr txBox="1"/>
+          <p:nvPr/>
+        </p:nvSpPr>
+        <p:spPr>
+          <a:xfrm>
+            <a:off x="5284471" y="817000"/>
+            <a:ext cx="1148071" cy="369332"/>
+          </a:xfrm>
+          <a:prstGeom prst="rect">
+            <a:avLst/>
+          </a:prstGeom>
+          <a:noFill/>
+        </p:spPr>
+        <p:txBody>
+          <a:bodyPr wrap="none" rtlCol="0">
+            <a:spAutoFit/>
+          </a:bodyPr>
+          <a:lstStyle/>
+          <a:p>
+            <a:r>
+              <a:rPr lang="en-US" altLang="ko-KR" b="1" dirty="0" smtClean="0"/>
+              <a:t>[ENTER] A</a:t>
+            </a:r>
+            <a:endParaRPr lang="ko-KR" altLang="en-US" b="1" dirty="0"/>
+          </a:p>
+        </p:txBody>
+      </p:sp>
+      <p:sp>
+        <p:nvSpPr>
+          <p:cNvPr id="15" name="TextBox 14"/>
+          <p:cNvSpPr txBox="1"/>
+          <p:nvPr/>
+        </p:nvSpPr>
+        <p:spPr>
+          <a:xfrm>
+            <a:off x="2164706" y="1434223"/>
+            <a:ext cx="3119765" cy="338554"/>
+          </a:xfrm>
+          <a:prstGeom prst="rect">
+            <a:avLst/>
+          </a:prstGeom>
+          <a:noFill/>
+        </p:spPr>
+        <p:txBody>
+          <a:bodyPr wrap="none" rtlCol="0">
+            <a:spAutoFit/>
+          </a:bodyPr>
+          <a:lstStyle/>
+          <a:p>
+            <a:r>
+              <a:rPr lang="ko-KR" altLang="en-US" sz="1600" b="1" dirty="0" smtClean="0"/>
+              <a:t>수신 데이터</a:t>
+            </a:r>
+            <a:r>
+              <a:rPr lang="en-US" altLang="ko-KR" sz="1600" b="1" dirty="0" smtClean="0"/>
+              <a:t>: 65 / </a:t>
+            </a:r>
+            <a:r>
+              <a:rPr lang="ko-KR" altLang="en-US" sz="1600" b="1" dirty="0" smtClean="0"/>
+              <a:t>수신 데이터</a:t>
+            </a:r>
+            <a:r>
+              <a:rPr lang="en-US" altLang="ko-KR" sz="1600" b="1" dirty="0" smtClean="0"/>
+              <a:t>: 10</a:t>
+            </a:r>
+            <a:endParaRPr lang="ko-KR" altLang="en-US" sz="1600" b="1" dirty="0"/>
+          </a:p>
+        </p:txBody>
+      </p:sp>
+      <p:sp>
+        <p:nvSpPr>
           <p:cNvPr id="2" name="슬라이드 번호 개체 틀 1"/>
           <p:cNvSpPr>
             <a:spLocks noGrp="1"/>
@@ -5808,7 +5880,7 @@
         </p:nvGrpSpPr>
         <p:grpSpPr>
           <a:xfrm>
-            <a:off x="384175" y="747856"/>
+            <a:off x="-230304" y="792799"/>
             <a:ext cx="2282825" cy="1874116"/>
             <a:chOff x="398030" y="2597438"/>
             <a:chExt cx="2282825" cy="1874116"/>
@@ -5928,7 +6000,7 @@
         </p:nvGrpSpPr>
         <p:grpSpPr>
           <a:xfrm>
-            <a:off x="5839691" y="653244"/>
+            <a:off x="6386832" y="592336"/>
             <a:ext cx="2907965" cy="1874116"/>
             <a:chOff x="5853546" y="2412772"/>
             <a:chExt cx="2907965" cy="1874116"/>
@@ -6048,8 +6120,8 @@
         </p:nvCxnSpPr>
         <p:spPr>
           <a:xfrm>
-            <a:off x="2819400" y="1013279"/>
-            <a:ext cx="2951018" cy="0"/>
+            <a:off x="2164706" y="1162131"/>
+            <a:ext cx="4351832" cy="0"/>
           </a:xfrm>
           <a:prstGeom prst="straightConnector1">
             <a:avLst/>
@@ -6081,8 +6153,8 @@
         </p:nvCxnSpPr>
         <p:spPr>
           <a:xfrm flipH="1">
-            <a:off x="2819400" y="1789133"/>
-            <a:ext cx="2951018" cy="0"/>
+            <a:off x="2164706" y="1789133"/>
+            <a:ext cx="4293244" cy="0"/>
           </a:xfrm>
           <a:prstGeom prst="straightConnector1">
             <a:avLst/>
@@ -6106,78 +6178,6 @@
           </a:fontRef>
         </p:style>
       </p:cxnSp>
-      <p:sp>
-        <p:nvSpPr>
-          <p:cNvPr id="11" name="TextBox 10"/>
-          <p:cNvSpPr txBox="1"/>
-          <p:nvPr/>
-        </p:nvSpPr>
-        <p:spPr>
-          <a:xfrm>
-            <a:off x="4647995" y="653244"/>
-            <a:ext cx="1148071" cy="369332"/>
-          </a:xfrm>
-          <a:prstGeom prst="rect">
-            <a:avLst/>
-          </a:prstGeom>
-          <a:noFill/>
-        </p:spPr>
-        <p:txBody>
-          <a:bodyPr wrap="none" rtlCol="0">
-            <a:spAutoFit/>
-          </a:bodyPr>
-          <a:lstStyle/>
-          <a:p>
-            <a:r>
-              <a:rPr lang="en-US" altLang="ko-KR" b="1" dirty="0" smtClean="0"/>
-              <a:t>[ENTER] A</a:t>
-            </a:r>
-            <a:endParaRPr lang="ko-KR" altLang="en-US" b="1" dirty="0"/>
-          </a:p>
-        </p:txBody>
-      </p:sp>
-      <p:sp>
-        <p:nvSpPr>
-          <p:cNvPr id="15" name="TextBox 14"/>
-          <p:cNvSpPr txBox="1"/>
-          <p:nvPr/>
-        </p:nvSpPr>
-        <p:spPr>
-          <a:xfrm>
-            <a:off x="2722213" y="1405636"/>
-            <a:ext cx="3119765" cy="338554"/>
-          </a:xfrm>
-          <a:prstGeom prst="rect">
-            <a:avLst/>
-          </a:prstGeom>
-          <a:noFill/>
-        </p:spPr>
-        <p:txBody>
-          <a:bodyPr wrap="none" rtlCol="0">
-            <a:spAutoFit/>
-          </a:bodyPr>
-          <a:lstStyle/>
-          <a:p>
-            <a:r>
-              <a:rPr lang="ko-KR" altLang="en-US" sz="1600" b="1" dirty="0" smtClean="0"/>
-              <a:t>수신 데이터</a:t>
-            </a:r>
-            <a:r>
-              <a:rPr lang="en-US" altLang="ko-KR" sz="1600" b="1" dirty="0" smtClean="0"/>
-              <a:t>: 65 / </a:t>
-            </a:r>
-            <a:r>
-              <a:rPr lang="ko-KR" altLang="en-US" sz="1600" b="1" dirty="0" smtClean="0"/>
-              <a:t>수신 데이터</a:t>
-            </a:r>
-            <a:r>
-              <a:rPr lang="en-US" altLang="ko-KR" sz="1600" b="1" dirty="0" smtClean="0"/>
-              <a:t>: 10</a:t>
-            </a:r>
-            <a:endParaRPr lang="ko-KR" altLang="en-US" sz="1600" b="1" dirty="0"/>
-          </a:p>
-        </p:txBody>
-      </p:sp>
       <p:pic>
         <p:nvPicPr>
           <p:cNvPr id="16" name="그림 15"/>
@@ -6288,6 +6288,106 @@
           </a:p>
         </p:txBody>
       </p:sp>
+      <p:sp>
+        <p:nvSpPr>
+          <p:cNvPr id="22" name="모서리가 둥근 직사각형 21"/>
+          <p:cNvSpPr/>
+          <p:nvPr/>
+        </p:nvSpPr>
+        <p:spPr>
+          <a:xfrm>
+            <a:off x="307812" y="2938072"/>
+            <a:ext cx="797884" cy="306597"/>
+          </a:xfrm>
+          <a:prstGeom prst="roundRect">
+            <a:avLst/>
+          </a:prstGeom>
+          <a:solidFill>
+            <a:srgbClr val="DEEBF7">
+              <a:alpha val="47843"/>
+            </a:srgbClr>
+          </a:solidFill>
+          <a:ln w="38100">
+            <a:solidFill>
+              <a:srgbClr val="FF0000"/>
+            </a:solidFill>
+          </a:ln>
+        </p:spPr>
+        <p:style>
+          <a:lnRef idx="2">
+            <a:schemeClr val="accent1">
+              <a:shade val="50000"/>
+            </a:schemeClr>
+          </a:lnRef>
+          <a:fillRef idx="1">
+            <a:schemeClr val="accent1"/>
+          </a:fillRef>
+          <a:effectRef idx="0">
+            <a:schemeClr val="accent1"/>
+          </a:effectRef>
+          <a:fontRef idx="minor">
+            <a:schemeClr val="lt1"/>
+          </a:fontRef>
+        </p:style>
+        <p:txBody>
+          <a:bodyPr rtlCol="0" anchor="ctr"/>
+          <a:lstStyle/>
+          <a:p>
+            <a:pPr algn="ctr"/>
+            <a:endParaRPr lang="ko-KR" altLang="en-US"/>
+          </a:p>
+        </p:txBody>
+      </p:sp>
+      <p:sp>
+        <p:nvSpPr>
+          <p:cNvPr id="23" name="모서리가 둥근 직사각형 22"/>
+          <p:cNvSpPr/>
+          <p:nvPr/>
+        </p:nvSpPr>
+        <p:spPr>
+          <a:xfrm>
+            <a:off x="397001" y="3255560"/>
+            <a:ext cx="2286238" cy="462001"/>
+          </a:xfrm>
+          <a:prstGeom prst="roundRect">
+            <a:avLst/>
+          </a:prstGeom>
+          <a:solidFill>
+            <a:srgbClr val="DEEBF7">
+              <a:alpha val="47843"/>
+            </a:srgbClr>
+          </a:solidFill>
+          <a:ln w="38100">
+            <a:solidFill>
+              <a:srgbClr val="FF0000"/>
+            </a:solidFill>
+          </a:ln>
+        </p:spPr>
+        <p:style>
+          <a:lnRef idx="2">
+            <a:schemeClr val="accent1">
+              <a:shade val="50000"/>
+            </a:schemeClr>
+          </a:lnRef>
+          <a:fillRef idx="1">
+            <a:schemeClr val="accent1"/>
+          </a:fillRef>
+          <a:effectRef idx="0">
+            <a:schemeClr val="accent1"/>
+          </a:effectRef>
+          <a:fontRef idx="minor">
+            <a:schemeClr val="lt1"/>
+          </a:fontRef>
+        </p:style>
+        <p:txBody>
+          <a:bodyPr rtlCol="0" anchor="ctr"/>
+          <a:lstStyle/>
+          <a:p>
+            <a:pPr algn="ctr"/>
+            <a:endParaRPr lang="ko-KR" altLang="en-US"/>
+          </a:p>
+        </p:txBody>
+      </p:sp>
     </p:spTree>
     <p:extLst>
       <p:ext uri="{BB962C8B-B14F-4D97-AF65-F5344CB8AC3E}">
@@ -6301,9 +6401,362 @@
   <p:timing>
     <p:tnLst>
       <p:par>
-        <p:cTn id="1" dur="indefinite" restart="never" nodeType="tmRoot"/>
+        <p:cTn id="1" dur="indefinite" restart="never" nodeType="tmRoot">
+          <p:childTnLst>
+            <p:seq concurrent="1" nextAc="seek">
+              <p:cTn id="2" dur="indefinite" nodeType="mainSeq">
+                <p:childTnLst>
+                  <p:par>
+                    <p:cTn id="3" fill="hold">
+                      <p:stCondLst>
+                        <p:cond delay="indefinite"/>
+                      </p:stCondLst>
+                      <p:childTnLst>
+                        <p:par>
+                          <p:cTn id="4" fill="hold">
+                            <p:stCondLst>
+                              <p:cond delay="0"/>
+                            </p:stCondLst>
+                            <p:childTnLst>
+                              <p:par>
+                                <p:cTn id="5" presetID="10" presetClass="entr" presetSubtype="0" fill="hold" grpId="0" nodeType="clickEffect">
+                                  <p:stCondLst>
+                                    <p:cond delay="0"/>
+                                  </p:stCondLst>
+                                  <p:childTnLst>
+                                    <p:set>
+                                      <p:cBhvr>
+                                        <p:cTn id="6" dur="1" fill="hold">
+                                          <p:stCondLst>
+                                            <p:cond delay="0"/>
+                                          </p:stCondLst>
+                                        </p:cTn>
+                                        <p:tgtEl>
+                                          <p:spTgt spid="22"/>
+                                        </p:tgtEl>
+                                        <p:attrNameLst>
+                                          <p:attrName>style.visibility</p:attrName>
+                                        </p:attrNameLst>
+                                      </p:cBhvr>
+                                      <p:to>
+                                        <p:strVal val="visible"/>
+                                      </p:to>
+                                    </p:set>
+                                    <p:animEffect transition="in" filter="fade">
+                                      <p:cBhvr>
+                                        <p:cTn id="7" dur="500"/>
+                                        <p:tgtEl>
+                                          <p:spTgt spid="22"/>
+                                        </p:tgtEl>
+                                      </p:cBhvr>
+                                    </p:animEffect>
+                                  </p:childTnLst>
+                                </p:cTn>
+                              </p:par>
+                            </p:childTnLst>
+                          </p:cTn>
+                        </p:par>
+                      </p:childTnLst>
+                    </p:cTn>
+                  </p:par>
+                  <p:par>
+                    <p:cTn id="8" fill="hold">
+                      <p:stCondLst>
+                        <p:cond delay="indefinite"/>
+                      </p:stCondLst>
+                      <p:childTnLst>
+                        <p:par>
+                          <p:cTn id="9" fill="hold">
+                            <p:stCondLst>
+                              <p:cond delay="0"/>
+                            </p:stCondLst>
+                            <p:childTnLst>
+                              <p:par>
+                                <p:cTn id="10" presetID="2" presetClass="entr" presetSubtype="8" accel="25000" decel="25000" fill="hold" grpId="0" nodeType="clickEffect">
+                                  <p:stCondLst>
+                                    <p:cond delay="0"/>
+                                  </p:stCondLst>
+                                  <p:childTnLst>
+                                    <p:set>
+                                      <p:cBhvr>
+                                        <p:cTn id="11" dur="1" fill="hold">
+                                          <p:stCondLst>
+                                            <p:cond delay="0"/>
+                                          </p:stCondLst>
+                                        </p:cTn>
+                                        <p:tgtEl>
+                                          <p:spTgt spid="11"/>
+                                        </p:tgtEl>
+                                        <p:attrNameLst>
+                                          <p:attrName>style.visibility</p:attrName>
+                                        </p:attrNameLst>
+                                      </p:cBhvr>
+                                      <p:to>
+                                        <p:strVal val="visible"/>
+                                      </p:to>
+                                    </p:set>
+                                    <p:anim calcmode="lin" valueType="num">
+                                      <p:cBhvr additive="base">
+                                        <p:cTn id="12" dur="2000" fill="hold"/>
+                                        <p:tgtEl>
+                                          <p:spTgt spid="11"/>
+                                        </p:tgtEl>
+                                        <p:attrNameLst>
+                                          <p:attrName>ppt_x</p:attrName>
+                                        </p:attrNameLst>
+                                      </p:cBhvr>
+                                      <p:tavLst>
+                                        <p:tav tm="0">
+                                          <p:val>
+                                            <p:strVal val="0-#ppt_w/2"/>
+                                          </p:val>
+                                        </p:tav>
+                                        <p:tav tm="100000">
+                                          <p:val>
+                                            <p:strVal val="#ppt_x"/>
+                                          </p:val>
+                                        </p:tav>
+                                      </p:tavLst>
+                                    </p:anim>
+                                    <p:anim calcmode="lin" valueType="num">
+                                      <p:cBhvr additive="base">
+                                        <p:cTn id="13" dur="2000" fill="hold"/>
+                                        <p:tgtEl>
+                                          <p:spTgt spid="11"/>
+                                        </p:tgtEl>
+                                        <p:attrNameLst>
+                                          <p:attrName>ppt_y</p:attrName>
+                                        </p:attrNameLst>
+                                      </p:cBhvr>
+                                      <p:tavLst>
+                                        <p:tav tm="0">
+                                          <p:val>
+                                            <p:strVal val="#ppt_y"/>
+                                          </p:val>
+                                        </p:tav>
+                                        <p:tav tm="100000">
+                                          <p:val>
+                                            <p:strVal val="#ppt_y"/>
+                                          </p:val>
+                                        </p:tav>
+                                      </p:tavLst>
+                                    </p:anim>
+                                  </p:childTnLst>
+                                </p:cTn>
+                              </p:par>
+                              <p:par>
+                                <p:cTn id="14" presetID="10" presetClass="exit" presetSubtype="0" fill="hold" grpId="1" nodeType="withEffect">
+                                  <p:stCondLst>
+                                    <p:cond delay="0"/>
+                                  </p:stCondLst>
+                                  <p:childTnLst>
+                                    <p:animEffect transition="out" filter="fade">
+                                      <p:cBhvr>
+                                        <p:cTn id="15" dur="500"/>
+                                        <p:tgtEl>
+                                          <p:spTgt spid="22"/>
+                                        </p:tgtEl>
+                                      </p:cBhvr>
+                                    </p:animEffect>
+                                    <p:set>
+                                      <p:cBhvr>
+                                        <p:cTn id="16" dur="1" fill="hold">
+                                          <p:stCondLst>
+                                            <p:cond delay="499"/>
+                                          </p:stCondLst>
+                                        </p:cTn>
+                                        <p:tgtEl>
+                                          <p:spTgt spid="22"/>
+                                        </p:tgtEl>
+                                        <p:attrNameLst>
+                                          <p:attrName>style.visibility</p:attrName>
+                                        </p:attrNameLst>
+                                      </p:cBhvr>
+                                      <p:to>
+                                        <p:strVal val="hidden"/>
+                                      </p:to>
+                                    </p:set>
+                                  </p:childTnLst>
+                                </p:cTn>
+                              </p:par>
+                            </p:childTnLst>
+                          </p:cTn>
+                        </p:par>
+                      </p:childTnLst>
+                    </p:cTn>
+                  </p:par>
+                  <p:par>
+                    <p:cTn id="17" fill="hold">
+                      <p:stCondLst>
+                        <p:cond delay="indefinite"/>
+                      </p:stCondLst>
+                      <p:childTnLst>
+                        <p:par>
+                          <p:cTn id="18" fill="hold">
+                            <p:stCondLst>
+                              <p:cond delay="0"/>
+                            </p:stCondLst>
+                            <p:childTnLst>
+                              <p:par>
+                                <p:cTn id="19" presetID="2" presetClass="entr" presetSubtype="2" accel="25000" decel="25000" fill="hold" grpId="0" nodeType="clickEffect">
+                                  <p:stCondLst>
+                                    <p:cond delay="0"/>
+                                  </p:stCondLst>
+                                  <p:childTnLst>
+                                    <p:set>
+                                      <p:cBhvr>
+                                        <p:cTn id="20" dur="1" fill="hold">
+                                          <p:stCondLst>
+                                            <p:cond delay="0"/>
+                                          </p:stCondLst>
+                                        </p:cTn>
+                                        <p:tgtEl>
+                                          <p:spTgt spid="15"/>
+                                        </p:tgtEl>
+                                        <p:attrNameLst>
+                                          <p:attrName>style.visibility</p:attrName>
+                                        </p:attrNameLst>
+                                      </p:cBhvr>
+                                      <p:to>
+                                        <p:strVal val="visible"/>
+                                      </p:to>
+                                    </p:set>
+                                    <p:anim calcmode="lin" valueType="num">
+                                      <p:cBhvr additive="base">
+                                        <p:cTn id="21" dur="2000" fill="hold"/>
+                                        <p:tgtEl>
+                                          <p:spTgt spid="15"/>
+                                        </p:tgtEl>
+                                        <p:attrNameLst>
+                                          <p:attrName>ppt_x</p:attrName>
+                                        </p:attrNameLst>
+                                      </p:cBhvr>
+                                      <p:tavLst>
+                                        <p:tav tm="0">
+                                          <p:val>
+                                            <p:strVal val="1+#ppt_w/2"/>
+                                          </p:val>
+                                        </p:tav>
+                                        <p:tav tm="100000">
+                                          <p:val>
+                                            <p:strVal val="#ppt_x"/>
+                                          </p:val>
+                                        </p:tav>
+                                      </p:tavLst>
+                                    </p:anim>
+                                    <p:anim calcmode="lin" valueType="num">
+                                      <p:cBhvr additive="base">
+                                        <p:cTn id="22" dur="2000" fill="hold"/>
+                                        <p:tgtEl>
+                                          <p:spTgt spid="15"/>
+                                        </p:tgtEl>
+                                        <p:attrNameLst>
+                                          <p:attrName>ppt_y</p:attrName>
+                                        </p:attrNameLst>
+                                      </p:cBhvr>
+                                      <p:tavLst>
+                                        <p:tav tm="0">
+                                          <p:val>
+                                            <p:strVal val="#ppt_y"/>
+                                          </p:val>
+                                        </p:tav>
+                                        <p:tav tm="100000">
+                                          <p:val>
+                                            <p:strVal val="#ppt_y"/>
+                                          </p:val>
+                                        </p:tav>
+                                      </p:tavLst>
+                                    </p:anim>
+                                  </p:childTnLst>
+                                </p:cTn>
+                              </p:par>
+                            </p:childTnLst>
+                          </p:cTn>
+                        </p:par>
+                      </p:childTnLst>
+                    </p:cTn>
+                  </p:par>
+                  <p:par>
+                    <p:cTn id="23" fill="hold">
+                      <p:stCondLst>
+                        <p:cond delay="indefinite"/>
+                      </p:stCondLst>
+                      <p:childTnLst>
+                        <p:par>
+                          <p:cTn id="24" fill="hold">
+                            <p:stCondLst>
+                              <p:cond delay="0"/>
+                            </p:stCondLst>
+                            <p:childTnLst>
+                              <p:par>
+                                <p:cTn id="25" presetID="10" presetClass="entr" presetSubtype="0" fill="hold" grpId="0" nodeType="clickEffect">
+                                  <p:stCondLst>
+                                    <p:cond delay="0"/>
+                                  </p:stCondLst>
+                                  <p:childTnLst>
+                                    <p:set>
+                                      <p:cBhvr>
+                                        <p:cTn id="26" dur="1" fill="hold">
+                                          <p:stCondLst>
+                                            <p:cond delay="0"/>
+                                          </p:stCondLst>
+                                        </p:cTn>
+                                        <p:tgtEl>
+                                          <p:spTgt spid="23"/>
+                                        </p:tgtEl>
+                                        <p:attrNameLst>
+                                          <p:attrName>style.visibility</p:attrName>
+                                        </p:attrNameLst>
+                                      </p:cBhvr>
+                                      <p:to>
+                                        <p:strVal val="visible"/>
+                                      </p:to>
+                                    </p:set>
+                                    <p:animEffect transition="in" filter="fade">
+                                      <p:cBhvr>
+                                        <p:cTn id="27" dur="500"/>
+                                        <p:tgtEl>
+                                          <p:spTgt spid="23"/>
+                                        </p:tgtEl>
+                                      </p:cBhvr>
+                                    </p:animEffect>
+                                  </p:childTnLst>
+                                </p:cTn>
+                              </p:par>
+                            </p:childTnLst>
+                          </p:cTn>
+                        </p:par>
+                      </p:childTnLst>
+                    </p:cTn>
+                  </p:par>
+                </p:childTnLst>
+              </p:cTn>
+              <p:prevCondLst>
+                <p:cond evt="onPrev" delay="0">
+                  <p:tgtEl>
+                    <p:sldTgt/>
+                  </p:tgtEl>
+                </p:cond>
+              </p:prevCondLst>
+              <p:nextCondLst>
+                <p:cond evt="onNext" delay="0">
+                  <p:tgtEl>
+                    <p:sldTgt/>
+                  </p:tgtEl>
+                </p:cond>
+              </p:nextCondLst>
+            </p:seq>
+          </p:childTnLst>
+        </p:cTn>
       </p:par>
     </p:tnLst>
+    <p:bldLst>
+      <p:bldP spid="11" grpId="0"/>
+      <p:bldP spid="15" grpId="0"/>
+      <p:bldP spid="22" grpId="0" animBg="1"/>
+      <p:bldP spid="22" grpId="1" animBg="1"/>
+      <p:bldP spid="23" grpId="0" animBg="1"/>
+    </p:bldLst>
   </p:timing>
 </p:sld>
 </file>
@@ -6377,16 +6830,6 @@
               </a:rPr>
               <a:t>시리얼 통신 코딩의 핵심</a:t>
             </a:r>
-            <a:endParaRPr lang="ko-KR" altLang="en-US" sz="3600" b="1" dirty="0">
-              <a:effectLst>
-                <a:outerShdw blurRad="38100" dist="38100" dir="2700000" algn="tl">
-                  <a:srgbClr val="000000">
-                    <a:alpha val="43137"/>
-                  </a:srgbClr>
-                </a:outerShdw>
-              </a:effectLst>
-              <a:latin typeface="+mj-ea"/>
-            </a:endParaRPr>
           </a:p>
         </p:txBody>
       </p:sp>
@@ -6868,9 +7311,157 @@
   <p:timing>
     <p:tnLst>
       <p:par>
-        <p:cTn id="1" dur="indefinite" restart="never" nodeType="tmRoot"/>
+        <p:cTn id="1" dur="indefinite" restart="never" nodeType="tmRoot">
+          <p:childTnLst>
+            <p:seq concurrent="1" nextAc="seek">
+              <p:cTn id="2" dur="indefinite" nodeType="mainSeq">
+                <p:childTnLst>
+                  <p:par>
+                    <p:cTn id="3" fill="hold">
+                      <p:stCondLst>
+                        <p:cond delay="indefinite"/>
+                      </p:stCondLst>
+                      <p:childTnLst>
+                        <p:par>
+                          <p:cTn id="4" fill="hold">
+                            <p:stCondLst>
+                              <p:cond delay="0"/>
+                            </p:stCondLst>
+                            <p:childTnLst>
+                              <p:par>
+                                <p:cTn id="5" presetID="10" presetClass="entr" presetSubtype="0" fill="hold" grpId="0" nodeType="clickEffect">
+                                  <p:stCondLst>
+                                    <p:cond delay="0"/>
+                                  </p:stCondLst>
+                                  <p:childTnLst>
+                                    <p:set>
+                                      <p:cBhvr>
+                                        <p:cTn id="6" dur="1" fill="hold">
+                                          <p:stCondLst>
+                                            <p:cond delay="0"/>
+                                          </p:stCondLst>
+                                        </p:cTn>
+                                        <p:tgtEl>
+                                          <p:spTgt spid="8">
+                                            <p:txEl>
+                                              <p:pRg st="0" end="0"/>
+                                            </p:txEl>
+                                          </p:spTgt>
+                                        </p:tgtEl>
+                                        <p:attrNameLst>
+                                          <p:attrName>style.visibility</p:attrName>
+                                        </p:attrNameLst>
+                                      </p:cBhvr>
+                                      <p:to>
+                                        <p:strVal val="visible"/>
+                                      </p:to>
+                                    </p:set>
+                                    <p:animEffect transition="in" filter="fade">
+                                      <p:cBhvr>
+                                        <p:cTn id="7" dur="500"/>
+                                        <p:tgtEl>
+                                          <p:spTgt spid="8">
+                                            <p:txEl>
+                                              <p:pRg st="0" end="0"/>
+                                            </p:txEl>
+                                          </p:spTgt>
+                                        </p:tgtEl>
+                                      </p:cBhvr>
+                                    </p:animEffect>
+                                  </p:childTnLst>
+                                </p:cTn>
+                              </p:par>
+                            </p:childTnLst>
+                          </p:cTn>
+                        </p:par>
+                      </p:childTnLst>
+                    </p:cTn>
+                  </p:par>
+                  <p:par>
+                    <p:cTn id="8" fill="hold">
+                      <p:stCondLst>
+                        <p:cond delay="indefinite"/>
+                      </p:stCondLst>
+                      <p:childTnLst>
+                        <p:par>
+                          <p:cTn id="9" fill="hold">
+                            <p:stCondLst>
+                              <p:cond delay="0"/>
+                            </p:stCondLst>
+                            <p:childTnLst>
+                              <p:par>
+                                <p:cTn id="10" presetID="10" presetClass="entr" presetSubtype="0" fill="hold" grpId="0" nodeType="clickEffect">
+                                  <p:stCondLst>
+                                    <p:cond delay="0"/>
+                                  </p:stCondLst>
+                                  <p:childTnLst>
+                                    <p:set>
+                                      <p:cBhvr>
+                                        <p:cTn id="11" dur="1" fill="hold">
+                                          <p:stCondLst>
+                                            <p:cond delay="0"/>
+                                          </p:stCondLst>
+                                        </p:cTn>
+                                        <p:tgtEl>
+                                          <p:spTgt spid="8">
+                                            <p:txEl>
+                                              <p:pRg st="1" end="1"/>
+                                            </p:txEl>
+                                          </p:spTgt>
+                                        </p:tgtEl>
+                                        <p:attrNameLst>
+                                          <p:attrName>style.visibility</p:attrName>
+                                        </p:attrNameLst>
+                                      </p:cBhvr>
+                                      <p:to>
+                                        <p:strVal val="visible"/>
+                                      </p:to>
+                                    </p:set>
+                                    <p:animEffect transition="in" filter="fade">
+                                      <p:cBhvr>
+                                        <p:cTn id="12" dur="500"/>
+                                        <p:tgtEl>
+                                          <p:spTgt spid="8">
+                                            <p:txEl>
+                                              <p:pRg st="1" end="1"/>
+                                            </p:txEl>
+                                          </p:spTgt>
+                                        </p:tgtEl>
+                                      </p:cBhvr>
+                                    </p:animEffect>
+                                  </p:childTnLst>
+                                </p:cTn>
+                              </p:par>
+                            </p:childTnLst>
+                          </p:cTn>
+                        </p:par>
+                      </p:childTnLst>
+                    </p:cTn>
+                  </p:par>
+                </p:childTnLst>
+              </p:cTn>
+              <p:prevCondLst>
+                <p:cond evt="onPrev" delay="0">
+                  <p:tgtEl>
+                    <p:sldTgt/>
+                  </p:tgtEl>
+                </p:cond>
+              </p:prevCondLst>
+              <p:nextCondLst>
+                <p:cond evt="onNext" delay="0">
+                  <p:tgtEl>
+                    <p:sldTgt/>
+                  </p:tgtEl>
+                </p:cond>
+              </p:nextCondLst>
+            </p:seq>
+          </p:childTnLst>
+        </p:cTn>
       </p:par>
     </p:tnLst>
+    <p:bldLst>
+      <p:bldP spid="8" grpId="0" build="p" bldLvl="2"/>
+    </p:bldLst>
   </p:timing>
 </p:sld>
 </file>
@@ -7111,13 +7702,13 @@
               <a:rPr lang="en-US" altLang="ko-KR" dirty="0" smtClean="0"/>
               <a:t>:</a:t>
             </a:r>
-            <a:r>
-              <a:rPr lang="en-US" altLang="ko-KR" dirty="0"/>
-              <a:t/>
-            </a:r>
-            <a:br>
-              <a:rPr lang="en-US" altLang="ko-KR" dirty="0"/>
-            </a:br>
+          </a:p>
+          <a:p>
+            <a:pPr lvl="1">
+              <a:lnSpc>
+                <a:spcPct val="100000"/>
+              </a:lnSpc>
+            </a:pPr>
             <a:r>
               <a:rPr lang="ko-KR" altLang="en-US" dirty="0" smtClean="0"/>
               <a:t>스위치 </a:t>
@@ -7708,7 +8299,7 @@
           <p:cNvPr id="10" name="TextBox 9">
             <a:extLst>
               <a:ext uri="{FF2B5EF4-FFF2-40B4-BE49-F238E27FC236}">
-                <a16:creationId xmlns:a16="http://schemas.microsoft.com/office/drawing/2014/main" xmlns="" id="{57A5A19C-5FB8-824C-AC41-DBE7A5E58E80}"/>
+                <a16:creationId xmlns="" xmlns:a16="http://schemas.microsoft.com/office/drawing/2014/main" id="{57A5A19C-5FB8-824C-AC41-DBE7A5E58E80}"/>
               </a:ext>
             </a:extLst>
           </p:cNvPr>
@@ -7760,7 +8351,7 @@
           <p:cNvPr id="11" name="TextBox 10">
             <a:extLst>
               <a:ext uri="{FF2B5EF4-FFF2-40B4-BE49-F238E27FC236}">
-                <a16:creationId xmlns:a16="http://schemas.microsoft.com/office/drawing/2014/main" xmlns="" id="{57A5A19C-5FB8-824C-AC41-DBE7A5E58E80}"/>
+                <a16:creationId xmlns="" xmlns:a16="http://schemas.microsoft.com/office/drawing/2014/main" id="{57A5A19C-5FB8-824C-AC41-DBE7A5E58E80}"/>
               </a:ext>
             </a:extLst>
           </p:cNvPr>
@@ -7812,7 +8403,7 @@
           <p:cNvPr id="12" name="TextBox 11">
             <a:extLst>
               <a:ext uri="{FF2B5EF4-FFF2-40B4-BE49-F238E27FC236}">
-                <a16:creationId xmlns:a16="http://schemas.microsoft.com/office/drawing/2014/main" xmlns="" id="{57A5A19C-5FB8-824C-AC41-DBE7A5E58E80}"/>
+                <a16:creationId xmlns="" xmlns:a16="http://schemas.microsoft.com/office/drawing/2014/main" id="{57A5A19C-5FB8-824C-AC41-DBE7A5E58E80}"/>
               </a:ext>
             </a:extLst>
           </p:cNvPr>
@@ -8452,11 +9043,7 @@
             </a:pPr>
             <a:r>
               <a:rPr lang="en-US" altLang="ko-KR" dirty="0" smtClean="0"/>
-              <a:t>S</a:t>
-            </a:r>
-            <a:r>
-              <a:rPr lang="en-US" altLang="ko-KR" dirty="0" smtClean="0"/>
-              <a:t>erial </a:t>
+              <a:t>Serial </a:t>
             </a:r>
             <a:r>
               <a:rPr lang="ko-KR" altLang="en-US" dirty="0" smtClean="0"/>
@@ -8479,11 +9066,7 @@
             </a:r>
             <a:r>
               <a:rPr lang="en-US" altLang="ko-KR" dirty="0" smtClean="0"/>
-              <a:t>1: </a:t>
-            </a:r>
-            <a:r>
-              <a:rPr lang="en-US" altLang="ko-KR" dirty="0" smtClean="0"/>
-              <a:t>Hardware Serial </a:t>
+              <a:t>1: Hardware Serial </a:t>
             </a:r>
             <a:r>
               <a:rPr lang="ko-KR" altLang="en-US" dirty="0" smtClean="0"/>
@@ -8826,7 +9409,7 @@
         </p:blipFill>
         <p:spPr>
           <a:xfrm>
-            <a:off x="2774805" y="737809"/>
+            <a:off x="3074608" y="737809"/>
             <a:ext cx="5838825" cy="7429500"/>
           </a:xfrm>
           <a:prstGeom prst="rect">
@@ -8834,6 +9417,255 @@
           </a:prstGeom>
         </p:spPr>
       </p:pic>
+      <p:sp>
+        <p:nvSpPr>
+          <p:cNvPr id="7" name="모서리가 둥근 직사각형 6"/>
+          <p:cNvSpPr/>
+          <p:nvPr/>
+        </p:nvSpPr>
+        <p:spPr>
+          <a:xfrm>
+            <a:off x="3462489" y="3300020"/>
+            <a:ext cx="4137523" cy="702354"/>
+          </a:xfrm>
+          <a:prstGeom prst="roundRect">
+            <a:avLst/>
+          </a:prstGeom>
+          <a:solidFill>
+            <a:srgbClr val="DEEBF7">
+              <a:alpha val="47843"/>
+            </a:srgbClr>
+          </a:solidFill>
+          <a:ln w="38100">
+            <a:solidFill>
+              <a:srgbClr val="FF0000"/>
+            </a:solidFill>
+          </a:ln>
+        </p:spPr>
+        <p:style>
+          <a:lnRef idx="2">
+            <a:schemeClr val="accent1">
+              <a:shade val="50000"/>
+            </a:schemeClr>
+          </a:lnRef>
+          <a:fillRef idx="1">
+            <a:schemeClr val="accent1"/>
+          </a:fillRef>
+          <a:effectRef idx="0">
+            <a:schemeClr val="accent1"/>
+          </a:effectRef>
+          <a:fontRef idx="minor">
+            <a:schemeClr val="lt1"/>
+          </a:fontRef>
+        </p:style>
+        <p:txBody>
+          <a:bodyPr rtlCol="0" anchor="ctr"/>
+          <a:lstStyle/>
+          <a:p>
+            <a:pPr algn="ctr"/>
+            <a:endParaRPr lang="ko-KR" altLang="en-US"/>
+          </a:p>
+        </p:txBody>
+      </p:sp>
+      <p:sp>
+        <p:nvSpPr>
+          <p:cNvPr id="8" name="모서리가 둥근 사각형 설명선 7"/>
+          <p:cNvSpPr/>
+          <p:nvPr/>
+        </p:nvSpPr>
+        <p:spPr>
+          <a:xfrm>
+            <a:off x="210913" y="2306086"/>
+            <a:ext cx="2863695" cy="2033566"/>
+          </a:xfrm>
+          <a:prstGeom prst="wedgeRoundRectCallout">
+            <a:avLst>
+              <a:gd name="adj1" fmla="val 63145"/>
+              <a:gd name="adj2" fmla="val 7168"/>
+              <a:gd name="adj3" fmla="val 16667"/>
+            </a:avLst>
+          </a:prstGeom>
+          <a:solidFill>
+            <a:schemeClr val="accent1">
+              <a:lumMod val="20000"/>
+              <a:lumOff val="80000"/>
+            </a:schemeClr>
+          </a:solidFill>
+        </p:spPr>
+        <p:style>
+          <a:lnRef idx="2">
+            <a:schemeClr val="accent1">
+              <a:shade val="50000"/>
+            </a:schemeClr>
+          </a:lnRef>
+          <a:fillRef idx="1">
+            <a:schemeClr val="accent1"/>
+          </a:fillRef>
+          <a:effectRef idx="0">
+            <a:schemeClr val="accent1"/>
+          </a:effectRef>
+          <a:fontRef idx="minor">
+            <a:schemeClr val="lt1"/>
+          </a:fontRef>
+        </p:style>
+        <p:txBody>
+          <a:bodyPr rtlCol="0" anchor="ctr"/>
+          <a:lstStyle/>
+          <a:p>
+            <a:pPr>
+              <a:lnSpc>
+                <a:spcPct val="150000"/>
+              </a:lnSpc>
+            </a:pPr>
+            <a:r>
+              <a:rPr lang="en-US" altLang="ko-KR" sz="1400" dirty="0" smtClean="0">
+                <a:solidFill>
+                  <a:schemeClr val="tx1"/>
+                </a:solidFill>
+              </a:rPr>
+              <a:t>Serial </a:t>
+            </a:r>
+            <a:r>
+              <a:rPr lang="ko-KR" altLang="en-US" sz="1400" dirty="0" smtClean="0">
+                <a:solidFill>
+                  <a:schemeClr val="tx1"/>
+                </a:solidFill>
+              </a:rPr>
+              <a:t>객체의 통신 속도 설정 후</a:t>
+            </a:r>
+            <a:r>
+              <a:rPr lang="en-US" altLang="ko-KR" sz="1400" dirty="0" smtClean="0">
+                <a:solidFill>
+                  <a:schemeClr val="tx1"/>
+                </a:solidFill>
+              </a:rPr>
+              <a:t>,</a:t>
+            </a:r>
+            <a:br>
+              <a:rPr lang="en-US" altLang="ko-KR" sz="1400" dirty="0" smtClean="0">
+                <a:solidFill>
+                  <a:schemeClr val="tx1"/>
+                </a:solidFill>
+              </a:rPr>
+            </a:br>
+            <a:r>
+              <a:rPr lang="en-US" altLang="ko-KR" sz="1400" dirty="0" err="1" smtClean="0">
+                <a:solidFill>
+                  <a:schemeClr val="accent6">
+                    <a:lumMod val="75000"/>
+                  </a:schemeClr>
+                </a:solidFill>
+              </a:rPr>
+              <a:t>Serial.begin</a:t>
+            </a:r>
+            <a:r>
+              <a:rPr lang="en-US" altLang="ko-KR" sz="1400" dirty="0" smtClean="0">
+                <a:solidFill>
+                  <a:schemeClr val="accent6">
+                    <a:lumMod val="75000"/>
+                  </a:schemeClr>
+                </a:solidFill>
+              </a:rPr>
+              <a:t>(9600); </a:t>
+            </a:r>
+          </a:p>
+          <a:p>
+            <a:pPr>
+              <a:lnSpc>
+                <a:spcPct val="150000"/>
+              </a:lnSpc>
+            </a:pPr>
+            <a:r>
+              <a:rPr lang="en-US" altLang="ko-KR" sz="1400" dirty="0" smtClean="0">
+                <a:solidFill>
+                  <a:schemeClr val="tx1"/>
+                </a:solidFill>
+              </a:rPr>
+              <a:t>PC</a:t>
+            </a:r>
+            <a:r>
+              <a:rPr lang="ko-KR" altLang="en-US" sz="1400" dirty="0" smtClean="0">
+                <a:solidFill>
+                  <a:schemeClr val="tx1"/>
+                </a:solidFill>
+              </a:rPr>
+              <a:t>와의 </a:t>
+            </a:r>
+            <a:r>
+              <a:rPr lang="en-US" altLang="ko-KR" sz="1400" dirty="0" smtClean="0">
+                <a:solidFill>
+                  <a:schemeClr val="tx1"/>
+                </a:solidFill>
+              </a:rPr>
+              <a:t>COM </a:t>
+            </a:r>
+            <a:r>
+              <a:rPr lang="ko-KR" altLang="en-US" sz="1400" dirty="0" smtClean="0">
+                <a:solidFill>
+                  <a:schemeClr val="tx1"/>
+                </a:solidFill>
+              </a:rPr>
+              <a:t>포트 연결이 될 때까지 모니터링 하며 대기</a:t>
+            </a:r>
+            <a:endParaRPr lang="en-US" altLang="ko-KR" sz="1400" dirty="0" smtClean="0">
+              <a:solidFill>
+                <a:schemeClr val="tx1"/>
+              </a:solidFill>
+            </a:endParaRPr>
+          </a:p>
+          <a:p>
+            <a:pPr>
+              <a:lnSpc>
+                <a:spcPct val="150000"/>
+              </a:lnSpc>
+            </a:pPr>
+            <a:r>
+              <a:rPr lang="en-US" altLang="ko-KR" sz="1400" dirty="0" smtClean="0">
+                <a:solidFill>
+                  <a:schemeClr val="accent6">
+                    <a:lumMod val="75000"/>
+                  </a:schemeClr>
+                </a:solidFill>
+              </a:rPr>
+              <a:t>while ( ! Serial )</a:t>
+            </a:r>
+          </a:p>
+          <a:p>
+            <a:pPr>
+              <a:lnSpc>
+                <a:spcPct val="150000"/>
+              </a:lnSpc>
+            </a:pPr>
+            <a:r>
+              <a:rPr lang="en-US" altLang="ko-KR" sz="1400" dirty="0">
+                <a:solidFill>
+                  <a:schemeClr val="accent6">
+                    <a:lumMod val="75000"/>
+                  </a:schemeClr>
+                </a:solidFill>
+              </a:rPr>
+              <a:t> </a:t>
+            </a:r>
+            <a:r>
+              <a:rPr lang="en-US" altLang="ko-KR" sz="1400" dirty="0" smtClean="0">
+                <a:solidFill>
+                  <a:schemeClr val="accent6">
+                    <a:lumMod val="75000"/>
+                  </a:schemeClr>
+                </a:solidFill>
+              </a:rPr>
+              <a:t>               ;  </a:t>
+            </a:r>
+            <a:endParaRPr lang="en-US" altLang="ko-KR" sz="1400" dirty="0">
+              <a:solidFill>
+                <a:schemeClr val="accent6">
+                  <a:lumMod val="75000"/>
+                </a:schemeClr>
+              </a:solidFill>
+            </a:endParaRPr>
+          </a:p>
+        </p:txBody>
+      </p:sp>
     </p:spTree>
     <p:extLst>
       <p:ext uri="{BB962C8B-B14F-4D97-AF65-F5344CB8AC3E}">
@@ -8847,9 +9679,133 @@
   <p:timing>
     <p:tnLst>
       <p:par>
-        <p:cTn id="1" dur="indefinite" restart="never" nodeType="tmRoot"/>
+        <p:cTn id="1" dur="indefinite" restart="never" nodeType="tmRoot">
+          <p:childTnLst>
+            <p:seq concurrent="1" nextAc="seek">
+              <p:cTn id="2" dur="indefinite" nodeType="mainSeq">
+                <p:childTnLst>
+                  <p:par>
+                    <p:cTn id="3" fill="hold">
+                      <p:stCondLst>
+                        <p:cond delay="indefinite"/>
+                      </p:stCondLst>
+                      <p:childTnLst>
+                        <p:par>
+                          <p:cTn id="4" fill="hold">
+                            <p:stCondLst>
+                              <p:cond delay="0"/>
+                            </p:stCondLst>
+                            <p:childTnLst>
+                              <p:par>
+                                <p:cTn id="5" presetID="10" presetClass="entr" presetSubtype="0" fill="hold" grpId="0" nodeType="clickEffect">
+                                  <p:stCondLst>
+                                    <p:cond delay="0"/>
+                                  </p:stCondLst>
+                                  <p:childTnLst>
+                                    <p:set>
+                                      <p:cBhvr>
+                                        <p:cTn id="6" dur="1" fill="hold">
+                                          <p:stCondLst>
+                                            <p:cond delay="0"/>
+                                          </p:stCondLst>
+                                        </p:cTn>
+                                        <p:tgtEl>
+                                          <p:spTgt spid="7"/>
+                                        </p:tgtEl>
+                                        <p:attrNameLst>
+                                          <p:attrName>style.visibility</p:attrName>
+                                        </p:attrNameLst>
+                                      </p:cBhvr>
+                                      <p:to>
+                                        <p:strVal val="visible"/>
+                                      </p:to>
+                                    </p:set>
+                                    <p:animEffect transition="in" filter="fade">
+                                      <p:cBhvr>
+                                        <p:cTn id="7" dur="500"/>
+                                        <p:tgtEl>
+                                          <p:spTgt spid="7"/>
+                                        </p:tgtEl>
+                                      </p:cBhvr>
+                                    </p:animEffect>
+                                  </p:childTnLst>
+                                </p:cTn>
+                              </p:par>
+                            </p:childTnLst>
+                          </p:cTn>
+                        </p:par>
+                        <p:par>
+                          <p:cTn id="8" fill="hold">
+                            <p:stCondLst>
+                              <p:cond delay="500"/>
+                            </p:stCondLst>
+                            <p:childTnLst>
+                              <p:par>
+                                <p:cTn id="9" presetID="10" presetClass="entr" presetSubtype="0" fill="hold" grpId="0" nodeType="afterEffect">
+                                  <p:stCondLst>
+                                    <p:cond delay="0"/>
+                                  </p:stCondLst>
+                                  <p:childTnLst>
+                                    <p:set>
+                                      <p:cBhvr>
+                                        <p:cTn id="10" dur="1" fill="hold">
+                                          <p:stCondLst>
+                                            <p:cond delay="0"/>
+                                          </p:stCondLst>
+                                        </p:cTn>
+                                        <p:tgtEl>
+                                          <p:spTgt spid="8"/>
+                                        </p:tgtEl>
+                                        <p:attrNameLst>
+                                          <p:attrName>style.visibility</p:attrName>
+                                        </p:attrNameLst>
+                                      </p:cBhvr>
+                                      <p:to>
+                                        <p:strVal val="visible"/>
+                                      </p:to>
+                                    </p:set>
+                                    <p:animEffect transition="in" filter="fade">
+                                      <p:cBhvr>
+                                        <p:cTn id="11" dur="500"/>
+                                        <p:tgtEl>
+                                          <p:spTgt spid="8"/>
+                                        </p:tgtEl>
+                                      </p:cBhvr>
+                                    </p:animEffect>
+                                  </p:childTnLst>
+                                </p:cTn>
+                              </p:par>
+                            </p:childTnLst>
+                          </p:cTn>
+                        </p:par>
+                      </p:childTnLst>
+                    </p:cTn>
+                  </p:par>
+                </p:childTnLst>
+              </p:cTn>
+              <p:prevCondLst>
+                <p:cond evt="onPrev" delay="0">
+                  <p:tgtEl>
+                    <p:sldTgt/>
+                  </p:tgtEl>
+                </p:cond>
+              </p:prevCondLst>
+              <p:nextCondLst>
+                <p:cond evt="onNext" delay="0">
+                  <p:tgtEl>
+                    <p:sldTgt/>
+                  </p:tgtEl>
+                </p:cond>
+              </p:nextCondLst>
+            </p:seq>
+          </p:childTnLst>
+        </p:cTn>
       </p:par>
     </p:tnLst>
+    <p:bldLst>
+      <p:bldP spid="7" grpId="0" animBg="1"/>
+      <p:bldP spid="8" grpId="0" animBg="1"/>
+    </p:bldLst>
   </p:timing>
 </p:sld>
 </file>
@@ -9039,7 +9995,7 @@
         </p:blipFill>
         <p:spPr>
           <a:xfrm>
-            <a:off x="1481570" y="1693718"/>
+            <a:off x="571500" y="2005637"/>
             <a:ext cx="6915150" cy="4495800"/>
           </a:xfrm>
           <a:prstGeom prst="rect">
@@ -9047,6 +10003,451 @@
           </a:prstGeom>
         </p:spPr>
       </p:pic>
+      <p:grpSp>
+        <p:nvGrpSpPr>
+          <p:cNvPr id="7" name="그룹 6"/>
+          <p:cNvGrpSpPr/>
+          <p:nvPr/>
+        </p:nvGrpSpPr>
+        <p:grpSpPr>
+          <a:xfrm>
+            <a:off x="3475206" y="2851687"/>
+            <a:ext cx="3065620" cy="1784737"/>
+            <a:chOff x="3900055" y="2479963"/>
+            <a:chExt cx="3065620" cy="1784737"/>
+          </a:xfrm>
+        </p:grpSpPr>
+        <p:sp>
+          <p:nvSpPr>
+            <p:cNvPr id="8" name="오른쪽 중괄호 7"/>
+            <p:cNvSpPr/>
+            <p:nvPr/>
+          </p:nvSpPr>
+          <p:spPr>
+            <a:xfrm>
+              <a:off x="3900055" y="2479963"/>
+              <a:ext cx="284018" cy="1784737"/>
+            </a:xfrm>
+            <a:prstGeom prst="rightBrace">
+              <a:avLst>
+                <a:gd name="adj1" fmla="val 57113"/>
+                <a:gd name="adj2" fmla="val 50000"/>
+              </a:avLst>
+            </a:prstGeom>
+            <a:ln w="28575">
+              <a:solidFill>
+                <a:srgbClr val="FF0000"/>
+              </a:solidFill>
+            </a:ln>
+          </p:spPr>
+          <p:style>
+            <a:lnRef idx="1">
+              <a:schemeClr val="accent1"/>
+            </a:lnRef>
+            <a:fillRef idx="0">
+              <a:schemeClr val="accent1"/>
+            </a:fillRef>
+            <a:effectRef idx="0">
+              <a:schemeClr val="accent1"/>
+            </a:effectRef>
+            <a:fontRef idx="minor">
+              <a:schemeClr val="tx1"/>
+            </a:fontRef>
+          </p:style>
+          <p:txBody>
+            <a:bodyPr rtlCol="0" anchor="ctr"/>
+            <a:lstStyle/>
+            <a:p>
+              <a:pPr algn="ctr"/>
+              <a:endParaRPr lang="ko-KR" altLang="en-US"/>
+            </a:p>
+          </p:txBody>
+        </p:sp>
+        <p:sp>
+          <p:nvSpPr>
+            <p:cNvPr id="9" name="TextBox 8"/>
+            <p:cNvSpPr txBox="1"/>
+            <p:nvPr/>
+          </p:nvSpPr>
+          <p:spPr>
+            <a:xfrm>
+              <a:off x="4313987" y="3187665"/>
+              <a:ext cx="2651688" cy="369332"/>
+            </a:xfrm>
+            <a:prstGeom prst="rect">
+              <a:avLst/>
+            </a:prstGeom>
+            <a:noFill/>
+          </p:spPr>
+          <p:txBody>
+            <a:bodyPr wrap="none" rtlCol="0">
+              <a:spAutoFit/>
+            </a:bodyPr>
+            <a:lstStyle/>
+            <a:p>
+              <a:r>
+                <a:rPr lang="ko-KR" altLang="en-US" dirty="0" smtClean="0">
+                  <a:solidFill>
+                    <a:srgbClr val="FF0000"/>
+                  </a:solidFill>
+                </a:rPr>
+                <a:t>스위치 </a:t>
+              </a:r>
+              <a:r>
+                <a:rPr lang="ko-KR" altLang="en-US" dirty="0" smtClean="0">
+                  <a:solidFill>
+                    <a:srgbClr val="FF0000"/>
+                  </a:solidFill>
+                </a:rPr>
+                <a:t>누를 때마다 송신</a:t>
+              </a:r>
+              <a:endParaRPr lang="ko-KR" altLang="en-US" dirty="0">
+                <a:solidFill>
+                  <a:srgbClr val="FF0000"/>
+                </a:solidFill>
+              </a:endParaRPr>
+            </a:p>
+          </p:txBody>
+        </p:sp>
+      </p:grpSp>
+      <p:sp>
+        <p:nvSpPr>
+          <p:cNvPr id="10" name="모서리가 둥근 사각형 설명선 9"/>
+          <p:cNvSpPr/>
+          <p:nvPr/>
+        </p:nvSpPr>
+        <p:spPr>
+          <a:xfrm>
+            <a:off x="4297006" y="673191"/>
+            <a:ext cx="3409212" cy="2033566"/>
+          </a:xfrm>
+          <a:prstGeom prst="wedgeRoundRectCallout">
+            <a:avLst>
+              <a:gd name="adj1" fmla="val -77998"/>
+              <a:gd name="adj2" fmla="val 43657"/>
+              <a:gd name="adj3" fmla="val 16667"/>
+            </a:avLst>
+          </a:prstGeom>
+          <a:solidFill>
+            <a:schemeClr val="accent1">
+              <a:lumMod val="20000"/>
+              <a:lumOff val="80000"/>
+            </a:schemeClr>
+          </a:solidFill>
+        </p:spPr>
+        <p:style>
+          <a:lnRef idx="2">
+            <a:schemeClr val="accent1">
+              <a:shade val="50000"/>
+            </a:schemeClr>
+          </a:lnRef>
+          <a:fillRef idx="1">
+            <a:schemeClr val="accent1"/>
+          </a:fillRef>
+          <a:effectRef idx="0">
+            <a:schemeClr val="accent1"/>
+          </a:effectRef>
+          <a:fontRef idx="minor">
+            <a:schemeClr val="lt1"/>
+          </a:fontRef>
+        </p:style>
+        <p:txBody>
+          <a:bodyPr rtlCol="0" anchor="ctr"/>
+          <a:lstStyle/>
+          <a:p>
+            <a:pPr>
+              <a:lnSpc>
+                <a:spcPct val="150000"/>
+              </a:lnSpc>
+            </a:pPr>
+            <a:r>
+              <a:rPr lang="en-US" altLang="ko-KR" sz="1400" dirty="0" smtClean="0">
+                <a:solidFill>
+                  <a:schemeClr val="tx1"/>
+                </a:solidFill>
+              </a:rPr>
+              <a:t>PC</a:t>
+            </a:r>
+            <a:r>
+              <a:rPr lang="ko-KR" altLang="en-US" sz="1400" dirty="0" smtClean="0">
+                <a:solidFill>
+                  <a:schemeClr val="tx1"/>
+                </a:solidFill>
+              </a:rPr>
+              <a:t>와의 </a:t>
+            </a:r>
+            <a:r>
+              <a:rPr lang="en-US" altLang="ko-KR" sz="1400" dirty="0" smtClean="0">
+                <a:solidFill>
+                  <a:schemeClr val="tx1"/>
+                </a:solidFill>
+              </a:rPr>
+              <a:t>COM </a:t>
+            </a:r>
+            <a:r>
+              <a:rPr lang="ko-KR" altLang="en-US" sz="1400" dirty="0" smtClean="0">
+                <a:solidFill>
+                  <a:schemeClr val="tx1"/>
+                </a:solidFill>
+              </a:rPr>
+              <a:t>포트 연결이 될 때까지 모니터링 하며 대기</a:t>
+            </a:r>
+            <a:r>
+              <a:rPr lang="en-US" altLang="ko-KR" sz="1400" dirty="0" smtClean="0">
+                <a:solidFill>
+                  <a:schemeClr val="tx1"/>
+                </a:solidFill>
+              </a:rPr>
+              <a:t>, </a:t>
+            </a:r>
+            <a:r>
+              <a:rPr lang="ko-KR" altLang="en-US" sz="1400" dirty="0" smtClean="0">
+                <a:solidFill>
+                  <a:schemeClr val="tx1"/>
+                </a:solidFill>
+              </a:rPr>
+              <a:t>완료되면 </a:t>
+            </a:r>
+            <a:r>
+              <a:rPr lang="en-US" altLang="ko-KR" sz="1400" dirty="0" smtClean="0">
+                <a:solidFill>
+                  <a:schemeClr val="tx1"/>
+                </a:solidFill>
+              </a:rPr>
+              <a:t>while </a:t>
+            </a:r>
+            <a:r>
+              <a:rPr lang="ko-KR" altLang="en-US" sz="1400" dirty="0" smtClean="0">
+                <a:solidFill>
+                  <a:schemeClr val="tx1"/>
+                </a:solidFill>
+              </a:rPr>
+              <a:t>종료</a:t>
+            </a:r>
+            <a:endParaRPr lang="en-US" altLang="ko-KR" sz="1400" dirty="0" smtClean="0">
+              <a:solidFill>
+                <a:schemeClr val="tx1"/>
+              </a:solidFill>
+            </a:endParaRPr>
+          </a:p>
+          <a:p>
+            <a:pPr>
+              <a:lnSpc>
+                <a:spcPct val="150000"/>
+              </a:lnSpc>
+            </a:pPr>
+            <a:r>
+              <a:rPr lang="en-US" altLang="ko-KR" sz="1400" dirty="0" smtClean="0">
+                <a:solidFill>
+                  <a:schemeClr val="accent6">
+                    <a:lumMod val="75000"/>
+                  </a:schemeClr>
+                </a:solidFill>
+              </a:rPr>
+              <a:t>while ( ! Serial )</a:t>
+            </a:r>
+          </a:p>
+          <a:p>
+            <a:pPr>
+              <a:lnSpc>
+                <a:spcPct val="150000"/>
+              </a:lnSpc>
+            </a:pPr>
+            <a:r>
+              <a:rPr lang="en-US" altLang="ko-KR" sz="1400" dirty="0">
+                <a:solidFill>
+                  <a:schemeClr val="accent6">
+                    <a:lumMod val="75000"/>
+                  </a:schemeClr>
+                </a:solidFill>
+              </a:rPr>
+              <a:t> </a:t>
+            </a:r>
+            <a:r>
+              <a:rPr lang="en-US" altLang="ko-KR" sz="1400" dirty="0" smtClean="0">
+                <a:solidFill>
+                  <a:schemeClr val="accent6">
+                    <a:lumMod val="75000"/>
+                  </a:schemeClr>
+                </a:solidFill>
+              </a:rPr>
+              <a:t>               ;  </a:t>
+            </a:r>
+          </a:p>
+          <a:p>
+            <a:pPr>
+              <a:lnSpc>
+                <a:spcPct val="150000"/>
+              </a:lnSpc>
+            </a:pPr>
+            <a:r>
+              <a:rPr lang="ko-KR" altLang="en-US" sz="1400" dirty="0" smtClean="0">
+                <a:solidFill>
+                  <a:schemeClr val="tx1"/>
+                </a:solidFill>
+              </a:rPr>
+              <a:t>연결된 후에 완료 메시지 송신</a:t>
+            </a:r>
+            <a:endParaRPr lang="en-US" altLang="ko-KR" sz="1400" dirty="0" smtClean="0">
+              <a:solidFill>
+                <a:schemeClr val="tx1"/>
+              </a:solidFill>
+            </a:endParaRPr>
+          </a:p>
+          <a:p>
+            <a:pPr>
+              <a:lnSpc>
+                <a:spcPct val="150000"/>
+              </a:lnSpc>
+            </a:pPr>
+            <a:r>
+              <a:rPr lang="en-US" altLang="ko-KR" sz="1400" dirty="0" err="1" smtClean="0">
+                <a:solidFill>
+                  <a:schemeClr val="accent6">
+                    <a:lumMod val="75000"/>
+                  </a:schemeClr>
+                </a:solidFill>
+              </a:rPr>
+              <a:t>Serial.pintln</a:t>
+            </a:r>
+            <a:r>
+              <a:rPr lang="en-US" altLang="ko-KR" sz="1400" dirty="0" smtClean="0">
+                <a:solidFill>
+                  <a:schemeClr val="accent6">
+                    <a:lumMod val="75000"/>
+                  </a:schemeClr>
+                </a:solidFill>
+              </a:rPr>
+              <a:t>(“</a:t>
+            </a:r>
+            <a:r>
+              <a:rPr lang="ko-KR" altLang="en-US" sz="1400" dirty="0" smtClean="0">
+                <a:solidFill>
+                  <a:schemeClr val="accent6">
+                    <a:lumMod val="75000"/>
+                  </a:schemeClr>
+                </a:solidFill>
+              </a:rPr>
+              <a:t>시리얼 통신 준비 완료</a:t>
+            </a:r>
+            <a:r>
+              <a:rPr lang="en-US" altLang="ko-KR" sz="1400" dirty="0" smtClean="0">
+                <a:solidFill>
+                  <a:schemeClr val="accent6">
+                    <a:lumMod val="75000"/>
+                  </a:schemeClr>
+                </a:solidFill>
+              </a:rPr>
+              <a:t>“);</a:t>
+            </a:r>
+            <a:endParaRPr lang="en-US" altLang="ko-KR" sz="1400" dirty="0">
+              <a:solidFill>
+                <a:schemeClr val="accent6">
+                  <a:lumMod val="75000"/>
+                </a:schemeClr>
+              </a:solidFill>
+            </a:endParaRPr>
+          </a:p>
+        </p:txBody>
+      </p:sp>
+      <p:sp>
+        <p:nvSpPr>
+          <p:cNvPr id="11" name="모서리가 둥근 직사각형 10"/>
+          <p:cNvSpPr/>
+          <p:nvPr/>
+        </p:nvSpPr>
+        <p:spPr>
+          <a:xfrm>
+            <a:off x="1630629" y="2570812"/>
+            <a:ext cx="1742158" cy="241913"/>
+          </a:xfrm>
+          <a:prstGeom prst="roundRect">
+            <a:avLst/>
+          </a:prstGeom>
+          <a:solidFill>
+            <a:srgbClr val="DEEBF7">
+              <a:alpha val="47843"/>
+            </a:srgbClr>
+          </a:solidFill>
+          <a:ln w="38100">
+            <a:solidFill>
+              <a:srgbClr val="FF0000"/>
+            </a:solidFill>
+          </a:ln>
+        </p:spPr>
+        <p:style>
+          <a:lnRef idx="2">
+            <a:schemeClr val="accent1">
+              <a:shade val="50000"/>
+            </a:schemeClr>
+          </a:lnRef>
+          <a:fillRef idx="1">
+            <a:schemeClr val="accent1"/>
+          </a:fillRef>
+          <a:effectRef idx="0">
+            <a:schemeClr val="accent1"/>
+          </a:effectRef>
+          <a:fontRef idx="minor">
+            <a:schemeClr val="lt1"/>
+          </a:fontRef>
+        </p:style>
+        <p:txBody>
+          <a:bodyPr rtlCol="0" anchor="ctr"/>
+          <a:lstStyle/>
+          <a:p>
+            <a:pPr algn="ctr"/>
+            <a:endParaRPr lang="ko-KR" altLang="en-US"/>
+          </a:p>
+        </p:txBody>
+      </p:sp>
+      <p:sp>
+        <p:nvSpPr>
+          <p:cNvPr id="12" name="직사각형 11"/>
+          <p:cNvSpPr/>
+          <p:nvPr/>
+        </p:nvSpPr>
+        <p:spPr>
+          <a:xfrm>
+            <a:off x="667933" y="2850201"/>
+            <a:ext cx="2509982" cy="1886691"/>
+          </a:xfrm>
+          <a:prstGeom prst="rect">
+            <a:avLst/>
+          </a:prstGeom>
+          <a:solidFill>
+            <a:schemeClr val="bg1"/>
+          </a:solidFill>
+          <a:ln>
+            <a:solidFill>
+              <a:schemeClr val="bg1"/>
+            </a:solidFill>
+          </a:ln>
+        </p:spPr>
+        <p:style>
+          <a:lnRef idx="2">
+            <a:schemeClr val="accent1">
+              <a:shade val="50000"/>
+            </a:schemeClr>
+          </a:lnRef>
+          <a:fillRef idx="1">
+            <a:schemeClr val="accent1"/>
+          </a:fillRef>
+          <a:effectRef idx="0">
+            <a:schemeClr val="accent1"/>
+          </a:effectRef>
+          <a:fontRef idx="minor">
+            <a:schemeClr val="lt1"/>
+          </a:fontRef>
+        </p:style>
+        <p:txBody>
+          <a:bodyPr rtlCol="0" anchor="ctr"/>
+          <a:lstStyle/>
+          <a:p>
+            <a:pPr algn="ctr"/>
+            <a:endParaRPr lang="ko-KR" altLang="en-US"/>
+          </a:p>
+        </p:txBody>
+      </p:sp>
     </p:spTree>
     <p:extLst>
       <p:ext uri="{BB962C8B-B14F-4D97-AF65-F5344CB8AC3E}">
@@ -9060,9 +10461,222 @@
   <p:timing>
     <p:tnLst>
       <p:par>
-        <p:cTn id="1" dur="indefinite" restart="never" nodeType="tmRoot"/>
+        <p:cTn id="1" dur="indefinite" restart="never" nodeType="tmRoot">
+          <p:childTnLst>
+            <p:seq concurrent="1" nextAc="seek">
+              <p:cTn id="2" dur="indefinite" nodeType="mainSeq">
+                <p:childTnLst>
+                  <p:par>
+                    <p:cTn id="3" fill="hold">
+                      <p:stCondLst>
+                        <p:cond delay="indefinite"/>
+                      </p:stCondLst>
+                      <p:childTnLst>
+                        <p:par>
+                          <p:cTn id="4" fill="hold">
+                            <p:stCondLst>
+                              <p:cond delay="0"/>
+                            </p:stCondLst>
+                            <p:childTnLst>
+                              <p:par>
+                                <p:cTn id="5" presetID="10" presetClass="entr" presetSubtype="0" fill="hold" grpId="0" nodeType="clickEffect">
+                                  <p:stCondLst>
+                                    <p:cond delay="0"/>
+                                  </p:stCondLst>
+                                  <p:childTnLst>
+                                    <p:set>
+                                      <p:cBhvr>
+                                        <p:cTn id="6" dur="1" fill="hold">
+                                          <p:stCondLst>
+                                            <p:cond delay="0"/>
+                                          </p:stCondLst>
+                                        </p:cTn>
+                                        <p:tgtEl>
+                                          <p:spTgt spid="11"/>
+                                        </p:tgtEl>
+                                        <p:attrNameLst>
+                                          <p:attrName>style.visibility</p:attrName>
+                                        </p:attrNameLst>
+                                      </p:cBhvr>
+                                      <p:to>
+                                        <p:strVal val="visible"/>
+                                      </p:to>
+                                    </p:set>
+                                    <p:animEffect transition="in" filter="fade">
+                                      <p:cBhvr>
+                                        <p:cTn id="7" dur="500"/>
+                                        <p:tgtEl>
+                                          <p:spTgt spid="11"/>
+                                        </p:tgtEl>
+                                      </p:cBhvr>
+                                    </p:animEffect>
+                                  </p:childTnLst>
+                                </p:cTn>
+                              </p:par>
+                            </p:childTnLst>
+                          </p:cTn>
+                        </p:par>
+                        <p:par>
+                          <p:cTn id="8" fill="hold">
+                            <p:stCondLst>
+                              <p:cond delay="500"/>
+                            </p:stCondLst>
+                            <p:childTnLst>
+                              <p:par>
+                                <p:cTn id="9" presetID="10" presetClass="entr" presetSubtype="0" fill="hold" grpId="0" nodeType="afterEffect">
+                                  <p:stCondLst>
+                                    <p:cond delay="0"/>
+                                  </p:stCondLst>
+                                  <p:childTnLst>
+                                    <p:set>
+                                      <p:cBhvr>
+                                        <p:cTn id="10" dur="1" fill="hold">
+                                          <p:stCondLst>
+                                            <p:cond delay="0"/>
+                                          </p:stCondLst>
+                                        </p:cTn>
+                                        <p:tgtEl>
+                                          <p:spTgt spid="10"/>
+                                        </p:tgtEl>
+                                        <p:attrNameLst>
+                                          <p:attrName>style.visibility</p:attrName>
+                                        </p:attrNameLst>
+                                      </p:cBhvr>
+                                      <p:to>
+                                        <p:strVal val="visible"/>
+                                      </p:to>
+                                    </p:set>
+                                    <p:animEffect transition="in" filter="fade">
+                                      <p:cBhvr>
+                                        <p:cTn id="11" dur="500"/>
+                                        <p:tgtEl>
+                                          <p:spTgt spid="10"/>
+                                        </p:tgtEl>
+                                      </p:cBhvr>
+                                    </p:animEffect>
+                                  </p:childTnLst>
+                                </p:cTn>
+                              </p:par>
+                            </p:childTnLst>
+                          </p:cTn>
+                        </p:par>
+                      </p:childTnLst>
+                    </p:cTn>
+                  </p:par>
+                  <p:par>
+                    <p:cTn id="12" fill="hold">
+                      <p:stCondLst>
+                        <p:cond delay="indefinite"/>
+                      </p:stCondLst>
+                      <p:childTnLst>
+                        <p:par>
+                          <p:cTn id="13" fill="hold">
+                            <p:stCondLst>
+                              <p:cond delay="0"/>
+                            </p:stCondLst>
+                            <p:childTnLst>
+                              <p:par>
+                                <p:cTn id="14" presetID="22" presetClass="exit" presetSubtype="1" fill="hold" grpId="0" nodeType="clickEffect">
+                                  <p:stCondLst>
+                                    <p:cond delay="0"/>
+                                  </p:stCondLst>
+                                  <p:childTnLst>
+                                    <p:animEffect transition="out" filter="wipe(up)">
+                                      <p:cBhvr>
+                                        <p:cTn id="15" dur="500"/>
+                                        <p:tgtEl>
+                                          <p:spTgt spid="12"/>
+                                        </p:tgtEl>
+                                      </p:cBhvr>
+                                    </p:animEffect>
+                                    <p:set>
+                                      <p:cBhvr>
+                                        <p:cTn id="16" dur="1" fill="hold">
+                                          <p:stCondLst>
+                                            <p:cond delay="499"/>
+                                          </p:stCondLst>
+                                        </p:cTn>
+                                        <p:tgtEl>
+                                          <p:spTgt spid="12"/>
+                                        </p:tgtEl>
+                                        <p:attrNameLst>
+                                          <p:attrName>style.visibility</p:attrName>
+                                        </p:attrNameLst>
+                                      </p:cBhvr>
+                                      <p:to>
+                                        <p:strVal val="hidden"/>
+                                      </p:to>
+                                    </p:set>
+                                  </p:childTnLst>
+                                </p:cTn>
+                              </p:par>
+                              <p:par>
+                                <p:cTn id="17" presetID="22" presetClass="entr" presetSubtype="8" fill="hold" nodeType="withEffect">
+                                  <p:stCondLst>
+                                    <p:cond delay="0"/>
+                                  </p:stCondLst>
+                                  <p:childTnLst>
+                                    <p:set>
+                                      <p:cBhvr>
+                                        <p:cTn id="18" dur="1" fill="hold">
+                                          <p:stCondLst>
+                                            <p:cond delay="0"/>
+                                          </p:stCondLst>
+                                        </p:cTn>
+                                        <p:tgtEl>
+                                          <p:spTgt spid="7"/>
+                                        </p:tgtEl>
+                                        <p:attrNameLst>
+                                          <p:attrName>style.visibility</p:attrName>
+                                        </p:attrNameLst>
+                                      </p:cBhvr>
+                                      <p:to>
+                                        <p:strVal val="visible"/>
+                                      </p:to>
+                                    </p:set>
+                                    <p:animEffect transition="in" filter="wipe(left)">
+                                      <p:cBhvr>
+                                        <p:cTn id="19" dur="500"/>
+                                        <p:tgtEl>
+                                          <p:spTgt spid="7"/>
+                                        </p:tgtEl>
+                                      </p:cBhvr>
+                                    </p:animEffect>
+                                  </p:childTnLst>
+                                </p:cTn>
+                              </p:par>
+                            </p:childTnLst>
+                          </p:cTn>
+                        </p:par>
+                      </p:childTnLst>
+                    </p:cTn>
+                  </p:par>
+                </p:childTnLst>
+              </p:cTn>
+              <p:prevCondLst>
+                <p:cond evt="onPrev" delay="0">
+                  <p:tgtEl>
+                    <p:sldTgt/>
+                  </p:tgtEl>
+                </p:cond>
+              </p:prevCondLst>
+              <p:nextCondLst>
+                <p:cond evt="onNext" delay="0">
+                  <p:tgtEl>
+                    <p:sldTgt/>
+                  </p:tgtEl>
+                </p:cond>
+              </p:nextCondLst>
+            </p:seq>
+          </p:childTnLst>
+        </p:cTn>
       </p:par>
     </p:tnLst>
+    <p:bldLst>
+      <p:bldP spid="10" grpId="0" animBg="1"/>
+      <p:bldP spid="11" grpId="0" animBg="1"/>
+      <p:bldP spid="12" grpId="0" animBg="1"/>
+    </p:bldLst>
   </p:timing>
 </p:sld>
 </file>
@@ -10244,11 +11858,7 @@
             </a:r>
             <a:r>
               <a:rPr lang="ko-KR" altLang="en-US" sz="1400" dirty="0"/>
-              <a:t>이</a:t>
-            </a:r>
-            <a:r>
-              <a:rPr lang="ko-KR" altLang="en-US" sz="1400" dirty="0"/>
-              <a:t> 코드를 </a:t>
+              <a:t>이 코드를 </a:t>
             </a:r>
             <a:r>
               <a:rPr lang="en-US" altLang="ko-KR" sz="1400" dirty="0"/>
@@ -11719,11 +13329,7 @@
             </a:br>
             <a:r>
               <a:rPr lang="en-US" altLang="ko-KR" dirty="0" smtClean="0"/>
-              <a:t>		- </a:t>
-            </a:r>
-            <a:r>
-              <a:rPr lang="en-US" altLang="ko-KR" dirty="0" smtClean="0"/>
-              <a:t>LED (Green) 1</a:t>
+              <a:t>		- LED (Green) 1</a:t>
             </a:r>
             <a:r>
               <a:rPr lang="ko-KR" altLang="en-US" dirty="0" smtClean="0"/>
@@ -12526,7 +14132,7 @@
         </p:nvSpPr>
         <p:spPr>
           <a:xfrm>
-            <a:off x="628650" y="365126"/>
+            <a:off x="628650" y="769860"/>
             <a:ext cx="7886700" cy="1325563"/>
           </a:xfrm>
           <a:prstGeom prst="rect">
@@ -12602,7 +14208,7 @@
         </p:nvSpPr>
         <p:spPr>
           <a:xfrm>
-            <a:off x="306362" y="1255999"/>
+            <a:off x="306362" y="1653238"/>
             <a:ext cx="8507854" cy="1532171"/>
           </a:xfrm>
           <a:prstGeom prst="rect">
@@ -12925,7 +14531,7 @@
         </p:nvSpPr>
         <p:spPr>
           <a:xfrm>
-            <a:off x="542325" y="2817934"/>
+            <a:off x="542325" y="3222668"/>
             <a:ext cx="7973025" cy="2585323"/>
           </a:xfrm>
           <a:prstGeom prst="rect">
@@ -13017,14 +14623,7 @@
                 <a:latin typeface="Courier New" panose="02070309020205020404" pitchFamily="49" charset="0"/>
                 <a:cs typeface="Courier New" panose="02070309020205020404" pitchFamily="49" charset="0"/>
               </a:rPr>
-              <a:t> </a:t>
-            </a:r>
-            <a:r>
-              <a:rPr lang="en-US" altLang="ko-KR" dirty="0" smtClean="0">
-                <a:latin typeface="Courier New" panose="02070309020205020404" pitchFamily="49" charset="0"/>
-                <a:cs typeface="Courier New" panose="02070309020205020404" pitchFamily="49" charset="0"/>
-              </a:rPr>
-              <a:t>if(</a:t>
+              <a:t> if(</a:t>
             </a:r>
             <a:r>
               <a:rPr lang="en-US" altLang="ko-KR" dirty="0" err="1" smtClean="0">
@@ -13130,14 +14729,7 @@
                 <a:latin typeface="Courier New" panose="02070309020205020404" pitchFamily="49" charset="0"/>
                 <a:cs typeface="Courier New" panose="02070309020205020404" pitchFamily="49" charset="0"/>
               </a:rPr>
-              <a:t>  </a:t>
-            </a:r>
-            <a:r>
-              <a:rPr lang="en-US" altLang="ko-KR" dirty="0" smtClean="0">
-                <a:latin typeface="Courier New" panose="02070309020205020404" pitchFamily="49" charset="0"/>
-                <a:cs typeface="Courier New" panose="02070309020205020404" pitchFamily="49" charset="0"/>
-              </a:rPr>
-              <a:t>else				     	//</a:t>
+              <a:t>  else				     	//</a:t>
             </a:r>
             <a:r>
               <a:rPr lang="ko-KR" altLang="en-US" dirty="0" smtClean="0">
@@ -13252,10 +14844,6 @@
               </a:rPr>
               <a:t>}</a:t>
             </a:r>
-            <a:endParaRPr lang="en-US" altLang="ko-KR" dirty="0" smtClean="0">
-              <a:latin typeface="Courier New" panose="02070309020205020404" pitchFamily="49" charset="0"/>
-              <a:cs typeface="Courier New" panose="02070309020205020404" pitchFamily="49" charset="0"/>
-            </a:endParaRPr>
           </a:p>
         </p:txBody>
       </p:sp>
@@ -13279,6 +14867,48 @@
               <a:t>28</a:t>
             </a:fld>
             <a:endParaRPr lang="ko-KR" altLang="en-US"/>
+          </a:p>
+        </p:txBody>
+      </p:sp>
+      <p:sp>
+        <p:nvSpPr>
+          <p:cNvPr id="7" name="TextBox 6"/>
+          <p:cNvSpPr txBox="1"/>
+          <p:nvPr/>
+        </p:nvSpPr>
+        <p:spPr>
+          <a:xfrm>
+            <a:off x="134912" y="143505"/>
+            <a:ext cx="1675459" cy="369332"/>
+          </a:xfrm>
+          <a:prstGeom prst="rect">
+            <a:avLst/>
+          </a:prstGeom>
+          <a:noFill/>
+        </p:spPr>
+        <p:txBody>
+          <a:bodyPr wrap="none" rtlCol="0">
+            <a:spAutoFit/>
+          </a:bodyPr>
+          <a:lstStyle/>
+          <a:p>
+            <a:r>
+              <a:rPr lang="ko-KR" altLang="en-US" dirty="0" smtClean="0">
+                <a:solidFill>
+                  <a:schemeClr val="bg1">
+                    <a:lumMod val="65000"/>
+                  </a:schemeClr>
+                </a:solidFill>
+              </a:rPr>
+              <a:t>별도 작성 함수</a:t>
+            </a:r>
+            <a:endParaRPr lang="ko-KR" altLang="en-US" dirty="0">
+              <a:solidFill>
+                <a:schemeClr val="bg1">
+                  <a:lumMod val="65000"/>
+                </a:schemeClr>
+              </a:solidFill>
+            </a:endParaRPr>
           </a:p>
         </p:txBody>
       </p:sp>
@@ -14709,11 +16339,7 @@
             </a:r>
             <a:r>
               <a:rPr lang="ko-KR" altLang="en-US" dirty="0" smtClean="0"/>
-              <a:t> 외부와 통신하는 </a:t>
-            </a:r>
-            <a:r>
-              <a:rPr lang="ko-KR" altLang="en-US" dirty="0" smtClean="0"/>
-              <a:t>방법</a:t>
+              <a:t> 외부와 통신하는 방법</a:t>
             </a:r>
             <a:endParaRPr lang="ko-KR" altLang="en-US" dirty="0"/>
           </a:p>
@@ -15107,10 +16733,6 @@
               </a:rPr>
               <a:t>Software Serial</a:t>
             </a:r>
-            <a:endParaRPr lang="en-US" altLang="ko-KR" sz="3600" dirty="0" smtClean="0">
-              <a:latin typeface="+mj-ea"/>
-              <a:ea typeface="+mj-ea"/>
-            </a:endParaRPr>
           </a:p>
           <a:p>
             <a:r>
@@ -15118,14 +16740,7 @@
                 <a:latin typeface="+mj-ea"/>
                 <a:ea typeface="+mj-ea"/>
               </a:rPr>
-              <a:t>I2C (Inter-Integrated Circuit: Inter IC</a:t>
-            </a:r>
-            <a:r>
-              <a:rPr lang="en-US" altLang="ko-KR" sz="3600" dirty="0" smtClean="0">
-                <a:latin typeface="+mj-ea"/>
-                <a:ea typeface="+mj-ea"/>
-              </a:rPr>
-              <a:t>)</a:t>
+              <a:t>I2C (Inter-Integrated Circuit: Inter IC)</a:t>
             </a:r>
           </a:p>
           <a:p>
@@ -17800,19 +19415,7 @@
               <a:rPr lang="ko-KR" altLang="en-US" sz="2400" dirty="0" smtClean="0">
                 <a:latin typeface="+mn-ea"/>
               </a:rPr>
-              <a:t> </a:t>
-            </a:r>
-            <a:r>
-              <a:rPr lang="ko-KR" altLang="en-US" sz="2400" dirty="0" smtClean="0">
-                <a:latin typeface="+mn-ea"/>
-              </a:rPr>
-              <a:t>보드의 시리얼 통신 전용 </a:t>
-            </a:r>
-            <a:r>
-              <a:rPr lang="ko-KR" altLang="en-US" sz="2400" dirty="0" smtClean="0">
-                <a:latin typeface="+mn-ea"/>
-              </a:rPr>
-              <a:t>핀</a:t>
+              <a:t> 보드의 시리얼 통신 전용 핀</a:t>
             </a:r>
             <a:r>
               <a:rPr lang="en-US" altLang="ko-KR" sz="2400" dirty="0" smtClean="0">
@@ -17903,9 +19506,6 @@
               </a:rPr>
               <a:t>)</a:t>
             </a:r>
-            <a:endParaRPr lang="en-US" altLang="ko-KR" sz="2000" dirty="0" smtClean="0">
-              <a:latin typeface="+mn-ea"/>
-            </a:endParaRPr>
           </a:p>
           <a:p>
             <a:pPr>
@@ -17923,13 +19523,7 @@
               <a:rPr lang="ko-KR" altLang="en-US" sz="2400" dirty="0" smtClean="0">
                 <a:latin typeface="+mn-ea"/>
               </a:rPr>
-              <a:t>포트와 </a:t>
-            </a:r>
-            <a:r>
-              <a:rPr lang="ko-KR" altLang="en-US" sz="2400" dirty="0" smtClean="0">
-                <a:latin typeface="+mn-ea"/>
-              </a:rPr>
-              <a:t>하드웨어적으로 공유 </a:t>
+              <a:t>포트와 하드웨어적으로 공유 </a:t>
             </a:r>
             <a:endParaRPr lang="en-US" altLang="ko-KR" sz="2400" dirty="0" smtClean="0">
               <a:latin typeface="+mn-ea"/>
@@ -17963,19 +19557,7 @@
               <a:rPr lang="ko-KR" altLang="en-US" sz="2000" dirty="0" smtClean="0">
                 <a:latin typeface="+mn-ea"/>
               </a:rPr>
-              <a:t> </a:t>
-            </a:r>
-            <a:r>
-              <a:rPr lang="ko-KR" altLang="en-US" sz="2000" dirty="0" smtClean="0">
-                <a:latin typeface="+mn-ea"/>
-              </a:rPr>
-              <a:t>동시 사용 </a:t>
-            </a:r>
-            <a:r>
-              <a:rPr lang="ko-KR" altLang="en-US" sz="2000" dirty="0" smtClean="0">
-                <a:latin typeface="+mn-ea"/>
-              </a:rPr>
-              <a:t>불가능</a:t>
+              <a:t> 동시 사용 불가능</a:t>
             </a:r>
             <a:endParaRPr lang="en-US" altLang="ko-KR" sz="2000" dirty="0">
               <a:latin typeface="+mn-ea"/>
@@ -18056,13 +19638,7 @@
               <a:rPr lang="ko-KR" altLang="en-US" sz="2000" dirty="0" smtClean="0">
                 <a:latin typeface="+mn-ea"/>
               </a:rPr>
-              <a:t> </a:t>
-            </a:r>
-            <a:r>
-              <a:rPr lang="ko-KR" altLang="en-US" sz="2000" dirty="0" smtClean="0">
-                <a:latin typeface="+mn-ea"/>
-              </a:rPr>
-              <a:t>스케치 업로드 불가능</a:t>
+              <a:t> 스케치 업로드 불가능</a:t>
             </a:r>
             <a:r>
               <a:rPr lang="en-US" altLang="ko-KR" sz="2000" dirty="0" smtClean="0">
@@ -18629,20 +20205,7 @@
                 </a:effectLst>
                 <a:latin typeface="+mj-ea"/>
               </a:rPr>
-              <a:t>Soft</a:t>
-            </a:r>
-            <a:r>
-              <a:rPr lang="en-US" altLang="ko-KR" b="1" dirty="0" smtClean="0">
-                <a:effectLst>
-                  <a:outerShdw blurRad="38100" dist="38100" dir="2700000" algn="tl">
-                    <a:srgbClr val="000000">
-                      <a:alpha val="43137"/>
-                    </a:srgbClr>
-                  </a:outerShdw>
-                </a:effectLst>
-                <a:latin typeface="+mj-ea"/>
-              </a:rPr>
-              <a:t>ware Serial</a:t>
+              <a:t>Software Serial</a:t>
             </a:r>
             <a:endParaRPr lang="ko-KR" altLang="en-US" b="1" dirty="0">
               <a:effectLst>
@@ -19072,13 +20635,7 @@
               <a:rPr lang="en-US" altLang="ko-KR" sz="2400" dirty="0" err="1" smtClean="0">
                 <a:latin typeface="+mn-ea"/>
               </a:rPr>
-              <a:t>Software</a:t>
-            </a:r>
-            <a:r>
-              <a:rPr lang="en-US" altLang="ko-KR" sz="2400" dirty="0" err="1" smtClean="0">
-                <a:latin typeface="+mn-ea"/>
-              </a:rPr>
-              <a:t>Serial</a:t>
+              <a:t>SoftwareSerial</a:t>
             </a:r>
             <a:r>
               <a:rPr lang="en-US" altLang="ko-KR" sz="2400" dirty="0" smtClean="0">
@@ -20237,17 +21794,7 @@
                   </a:schemeClr>
                 </a:solidFill>
               </a:rPr>
-              <a:t> </a:t>
-            </a:r>
-            <a:r>
-              <a:rPr lang="ko-KR" altLang="en-US" dirty="0" smtClean="0">
-                <a:solidFill>
-                  <a:schemeClr val="bg1">
-                    <a:lumMod val="65000"/>
-                  </a:schemeClr>
-                </a:solidFill>
-              </a:rPr>
-              <a:t>하드웨어 시리얼 통신 함수</a:t>
+              <a:t> 하드웨어 시리얼 통신 함수</a:t>
             </a:r>
             <a:endParaRPr lang="ko-KR" altLang="en-US" dirty="0">
               <a:solidFill>

--- a/Week05.pptx
+++ b/Week05.pptx
@@ -5,42 +5,47 @@
     <p:sldMasterId id="2147483660" r:id="rId1"/>
   </p:sldMasterIdLst>
   <p:notesMasterIdLst>
-    <p:notesMasterId r:id="rId32"/>
+    <p:notesMasterId r:id="rId37"/>
   </p:notesMasterIdLst>
   <p:handoutMasterIdLst>
-    <p:handoutMasterId r:id="rId33"/>
+    <p:handoutMasterId r:id="rId38"/>
   </p:handoutMasterIdLst>
   <p:sldIdLst>
-    <p:sldId id="256" r:id="rId2"/>
-    <p:sldId id="260" r:id="rId3"/>
-    <p:sldId id="261" r:id="rId4"/>
-    <p:sldId id="339" r:id="rId5"/>
+    <p:sldId id="342" r:id="rId2"/>
+    <p:sldId id="343" r:id="rId3"/>
+    <p:sldId id="339" r:id="rId4"/>
+    <p:sldId id="261" r:id="rId5"/>
     <p:sldId id="316" r:id="rId6"/>
     <p:sldId id="340" r:id="rId7"/>
     <p:sldId id="319" r:id="rId8"/>
     <p:sldId id="317" r:id="rId9"/>
     <p:sldId id="325" r:id="rId10"/>
     <p:sldId id="321" r:id="rId11"/>
-    <p:sldId id="320" r:id="rId12"/>
-    <p:sldId id="323" r:id="rId13"/>
-    <p:sldId id="322" r:id="rId14"/>
-    <p:sldId id="324" r:id="rId15"/>
-    <p:sldId id="285" r:id="rId16"/>
-    <p:sldId id="326" r:id="rId17"/>
-    <p:sldId id="338" r:id="rId18"/>
-    <p:sldId id="327" r:id="rId19"/>
-    <p:sldId id="328" r:id="rId20"/>
-    <p:sldId id="329" r:id="rId21"/>
-    <p:sldId id="330" r:id="rId22"/>
-    <p:sldId id="331" r:id="rId23"/>
-    <p:sldId id="332" r:id="rId24"/>
-    <p:sldId id="333" r:id="rId25"/>
-    <p:sldId id="334" r:id="rId26"/>
-    <p:sldId id="335" r:id="rId27"/>
-    <p:sldId id="336" r:id="rId28"/>
-    <p:sldId id="312" r:id="rId29"/>
-    <p:sldId id="337" r:id="rId30"/>
-    <p:sldId id="341" r:id="rId31"/>
+    <p:sldId id="344" r:id="rId12"/>
+    <p:sldId id="345" r:id="rId13"/>
+    <p:sldId id="320" r:id="rId14"/>
+    <p:sldId id="323" r:id="rId15"/>
+    <p:sldId id="322" r:id="rId16"/>
+    <p:sldId id="324" r:id="rId17"/>
+    <p:sldId id="285" r:id="rId18"/>
+    <p:sldId id="326" r:id="rId19"/>
+    <p:sldId id="338" r:id="rId20"/>
+    <p:sldId id="327" r:id="rId21"/>
+    <p:sldId id="328" r:id="rId22"/>
+    <p:sldId id="329" r:id="rId23"/>
+    <p:sldId id="330" r:id="rId24"/>
+    <p:sldId id="331" r:id="rId25"/>
+    <p:sldId id="349" r:id="rId26"/>
+    <p:sldId id="332" r:id="rId27"/>
+    <p:sldId id="333" r:id="rId28"/>
+    <p:sldId id="334" r:id="rId29"/>
+    <p:sldId id="335" r:id="rId30"/>
+    <p:sldId id="336" r:id="rId31"/>
+    <p:sldId id="347" r:id="rId32"/>
+    <p:sldId id="312" r:id="rId33"/>
+    <p:sldId id="337" r:id="rId34"/>
+    <p:sldId id="341" r:id="rId35"/>
+    <p:sldId id="348" r:id="rId36"/>
   </p:sldIdLst>
   <p:sldSz cx="9144000" cy="6858000" type="screen4x3"/>
   <p:notesSz cx="6797675" cy="9926638"/>
@@ -3579,35 +3584,37 @@
         </p:nvSpPr>
         <p:spPr>
           <a:xfrm>
-            <a:off x="555309" y="1593272"/>
+            <a:off x="555309" y="1853248"/>
             <a:ext cx="7772400" cy="1639599"/>
           </a:xfrm>
         </p:spPr>
         <p:txBody>
           <a:bodyPr>
-            <a:normAutofit/>
+            <a:noAutofit/>
           </a:bodyPr>
           <a:lstStyle/>
           <a:p>
             <a:r>
-              <a:rPr lang="ko-KR" altLang="en-US" sz="4800" dirty="0" err="1" smtClean="0"/>
+              <a:rPr lang="ko-KR" altLang="en-US" dirty="0" err="1" smtClean="0">
+                <a:latin typeface="+mj-ea"/>
+              </a:rPr>
               <a:t>사물인터넷</a:t>
             </a:r>
             <a:r>
-              <a:rPr lang="en-US" altLang="ko-KR" sz="4800" dirty="0">
+              <a:rPr lang="en-US" altLang="ko-KR" dirty="0">
                 <a:latin typeface="+mj-ea"/>
               </a:rPr>
               <a:t>(IoT) </a:t>
             </a:r>
-            <a:r>
-              <a:rPr lang="en-US" altLang="ko-KR" sz="4800" dirty="0"/>
-              <a:t/>
-            </a:r>
             <a:br>
-              <a:rPr lang="en-US" altLang="ko-KR" sz="4800" dirty="0"/>
+              <a:rPr lang="en-US" altLang="ko-KR" dirty="0">
+                <a:latin typeface="+mj-ea"/>
+              </a:rPr>
             </a:br>
             <a:r>
-              <a:rPr lang="ko-KR" altLang="en-US" sz="4800" dirty="0"/>
+              <a:rPr lang="ko-KR" altLang="en-US" dirty="0">
+                <a:latin typeface="+mj-ea"/>
+              </a:rPr>
               <a:t>프로그래밍 기초</a:t>
             </a:r>
           </a:p>
@@ -3636,21 +3643,30 @@
           <a:lstStyle/>
           <a:p>
             <a:r>
-              <a:rPr lang="en-US" altLang="ko-KR" sz="4800" dirty="0" smtClean="0"/>
+              <a:rPr lang="en-US" altLang="ko-KR" dirty="0" smtClean="0">
+                <a:latin typeface="+mj-ea"/>
+                <a:ea typeface="+mj-ea"/>
+              </a:rPr>
               <a:t>5. </a:t>
             </a:r>
             <a:r>
-              <a:rPr lang="ko-KR" altLang="en-US" sz="4800" dirty="0" smtClean="0"/>
+              <a:rPr lang="ko-KR" altLang="en-US" dirty="0" smtClean="0">
+                <a:latin typeface="+mj-ea"/>
+                <a:ea typeface="+mj-ea"/>
+              </a:rPr>
               <a:t>시리얼통신</a:t>
             </a:r>
-            <a:endParaRPr lang="ko-KR" altLang="en-US" sz="4800" dirty="0"/>
+            <a:endParaRPr lang="ko-KR" altLang="en-US" dirty="0">
+              <a:latin typeface="+mj-ea"/>
+              <a:ea typeface="+mj-ea"/>
+            </a:endParaRPr>
           </a:p>
         </p:txBody>
       </p:sp>
     </p:spTree>
     <p:extLst>
       <p:ext uri="{BB962C8B-B14F-4D97-AF65-F5344CB8AC3E}">
-        <p14:creationId xmlns:p14="http://schemas.microsoft.com/office/powerpoint/2010/main" val="3978678235"/>
+        <p14:creationId xmlns:p14="http://schemas.microsoft.com/office/powerpoint/2010/main" val="639697351"/>
       </p:ext>
     </p:extLst>
   </p:cSld>
@@ -4010,9 +4026,17 @@
               <a:rPr lang="ko-KR" altLang="en-US" dirty="0" smtClean="0"/>
               <a:t>케이블로 연결</a:t>
             </a:r>
+            <a:endParaRPr lang="en-US" altLang="ko-KR" dirty="0"/>
+          </a:p>
+          <a:p>
+            <a:pPr lvl="1">
+              <a:lnSpc>
+                <a:spcPct val="100000"/>
+              </a:lnSpc>
+            </a:pPr>
             <a:r>
               <a:rPr lang="en-US" altLang="ko-KR" dirty="0" smtClean="0"/>
-              <a:t>, COM </a:t>
+              <a:t>COM </a:t>
             </a:r>
             <a:r>
               <a:rPr lang="ko-KR" altLang="en-US" dirty="0" smtClean="0"/>
@@ -4184,6 +4208,1949 @@
 </file>
 
 <file path=ppt/slides/slide11.xml><?xml version="1.0" encoding="utf-8"?>
+<p:sld xmlns:a="http://schemas.openxmlformats.org/drawingml/2006/main" xmlns:r="http://schemas.openxmlformats.org/officeDocument/2006/relationships" xmlns:p="http://schemas.openxmlformats.org/presentationml/2006/main">
+  <p:cSld>
+    <p:spTree>
+      <p:nvGrpSpPr>
+        <p:cNvPr id="1" name=""/>
+        <p:cNvGrpSpPr/>
+        <p:nvPr/>
+      </p:nvGrpSpPr>
+      <p:grpSpPr>
+        <a:xfrm>
+          <a:off x="0" y="0"/>
+          <a:ext cx="0" cy="0"/>
+          <a:chOff x="0" y="0"/>
+          <a:chExt cx="0" cy="0"/>
+        </a:xfrm>
+      </p:grpSpPr>
+      <p:sp>
+        <p:nvSpPr>
+          <p:cNvPr id="2" name="제목 1"/>
+          <p:cNvSpPr txBox="1">
+            <a:spLocks/>
+          </p:cNvSpPr>
+          <p:nvPr/>
+        </p:nvSpPr>
+        <p:spPr>
+          <a:xfrm>
+            <a:off x="628650" y="812224"/>
+            <a:ext cx="7886700" cy="692709"/>
+          </a:xfrm>
+          <a:prstGeom prst="rect">
+            <a:avLst/>
+          </a:prstGeom>
+        </p:spPr>
+        <p:txBody>
+          <a:bodyPr/>
+          <a:lstStyle>
+            <a:lvl1pPr algn="l" defTabSz="914400" rtl="0" eaLnBrk="1" latinLnBrk="1" hangingPunct="1">
+              <a:lnSpc>
+                <a:spcPct val="90000"/>
+              </a:lnSpc>
+              <a:spcBef>
+                <a:spcPct val="0"/>
+              </a:spcBef>
+              <a:buNone/>
+              <a:defRPr sz="4400" kern="1200">
+                <a:solidFill>
+                  <a:schemeClr val="tx1"/>
+                </a:solidFill>
+                <a:latin typeface="+mj-lt"/>
+                <a:ea typeface="+mj-ea"/>
+                <a:cs typeface="+mj-cs"/>
+              </a:defRPr>
+            </a:lvl1pPr>
+          </a:lstStyle>
+          <a:p>
+            <a:r>
+              <a:rPr lang="en-US" altLang="ko-KR" b="1" dirty="0" err="1" smtClean="0">
+                <a:effectLst>
+                  <a:outerShdw blurRad="38100" dist="38100" dir="2700000" algn="tl">
+                    <a:srgbClr val="000000">
+                      <a:alpha val="43137"/>
+                    </a:srgbClr>
+                  </a:outerShdw>
+                </a:effectLst>
+                <a:latin typeface="+mj-ea"/>
+              </a:rPr>
+              <a:t>Serial.available</a:t>
+            </a:r>
+            <a:r>
+              <a:rPr lang="en-US" altLang="ko-KR" dirty="0" smtClean="0">
+                <a:latin typeface="+mj-ea"/>
+              </a:rPr>
+              <a:t>()</a:t>
+            </a:r>
+            <a:endParaRPr lang="ko-KR" altLang="en-US" dirty="0">
+              <a:latin typeface="+mj-ea"/>
+            </a:endParaRPr>
+          </a:p>
+        </p:txBody>
+      </p:sp>
+      <p:sp>
+        <p:nvSpPr>
+          <p:cNvPr id="3" name="내용 개체 틀 2"/>
+          <p:cNvSpPr txBox="1">
+            <a:spLocks/>
+          </p:cNvSpPr>
+          <p:nvPr/>
+        </p:nvSpPr>
+        <p:spPr>
+          <a:xfrm>
+            <a:off x="628650" y="1825625"/>
+            <a:ext cx="7886700" cy="2358669"/>
+          </a:xfrm>
+          <a:prstGeom prst="rect">
+            <a:avLst/>
+          </a:prstGeom>
+        </p:spPr>
+        <p:txBody>
+          <a:bodyPr/>
+          <a:lstStyle>
+            <a:lvl1pPr marL="228600" indent="-228600" algn="l" defTabSz="914400" rtl="0" eaLnBrk="1" latinLnBrk="1" hangingPunct="1">
+              <a:lnSpc>
+                <a:spcPct val="90000"/>
+              </a:lnSpc>
+              <a:spcBef>
+                <a:spcPts val="1000"/>
+              </a:spcBef>
+              <a:buFont typeface="Arial" panose="020B0604020202020204" pitchFamily="34" charset="0"/>
+              <a:buChar char="•"/>
+              <a:defRPr sz="2800" kern="1200">
+                <a:solidFill>
+                  <a:schemeClr val="tx1"/>
+                </a:solidFill>
+                <a:latin typeface="+mn-lt"/>
+                <a:ea typeface="+mn-ea"/>
+                <a:cs typeface="+mn-cs"/>
+              </a:defRPr>
+            </a:lvl1pPr>
+            <a:lvl2pPr marL="685800" indent="-228600" algn="l" defTabSz="914400" rtl="0" eaLnBrk="1" latinLnBrk="1" hangingPunct="1">
+              <a:lnSpc>
+                <a:spcPct val="90000"/>
+              </a:lnSpc>
+              <a:spcBef>
+                <a:spcPts val="500"/>
+              </a:spcBef>
+              <a:buFont typeface="Arial" panose="020B0604020202020204" pitchFamily="34" charset="0"/>
+              <a:buChar char="•"/>
+              <a:defRPr sz="2400" kern="1200">
+                <a:solidFill>
+                  <a:schemeClr val="tx1"/>
+                </a:solidFill>
+                <a:latin typeface="+mn-lt"/>
+                <a:ea typeface="+mn-ea"/>
+                <a:cs typeface="+mn-cs"/>
+              </a:defRPr>
+            </a:lvl2pPr>
+            <a:lvl3pPr marL="1143000" indent="-228600" algn="l" defTabSz="914400" rtl="0" eaLnBrk="1" latinLnBrk="1" hangingPunct="1">
+              <a:lnSpc>
+                <a:spcPct val="90000"/>
+              </a:lnSpc>
+              <a:spcBef>
+                <a:spcPts val="500"/>
+              </a:spcBef>
+              <a:buFont typeface="Arial" panose="020B0604020202020204" pitchFamily="34" charset="0"/>
+              <a:buChar char="•"/>
+              <a:defRPr sz="2000" kern="1200">
+                <a:solidFill>
+                  <a:schemeClr val="tx1"/>
+                </a:solidFill>
+                <a:latin typeface="+mn-lt"/>
+                <a:ea typeface="+mn-ea"/>
+                <a:cs typeface="+mn-cs"/>
+              </a:defRPr>
+            </a:lvl3pPr>
+            <a:lvl4pPr marL="1600200" indent="-228600" algn="l" defTabSz="914400" rtl="0" eaLnBrk="1" latinLnBrk="1" hangingPunct="1">
+              <a:lnSpc>
+                <a:spcPct val="90000"/>
+              </a:lnSpc>
+              <a:spcBef>
+                <a:spcPts val="500"/>
+              </a:spcBef>
+              <a:buFont typeface="Arial" panose="020B0604020202020204" pitchFamily="34" charset="0"/>
+              <a:buChar char="•"/>
+              <a:defRPr sz="1800" kern="1200">
+                <a:solidFill>
+                  <a:schemeClr val="tx1"/>
+                </a:solidFill>
+                <a:latin typeface="+mn-lt"/>
+                <a:ea typeface="+mn-ea"/>
+                <a:cs typeface="+mn-cs"/>
+              </a:defRPr>
+            </a:lvl4pPr>
+            <a:lvl5pPr marL="2057400" indent="-228600" algn="l" defTabSz="914400" rtl="0" eaLnBrk="1" latinLnBrk="1" hangingPunct="1">
+              <a:lnSpc>
+                <a:spcPct val="90000"/>
+              </a:lnSpc>
+              <a:spcBef>
+                <a:spcPts val="500"/>
+              </a:spcBef>
+              <a:buFont typeface="Arial" panose="020B0604020202020204" pitchFamily="34" charset="0"/>
+              <a:buChar char="•"/>
+              <a:defRPr sz="1800" kern="1200">
+                <a:solidFill>
+                  <a:schemeClr val="tx1"/>
+                </a:solidFill>
+                <a:latin typeface="+mn-lt"/>
+                <a:ea typeface="+mn-ea"/>
+                <a:cs typeface="+mn-cs"/>
+              </a:defRPr>
+            </a:lvl5pPr>
+            <a:lvl6pPr marL="2514600" indent="-228600" algn="l" defTabSz="914400" rtl="0" eaLnBrk="1" latinLnBrk="1" hangingPunct="1">
+              <a:lnSpc>
+                <a:spcPct val="90000"/>
+              </a:lnSpc>
+              <a:spcBef>
+                <a:spcPts val="500"/>
+              </a:spcBef>
+              <a:buFont typeface="Arial" panose="020B0604020202020204" pitchFamily="34" charset="0"/>
+              <a:buChar char="•"/>
+              <a:defRPr sz="1800" kern="1200">
+                <a:solidFill>
+                  <a:schemeClr val="tx1"/>
+                </a:solidFill>
+                <a:latin typeface="+mn-lt"/>
+                <a:ea typeface="+mn-ea"/>
+                <a:cs typeface="+mn-cs"/>
+              </a:defRPr>
+            </a:lvl6pPr>
+            <a:lvl7pPr marL="2971800" indent="-228600" algn="l" defTabSz="914400" rtl="0" eaLnBrk="1" latinLnBrk="1" hangingPunct="1">
+              <a:lnSpc>
+                <a:spcPct val="90000"/>
+              </a:lnSpc>
+              <a:spcBef>
+                <a:spcPts val="500"/>
+              </a:spcBef>
+              <a:buFont typeface="Arial" panose="020B0604020202020204" pitchFamily="34" charset="0"/>
+              <a:buChar char="•"/>
+              <a:defRPr sz="1800" kern="1200">
+                <a:solidFill>
+                  <a:schemeClr val="tx1"/>
+                </a:solidFill>
+                <a:latin typeface="+mn-lt"/>
+                <a:ea typeface="+mn-ea"/>
+                <a:cs typeface="+mn-cs"/>
+              </a:defRPr>
+            </a:lvl7pPr>
+            <a:lvl8pPr marL="3429000" indent="-228600" algn="l" defTabSz="914400" rtl="0" eaLnBrk="1" latinLnBrk="1" hangingPunct="1">
+              <a:lnSpc>
+                <a:spcPct val="90000"/>
+              </a:lnSpc>
+              <a:spcBef>
+                <a:spcPts val="500"/>
+              </a:spcBef>
+              <a:buFont typeface="Arial" panose="020B0604020202020204" pitchFamily="34" charset="0"/>
+              <a:buChar char="•"/>
+              <a:defRPr sz="1800" kern="1200">
+                <a:solidFill>
+                  <a:schemeClr val="tx1"/>
+                </a:solidFill>
+                <a:latin typeface="+mn-lt"/>
+                <a:ea typeface="+mn-ea"/>
+                <a:cs typeface="+mn-cs"/>
+              </a:defRPr>
+            </a:lvl8pPr>
+            <a:lvl9pPr marL="3886200" indent="-228600" algn="l" defTabSz="914400" rtl="0" eaLnBrk="1" latinLnBrk="1" hangingPunct="1">
+              <a:lnSpc>
+                <a:spcPct val="90000"/>
+              </a:lnSpc>
+              <a:spcBef>
+                <a:spcPts val="500"/>
+              </a:spcBef>
+              <a:buFont typeface="Arial" panose="020B0604020202020204" pitchFamily="34" charset="0"/>
+              <a:buChar char="•"/>
+              <a:defRPr sz="1800" kern="1200">
+                <a:solidFill>
+                  <a:schemeClr val="tx1"/>
+                </a:solidFill>
+                <a:latin typeface="+mn-lt"/>
+                <a:ea typeface="+mn-ea"/>
+                <a:cs typeface="+mn-cs"/>
+              </a:defRPr>
+            </a:lvl9pPr>
+          </a:lstStyle>
+          <a:p>
+            <a:r>
+              <a:rPr lang="ko-KR" altLang="en-US" dirty="0" smtClean="0"/>
+              <a:t>시리얼 포트로부터 읽을 수 있는 바이트의 수를 가져옴</a:t>
+            </a:r>
+            <a:endParaRPr lang="en-US" altLang="ko-KR" dirty="0" smtClean="0"/>
+          </a:p>
+          <a:p>
+            <a:r>
+              <a:rPr lang="ko-KR" altLang="en-US" dirty="0" err="1" smtClean="0"/>
+              <a:t>반환값은</a:t>
+            </a:r>
+            <a:r>
+              <a:rPr lang="ko-KR" altLang="en-US" dirty="0" smtClean="0"/>
+              <a:t> 읽어온 바이트의 수로</a:t>
+            </a:r>
+            <a:r>
+              <a:rPr lang="en-US" altLang="ko-KR" dirty="0" smtClean="0"/>
+              <a:t>, 0</a:t>
+            </a:r>
+            <a:r>
+              <a:rPr lang="ko-KR" altLang="en-US" dirty="0" smtClean="0"/>
+              <a:t>일 경우 받은 데이터가 없음</a:t>
+            </a:r>
+            <a:endParaRPr lang="en-US" altLang="ko-KR" dirty="0" smtClean="0"/>
+          </a:p>
+        </p:txBody>
+      </p:sp>
+      <p:sp>
+        <p:nvSpPr>
+          <p:cNvPr id="4" name="TextBox 3"/>
+          <p:cNvSpPr txBox="1"/>
+          <p:nvPr/>
+        </p:nvSpPr>
+        <p:spPr>
+          <a:xfrm>
+            <a:off x="102413" y="45524"/>
+            <a:ext cx="2015295" cy="369332"/>
+          </a:xfrm>
+          <a:prstGeom prst="rect">
+            <a:avLst/>
+          </a:prstGeom>
+          <a:noFill/>
+        </p:spPr>
+        <p:txBody>
+          <a:bodyPr wrap="none" rtlCol="0">
+            <a:spAutoFit/>
+          </a:bodyPr>
+          <a:lstStyle/>
+          <a:p>
+            <a:r>
+              <a:rPr lang="en-US" altLang="ko-KR" dirty="0" smtClean="0">
+                <a:solidFill>
+                  <a:schemeClr val="bg1">
+                    <a:lumMod val="65000"/>
+                  </a:schemeClr>
+                </a:solidFill>
+              </a:rPr>
+              <a:t>Serial </a:t>
+            </a:r>
+            <a:r>
+              <a:rPr lang="ko-KR" altLang="en-US" dirty="0" smtClean="0">
+                <a:solidFill>
+                  <a:schemeClr val="bg1">
+                    <a:lumMod val="65000"/>
+                  </a:schemeClr>
+                </a:solidFill>
+              </a:rPr>
+              <a:t>객체의 함수</a:t>
+            </a:r>
+            <a:endParaRPr lang="ko-KR" altLang="en-US" dirty="0">
+              <a:solidFill>
+                <a:schemeClr val="bg1">
+                  <a:lumMod val="65000"/>
+                </a:schemeClr>
+              </a:solidFill>
+            </a:endParaRPr>
+          </a:p>
+        </p:txBody>
+      </p:sp>
+      <p:sp>
+        <p:nvSpPr>
+          <p:cNvPr id="5" name="TextBox 4"/>
+          <p:cNvSpPr txBox="1"/>
+          <p:nvPr/>
+        </p:nvSpPr>
+        <p:spPr>
+          <a:xfrm>
+            <a:off x="803421" y="4087619"/>
+            <a:ext cx="7946132" cy="2031325"/>
+          </a:xfrm>
+          <a:prstGeom prst="rect">
+            <a:avLst/>
+          </a:prstGeom>
+          <a:solidFill>
+            <a:schemeClr val="accent4">
+              <a:lumMod val="20000"/>
+              <a:lumOff val="80000"/>
+            </a:schemeClr>
+          </a:solidFill>
+        </p:spPr>
+        <p:txBody>
+          <a:bodyPr wrap="square" rtlCol="0">
+            <a:spAutoFit/>
+          </a:bodyPr>
+          <a:lstStyle/>
+          <a:p>
+            <a:r>
+              <a:rPr lang="en-US" altLang="ko-KR" dirty="0" err="1" smtClean="0">
+                <a:latin typeface="Courier New" panose="02070309020205020404" pitchFamily="49" charset="0"/>
+                <a:cs typeface="Courier New" panose="02070309020205020404" pitchFamily="49" charset="0"/>
+              </a:rPr>
+              <a:t>int</a:t>
+            </a:r>
+            <a:r>
+              <a:rPr lang="en-US" altLang="ko-KR" dirty="0">
+                <a:latin typeface="Courier New" panose="02070309020205020404" pitchFamily="49" charset="0"/>
+                <a:cs typeface="Courier New" panose="02070309020205020404" pitchFamily="49" charset="0"/>
+              </a:rPr>
+              <a:t> </a:t>
+            </a:r>
+            <a:r>
+              <a:rPr lang="en-US" altLang="ko-KR" dirty="0" err="1" smtClean="0">
+                <a:latin typeface="Courier New" panose="02070309020205020404" pitchFamily="49" charset="0"/>
+                <a:cs typeface="Courier New" panose="02070309020205020404" pitchFamily="49" charset="0"/>
+              </a:rPr>
+              <a:t>inByte</a:t>
+            </a:r>
+            <a:r>
+              <a:rPr lang="en-US" altLang="ko-KR" dirty="0" smtClean="0">
+                <a:latin typeface="Courier New" panose="02070309020205020404" pitchFamily="49" charset="0"/>
+                <a:cs typeface="Courier New" panose="02070309020205020404" pitchFamily="49" charset="0"/>
+              </a:rPr>
+              <a:t>;</a:t>
+            </a:r>
+            <a:r>
+              <a:rPr lang="en-US" altLang="ko-KR" dirty="0">
+                <a:solidFill>
+                  <a:schemeClr val="accent1">
+                    <a:lumMod val="75000"/>
+                  </a:schemeClr>
+                </a:solidFill>
+                <a:latin typeface="Courier New" panose="02070309020205020404" pitchFamily="49" charset="0"/>
+                <a:cs typeface="Courier New" panose="02070309020205020404" pitchFamily="49" charset="0"/>
+              </a:rPr>
+              <a:t> </a:t>
+            </a:r>
+            <a:endParaRPr lang="en-US" altLang="ko-KR" dirty="0" smtClean="0">
+              <a:latin typeface="Courier New" panose="02070309020205020404" pitchFamily="49" charset="0"/>
+              <a:cs typeface="Courier New" panose="02070309020205020404" pitchFamily="49" charset="0"/>
+            </a:endParaRPr>
+          </a:p>
+          <a:p>
+            <a:r>
+              <a:rPr lang="en-US" altLang="ko-KR" dirty="0" smtClean="0">
+                <a:latin typeface="Courier New" panose="02070309020205020404" pitchFamily="49" charset="0"/>
+                <a:cs typeface="Courier New" panose="02070309020205020404" pitchFamily="49" charset="0"/>
+              </a:rPr>
+              <a:t>void loop()</a:t>
+            </a:r>
+          </a:p>
+          <a:p>
+            <a:r>
+              <a:rPr lang="en-US" altLang="ko-KR" dirty="0" smtClean="0">
+                <a:latin typeface="Courier New" panose="02070309020205020404" pitchFamily="49" charset="0"/>
+                <a:cs typeface="Courier New" panose="02070309020205020404" pitchFamily="49" charset="0"/>
+              </a:rPr>
+              <a:t>{</a:t>
+            </a:r>
+          </a:p>
+          <a:p>
+            <a:r>
+              <a:rPr lang="en-US" altLang="ko-KR" dirty="0" smtClean="0">
+                <a:latin typeface="Courier New" panose="02070309020205020404" pitchFamily="49" charset="0"/>
+                <a:cs typeface="Courier New" panose="02070309020205020404" pitchFamily="49" charset="0"/>
+              </a:rPr>
+              <a:t>  if(</a:t>
+            </a:r>
+            <a:r>
+              <a:rPr lang="en-US" altLang="ko-KR" dirty="0" err="1" smtClean="0">
+                <a:latin typeface="Courier New" panose="02070309020205020404" pitchFamily="49" charset="0"/>
+                <a:cs typeface="Courier New" panose="02070309020205020404" pitchFamily="49" charset="0"/>
+              </a:rPr>
+              <a:t>Serial.available</a:t>
+            </a:r>
+            <a:r>
+              <a:rPr lang="en-US" altLang="ko-KR" dirty="0" smtClean="0">
+                <a:latin typeface="Courier New" panose="02070309020205020404" pitchFamily="49" charset="0"/>
+                <a:cs typeface="Courier New" panose="02070309020205020404" pitchFamily="49" charset="0"/>
+              </a:rPr>
+              <a:t>()&gt;0){</a:t>
+            </a:r>
+            <a:r>
+              <a:rPr lang="en-US" altLang="ko-KR" dirty="0" smtClean="0">
+                <a:solidFill>
+                  <a:schemeClr val="accent1">
+                    <a:lumMod val="75000"/>
+                  </a:schemeClr>
+                </a:solidFill>
+                <a:latin typeface="Courier New" panose="02070309020205020404" pitchFamily="49" charset="0"/>
+                <a:cs typeface="Courier New" panose="02070309020205020404" pitchFamily="49" charset="0"/>
+              </a:rPr>
+              <a:t> //</a:t>
+            </a:r>
+            <a:r>
+              <a:rPr lang="ko-KR" altLang="en-US" dirty="0" err="1" smtClean="0">
+                <a:solidFill>
+                  <a:schemeClr val="accent1">
+                    <a:lumMod val="75000"/>
+                  </a:schemeClr>
+                </a:solidFill>
+                <a:latin typeface="Courier New" panose="02070309020205020404" pitchFamily="49" charset="0"/>
+                <a:cs typeface="Courier New" panose="02070309020205020404" pitchFamily="49" charset="0"/>
+              </a:rPr>
+              <a:t>아두이노가</a:t>
+            </a:r>
+            <a:r>
+              <a:rPr lang="ko-KR" altLang="en-US" dirty="0" smtClean="0">
+                <a:solidFill>
+                  <a:schemeClr val="accent1">
+                    <a:lumMod val="75000"/>
+                  </a:schemeClr>
+                </a:solidFill>
+                <a:latin typeface="Courier New" panose="02070309020205020404" pitchFamily="49" charset="0"/>
+                <a:cs typeface="Courier New" panose="02070309020205020404" pitchFamily="49" charset="0"/>
+              </a:rPr>
+              <a:t> 받은 데이터가 있으면</a:t>
+            </a:r>
+            <a:endParaRPr lang="en-US" altLang="ko-KR" dirty="0" smtClean="0">
+              <a:solidFill>
+                <a:schemeClr val="accent1">
+                  <a:lumMod val="75000"/>
+                </a:schemeClr>
+              </a:solidFill>
+              <a:latin typeface="Courier New" panose="02070309020205020404" pitchFamily="49" charset="0"/>
+              <a:cs typeface="Courier New" panose="02070309020205020404" pitchFamily="49" charset="0"/>
+            </a:endParaRPr>
+          </a:p>
+          <a:p>
+            <a:r>
+              <a:rPr lang="en-US" altLang="ko-KR" dirty="0">
+                <a:solidFill>
+                  <a:schemeClr val="accent1">
+                    <a:lumMod val="75000"/>
+                  </a:schemeClr>
+                </a:solidFill>
+                <a:latin typeface="Courier New" panose="02070309020205020404" pitchFamily="49" charset="0"/>
+                <a:cs typeface="Courier New" panose="02070309020205020404" pitchFamily="49" charset="0"/>
+              </a:rPr>
+              <a:t>	</a:t>
+            </a:r>
+            <a:r>
+              <a:rPr lang="en-US" altLang="ko-KR" dirty="0" err="1">
+                <a:latin typeface="Courier New" panose="02070309020205020404" pitchFamily="49" charset="0"/>
+                <a:cs typeface="Courier New" panose="02070309020205020404" pitchFamily="49" charset="0"/>
+              </a:rPr>
+              <a:t>inByte</a:t>
+            </a:r>
+            <a:r>
+              <a:rPr lang="en-US" altLang="ko-KR" dirty="0">
+                <a:latin typeface="Courier New" panose="02070309020205020404" pitchFamily="49" charset="0"/>
+                <a:cs typeface="Courier New" panose="02070309020205020404" pitchFamily="49" charset="0"/>
+              </a:rPr>
+              <a:t> = </a:t>
+            </a:r>
+            <a:r>
+              <a:rPr lang="en-US" altLang="ko-KR" dirty="0" err="1">
+                <a:latin typeface="Courier New" panose="02070309020205020404" pitchFamily="49" charset="0"/>
+                <a:cs typeface="Courier New" panose="02070309020205020404" pitchFamily="49" charset="0"/>
+              </a:rPr>
+              <a:t>Serial.read</a:t>
+            </a:r>
+            <a:r>
+              <a:rPr lang="en-US" altLang="ko-KR" dirty="0">
+                <a:latin typeface="Courier New" panose="02070309020205020404" pitchFamily="49" charset="0"/>
+                <a:cs typeface="Courier New" panose="02070309020205020404" pitchFamily="49" charset="0"/>
+              </a:rPr>
+              <a:t>(); </a:t>
+            </a:r>
+            <a:r>
+              <a:rPr lang="en-US" altLang="ko-KR" dirty="0" smtClean="0">
+                <a:solidFill>
+                  <a:schemeClr val="accent1">
+                    <a:lumMod val="75000"/>
+                  </a:schemeClr>
+                </a:solidFill>
+                <a:latin typeface="Courier New" panose="02070309020205020404" pitchFamily="49" charset="0"/>
+                <a:cs typeface="Courier New" panose="02070309020205020404" pitchFamily="49" charset="0"/>
+              </a:rPr>
+              <a:t>//</a:t>
+            </a:r>
+            <a:r>
+              <a:rPr lang="ko-KR" altLang="en-US" dirty="0" smtClean="0">
+                <a:solidFill>
+                  <a:schemeClr val="accent1">
+                    <a:lumMod val="75000"/>
+                  </a:schemeClr>
+                </a:solidFill>
+                <a:latin typeface="Courier New" panose="02070309020205020404" pitchFamily="49" charset="0"/>
+                <a:cs typeface="Courier New" panose="02070309020205020404" pitchFamily="49" charset="0"/>
+              </a:rPr>
+              <a:t>읽어서 변수에 저장한다</a:t>
+            </a:r>
+            <a:r>
+              <a:rPr lang="en-US" altLang="ko-KR" dirty="0" smtClean="0">
+                <a:solidFill>
+                  <a:schemeClr val="accent1">
+                    <a:lumMod val="75000"/>
+                  </a:schemeClr>
+                </a:solidFill>
+                <a:latin typeface="Courier New" panose="02070309020205020404" pitchFamily="49" charset="0"/>
+                <a:cs typeface="Courier New" panose="02070309020205020404" pitchFamily="49" charset="0"/>
+              </a:rPr>
+              <a:t>.</a:t>
+            </a:r>
+          </a:p>
+          <a:p>
+            <a:r>
+              <a:rPr lang="en-US" altLang="ko-KR" dirty="0">
+                <a:latin typeface="Courier New" panose="02070309020205020404" pitchFamily="49" charset="0"/>
+                <a:cs typeface="Courier New" panose="02070309020205020404" pitchFamily="49" charset="0"/>
+              </a:rPr>
+              <a:t> </a:t>
+            </a:r>
+            <a:r>
+              <a:rPr lang="en-US" altLang="ko-KR" dirty="0" smtClean="0">
+                <a:latin typeface="Courier New" panose="02070309020205020404" pitchFamily="49" charset="0"/>
+                <a:cs typeface="Courier New" panose="02070309020205020404" pitchFamily="49" charset="0"/>
+              </a:rPr>
+              <a:t> }</a:t>
+            </a:r>
+          </a:p>
+          <a:p>
+            <a:r>
+              <a:rPr lang="en-US" altLang="ko-KR" dirty="0" smtClean="0">
+                <a:latin typeface="Courier New" panose="02070309020205020404" pitchFamily="49" charset="0"/>
+                <a:cs typeface="Courier New" panose="02070309020205020404" pitchFamily="49" charset="0"/>
+              </a:rPr>
+              <a:t>}</a:t>
+            </a:r>
+          </a:p>
+        </p:txBody>
+      </p:sp>
+      <p:sp>
+        <p:nvSpPr>
+          <p:cNvPr id="6" name="슬라이드 번호 개체 틀 5"/>
+          <p:cNvSpPr>
+            <a:spLocks noGrp="1"/>
+          </p:cNvSpPr>
+          <p:nvPr>
+            <p:ph type="sldNum" sz="quarter" idx="12"/>
+          </p:nvPr>
+        </p:nvSpPr>
+        <p:spPr/>
+        <p:txBody>
+          <a:bodyPr/>
+          <a:lstStyle/>
+          <a:p>
+            <a:fld id="{C12CAAA6-23F3-4378-9E62-48C953A7FF84}" type="slidenum">
+              <a:rPr lang="ko-KR" altLang="en-US" smtClean="0"/>
+              <a:t>11</a:t>
+            </a:fld>
+            <a:endParaRPr lang="ko-KR" altLang="en-US"/>
+          </a:p>
+        </p:txBody>
+      </p:sp>
+    </p:spTree>
+    <p:extLst>
+      <p:ext uri="{BB962C8B-B14F-4D97-AF65-F5344CB8AC3E}">
+        <p14:creationId xmlns:p14="http://schemas.microsoft.com/office/powerpoint/2010/main" val="1661532732"/>
+      </p:ext>
+    </p:extLst>
+  </p:cSld>
+  <p:clrMapOvr>
+    <a:masterClrMapping/>
+  </p:clrMapOvr>
+  <p:timing>
+    <p:tnLst>
+      <p:par>
+        <p:cTn id="1" dur="indefinite" restart="never" nodeType="tmRoot">
+          <p:childTnLst>
+            <p:seq concurrent="1" nextAc="seek">
+              <p:cTn id="2" dur="indefinite" nodeType="mainSeq">
+                <p:childTnLst>
+                  <p:par>
+                    <p:cTn id="3" fill="hold">
+                      <p:stCondLst>
+                        <p:cond delay="indefinite"/>
+                        <p:cond evt="onBegin" delay="0">
+                          <p:tn val="2"/>
+                        </p:cond>
+                      </p:stCondLst>
+                      <p:childTnLst>
+                        <p:par>
+                          <p:cTn id="4" fill="hold">
+                            <p:stCondLst>
+                              <p:cond delay="0"/>
+                            </p:stCondLst>
+                            <p:childTnLst>
+                              <p:par>
+                                <p:cTn id="5" presetID="10" presetClass="entr" presetSubtype="0" fill="hold" grpId="0" nodeType="withEffect">
+                                  <p:stCondLst>
+                                    <p:cond delay="0"/>
+                                  </p:stCondLst>
+                                  <p:childTnLst>
+                                    <p:set>
+                                      <p:cBhvr>
+                                        <p:cTn id="6" dur="1" fill="hold">
+                                          <p:stCondLst>
+                                            <p:cond delay="0"/>
+                                          </p:stCondLst>
+                                        </p:cTn>
+                                        <p:tgtEl>
+                                          <p:spTgt spid="2"/>
+                                        </p:tgtEl>
+                                        <p:attrNameLst>
+                                          <p:attrName>style.visibility</p:attrName>
+                                        </p:attrNameLst>
+                                      </p:cBhvr>
+                                      <p:to>
+                                        <p:strVal val="visible"/>
+                                      </p:to>
+                                    </p:set>
+                                    <p:animEffect transition="in" filter="fade">
+                                      <p:cBhvr>
+                                        <p:cTn id="7" dur="500"/>
+                                        <p:tgtEl>
+                                          <p:spTgt spid="2"/>
+                                        </p:tgtEl>
+                                      </p:cBhvr>
+                                    </p:animEffect>
+                                  </p:childTnLst>
+                                </p:cTn>
+                              </p:par>
+                            </p:childTnLst>
+                          </p:cTn>
+                        </p:par>
+                      </p:childTnLst>
+                    </p:cTn>
+                  </p:par>
+                  <p:par>
+                    <p:cTn id="8" fill="hold">
+                      <p:stCondLst>
+                        <p:cond delay="indefinite"/>
+                      </p:stCondLst>
+                      <p:childTnLst>
+                        <p:par>
+                          <p:cTn id="9" fill="hold">
+                            <p:stCondLst>
+                              <p:cond delay="0"/>
+                            </p:stCondLst>
+                            <p:childTnLst>
+                              <p:par>
+                                <p:cTn id="10" presetID="22" presetClass="entr" presetSubtype="8" fill="hold" grpId="0" nodeType="clickEffect">
+                                  <p:stCondLst>
+                                    <p:cond delay="0"/>
+                                  </p:stCondLst>
+                                  <p:childTnLst>
+                                    <p:set>
+                                      <p:cBhvr>
+                                        <p:cTn id="11" dur="1" fill="hold">
+                                          <p:stCondLst>
+                                            <p:cond delay="0"/>
+                                          </p:stCondLst>
+                                        </p:cTn>
+                                        <p:tgtEl>
+                                          <p:spTgt spid="3">
+                                            <p:txEl>
+                                              <p:pRg st="0" end="0"/>
+                                            </p:txEl>
+                                          </p:spTgt>
+                                        </p:tgtEl>
+                                        <p:attrNameLst>
+                                          <p:attrName>style.visibility</p:attrName>
+                                        </p:attrNameLst>
+                                      </p:cBhvr>
+                                      <p:to>
+                                        <p:strVal val="visible"/>
+                                      </p:to>
+                                    </p:set>
+                                    <p:animEffect transition="in" filter="wipe(left)">
+                                      <p:cBhvr>
+                                        <p:cTn id="12" dur="500"/>
+                                        <p:tgtEl>
+                                          <p:spTgt spid="3">
+                                            <p:txEl>
+                                              <p:pRg st="0" end="0"/>
+                                            </p:txEl>
+                                          </p:spTgt>
+                                        </p:tgtEl>
+                                      </p:cBhvr>
+                                    </p:animEffect>
+                                  </p:childTnLst>
+                                </p:cTn>
+                              </p:par>
+                            </p:childTnLst>
+                          </p:cTn>
+                        </p:par>
+                      </p:childTnLst>
+                    </p:cTn>
+                  </p:par>
+                  <p:par>
+                    <p:cTn id="13" fill="hold">
+                      <p:stCondLst>
+                        <p:cond delay="indefinite"/>
+                      </p:stCondLst>
+                      <p:childTnLst>
+                        <p:par>
+                          <p:cTn id="14" fill="hold">
+                            <p:stCondLst>
+                              <p:cond delay="0"/>
+                            </p:stCondLst>
+                            <p:childTnLst>
+                              <p:par>
+                                <p:cTn id="15" presetID="22" presetClass="entr" presetSubtype="8" fill="hold" grpId="0" nodeType="clickEffect">
+                                  <p:stCondLst>
+                                    <p:cond delay="0"/>
+                                  </p:stCondLst>
+                                  <p:childTnLst>
+                                    <p:set>
+                                      <p:cBhvr>
+                                        <p:cTn id="16" dur="1" fill="hold">
+                                          <p:stCondLst>
+                                            <p:cond delay="0"/>
+                                          </p:stCondLst>
+                                        </p:cTn>
+                                        <p:tgtEl>
+                                          <p:spTgt spid="3">
+                                            <p:txEl>
+                                              <p:pRg st="1" end="1"/>
+                                            </p:txEl>
+                                          </p:spTgt>
+                                        </p:tgtEl>
+                                        <p:attrNameLst>
+                                          <p:attrName>style.visibility</p:attrName>
+                                        </p:attrNameLst>
+                                      </p:cBhvr>
+                                      <p:to>
+                                        <p:strVal val="visible"/>
+                                      </p:to>
+                                    </p:set>
+                                    <p:animEffect transition="in" filter="wipe(left)">
+                                      <p:cBhvr>
+                                        <p:cTn id="17" dur="500"/>
+                                        <p:tgtEl>
+                                          <p:spTgt spid="3">
+                                            <p:txEl>
+                                              <p:pRg st="1" end="1"/>
+                                            </p:txEl>
+                                          </p:spTgt>
+                                        </p:tgtEl>
+                                      </p:cBhvr>
+                                    </p:animEffect>
+                                  </p:childTnLst>
+                                </p:cTn>
+                              </p:par>
+                            </p:childTnLst>
+                          </p:cTn>
+                        </p:par>
+                      </p:childTnLst>
+                    </p:cTn>
+                  </p:par>
+                  <p:par>
+                    <p:cTn id="18" fill="hold">
+                      <p:stCondLst>
+                        <p:cond delay="indefinite"/>
+                      </p:stCondLst>
+                      <p:childTnLst>
+                        <p:par>
+                          <p:cTn id="19" fill="hold">
+                            <p:stCondLst>
+                              <p:cond delay="0"/>
+                            </p:stCondLst>
+                            <p:childTnLst>
+                              <p:par>
+                                <p:cTn id="20" presetID="10" presetClass="entr" presetSubtype="0" fill="hold" grpId="0" nodeType="clickEffect">
+                                  <p:stCondLst>
+                                    <p:cond delay="0"/>
+                                  </p:stCondLst>
+                                  <p:childTnLst>
+                                    <p:set>
+                                      <p:cBhvr>
+                                        <p:cTn id="21" dur="1" fill="hold">
+                                          <p:stCondLst>
+                                            <p:cond delay="0"/>
+                                          </p:stCondLst>
+                                        </p:cTn>
+                                        <p:tgtEl>
+                                          <p:spTgt spid="5"/>
+                                        </p:tgtEl>
+                                        <p:attrNameLst>
+                                          <p:attrName>style.visibility</p:attrName>
+                                        </p:attrNameLst>
+                                      </p:cBhvr>
+                                      <p:to>
+                                        <p:strVal val="visible"/>
+                                      </p:to>
+                                    </p:set>
+                                    <p:animEffect transition="in" filter="fade">
+                                      <p:cBhvr>
+                                        <p:cTn id="22" dur="500"/>
+                                        <p:tgtEl>
+                                          <p:spTgt spid="5"/>
+                                        </p:tgtEl>
+                                      </p:cBhvr>
+                                    </p:animEffect>
+                                  </p:childTnLst>
+                                </p:cTn>
+                              </p:par>
+                            </p:childTnLst>
+                          </p:cTn>
+                        </p:par>
+                      </p:childTnLst>
+                    </p:cTn>
+                  </p:par>
+                </p:childTnLst>
+              </p:cTn>
+              <p:prevCondLst>
+                <p:cond evt="onPrev" delay="0">
+                  <p:tgtEl>
+                    <p:sldTgt/>
+                  </p:tgtEl>
+                </p:cond>
+              </p:prevCondLst>
+              <p:nextCondLst>
+                <p:cond evt="onNext" delay="0">
+                  <p:tgtEl>
+                    <p:sldTgt/>
+                  </p:tgtEl>
+                </p:cond>
+              </p:nextCondLst>
+            </p:seq>
+          </p:childTnLst>
+        </p:cTn>
+      </p:par>
+    </p:tnLst>
+    <p:bldLst>
+      <p:bldP spid="2" grpId="0"/>
+      <p:bldP spid="3" grpId="0" uiExpand="1" build="p" bldLvl="5"/>
+      <p:bldP spid="5" grpId="0" animBg="1"/>
+    </p:bldLst>
+  </p:timing>
+</p:sld>
+</file>
+
+<file path=ppt/slides/slide12.xml><?xml version="1.0" encoding="utf-8"?>
+<p:sld xmlns:a="http://schemas.openxmlformats.org/drawingml/2006/main" xmlns:r="http://schemas.openxmlformats.org/officeDocument/2006/relationships" xmlns:p="http://schemas.openxmlformats.org/presentationml/2006/main">
+  <p:cSld>
+    <p:spTree>
+      <p:nvGrpSpPr>
+        <p:cNvPr id="1" name=""/>
+        <p:cNvGrpSpPr/>
+        <p:nvPr/>
+      </p:nvGrpSpPr>
+      <p:grpSpPr>
+        <a:xfrm>
+          <a:off x="0" y="0"/>
+          <a:ext cx="0" cy="0"/>
+          <a:chOff x="0" y="0"/>
+          <a:chExt cx="0" cy="0"/>
+        </a:xfrm>
+      </p:grpSpPr>
+      <p:sp>
+        <p:nvSpPr>
+          <p:cNvPr id="2" name="제목 1"/>
+          <p:cNvSpPr txBox="1">
+            <a:spLocks/>
+          </p:cNvSpPr>
+          <p:nvPr/>
+        </p:nvSpPr>
+        <p:spPr>
+          <a:xfrm>
+            <a:off x="628650" y="751474"/>
+            <a:ext cx="7886700" cy="737533"/>
+          </a:xfrm>
+          <a:prstGeom prst="rect">
+            <a:avLst/>
+          </a:prstGeom>
+        </p:spPr>
+        <p:txBody>
+          <a:bodyPr/>
+          <a:lstStyle>
+            <a:lvl1pPr algn="l" defTabSz="914400" rtl="0" eaLnBrk="1" latinLnBrk="1" hangingPunct="1">
+              <a:lnSpc>
+                <a:spcPct val="90000"/>
+              </a:lnSpc>
+              <a:spcBef>
+                <a:spcPct val="0"/>
+              </a:spcBef>
+              <a:buNone/>
+              <a:defRPr sz="4400" kern="1200">
+                <a:solidFill>
+                  <a:schemeClr val="tx1"/>
+                </a:solidFill>
+                <a:latin typeface="+mj-lt"/>
+                <a:ea typeface="+mj-ea"/>
+                <a:cs typeface="+mj-cs"/>
+              </a:defRPr>
+            </a:lvl1pPr>
+          </a:lstStyle>
+          <a:p>
+            <a:r>
+              <a:rPr lang="en-US" altLang="ko-KR" b="1" dirty="0" err="1" smtClean="0">
+                <a:effectLst>
+                  <a:outerShdw blurRad="38100" dist="38100" dir="2700000" algn="tl">
+                    <a:srgbClr val="000000">
+                      <a:alpha val="43137"/>
+                    </a:srgbClr>
+                  </a:outerShdw>
+                </a:effectLst>
+                <a:latin typeface="+mj-ea"/>
+              </a:rPr>
+              <a:t>Serial.read</a:t>
+            </a:r>
+            <a:r>
+              <a:rPr lang="en-US" altLang="ko-KR" dirty="0" smtClean="0">
+                <a:latin typeface="+mj-ea"/>
+              </a:rPr>
+              <a:t>()</a:t>
+            </a:r>
+            <a:endParaRPr lang="ko-KR" altLang="en-US" dirty="0">
+              <a:latin typeface="+mj-ea"/>
+            </a:endParaRPr>
+          </a:p>
+        </p:txBody>
+      </p:sp>
+      <p:sp>
+        <p:nvSpPr>
+          <p:cNvPr id="3" name="내용 개체 틀 2"/>
+          <p:cNvSpPr txBox="1">
+            <a:spLocks/>
+          </p:cNvSpPr>
+          <p:nvPr/>
+        </p:nvSpPr>
+        <p:spPr>
+          <a:xfrm>
+            <a:off x="628650" y="1825625"/>
+            <a:ext cx="7886700" cy="2358669"/>
+          </a:xfrm>
+          <a:prstGeom prst="rect">
+            <a:avLst/>
+          </a:prstGeom>
+        </p:spPr>
+        <p:txBody>
+          <a:bodyPr/>
+          <a:lstStyle>
+            <a:lvl1pPr marL="228600" indent="-228600" algn="l" defTabSz="914400" rtl="0" eaLnBrk="1" latinLnBrk="1" hangingPunct="1">
+              <a:lnSpc>
+                <a:spcPct val="90000"/>
+              </a:lnSpc>
+              <a:spcBef>
+                <a:spcPts val="1000"/>
+              </a:spcBef>
+              <a:buFont typeface="Arial" panose="020B0604020202020204" pitchFamily="34" charset="0"/>
+              <a:buChar char="•"/>
+              <a:defRPr sz="2800" kern="1200">
+                <a:solidFill>
+                  <a:schemeClr val="tx1"/>
+                </a:solidFill>
+                <a:latin typeface="+mn-lt"/>
+                <a:ea typeface="+mn-ea"/>
+                <a:cs typeface="+mn-cs"/>
+              </a:defRPr>
+            </a:lvl1pPr>
+            <a:lvl2pPr marL="685800" indent="-228600" algn="l" defTabSz="914400" rtl="0" eaLnBrk="1" latinLnBrk="1" hangingPunct="1">
+              <a:lnSpc>
+                <a:spcPct val="90000"/>
+              </a:lnSpc>
+              <a:spcBef>
+                <a:spcPts val="500"/>
+              </a:spcBef>
+              <a:buFont typeface="Arial" panose="020B0604020202020204" pitchFamily="34" charset="0"/>
+              <a:buChar char="•"/>
+              <a:defRPr sz="2400" kern="1200">
+                <a:solidFill>
+                  <a:schemeClr val="tx1"/>
+                </a:solidFill>
+                <a:latin typeface="+mn-lt"/>
+                <a:ea typeface="+mn-ea"/>
+                <a:cs typeface="+mn-cs"/>
+              </a:defRPr>
+            </a:lvl2pPr>
+            <a:lvl3pPr marL="1143000" indent="-228600" algn="l" defTabSz="914400" rtl="0" eaLnBrk="1" latinLnBrk="1" hangingPunct="1">
+              <a:lnSpc>
+                <a:spcPct val="90000"/>
+              </a:lnSpc>
+              <a:spcBef>
+                <a:spcPts val="500"/>
+              </a:spcBef>
+              <a:buFont typeface="Arial" panose="020B0604020202020204" pitchFamily="34" charset="0"/>
+              <a:buChar char="•"/>
+              <a:defRPr sz="2000" kern="1200">
+                <a:solidFill>
+                  <a:schemeClr val="tx1"/>
+                </a:solidFill>
+                <a:latin typeface="+mn-lt"/>
+                <a:ea typeface="+mn-ea"/>
+                <a:cs typeface="+mn-cs"/>
+              </a:defRPr>
+            </a:lvl3pPr>
+            <a:lvl4pPr marL="1600200" indent="-228600" algn="l" defTabSz="914400" rtl="0" eaLnBrk="1" latinLnBrk="1" hangingPunct="1">
+              <a:lnSpc>
+                <a:spcPct val="90000"/>
+              </a:lnSpc>
+              <a:spcBef>
+                <a:spcPts val="500"/>
+              </a:spcBef>
+              <a:buFont typeface="Arial" panose="020B0604020202020204" pitchFamily="34" charset="0"/>
+              <a:buChar char="•"/>
+              <a:defRPr sz="1800" kern="1200">
+                <a:solidFill>
+                  <a:schemeClr val="tx1"/>
+                </a:solidFill>
+                <a:latin typeface="+mn-lt"/>
+                <a:ea typeface="+mn-ea"/>
+                <a:cs typeface="+mn-cs"/>
+              </a:defRPr>
+            </a:lvl4pPr>
+            <a:lvl5pPr marL="2057400" indent="-228600" algn="l" defTabSz="914400" rtl="0" eaLnBrk="1" latinLnBrk="1" hangingPunct="1">
+              <a:lnSpc>
+                <a:spcPct val="90000"/>
+              </a:lnSpc>
+              <a:spcBef>
+                <a:spcPts val="500"/>
+              </a:spcBef>
+              <a:buFont typeface="Arial" panose="020B0604020202020204" pitchFamily="34" charset="0"/>
+              <a:buChar char="•"/>
+              <a:defRPr sz="1800" kern="1200">
+                <a:solidFill>
+                  <a:schemeClr val="tx1"/>
+                </a:solidFill>
+                <a:latin typeface="+mn-lt"/>
+                <a:ea typeface="+mn-ea"/>
+                <a:cs typeface="+mn-cs"/>
+              </a:defRPr>
+            </a:lvl5pPr>
+            <a:lvl6pPr marL="2514600" indent="-228600" algn="l" defTabSz="914400" rtl="0" eaLnBrk="1" latinLnBrk="1" hangingPunct="1">
+              <a:lnSpc>
+                <a:spcPct val="90000"/>
+              </a:lnSpc>
+              <a:spcBef>
+                <a:spcPts val="500"/>
+              </a:spcBef>
+              <a:buFont typeface="Arial" panose="020B0604020202020204" pitchFamily="34" charset="0"/>
+              <a:buChar char="•"/>
+              <a:defRPr sz="1800" kern="1200">
+                <a:solidFill>
+                  <a:schemeClr val="tx1"/>
+                </a:solidFill>
+                <a:latin typeface="+mn-lt"/>
+                <a:ea typeface="+mn-ea"/>
+                <a:cs typeface="+mn-cs"/>
+              </a:defRPr>
+            </a:lvl6pPr>
+            <a:lvl7pPr marL="2971800" indent="-228600" algn="l" defTabSz="914400" rtl="0" eaLnBrk="1" latinLnBrk="1" hangingPunct="1">
+              <a:lnSpc>
+                <a:spcPct val="90000"/>
+              </a:lnSpc>
+              <a:spcBef>
+                <a:spcPts val="500"/>
+              </a:spcBef>
+              <a:buFont typeface="Arial" panose="020B0604020202020204" pitchFamily="34" charset="0"/>
+              <a:buChar char="•"/>
+              <a:defRPr sz="1800" kern="1200">
+                <a:solidFill>
+                  <a:schemeClr val="tx1"/>
+                </a:solidFill>
+                <a:latin typeface="+mn-lt"/>
+                <a:ea typeface="+mn-ea"/>
+                <a:cs typeface="+mn-cs"/>
+              </a:defRPr>
+            </a:lvl7pPr>
+            <a:lvl8pPr marL="3429000" indent="-228600" algn="l" defTabSz="914400" rtl="0" eaLnBrk="1" latinLnBrk="1" hangingPunct="1">
+              <a:lnSpc>
+                <a:spcPct val="90000"/>
+              </a:lnSpc>
+              <a:spcBef>
+                <a:spcPts val="500"/>
+              </a:spcBef>
+              <a:buFont typeface="Arial" panose="020B0604020202020204" pitchFamily="34" charset="0"/>
+              <a:buChar char="•"/>
+              <a:defRPr sz="1800" kern="1200">
+                <a:solidFill>
+                  <a:schemeClr val="tx1"/>
+                </a:solidFill>
+                <a:latin typeface="+mn-lt"/>
+                <a:ea typeface="+mn-ea"/>
+                <a:cs typeface="+mn-cs"/>
+              </a:defRPr>
+            </a:lvl8pPr>
+            <a:lvl9pPr marL="3886200" indent="-228600" algn="l" defTabSz="914400" rtl="0" eaLnBrk="1" latinLnBrk="1" hangingPunct="1">
+              <a:lnSpc>
+                <a:spcPct val="90000"/>
+              </a:lnSpc>
+              <a:spcBef>
+                <a:spcPts val="500"/>
+              </a:spcBef>
+              <a:buFont typeface="Arial" panose="020B0604020202020204" pitchFamily="34" charset="0"/>
+              <a:buChar char="•"/>
+              <a:defRPr sz="1800" kern="1200">
+                <a:solidFill>
+                  <a:schemeClr val="tx1"/>
+                </a:solidFill>
+                <a:latin typeface="+mn-lt"/>
+                <a:ea typeface="+mn-ea"/>
+                <a:cs typeface="+mn-cs"/>
+              </a:defRPr>
+            </a:lvl9pPr>
+          </a:lstStyle>
+          <a:p>
+            <a:r>
+              <a:rPr lang="ko-KR" altLang="en-US" dirty="0" smtClean="0"/>
+              <a:t>시리얼 포트로부터 데이터를 읽음</a:t>
+            </a:r>
+            <a:endParaRPr lang="en-US" altLang="ko-KR" dirty="0" smtClean="0"/>
+          </a:p>
+          <a:p>
+            <a:r>
+              <a:rPr lang="ko-KR" altLang="en-US" dirty="0" err="1" smtClean="0"/>
+              <a:t>반환값은</a:t>
+            </a:r>
+            <a:r>
+              <a:rPr lang="ko-KR" altLang="en-US" dirty="0" smtClean="0"/>
+              <a:t> 읽어온 바이트의 수로</a:t>
+            </a:r>
+            <a:r>
+              <a:rPr lang="en-US" altLang="ko-KR" dirty="0" smtClean="0"/>
+              <a:t>, 0</a:t>
+            </a:r>
+            <a:r>
+              <a:rPr lang="ko-KR" altLang="en-US" dirty="0" smtClean="0"/>
+              <a:t>일 경우 받은 데이터가 없음</a:t>
+            </a:r>
+            <a:endParaRPr lang="en-US" altLang="ko-KR" dirty="0" smtClean="0"/>
+          </a:p>
+        </p:txBody>
+      </p:sp>
+      <p:sp>
+        <p:nvSpPr>
+          <p:cNvPr id="4" name="TextBox 3"/>
+          <p:cNvSpPr txBox="1"/>
+          <p:nvPr/>
+        </p:nvSpPr>
+        <p:spPr>
+          <a:xfrm>
+            <a:off x="102413" y="45524"/>
+            <a:ext cx="2015295" cy="369332"/>
+          </a:xfrm>
+          <a:prstGeom prst="rect">
+            <a:avLst/>
+          </a:prstGeom>
+          <a:noFill/>
+        </p:spPr>
+        <p:txBody>
+          <a:bodyPr wrap="none" rtlCol="0">
+            <a:spAutoFit/>
+          </a:bodyPr>
+          <a:lstStyle/>
+          <a:p>
+            <a:r>
+              <a:rPr lang="en-US" altLang="ko-KR" dirty="0" smtClean="0">
+                <a:solidFill>
+                  <a:schemeClr val="bg1">
+                    <a:lumMod val="65000"/>
+                  </a:schemeClr>
+                </a:solidFill>
+              </a:rPr>
+              <a:t>Serial </a:t>
+            </a:r>
+            <a:r>
+              <a:rPr lang="ko-KR" altLang="en-US" dirty="0" smtClean="0">
+                <a:solidFill>
+                  <a:schemeClr val="bg1">
+                    <a:lumMod val="65000"/>
+                  </a:schemeClr>
+                </a:solidFill>
+              </a:rPr>
+              <a:t>객체의 함수</a:t>
+            </a:r>
+            <a:endParaRPr lang="ko-KR" altLang="en-US" dirty="0">
+              <a:solidFill>
+                <a:schemeClr val="bg1">
+                  <a:lumMod val="65000"/>
+                </a:schemeClr>
+              </a:solidFill>
+            </a:endParaRPr>
+          </a:p>
+        </p:txBody>
+      </p:sp>
+      <p:sp>
+        <p:nvSpPr>
+          <p:cNvPr id="5" name="TextBox 4"/>
+          <p:cNvSpPr txBox="1"/>
+          <p:nvPr/>
+        </p:nvSpPr>
+        <p:spPr>
+          <a:xfrm>
+            <a:off x="821351" y="3585596"/>
+            <a:ext cx="7946132" cy="2862322"/>
+          </a:xfrm>
+          <a:prstGeom prst="rect">
+            <a:avLst/>
+          </a:prstGeom>
+          <a:solidFill>
+            <a:schemeClr val="accent4">
+              <a:lumMod val="20000"/>
+              <a:lumOff val="80000"/>
+            </a:schemeClr>
+          </a:solidFill>
+        </p:spPr>
+        <p:txBody>
+          <a:bodyPr wrap="square" rtlCol="0">
+            <a:spAutoFit/>
+          </a:bodyPr>
+          <a:lstStyle/>
+          <a:p>
+            <a:r>
+              <a:rPr lang="en-US" altLang="ko-KR" dirty="0" err="1" smtClean="0">
+                <a:latin typeface="Courier New" panose="02070309020205020404" pitchFamily="49" charset="0"/>
+                <a:cs typeface="Courier New" panose="02070309020205020404" pitchFamily="49" charset="0"/>
+              </a:rPr>
+              <a:t>int</a:t>
+            </a:r>
+            <a:r>
+              <a:rPr lang="en-US" altLang="ko-KR" dirty="0">
+                <a:latin typeface="Courier New" panose="02070309020205020404" pitchFamily="49" charset="0"/>
+                <a:cs typeface="Courier New" panose="02070309020205020404" pitchFamily="49" charset="0"/>
+              </a:rPr>
+              <a:t> </a:t>
+            </a:r>
+            <a:r>
+              <a:rPr lang="en-US" altLang="ko-KR" dirty="0" err="1" smtClean="0">
+                <a:latin typeface="Courier New" panose="02070309020205020404" pitchFamily="49" charset="0"/>
+                <a:cs typeface="Courier New" panose="02070309020205020404" pitchFamily="49" charset="0"/>
+              </a:rPr>
+              <a:t>inByte</a:t>
+            </a:r>
+            <a:r>
+              <a:rPr lang="en-US" altLang="ko-KR" dirty="0" smtClean="0">
+                <a:latin typeface="Courier New" panose="02070309020205020404" pitchFamily="49" charset="0"/>
+                <a:cs typeface="Courier New" panose="02070309020205020404" pitchFamily="49" charset="0"/>
+              </a:rPr>
+              <a:t>;</a:t>
+            </a:r>
+            <a:r>
+              <a:rPr lang="en-US" altLang="ko-KR" dirty="0">
+                <a:solidFill>
+                  <a:schemeClr val="accent1">
+                    <a:lumMod val="75000"/>
+                  </a:schemeClr>
+                </a:solidFill>
+                <a:latin typeface="Courier New" panose="02070309020205020404" pitchFamily="49" charset="0"/>
+                <a:cs typeface="Courier New" panose="02070309020205020404" pitchFamily="49" charset="0"/>
+              </a:rPr>
+              <a:t> </a:t>
+            </a:r>
+            <a:endParaRPr lang="en-US" altLang="ko-KR" dirty="0" smtClean="0">
+              <a:latin typeface="Courier New" panose="02070309020205020404" pitchFamily="49" charset="0"/>
+              <a:cs typeface="Courier New" panose="02070309020205020404" pitchFamily="49" charset="0"/>
+            </a:endParaRPr>
+          </a:p>
+          <a:p>
+            <a:r>
+              <a:rPr lang="en-US" altLang="ko-KR" dirty="0" smtClean="0">
+                <a:latin typeface="Courier New" panose="02070309020205020404" pitchFamily="49" charset="0"/>
+                <a:cs typeface="Courier New" panose="02070309020205020404" pitchFamily="49" charset="0"/>
+              </a:rPr>
+              <a:t>void loop()</a:t>
+            </a:r>
+          </a:p>
+          <a:p>
+            <a:r>
+              <a:rPr lang="en-US" altLang="ko-KR" dirty="0" smtClean="0">
+                <a:latin typeface="Courier New" panose="02070309020205020404" pitchFamily="49" charset="0"/>
+                <a:cs typeface="Courier New" panose="02070309020205020404" pitchFamily="49" charset="0"/>
+              </a:rPr>
+              <a:t>{</a:t>
+            </a:r>
+          </a:p>
+          <a:p>
+            <a:r>
+              <a:rPr lang="en-US" altLang="ko-KR" dirty="0" smtClean="0">
+                <a:latin typeface="Courier New" panose="02070309020205020404" pitchFamily="49" charset="0"/>
+                <a:cs typeface="Courier New" panose="02070309020205020404" pitchFamily="49" charset="0"/>
+              </a:rPr>
+              <a:t>  if(</a:t>
+            </a:r>
+            <a:r>
+              <a:rPr lang="en-US" altLang="ko-KR" dirty="0" err="1" smtClean="0">
+                <a:latin typeface="Courier New" panose="02070309020205020404" pitchFamily="49" charset="0"/>
+                <a:cs typeface="Courier New" panose="02070309020205020404" pitchFamily="49" charset="0"/>
+              </a:rPr>
+              <a:t>Serial.available</a:t>
+            </a:r>
+            <a:r>
+              <a:rPr lang="en-US" altLang="ko-KR" dirty="0" smtClean="0">
+                <a:latin typeface="Courier New" panose="02070309020205020404" pitchFamily="49" charset="0"/>
+                <a:cs typeface="Courier New" panose="02070309020205020404" pitchFamily="49" charset="0"/>
+              </a:rPr>
+              <a:t>()&gt;0){</a:t>
+            </a:r>
+            <a:r>
+              <a:rPr lang="en-US" altLang="ko-KR" dirty="0" smtClean="0">
+                <a:solidFill>
+                  <a:schemeClr val="accent1">
+                    <a:lumMod val="75000"/>
+                  </a:schemeClr>
+                </a:solidFill>
+                <a:latin typeface="Courier New" panose="02070309020205020404" pitchFamily="49" charset="0"/>
+                <a:cs typeface="Courier New" panose="02070309020205020404" pitchFamily="49" charset="0"/>
+              </a:rPr>
+              <a:t> //</a:t>
+            </a:r>
+            <a:r>
+              <a:rPr lang="ko-KR" altLang="en-US" dirty="0" err="1" smtClean="0">
+                <a:solidFill>
+                  <a:schemeClr val="accent1">
+                    <a:lumMod val="75000"/>
+                  </a:schemeClr>
+                </a:solidFill>
+                <a:latin typeface="Courier New" panose="02070309020205020404" pitchFamily="49" charset="0"/>
+                <a:cs typeface="Courier New" panose="02070309020205020404" pitchFamily="49" charset="0"/>
+              </a:rPr>
+              <a:t>아두이노가</a:t>
+            </a:r>
+            <a:r>
+              <a:rPr lang="ko-KR" altLang="en-US" dirty="0" smtClean="0">
+                <a:solidFill>
+                  <a:schemeClr val="accent1">
+                    <a:lumMod val="75000"/>
+                  </a:schemeClr>
+                </a:solidFill>
+                <a:latin typeface="Courier New" panose="02070309020205020404" pitchFamily="49" charset="0"/>
+                <a:cs typeface="Courier New" panose="02070309020205020404" pitchFamily="49" charset="0"/>
+              </a:rPr>
+              <a:t> 받은 데이터가 있으면</a:t>
+            </a:r>
+            <a:endParaRPr lang="en-US" altLang="ko-KR" dirty="0" smtClean="0">
+              <a:solidFill>
+                <a:schemeClr val="accent1">
+                  <a:lumMod val="75000"/>
+                </a:schemeClr>
+              </a:solidFill>
+              <a:latin typeface="Courier New" panose="02070309020205020404" pitchFamily="49" charset="0"/>
+              <a:cs typeface="Courier New" panose="02070309020205020404" pitchFamily="49" charset="0"/>
+            </a:endParaRPr>
+          </a:p>
+          <a:p>
+            <a:r>
+              <a:rPr lang="en-US" altLang="ko-KR" dirty="0">
+                <a:solidFill>
+                  <a:schemeClr val="accent1">
+                    <a:lumMod val="75000"/>
+                  </a:schemeClr>
+                </a:solidFill>
+                <a:latin typeface="Courier New" panose="02070309020205020404" pitchFamily="49" charset="0"/>
+                <a:cs typeface="Courier New" panose="02070309020205020404" pitchFamily="49" charset="0"/>
+              </a:rPr>
+              <a:t>	</a:t>
+            </a:r>
+            <a:r>
+              <a:rPr lang="en-US" altLang="ko-KR" dirty="0" err="1">
+                <a:latin typeface="Courier New" panose="02070309020205020404" pitchFamily="49" charset="0"/>
+                <a:cs typeface="Courier New" panose="02070309020205020404" pitchFamily="49" charset="0"/>
+              </a:rPr>
+              <a:t>inByte</a:t>
+            </a:r>
+            <a:r>
+              <a:rPr lang="en-US" altLang="ko-KR" dirty="0">
+                <a:latin typeface="Courier New" panose="02070309020205020404" pitchFamily="49" charset="0"/>
+                <a:cs typeface="Courier New" panose="02070309020205020404" pitchFamily="49" charset="0"/>
+              </a:rPr>
+              <a:t> = </a:t>
+            </a:r>
+            <a:r>
+              <a:rPr lang="en-US" altLang="ko-KR" dirty="0" err="1">
+                <a:latin typeface="Courier New" panose="02070309020205020404" pitchFamily="49" charset="0"/>
+                <a:cs typeface="Courier New" panose="02070309020205020404" pitchFamily="49" charset="0"/>
+              </a:rPr>
+              <a:t>Serial.read</a:t>
+            </a:r>
+            <a:r>
+              <a:rPr lang="en-US" altLang="ko-KR" dirty="0">
+                <a:latin typeface="Courier New" panose="02070309020205020404" pitchFamily="49" charset="0"/>
+                <a:cs typeface="Courier New" panose="02070309020205020404" pitchFamily="49" charset="0"/>
+              </a:rPr>
+              <a:t>(); </a:t>
+            </a:r>
+            <a:r>
+              <a:rPr lang="en-US" altLang="ko-KR" dirty="0" smtClean="0">
+                <a:solidFill>
+                  <a:schemeClr val="accent1">
+                    <a:lumMod val="75000"/>
+                  </a:schemeClr>
+                </a:solidFill>
+                <a:latin typeface="Courier New" panose="02070309020205020404" pitchFamily="49" charset="0"/>
+                <a:cs typeface="Courier New" panose="02070309020205020404" pitchFamily="49" charset="0"/>
+              </a:rPr>
+              <a:t>//</a:t>
+            </a:r>
+            <a:r>
+              <a:rPr lang="ko-KR" altLang="en-US" dirty="0" smtClean="0">
+                <a:solidFill>
+                  <a:schemeClr val="accent1">
+                    <a:lumMod val="75000"/>
+                  </a:schemeClr>
+                </a:solidFill>
+                <a:latin typeface="Courier New" panose="02070309020205020404" pitchFamily="49" charset="0"/>
+                <a:cs typeface="Courier New" panose="02070309020205020404" pitchFamily="49" charset="0"/>
+              </a:rPr>
+              <a:t>읽어서 변수에 저장한다</a:t>
+            </a:r>
+            <a:r>
+              <a:rPr lang="en-US" altLang="ko-KR" dirty="0" smtClean="0">
+                <a:solidFill>
+                  <a:schemeClr val="accent1">
+                    <a:lumMod val="75000"/>
+                  </a:schemeClr>
+                </a:solidFill>
+                <a:latin typeface="Courier New" panose="02070309020205020404" pitchFamily="49" charset="0"/>
+                <a:cs typeface="Courier New" panose="02070309020205020404" pitchFamily="49" charset="0"/>
+              </a:rPr>
+              <a:t>.</a:t>
+            </a:r>
+          </a:p>
+          <a:p>
+            <a:r>
+              <a:rPr lang="en-US" altLang="ko-KR" dirty="0" smtClean="0"/>
+              <a:t>	</a:t>
+            </a:r>
+            <a:r>
+              <a:rPr lang="en-US" altLang="ko-KR" dirty="0" err="1">
+                <a:latin typeface="Courier New" panose="02070309020205020404" pitchFamily="49" charset="0"/>
+                <a:cs typeface="Courier New" panose="02070309020205020404" pitchFamily="49" charset="0"/>
+              </a:rPr>
+              <a:t>Serial.print</a:t>
+            </a:r>
+            <a:r>
+              <a:rPr lang="en-US" altLang="ko-KR" dirty="0">
+                <a:latin typeface="Courier New" panose="02070309020205020404" pitchFamily="49" charset="0"/>
+                <a:cs typeface="Courier New" panose="02070309020205020404" pitchFamily="49" charset="0"/>
+              </a:rPr>
+              <a:t>(“</a:t>
+            </a:r>
+            <a:r>
+              <a:rPr lang="ko-KR" altLang="en-US" dirty="0">
+                <a:latin typeface="Courier New" panose="02070309020205020404" pitchFamily="49" charset="0"/>
+                <a:cs typeface="Courier New" panose="02070309020205020404" pitchFamily="49" charset="0"/>
+              </a:rPr>
+              <a:t>받은 데이터 </a:t>
+            </a:r>
+            <a:r>
+              <a:rPr lang="en-US" altLang="ko-KR" dirty="0">
+                <a:latin typeface="Courier New" panose="02070309020205020404" pitchFamily="49" charset="0"/>
+                <a:cs typeface="Courier New" panose="02070309020205020404" pitchFamily="49" charset="0"/>
+              </a:rPr>
+              <a:t>: “); </a:t>
+            </a:r>
+          </a:p>
+          <a:p>
+            <a:r>
+              <a:rPr lang="en-US" altLang="ko-KR" dirty="0" smtClean="0">
+                <a:solidFill>
+                  <a:schemeClr val="accent1">
+                    <a:lumMod val="75000"/>
+                  </a:schemeClr>
+                </a:solidFill>
+                <a:latin typeface="Courier New" panose="02070309020205020404" pitchFamily="49" charset="0"/>
+                <a:cs typeface="Courier New" panose="02070309020205020404" pitchFamily="49" charset="0"/>
+              </a:rPr>
+              <a:t>	//</a:t>
+            </a:r>
+            <a:r>
+              <a:rPr lang="en-US" altLang="ko-KR" dirty="0">
+                <a:solidFill>
+                  <a:schemeClr val="accent1">
+                    <a:lumMod val="75000"/>
+                  </a:schemeClr>
+                </a:solidFill>
+                <a:latin typeface="Courier New" panose="02070309020205020404" pitchFamily="49" charset="0"/>
+                <a:cs typeface="Courier New" panose="02070309020205020404" pitchFamily="49" charset="0"/>
+              </a:rPr>
+              <a:t>10</a:t>
+            </a:r>
+            <a:r>
+              <a:rPr lang="ko-KR" altLang="en-US" dirty="0">
+                <a:solidFill>
+                  <a:schemeClr val="accent1">
+                    <a:lumMod val="75000"/>
+                  </a:schemeClr>
+                </a:solidFill>
+                <a:latin typeface="Courier New" panose="02070309020205020404" pitchFamily="49" charset="0"/>
+                <a:cs typeface="Courier New" panose="02070309020205020404" pitchFamily="49" charset="0"/>
+              </a:rPr>
+              <a:t>진수 형태로 시리얼모니터에 </a:t>
+            </a:r>
+            <a:r>
+              <a:rPr lang="ko-KR" altLang="en-US" dirty="0" smtClean="0">
+                <a:solidFill>
+                  <a:schemeClr val="accent1">
+                    <a:lumMod val="75000"/>
+                  </a:schemeClr>
+                </a:solidFill>
+                <a:latin typeface="Courier New" panose="02070309020205020404" pitchFamily="49" charset="0"/>
+                <a:cs typeface="Courier New" panose="02070309020205020404" pitchFamily="49" charset="0"/>
+              </a:rPr>
+              <a:t>출력</a:t>
+            </a:r>
+            <a:endParaRPr lang="en-US" altLang="ko-KR" dirty="0">
+              <a:latin typeface="Courier New" panose="02070309020205020404" pitchFamily="49" charset="0"/>
+              <a:cs typeface="Courier New" panose="02070309020205020404" pitchFamily="49" charset="0"/>
+            </a:endParaRPr>
+          </a:p>
+          <a:p>
+            <a:r>
+              <a:rPr lang="en-US" altLang="ko-KR" dirty="0">
+                <a:latin typeface="Courier New" panose="02070309020205020404" pitchFamily="49" charset="0"/>
+                <a:cs typeface="Courier New" panose="02070309020205020404" pitchFamily="49" charset="0"/>
+              </a:rPr>
+              <a:t>	</a:t>
+            </a:r>
+            <a:r>
+              <a:rPr lang="en-US" altLang="ko-KR" dirty="0" err="1" smtClean="0">
+                <a:latin typeface="Courier New" panose="02070309020205020404" pitchFamily="49" charset="0"/>
+                <a:cs typeface="Courier New" panose="02070309020205020404" pitchFamily="49" charset="0"/>
+              </a:rPr>
+              <a:t>Serial.println</a:t>
+            </a:r>
+            <a:r>
+              <a:rPr lang="en-US" altLang="ko-KR" dirty="0" smtClean="0">
+                <a:latin typeface="Courier New" panose="02070309020205020404" pitchFamily="49" charset="0"/>
+                <a:cs typeface="Courier New" panose="02070309020205020404" pitchFamily="49" charset="0"/>
+              </a:rPr>
+              <a:t>(</a:t>
+            </a:r>
+            <a:r>
+              <a:rPr lang="en-US" altLang="ko-KR" dirty="0" err="1" smtClean="0">
+                <a:latin typeface="Courier New" panose="02070309020205020404" pitchFamily="49" charset="0"/>
+                <a:cs typeface="Courier New" panose="02070309020205020404" pitchFamily="49" charset="0"/>
+              </a:rPr>
+              <a:t>inByte</a:t>
+            </a:r>
+            <a:r>
+              <a:rPr lang="en-US" altLang="ko-KR" dirty="0">
+                <a:latin typeface="Courier New" panose="02070309020205020404" pitchFamily="49" charset="0"/>
+                <a:cs typeface="Courier New" panose="02070309020205020404" pitchFamily="49" charset="0"/>
+              </a:rPr>
+              <a:t>, DEC</a:t>
+            </a:r>
+            <a:r>
+              <a:rPr lang="en-US" altLang="ko-KR" dirty="0" smtClean="0">
+                <a:latin typeface="Courier New" panose="02070309020205020404" pitchFamily="49" charset="0"/>
+                <a:cs typeface="Courier New" panose="02070309020205020404" pitchFamily="49" charset="0"/>
+              </a:rPr>
+              <a:t>); </a:t>
+            </a:r>
+          </a:p>
+          <a:p>
+            <a:r>
+              <a:rPr lang="en-US" altLang="ko-KR" dirty="0" smtClean="0">
+                <a:latin typeface="Courier New" panose="02070309020205020404" pitchFamily="49" charset="0"/>
+                <a:cs typeface="Courier New" panose="02070309020205020404" pitchFamily="49" charset="0"/>
+              </a:rPr>
+              <a:t>}</a:t>
+            </a:r>
+          </a:p>
+          <a:p>
+            <a:r>
+              <a:rPr lang="en-US" altLang="ko-KR" dirty="0" smtClean="0">
+                <a:latin typeface="Courier New" panose="02070309020205020404" pitchFamily="49" charset="0"/>
+                <a:cs typeface="Courier New" panose="02070309020205020404" pitchFamily="49" charset="0"/>
+              </a:rPr>
+              <a:t>}</a:t>
+            </a:r>
+          </a:p>
+        </p:txBody>
+      </p:sp>
+      <p:sp>
+        <p:nvSpPr>
+          <p:cNvPr id="6" name="슬라이드 번호 개체 틀 5"/>
+          <p:cNvSpPr>
+            <a:spLocks noGrp="1"/>
+          </p:cNvSpPr>
+          <p:nvPr>
+            <p:ph type="sldNum" sz="quarter" idx="12"/>
+          </p:nvPr>
+        </p:nvSpPr>
+        <p:spPr/>
+        <p:txBody>
+          <a:bodyPr/>
+          <a:lstStyle/>
+          <a:p>
+            <a:fld id="{C12CAAA6-23F3-4378-9E62-48C953A7FF84}" type="slidenum">
+              <a:rPr lang="ko-KR" altLang="en-US" smtClean="0"/>
+              <a:t>12</a:t>
+            </a:fld>
+            <a:endParaRPr lang="ko-KR" altLang="en-US"/>
+          </a:p>
+        </p:txBody>
+      </p:sp>
+    </p:spTree>
+    <p:extLst>
+      <p:ext uri="{BB962C8B-B14F-4D97-AF65-F5344CB8AC3E}">
+        <p14:creationId xmlns:p14="http://schemas.microsoft.com/office/powerpoint/2010/main" val="2426187385"/>
+      </p:ext>
+    </p:extLst>
+  </p:cSld>
+  <p:clrMapOvr>
+    <a:masterClrMapping/>
+  </p:clrMapOvr>
+  <p:timing>
+    <p:tnLst>
+      <p:par>
+        <p:cTn id="1" dur="indefinite" restart="never" nodeType="tmRoot">
+          <p:childTnLst>
+            <p:seq concurrent="1" nextAc="seek">
+              <p:cTn id="2" dur="indefinite" nodeType="mainSeq">
+                <p:childTnLst>
+                  <p:par>
+                    <p:cTn id="3" fill="hold">
+                      <p:stCondLst>
+                        <p:cond delay="indefinite"/>
+                        <p:cond evt="onBegin" delay="0">
+                          <p:tn val="2"/>
+                        </p:cond>
+                      </p:stCondLst>
+                      <p:childTnLst>
+                        <p:par>
+                          <p:cTn id="4" fill="hold">
+                            <p:stCondLst>
+                              <p:cond delay="0"/>
+                            </p:stCondLst>
+                            <p:childTnLst>
+                              <p:par>
+                                <p:cTn id="5" presetID="10" presetClass="entr" presetSubtype="0" fill="hold" grpId="0" nodeType="withEffect">
+                                  <p:stCondLst>
+                                    <p:cond delay="0"/>
+                                  </p:stCondLst>
+                                  <p:childTnLst>
+                                    <p:set>
+                                      <p:cBhvr>
+                                        <p:cTn id="6" dur="1" fill="hold">
+                                          <p:stCondLst>
+                                            <p:cond delay="0"/>
+                                          </p:stCondLst>
+                                        </p:cTn>
+                                        <p:tgtEl>
+                                          <p:spTgt spid="2"/>
+                                        </p:tgtEl>
+                                        <p:attrNameLst>
+                                          <p:attrName>style.visibility</p:attrName>
+                                        </p:attrNameLst>
+                                      </p:cBhvr>
+                                      <p:to>
+                                        <p:strVal val="visible"/>
+                                      </p:to>
+                                    </p:set>
+                                    <p:animEffect transition="in" filter="fade">
+                                      <p:cBhvr>
+                                        <p:cTn id="7" dur="500"/>
+                                        <p:tgtEl>
+                                          <p:spTgt spid="2"/>
+                                        </p:tgtEl>
+                                      </p:cBhvr>
+                                    </p:animEffect>
+                                  </p:childTnLst>
+                                </p:cTn>
+                              </p:par>
+                            </p:childTnLst>
+                          </p:cTn>
+                        </p:par>
+                      </p:childTnLst>
+                    </p:cTn>
+                  </p:par>
+                  <p:par>
+                    <p:cTn id="8" fill="hold">
+                      <p:stCondLst>
+                        <p:cond delay="indefinite"/>
+                      </p:stCondLst>
+                      <p:childTnLst>
+                        <p:par>
+                          <p:cTn id="9" fill="hold">
+                            <p:stCondLst>
+                              <p:cond delay="0"/>
+                            </p:stCondLst>
+                            <p:childTnLst>
+                              <p:par>
+                                <p:cTn id="10" presetID="22" presetClass="entr" presetSubtype="8" fill="hold" grpId="0" nodeType="clickEffect">
+                                  <p:stCondLst>
+                                    <p:cond delay="0"/>
+                                  </p:stCondLst>
+                                  <p:childTnLst>
+                                    <p:set>
+                                      <p:cBhvr>
+                                        <p:cTn id="11" dur="1" fill="hold">
+                                          <p:stCondLst>
+                                            <p:cond delay="0"/>
+                                          </p:stCondLst>
+                                        </p:cTn>
+                                        <p:tgtEl>
+                                          <p:spTgt spid="3">
+                                            <p:txEl>
+                                              <p:pRg st="0" end="0"/>
+                                            </p:txEl>
+                                          </p:spTgt>
+                                        </p:tgtEl>
+                                        <p:attrNameLst>
+                                          <p:attrName>style.visibility</p:attrName>
+                                        </p:attrNameLst>
+                                      </p:cBhvr>
+                                      <p:to>
+                                        <p:strVal val="visible"/>
+                                      </p:to>
+                                    </p:set>
+                                    <p:animEffect transition="in" filter="wipe(left)">
+                                      <p:cBhvr>
+                                        <p:cTn id="12" dur="500"/>
+                                        <p:tgtEl>
+                                          <p:spTgt spid="3">
+                                            <p:txEl>
+                                              <p:pRg st="0" end="0"/>
+                                            </p:txEl>
+                                          </p:spTgt>
+                                        </p:tgtEl>
+                                      </p:cBhvr>
+                                    </p:animEffect>
+                                  </p:childTnLst>
+                                </p:cTn>
+                              </p:par>
+                            </p:childTnLst>
+                          </p:cTn>
+                        </p:par>
+                      </p:childTnLst>
+                    </p:cTn>
+                  </p:par>
+                  <p:par>
+                    <p:cTn id="13" fill="hold">
+                      <p:stCondLst>
+                        <p:cond delay="indefinite"/>
+                      </p:stCondLst>
+                      <p:childTnLst>
+                        <p:par>
+                          <p:cTn id="14" fill="hold">
+                            <p:stCondLst>
+                              <p:cond delay="0"/>
+                            </p:stCondLst>
+                            <p:childTnLst>
+                              <p:par>
+                                <p:cTn id="15" presetID="22" presetClass="entr" presetSubtype="8" fill="hold" grpId="0" nodeType="clickEffect">
+                                  <p:stCondLst>
+                                    <p:cond delay="0"/>
+                                  </p:stCondLst>
+                                  <p:childTnLst>
+                                    <p:set>
+                                      <p:cBhvr>
+                                        <p:cTn id="16" dur="1" fill="hold">
+                                          <p:stCondLst>
+                                            <p:cond delay="0"/>
+                                          </p:stCondLst>
+                                        </p:cTn>
+                                        <p:tgtEl>
+                                          <p:spTgt spid="3">
+                                            <p:txEl>
+                                              <p:pRg st="1" end="1"/>
+                                            </p:txEl>
+                                          </p:spTgt>
+                                        </p:tgtEl>
+                                        <p:attrNameLst>
+                                          <p:attrName>style.visibility</p:attrName>
+                                        </p:attrNameLst>
+                                      </p:cBhvr>
+                                      <p:to>
+                                        <p:strVal val="visible"/>
+                                      </p:to>
+                                    </p:set>
+                                    <p:animEffect transition="in" filter="wipe(left)">
+                                      <p:cBhvr>
+                                        <p:cTn id="17" dur="500"/>
+                                        <p:tgtEl>
+                                          <p:spTgt spid="3">
+                                            <p:txEl>
+                                              <p:pRg st="1" end="1"/>
+                                            </p:txEl>
+                                          </p:spTgt>
+                                        </p:tgtEl>
+                                      </p:cBhvr>
+                                    </p:animEffect>
+                                  </p:childTnLst>
+                                </p:cTn>
+                              </p:par>
+                            </p:childTnLst>
+                          </p:cTn>
+                        </p:par>
+                      </p:childTnLst>
+                    </p:cTn>
+                  </p:par>
+                  <p:par>
+                    <p:cTn id="18" fill="hold">
+                      <p:stCondLst>
+                        <p:cond delay="indefinite"/>
+                      </p:stCondLst>
+                      <p:childTnLst>
+                        <p:par>
+                          <p:cTn id="19" fill="hold">
+                            <p:stCondLst>
+                              <p:cond delay="0"/>
+                            </p:stCondLst>
+                            <p:childTnLst>
+                              <p:par>
+                                <p:cTn id="20" presetID="10" presetClass="entr" presetSubtype="0" fill="hold" grpId="0" nodeType="clickEffect">
+                                  <p:stCondLst>
+                                    <p:cond delay="0"/>
+                                  </p:stCondLst>
+                                  <p:childTnLst>
+                                    <p:set>
+                                      <p:cBhvr>
+                                        <p:cTn id="21" dur="1" fill="hold">
+                                          <p:stCondLst>
+                                            <p:cond delay="0"/>
+                                          </p:stCondLst>
+                                        </p:cTn>
+                                        <p:tgtEl>
+                                          <p:spTgt spid="5"/>
+                                        </p:tgtEl>
+                                        <p:attrNameLst>
+                                          <p:attrName>style.visibility</p:attrName>
+                                        </p:attrNameLst>
+                                      </p:cBhvr>
+                                      <p:to>
+                                        <p:strVal val="visible"/>
+                                      </p:to>
+                                    </p:set>
+                                    <p:animEffect transition="in" filter="fade">
+                                      <p:cBhvr>
+                                        <p:cTn id="22" dur="500"/>
+                                        <p:tgtEl>
+                                          <p:spTgt spid="5"/>
+                                        </p:tgtEl>
+                                      </p:cBhvr>
+                                    </p:animEffect>
+                                  </p:childTnLst>
+                                </p:cTn>
+                              </p:par>
+                            </p:childTnLst>
+                          </p:cTn>
+                        </p:par>
+                      </p:childTnLst>
+                    </p:cTn>
+                  </p:par>
+                </p:childTnLst>
+              </p:cTn>
+              <p:prevCondLst>
+                <p:cond evt="onPrev" delay="0">
+                  <p:tgtEl>
+                    <p:sldTgt/>
+                  </p:tgtEl>
+                </p:cond>
+              </p:prevCondLst>
+              <p:nextCondLst>
+                <p:cond evt="onNext" delay="0">
+                  <p:tgtEl>
+                    <p:sldTgt/>
+                  </p:tgtEl>
+                </p:cond>
+              </p:nextCondLst>
+            </p:seq>
+          </p:childTnLst>
+        </p:cTn>
+      </p:par>
+    </p:tnLst>
+    <p:bldLst>
+      <p:bldP spid="2" grpId="0"/>
+      <p:bldP spid="3" grpId="0" uiExpand="1" build="p" bldLvl="5"/>
+      <p:bldP spid="5" grpId="0" animBg="1"/>
+    </p:bldLst>
+  </p:timing>
+</p:sld>
+</file>
+
+<file path=ppt/slides/slide13.xml><?xml version="1.0" encoding="utf-8"?>
 <p:sld xmlns:a="http://schemas.openxmlformats.org/drawingml/2006/main" xmlns:r="http://schemas.openxmlformats.org/officeDocument/2006/relationships" xmlns:p="http://schemas.openxmlformats.org/presentationml/2006/main">
   <p:cSld>
     <p:spTree>
@@ -4241,7 +6208,7 @@
           <a:p>
             <a:fld id="{C12CAAA6-23F3-4378-9E62-48C953A7FF84}" type="slidenum">
               <a:rPr lang="ko-KR" altLang="en-US" smtClean="0"/>
-              <a:t>11</a:t>
+              <a:t>13</a:t>
             </a:fld>
             <a:endParaRPr lang="ko-KR" altLang="en-US"/>
           </a:p>
@@ -4537,7 +6504,7 @@
 </p:sld>
 </file>
 
-<file path=ppt/slides/slide12.xml><?xml version="1.0" encoding="utf-8"?>
+<file path=ppt/slides/slide14.xml><?xml version="1.0" encoding="utf-8"?>
 <p:sld xmlns:a="http://schemas.openxmlformats.org/drawingml/2006/main" xmlns:r="http://schemas.openxmlformats.org/officeDocument/2006/relationships" xmlns:p="http://schemas.openxmlformats.org/presentationml/2006/main">
   <p:cSld>
     <p:spTree>
@@ -4571,7 +6538,7 @@
           <a:p>
             <a:fld id="{C12CAAA6-23F3-4378-9E62-48C953A7FF84}" type="slidenum">
               <a:rPr lang="ko-KR" altLang="en-US" smtClean="0"/>
-              <a:t>12</a:t>
+              <a:t>14</a:t>
             </a:fld>
             <a:endParaRPr lang="ko-KR" altLang="en-US"/>
           </a:p>
@@ -5387,7 +7354,7 @@
 </p:sld>
 </file>
 
-<file path=ppt/slides/slide13.xml><?xml version="1.0" encoding="utf-8"?>
+<file path=ppt/slides/slide15.xml><?xml version="1.0" encoding="utf-8"?>
 <p:sld xmlns:a="http://schemas.openxmlformats.org/drawingml/2006/main" xmlns:r="http://schemas.openxmlformats.org/officeDocument/2006/relationships" xmlns:p="http://schemas.openxmlformats.org/presentationml/2006/main">
   <p:cSld>
     <p:spTree>
@@ -5421,7 +7388,7 @@
           <a:p>
             <a:fld id="{C12CAAA6-23F3-4378-9E62-48C953A7FF84}" type="slidenum">
               <a:rPr lang="ko-KR" altLang="en-US" smtClean="0"/>
-              <a:t>13</a:t>
+              <a:t>15</a:t>
             </a:fld>
             <a:endParaRPr lang="ko-KR" altLang="en-US"/>
           </a:p>
@@ -5760,7 +7727,7 @@
 </p:sld>
 </file>
 
-<file path=ppt/slides/slide14.xml><?xml version="1.0" encoding="utf-8"?>
+<file path=ppt/slides/slide16.xml><?xml version="1.0" encoding="utf-8"?>
 <p:sld xmlns:a="http://schemas.openxmlformats.org/drawingml/2006/main" xmlns:r="http://schemas.openxmlformats.org/officeDocument/2006/relationships" xmlns:p="http://schemas.openxmlformats.org/presentationml/2006/main">
   <p:cSld>
     <p:spTree>
@@ -5866,7 +7833,7 @@
           <a:p>
             <a:fld id="{C12CAAA6-23F3-4378-9E62-48C953A7FF84}" type="slidenum">
               <a:rPr lang="ko-KR" altLang="en-US" smtClean="0"/>
-              <a:t>14</a:t>
+              <a:t>16</a:t>
             </a:fld>
             <a:endParaRPr lang="ko-KR" altLang="en-US"/>
           </a:p>
@@ -6761,7 +8728,7 @@
 </p:sld>
 </file>
 
-<file path=ppt/slides/slide15.xml><?xml version="1.0" encoding="utf-8"?>
+<file path=ppt/slides/slide17.xml><?xml version="1.0" encoding="utf-8"?>
 <p:sld xmlns:a="http://schemas.openxmlformats.org/drawingml/2006/main" xmlns:r="http://schemas.openxmlformats.org/officeDocument/2006/relationships" xmlns:p="http://schemas.openxmlformats.org/presentationml/2006/main">
   <p:cSld>
     <p:spTree>
@@ -7292,7 +9259,7 @@
           <a:p>
             <a:fld id="{C12CAAA6-23F3-4378-9E62-48C953A7FF84}" type="slidenum">
               <a:rPr lang="ko-KR" altLang="en-US" smtClean="0"/>
-              <a:t>15</a:t>
+              <a:t>17</a:t>
             </a:fld>
             <a:endParaRPr lang="ko-KR" altLang="en-US"/>
           </a:p>
@@ -7466,7 +9433,7 @@
 </p:sld>
 </file>
 
-<file path=ppt/slides/slide16.xml><?xml version="1.0" encoding="utf-8"?>
+<file path=ppt/slides/slide18.xml><?xml version="1.0" encoding="utf-8"?>
 <p:sld xmlns:a="http://schemas.openxmlformats.org/drawingml/2006/main" xmlns:r="http://schemas.openxmlformats.org/officeDocument/2006/relationships" xmlns:p="http://schemas.openxmlformats.org/presentationml/2006/main">
   <p:cSld>
     <p:spTree>
@@ -7853,7 +9820,7 @@
           <a:p>
             <a:fld id="{C12CAAA6-23F3-4378-9E62-48C953A7FF84}" type="slidenum">
               <a:rPr lang="ko-KR" altLang="en-US" smtClean="0"/>
-              <a:t>16</a:t>
+              <a:t>18</a:t>
             </a:fld>
             <a:endParaRPr lang="ko-KR" altLang="en-US"/>
           </a:p>
@@ -7949,7 +9916,7 @@
 </p:sld>
 </file>
 
-<file path=ppt/slides/slide17.xml><?xml version="1.0" encoding="utf-8"?>
+<file path=ppt/slides/slide19.xml><?xml version="1.0" encoding="utf-8"?>
 <p:sld xmlns:a="http://schemas.openxmlformats.org/drawingml/2006/main" xmlns:r="http://schemas.openxmlformats.org/officeDocument/2006/relationships" xmlns:p="http://schemas.openxmlformats.org/presentationml/2006/main">
   <p:cSld>
     <p:spTree>
@@ -8288,7 +10255,7 @@
           <a:p>
             <a:fld id="{C12CAAA6-23F3-4378-9E62-48C953A7FF84}" type="slidenum">
               <a:rPr lang="ko-KR" altLang="en-US" smtClean="0"/>
-              <a:t>17</a:t>
+              <a:t>19</a:t>
             </a:fld>
             <a:endParaRPr lang="ko-KR" altLang="en-US"/>
           </a:p>
@@ -8299,7 +10266,7 @@
           <p:cNvPr id="10" name="TextBox 9">
             <a:extLst>
               <a:ext uri="{FF2B5EF4-FFF2-40B4-BE49-F238E27FC236}">
-                <a16:creationId xmlns="" xmlns:a16="http://schemas.microsoft.com/office/drawing/2014/main" id="{57A5A19C-5FB8-824C-AC41-DBE7A5E58E80}"/>
+                <a16:creationId xmlns:a16="http://schemas.microsoft.com/office/drawing/2014/main" id="{57A5A19C-5FB8-824C-AC41-DBE7A5E58E80}"/>
               </a:ext>
             </a:extLst>
           </p:cNvPr>
@@ -8351,7 +10318,7 @@
           <p:cNvPr id="11" name="TextBox 10">
             <a:extLst>
               <a:ext uri="{FF2B5EF4-FFF2-40B4-BE49-F238E27FC236}">
-                <a16:creationId xmlns="" xmlns:a16="http://schemas.microsoft.com/office/drawing/2014/main" id="{57A5A19C-5FB8-824C-AC41-DBE7A5E58E80}"/>
+                <a16:creationId xmlns:a16="http://schemas.microsoft.com/office/drawing/2014/main" id="{57A5A19C-5FB8-824C-AC41-DBE7A5E58E80}"/>
               </a:ext>
             </a:extLst>
           </p:cNvPr>
@@ -8403,7 +10370,7 @@
           <p:cNvPr id="12" name="TextBox 11">
             <a:extLst>
               <a:ext uri="{FF2B5EF4-FFF2-40B4-BE49-F238E27FC236}">
-                <a16:creationId xmlns="" xmlns:a16="http://schemas.microsoft.com/office/drawing/2014/main" id="{57A5A19C-5FB8-824C-AC41-DBE7A5E58E80}"/>
+                <a16:creationId xmlns:a16="http://schemas.microsoft.com/office/drawing/2014/main" id="{57A5A19C-5FB8-824C-AC41-DBE7A5E58E80}"/>
               </a:ext>
             </a:extLst>
           </p:cNvPr>
@@ -8470,7 +10437,313 @@
 </p:sld>
 </file>
 
-<file path=ppt/slides/slide18.xml><?xml version="1.0" encoding="utf-8"?>
+<file path=ppt/slides/slide2.xml><?xml version="1.0" encoding="utf-8"?>
+<p:sld xmlns:a="http://schemas.openxmlformats.org/drawingml/2006/main" xmlns:r="http://schemas.openxmlformats.org/officeDocument/2006/relationships" xmlns:p="http://schemas.openxmlformats.org/presentationml/2006/main">
+  <p:cSld>
+    <p:spTree>
+      <p:nvGrpSpPr>
+        <p:cNvPr id="1" name=""/>
+        <p:cNvGrpSpPr/>
+        <p:nvPr/>
+      </p:nvGrpSpPr>
+      <p:grpSpPr>
+        <a:xfrm>
+          <a:off x="0" y="0"/>
+          <a:ext cx="0" cy="0"/>
+          <a:chOff x="0" y="0"/>
+          <a:chExt cx="0" cy="0"/>
+        </a:xfrm>
+      </p:grpSpPr>
+      <p:sp>
+        <p:nvSpPr>
+          <p:cNvPr id="2" name="제목 1"/>
+          <p:cNvSpPr>
+            <a:spLocks noGrp="1"/>
+          </p:cNvSpPr>
+          <p:nvPr>
+            <p:ph type="title"/>
+          </p:nvPr>
+        </p:nvSpPr>
+        <p:spPr>
+          <a:xfrm>
+            <a:off x="534199" y="123078"/>
+            <a:ext cx="7886700" cy="1325563"/>
+          </a:xfrm>
+        </p:spPr>
+        <p:txBody>
+          <a:bodyPr/>
+          <a:lstStyle/>
+          <a:p>
+            <a:r>
+              <a:rPr lang="ko-KR" altLang="en-US" dirty="0"/>
+              <a:t>목차</a:t>
+            </a:r>
+          </a:p>
+        </p:txBody>
+      </p:sp>
+      <p:sp>
+        <p:nvSpPr>
+          <p:cNvPr id="3" name="내용 개체 틀 2"/>
+          <p:cNvSpPr>
+            <a:spLocks noGrp="1"/>
+          </p:cNvSpPr>
+          <p:nvPr>
+            <p:ph idx="1"/>
+          </p:nvPr>
+        </p:nvSpPr>
+        <p:spPr>
+          <a:xfrm>
+            <a:off x="534199" y="1326776"/>
+            <a:ext cx="8417490" cy="5253318"/>
+          </a:xfrm>
+        </p:spPr>
+        <p:txBody>
+          <a:bodyPr>
+            <a:normAutofit/>
+          </a:bodyPr>
+          <a:lstStyle/>
+          <a:p>
+            <a:pPr>
+              <a:lnSpc>
+                <a:spcPct val="150000"/>
+              </a:lnSpc>
+            </a:pPr>
+            <a:r>
+              <a:rPr lang="ko-KR" altLang="en-US" dirty="0" err="1"/>
+              <a:t>직렬통신</a:t>
+            </a:r>
+            <a:r>
+              <a:rPr lang="ko-KR" altLang="en-US" dirty="0"/>
+              <a:t> </a:t>
+            </a:r>
+            <a:r>
+              <a:rPr lang="en-US" altLang="ko-KR" dirty="0"/>
+              <a:t>vs </a:t>
+            </a:r>
+            <a:r>
+              <a:rPr lang="ko-KR" altLang="en-US" dirty="0" err="1"/>
+              <a:t>병렬통신</a:t>
+            </a:r>
+            <a:endParaRPr lang="en-US" altLang="ko-KR" dirty="0"/>
+          </a:p>
+          <a:p>
+            <a:pPr>
+              <a:lnSpc>
+                <a:spcPct val="150000"/>
+              </a:lnSpc>
+            </a:pPr>
+            <a:r>
+              <a:rPr lang="ko-KR" altLang="en-US" dirty="0" err="1" smtClean="0"/>
+              <a:t>아두이노가</a:t>
+            </a:r>
+            <a:r>
+              <a:rPr lang="ko-KR" altLang="en-US" dirty="0" smtClean="0"/>
+              <a:t> 외부와 통신하는 방법</a:t>
+            </a:r>
+            <a:endParaRPr lang="en-US" altLang="ko-KR" dirty="0"/>
+          </a:p>
+          <a:p>
+            <a:pPr>
+              <a:lnSpc>
+                <a:spcPct val="150000"/>
+              </a:lnSpc>
+            </a:pPr>
+            <a:r>
+              <a:rPr lang="en-US" altLang="ko-KR" dirty="0" smtClean="0"/>
+              <a:t>Hardware Serial (UART), Software Serial</a:t>
+            </a:r>
+            <a:endParaRPr lang="en-US" altLang="ko-KR" dirty="0"/>
+          </a:p>
+          <a:p>
+            <a:pPr>
+              <a:lnSpc>
+                <a:spcPct val="150000"/>
+              </a:lnSpc>
+            </a:pPr>
+            <a:r>
+              <a:rPr lang="en-US" altLang="ko-KR" dirty="0" smtClean="0"/>
+              <a:t>Serial </a:t>
+            </a:r>
+            <a:r>
+              <a:rPr lang="ko-KR" altLang="en-US" dirty="0" smtClean="0"/>
+              <a:t>객체를 이용한 시리얼 통신</a:t>
+            </a:r>
+            <a:endParaRPr lang="en-US" altLang="ko-KR" dirty="0" smtClean="0"/>
+          </a:p>
+          <a:p>
+            <a:pPr lvl="1">
+              <a:lnSpc>
+                <a:spcPct val="150000"/>
+              </a:lnSpc>
+              <a:spcBef>
+                <a:spcPts val="0"/>
+              </a:spcBef>
+            </a:pPr>
+            <a:r>
+              <a:rPr lang="ko-KR" altLang="en-US" dirty="0" smtClean="0"/>
+              <a:t>실습 </a:t>
+            </a:r>
+            <a:r>
+              <a:rPr lang="en-US" altLang="ko-KR" dirty="0" smtClean="0"/>
+              <a:t>1: Hardware Serial </a:t>
+            </a:r>
+            <a:r>
+              <a:rPr lang="ko-KR" altLang="en-US" dirty="0" smtClean="0"/>
+              <a:t>기본 사용법</a:t>
+            </a:r>
+            <a:endParaRPr lang="en-US" altLang="ko-KR" dirty="0"/>
+          </a:p>
+          <a:p>
+            <a:pPr lvl="1">
+              <a:lnSpc>
+                <a:spcPct val="150000"/>
+              </a:lnSpc>
+              <a:spcBef>
+                <a:spcPts val="0"/>
+              </a:spcBef>
+            </a:pPr>
+            <a:r>
+              <a:rPr lang="ko-KR" altLang="en-US" dirty="0" smtClean="0"/>
+              <a:t>실습 </a:t>
+            </a:r>
+            <a:r>
+              <a:rPr lang="en-US" altLang="ko-KR" dirty="0" smtClean="0"/>
+              <a:t>2: </a:t>
+            </a:r>
+            <a:r>
+              <a:rPr lang="ko-KR" altLang="en-US" dirty="0" smtClean="0"/>
+              <a:t>스위치 동작 횟수 전달하기 </a:t>
+            </a:r>
+            <a:r>
+              <a:rPr lang="en-US" altLang="ko-KR" dirty="0" smtClean="0"/>
+              <a:t>(</a:t>
+            </a:r>
+            <a:r>
+              <a:rPr lang="en-US" altLang="ko-KR" dirty="0" err="1" smtClean="0"/>
+              <a:t>Pull-UP</a:t>
+            </a:r>
+            <a:r>
+              <a:rPr lang="en-US" altLang="ko-KR" dirty="0" smtClean="0"/>
+              <a:t> </a:t>
+            </a:r>
+            <a:r>
+              <a:rPr lang="ko-KR" altLang="en-US" dirty="0" smtClean="0"/>
+              <a:t>복습 포함</a:t>
+            </a:r>
+            <a:r>
+              <a:rPr lang="en-US" altLang="ko-KR" dirty="0" smtClean="0"/>
+              <a:t>)</a:t>
+            </a:r>
+            <a:endParaRPr lang="en-US" altLang="ko-KR" dirty="0"/>
+          </a:p>
+          <a:p>
+            <a:pPr lvl="2">
+              <a:lnSpc>
+                <a:spcPct val="160000"/>
+              </a:lnSpc>
+              <a:spcBef>
+                <a:spcPts val="0"/>
+              </a:spcBef>
+            </a:pPr>
+            <a:r>
+              <a:rPr lang="ko-KR" altLang="en-US" dirty="0" smtClean="0"/>
+              <a:t>응용 </a:t>
+            </a:r>
+            <a:r>
+              <a:rPr lang="en-US" altLang="ko-KR" dirty="0" smtClean="0"/>
+              <a:t>1: PC</a:t>
+            </a:r>
+            <a:r>
+              <a:rPr lang="ko-KR" altLang="en-US" dirty="0" smtClean="0"/>
+              <a:t>에서 </a:t>
+            </a:r>
+            <a:r>
+              <a:rPr lang="ko-KR" altLang="en-US" dirty="0" err="1" smtClean="0"/>
+              <a:t>스위칭</a:t>
+            </a:r>
+            <a:r>
+              <a:rPr lang="ko-KR" altLang="en-US" dirty="0" smtClean="0"/>
+              <a:t> 횟수 초기화 하기</a:t>
+            </a:r>
+            <a:endParaRPr lang="en-US" altLang="ko-KR" dirty="0" smtClean="0"/>
+          </a:p>
+          <a:p>
+            <a:pPr lvl="1">
+              <a:lnSpc>
+                <a:spcPct val="160000"/>
+              </a:lnSpc>
+              <a:spcBef>
+                <a:spcPts val="0"/>
+              </a:spcBef>
+            </a:pPr>
+            <a:r>
+              <a:rPr lang="ko-KR" altLang="en-US" dirty="0" smtClean="0"/>
+              <a:t>실습 </a:t>
+            </a:r>
+            <a:r>
+              <a:rPr lang="en-US" altLang="ko-KR" dirty="0" smtClean="0"/>
+              <a:t>3: PC</a:t>
+            </a:r>
+            <a:r>
+              <a:rPr lang="ko-KR" altLang="en-US" dirty="0" smtClean="0"/>
+              <a:t>에서 </a:t>
+            </a:r>
+            <a:r>
+              <a:rPr lang="en-US" altLang="ko-KR" dirty="0" smtClean="0"/>
+              <a:t>LED 3</a:t>
+            </a:r>
+            <a:r>
+              <a:rPr lang="ko-KR" altLang="en-US" dirty="0" smtClean="0"/>
+              <a:t>개 점멸 제어</a:t>
+            </a:r>
+            <a:endParaRPr lang="ko-KR" altLang="en-US" dirty="0"/>
+          </a:p>
+        </p:txBody>
+      </p:sp>
+      <p:sp>
+        <p:nvSpPr>
+          <p:cNvPr id="4" name="슬라이드 번호 개체 틀 3"/>
+          <p:cNvSpPr>
+            <a:spLocks noGrp="1"/>
+          </p:cNvSpPr>
+          <p:nvPr>
+            <p:ph type="sldNum" sz="quarter" idx="12"/>
+          </p:nvPr>
+        </p:nvSpPr>
+        <p:spPr/>
+        <p:txBody>
+          <a:bodyPr/>
+          <a:lstStyle/>
+          <a:p>
+            <a:fld id="{C12CAAA6-23F3-4378-9E62-48C953A7FF84}" type="slidenum">
+              <a:rPr lang="ko-KR" altLang="en-US" smtClean="0"/>
+              <a:t>2</a:t>
+            </a:fld>
+            <a:endParaRPr lang="ko-KR" altLang="en-US"/>
+          </a:p>
+        </p:txBody>
+      </p:sp>
+    </p:spTree>
+    <p:extLst>
+      <p:ext uri="{BB962C8B-B14F-4D97-AF65-F5344CB8AC3E}">
+        <p14:creationId xmlns:p14="http://schemas.microsoft.com/office/powerpoint/2010/main" val="2092964705"/>
+      </p:ext>
+    </p:extLst>
+  </p:cSld>
+  <p:clrMapOvr>
+    <a:masterClrMapping/>
+  </p:clrMapOvr>
+  <p:timing>
+    <p:tnLst>
+      <p:par>
+        <p:cTn id="1" dur="indefinite" restart="never" nodeType="tmRoot"/>
+      </p:par>
+    </p:tnLst>
+  </p:timing>
+</p:sld>
+</file>
+
+<file path=ppt/slides/slide20.xml><?xml version="1.0" encoding="utf-8"?>
 <p:sld xmlns:a="http://schemas.openxmlformats.org/drawingml/2006/main" xmlns:r="http://schemas.openxmlformats.org/officeDocument/2006/relationships" xmlns:p="http://schemas.openxmlformats.org/presentationml/2006/main">
   <p:cSld>
     <p:spTree>
@@ -8504,7 +10777,7 @@
           <a:p>
             <a:fld id="{C12CAAA6-23F3-4378-9E62-48C953A7FF84}" type="slidenum">
               <a:rPr lang="ko-KR" altLang="en-US" smtClean="0"/>
-              <a:t>18</a:t>
+              <a:t>20</a:t>
             </a:fld>
             <a:endParaRPr lang="ko-KR" altLang="en-US"/>
           </a:p>
@@ -8694,7 +10967,7 @@
 </p:sld>
 </file>
 
-<file path=ppt/slides/slide19.xml><?xml version="1.0" encoding="utf-8"?>
+<file path=ppt/slides/slide21.xml><?xml version="1.0" encoding="utf-8"?>
 <p:sld xmlns:a="http://schemas.openxmlformats.org/drawingml/2006/main" xmlns:r="http://schemas.openxmlformats.org/officeDocument/2006/relationships" xmlns:p="http://schemas.openxmlformats.org/presentationml/2006/main">
   <p:cSld>
     <p:spTree>
@@ -8728,7 +11001,7 @@
           <a:p>
             <a:fld id="{C12CAAA6-23F3-4378-9E62-48C953A7FF84}" type="slidenum">
               <a:rPr lang="ko-KR" altLang="en-US" smtClean="0"/>
-              <a:t>19</a:t>
+              <a:t>21</a:t>
             </a:fld>
             <a:endParaRPr lang="ko-KR" altLang="en-US"/>
           </a:p>
@@ -8918,313 +11191,7 @@
 </p:sld>
 </file>
 
-<file path=ppt/slides/slide2.xml><?xml version="1.0" encoding="utf-8"?>
-<p:sld xmlns:a="http://schemas.openxmlformats.org/drawingml/2006/main" xmlns:r="http://schemas.openxmlformats.org/officeDocument/2006/relationships" xmlns:p="http://schemas.openxmlformats.org/presentationml/2006/main">
-  <p:cSld>
-    <p:spTree>
-      <p:nvGrpSpPr>
-        <p:cNvPr id="1" name=""/>
-        <p:cNvGrpSpPr/>
-        <p:nvPr/>
-      </p:nvGrpSpPr>
-      <p:grpSpPr>
-        <a:xfrm>
-          <a:off x="0" y="0"/>
-          <a:ext cx="0" cy="0"/>
-          <a:chOff x="0" y="0"/>
-          <a:chExt cx="0" cy="0"/>
-        </a:xfrm>
-      </p:grpSpPr>
-      <p:sp>
-        <p:nvSpPr>
-          <p:cNvPr id="2" name="제목 1"/>
-          <p:cNvSpPr>
-            <a:spLocks noGrp="1"/>
-          </p:cNvSpPr>
-          <p:nvPr>
-            <p:ph type="title"/>
-          </p:nvPr>
-        </p:nvSpPr>
-        <p:spPr>
-          <a:xfrm>
-            <a:off x="534199" y="123078"/>
-            <a:ext cx="7886700" cy="1325563"/>
-          </a:xfrm>
-        </p:spPr>
-        <p:txBody>
-          <a:bodyPr/>
-          <a:lstStyle/>
-          <a:p>
-            <a:r>
-              <a:rPr lang="ko-KR" altLang="en-US" dirty="0"/>
-              <a:t>목차</a:t>
-            </a:r>
-          </a:p>
-        </p:txBody>
-      </p:sp>
-      <p:sp>
-        <p:nvSpPr>
-          <p:cNvPr id="3" name="내용 개체 틀 2"/>
-          <p:cNvSpPr>
-            <a:spLocks noGrp="1"/>
-          </p:cNvSpPr>
-          <p:nvPr>
-            <p:ph idx="1"/>
-          </p:nvPr>
-        </p:nvSpPr>
-        <p:spPr>
-          <a:xfrm>
-            <a:off x="534199" y="1326776"/>
-            <a:ext cx="8417490" cy="5253318"/>
-          </a:xfrm>
-        </p:spPr>
-        <p:txBody>
-          <a:bodyPr>
-            <a:normAutofit lnSpcReduction="10000"/>
-          </a:bodyPr>
-          <a:lstStyle/>
-          <a:p>
-            <a:pPr>
-              <a:lnSpc>
-                <a:spcPct val="150000"/>
-              </a:lnSpc>
-            </a:pPr>
-            <a:r>
-              <a:rPr lang="ko-KR" altLang="en-US" dirty="0" err="1" smtClean="0"/>
-              <a:t>아두이노가</a:t>
-            </a:r>
-            <a:r>
-              <a:rPr lang="ko-KR" altLang="en-US" dirty="0" smtClean="0"/>
-              <a:t> 외부와 통신하는 방법</a:t>
-            </a:r>
-            <a:endParaRPr lang="en-US" altLang="ko-KR" dirty="0"/>
-          </a:p>
-          <a:p>
-            <a:pPr>
-              <a:lnSpc>
-                <a:spcPct val="150000"/>
-              </a:lnSpc>
-            </a:pPr>
-            <a:r>
-              <a:rPr lang="ko-KR" altLang="en-US" dirty="0" smtClean="0"/>
-              <a:t>직렬통신 </a:t>
-            </a:r>
-            <a:r>
-              <a:rPr lang="en-US" altLang="ko-KR" dirty="0" err="1" smtClean="0"/>
-              <a:t>vs</a:t>
-            </a:r>
-            <a:r>
-              <a:rPr lang="en-US" altLang="ko-KR" dirty="0" smtClean="0"/>
-              <a:t> </a:t>
-            </a:r>
-            <a:r>
-              <a:rPr lang="ko-KR" altLang="en-US" dirty="0" smtClean="0"/>
-              <a:t>병렬통신</a:t>
-            </a:r>
-            <a:endParaRPr lang="en-US" altLang="ko-KR" dirty="0" smtClean="0"/>
-          </a:p>
-          <a:p>
-            <a:pPr>
-              <a:lnSpc>
-                <a:spcPct val="150000"/>
-              </a:lnSpc>
-            </a:pPr>
-            <a:r>
-              <a:rPr lang="en-US" altLang="ko-KR" dirty="0" smtClean="0"/>
-              <a:t>Hardware Serial (UART), Software Serial</a:t>
-            </a:r>
-            <a:endParaRPr lang="en-US" altLang="ko-KR" dirty="0"/>
-          </a:p>
-          <a:p>
-            <a:pPr>
-              <a:lnSpc>
-                <a:spcPct val="150000"/>
-              </a:lnSpc>
-            </a:pPr>
-            <a:r>
-              <a:rPr lang="en-US" altLang="ko-KR" dirty="0" smtClean="0"/>
-              <a:t>Serial </a:t>
-            </a:r>
-            <a:r>
-              <a:rPr lang="ko-KR" altLang="en-US" dirty="0" smtClean="0"/>
-              <a:t>객체를 이용한 시리얼 통신</a:t>
-            </a:r>
-            <a:endParaRPr lang="en-US" altLang="ko-KR" dirty="0" smtClean="0"/>
-          </a:p>
-          <a:p>
-            <a:pPr lvl="1">
-              <a:lnSpc>
-                <a:spcPct val="150000"/>
-              </a:lnSpc>
-              <a:spcBef>
-                <a:spcPts val="0"/>
-              </a:spcBef>
-            </a:pPr>
-            <a:r>
-              <a:rPr lang="ko-KR" altLang="en-US" dirty="0" smtClean="0"/>
-              <a:t>실습 </a:t>
-            </a:r>
-            <a:r>
-              <a:rPr lang="en-US" altLang="ko-KR" dirty="0" smtClean="0"/>
-              <a:t>1: Hardware Serial </a:t>
-            </a:r>
-            <a:r>
-              <a:rPr lang="ko-KR" altLang="en-US" dirty="0" smtClean="0"/>
-              <a:t>기본 사용법</a:t>
-            </a:r>
-            <a:endParaRPr lang="en-US" altLang="ko-KR" dirty="0"/>
-          </a:p>
-          <a:p>
-            <a:pPr lvl="1">
-              <a:lnSpc>
-                <a:spcPct val="150000"/>
-              </a:lnSpc>
-              <a:spcBef>
-                <a:spcPts val="0"/>
-              </a:spcBef>
-            </a:pPr>
-            <a:r>
-              <a:rPr lang="ko-KR" altLang="en-US" dirty="0" smtClean="0"/>
-              <a:t>실습 </a:t>
-            </a:r>
-            <a:r>
-              <a:rPr lang="en-US" altLang="ko-KR" dirty="0" smtClean="0"/>
-              <a:t>2: </a:t>
-            </a:r>
-            <a:r>
-              <a:rPr lang="ko-KR" altLang="en-US" dirty="0" smtClean="0"/>
-              <a:t>스위치 동작 횟수 전달하기 </a:t>
-            </a:r>
-            <a:r>
-              <a:rPr lang="en-US" altLang="ko-KR" dirty="0" smtClean="0"/>
-              <a:t>(</a:t>
-            </a:r>
-            <a:r>
-              <a:rPr lang="en-US" altLang="ko-KR" dirty="0" err="1" smtClean="0"/>
-              <a:t>Pull-UP</a:t>
-            </a:r>
-            <a:r>
-              <a:rPr lang="en-US" altLang="ko-KR" dirty="0" smtClean="0"/>
-              <a:t> </a:t>
-            </a:r>
-            <a:r>
-              <a:rPr lang="ko-KR" altLang="en-US" dirty="0" smtClean="0"/>
-              <a:t>복습 포함</a:t>
-            </a:r>
-            <a:r>
-              <a:rPr lang="en-US" altLang="ko-KR" dirty="0" smtClean="0"/>
-              <a:t>)</a:t>
-            </a:r>
-            <a:endParaRPr lang="en-US" altLang="ko-KR" dirty="0"/>
-          </a:p>
-          <a:p>
-            <a:pPr lvl="1">
-              <a:lnSpc>
-                <a:spcPct val="160000"/>
-              </a:lnSpc>
-              <a:spcBef>
-                <a:spcPts val="0"/>
-              </a:spcBef>
-            </a:pPr>
-            <a:r>
-              <a:rPr lang="ko-KR" altLang="en-US" dirty="0" smtClean="0"/>
-              <a:t>응용 </a:t>
-            </a:r>
-            <a:r>
-              <a:rPr lang="en-US" altLang="ko-KR" dirty="0" smtClean="0"/>
-              <a:t>1: PC</a:t>
-            </a:r>
-            <a:r>
-              <a:rPr lang="ko-KR" altLang="en-US" dirty="0" smtClean="0"/>
-              <a:t>에서 </a:t>
-            </a:r>
-            <a:r>
-              <a:rPr lang="ko-KR" altLang="en-US" dirty="0" err="1" smtClean="0"/>
-              <a:t>스위칭</a:t>
-            </a:r>
-            <a:r>
-              <a:rPr lang="ko-KR" altLang="en-US" dirty="0" smtClean="0"/>
-              <a:t> 횟수 초기화 하기</a:t>
-            </a:r>
-            <a:endParaRPr lang="en-US" altLang="ko-KR" dirty="0" smtClean="0"/>
-          </a:p>
-          <a:p>
-            <a:pPr lvl="1">
-              <a:lnSpc>
-                <a:spcPct val="160000"/>
-              </a:lnSpc>
-              <a:spcBef>
-                <a:spcPts val="0"/>
-              </a:spcBef>
-            </a:pPr>
-            <a:r>
-              <a:rPr lang="ko-KR" altLang="en-US" dirty="0" smtClean="0"/>
-              <a:t>실습 </a:t>
-            </a:r>
-            <a:r>
-              <a:rPr lang="en-US" altLang="ko-KR" dirty="0" smtClean="0"/>
-              <a:t>3: PC</a:t>
-            </a:r>
-            <a:r>
-              <a:rPr lang="ko-KR" altLang="en-US" dirty="0" smtClean="0"/>
-              <a:t>에서 </a:t>
-            </a:r>
-            <a:r>
-              <a:rPr lang="en-US" altLang="ko-KR" dirty="0" smtClean="0"/>
-              <a:t>LED 3</a:t>
-            </a:r>
-            <a:r>
-              <a:rPr lang="ko-KR" altLang="en-US" dirty="0" smtClean="0"/>
-              <a:t>개 점멸 제어</a:t>
-            </a:r>
-            <a:endParaRPr lang="ko-KR" altLang="en-US" dirty="0"/>
-          </a:p>
-        </p:txBody>
-      </p:sp>
-      <p:sp>
-        <p:nvSpPr>
-          <p:cNvPr id="4" name="슬라이드 번호 개체 틀 3"/>
-          <p:cNvSpPr>
-            <a:spLocks noGrp="1"/>
-          </p:cNvSpPr>
-          <p:nvPr>
-            <p:ph type="sldNum" sz="quarter" idx="12"/>
-          </p:nvPr>
-        </p:nvSpPr>
-        <p:spPr/>
-        <p:txBody>
-          <a:bodyPr/>
-          <a:lstStyle/>
-          <a:p>
-            <a:fld id="{C12CAAA6-23F3-4378-9E62-48C953A7FF84}" type="slidenum">
-              <a:rPr lang="ko-KR" altLang="en-US" smtClean="0"/>
-              <a:t>2</a:t>
-            </a:fld>
-            <a:endParaRPr lang="ko-KR" altLang="en-US"/>
-          </a:p>
-        </p:txBody>
-      </p:sp>
-    </p:spTree>
-    <p:extLst>
-      <p:ext uri="{BB962C8B-B14F-4D97-AF65-F5344CB8AC3E}">
-        <p14:creationId xmlns:p14="http://schemas.microsoft.com/office/powerpoint/2010/main" val="968369779"/>
-      </p:ext>
-    </p:extLst>
-  </p:cSld>
-  <p:clrMapOvr>
-    <a:masterClrMapping/>
-  </p:clrMapOvr>
-  <p:timing>
-    <p:tnLst>
-      <p:par>
-        <p:cTn id="1" dur="indefinite" restart="never" nodeType="tmRoot"/>
-      </p:par>
-    </p:tnLst>
-  </p:timing>
-</p:sld>
-</file>
-
-<file path=ppt/slides/slide20.xml><?xml version="1.0" encoding="utf-8"?>
+<file path=ppt/slides/slide22.xml><?xml version="1.0" encoding="utf-8"?>
 <p:sld xmlns:a="http://schemas.openxmlformats.org/drawingml/2006/main" xmlns:r="http://schemas.openxmlformats.org/officeDocument/2006/relationships" xmlns:p="http://schemas.openxmlformats.org/presentationml/2006/main">
   <p:cSld>
     <p:spTree>
@@ -9258,7 +11225,7 @@
           <a:p>
             <a:fld id="{C12CAAA6-23F3-4378-9E62-48C953A7FF84}" type="slidenum">
               <a:rPr lang="ko-KR" altLang="en-US" smtClean="0"/>
-              <a:t>20</a:t>
+              <a:t>22</a:t>
             </a:fld>
             <a:endParaRPr lang="ko-KR" altLang="en-US"/>
           </a:p>
@@ -9810,7 +11777,7 @@
 </p:sld>
 </file>
 
-<file path=ppt/slides/slide21.xml><?xml version="1.0" encoding="utf-8"?>
+<file path=ppt/slides/slide23.xml><?xml version="1.0" encoding="utf-8"?>
 <p:sld xmlns:a="http://schemas.openxmlformats.org/drawingml/2006/main" xmlns:r="http://schemas.openxmlformats.org/officeDocument/2006/relationships" xmlns:p="http://schemas.openxmlformats.org/presentationml/2006/main">
   <p:cSld>
     <p:spTree>
@@ -9844,7 +11811,7 @@
           <a:p>
             <a:fld id="{C12CAAA6-23F3-4378-9E62-48C953A7FF84}" type="slidenum">
               <a:rPr lang="ko-KR" altLang="en-US" smtClean="0"/>
-              <a:t>21</a:t>
+              <a:t>23</a:t>
             </a:fld>
             <a:endParaRPr lang="ko-KR" altLang="en-US"/>
           </a:p>
@@ -10091,15 +12058,7 @@
                     <a:srgbClr val="FF0000"/>
                   </a:solidFill>
                 </a:rPr>
-                <a:t>스위치 </a:t>
-              </a:r>
-              <a:r>
-                <a:rPr lang="ko-KR" altLang="en-US" dirty="0" smtClean="0">
-                  <a:solidFill>
-                    <a:srgbClr val="FF0000"/>
-                  </a:solidFill>
-                </a:rPr>
-                <a:t>누를 때마다 송신</a:t>
+                <a:t>스위치 누를 때마다 송신</a:t>
               </a:r>
               <a:endParaRPr lang="ko-KR" altLang="en-US" dirty="0">
                 <a:solidFill>
@@ -10681,7 +12640,7 @@
 </p:sld>
 </file>
 
-<file path=ppt/slides/slide22.xml><?xml version="1.0" encoding="utf-8"?>
+<file path=ppt/slides/slide24.xml><?xml version="1.0" encoding="utf-8"?>
 <p:sld xmlns:a="http://schemas.openxmlformats.org/drawingml/2006/main" xmlns:r="http://schemas.openxmlformats.org/officeDocument/2006/relationships" xmlns:p="http://schemas.openxmlformats.org/presentationml/2006/main">
   <p:cSld>
     <p:spTree>
@@ -11067,7 +13026,7 @@
           <a:p>
             <a:fld id="{C12CAAA6-23F3-4378-9E62-48C953A7FF84}" type="slidenum">
               <a:rPr lang="ko-KR" altLang="en-US" smtClean="0"/>
-              <a:t>22</a:t>
+              <a:t>24</a:t>
             </a:fld>
             <a:endParaRPr lang="ko-KR" altLang="en-US"/>
           </a:p>
@@ -11295,44 +13254,86 @@
                 <a:latin typeface="Courier New" panose="02070309020205020404" pitchFamily="49" charset="0"/>
                 <a:cs typeface="Courier New" panose="02070309020205020404" pitchFamily="49" charset="0"/>
               </a:rPr>
-              <a:t> = 0;  //</a:t>
-            </a:r>
-            <a:r>
-              <a:rPr lang="ko-KR" altLang="en-US" dirty="0" err="1" smtClean="0">
+              <a:t> = 0;  </a:t>
+            </a:r>
+            <a:r>
+              <a:rPr lang="en-US" altLang="ko-KR" dirty="0" smtClean="0">
+                <a:solidFill>
+                  <a:schemeClr val="accent1">
+                    <a:lumMod val="75000"/>
+                  </a:schemeClr>
+                </a:solidFill>
                 <a:latin typeface="Courier New" panose="02070309020205020404" pitchFamily="49" charset="0"/>
                 <a:cs typeface="Courier New" panose="02070309020205020404" pitchFamily="49" charset="0"/>
               </a:rPr>
-              <a:t>스위칭</a:t>
-            </a:r>
-            <a:r>
-              <a:rPr lang="ko-KR" altLang="en-US" dirty="0">
+              <a:t>//</a:t>
+            </a:r>
+            <a:r>
+              <a:rPr lang="ko-KR" altLang="en-US" dirty="0" err="1" smtClean="0">
+                <a:solidFill>
+                  <a:schemeClr val="accent1">
+                    <a:lumMod val="75000"/>
+                  </a:schemeClr>
+                </a:solidFill>
                 <a:latin typeface="Courier New" panose="02070309020205020404" pitchFamily="49" charset="0"/>
                 <a:cs typeface="Courier New" panose="02070309020205020404" pitchFamily="49" charset="0"/>
               </a:rPr>
-              <a:t> </a:t>
-            </a:r>
-            <a:r>
-              <a:rPr lang="ko-KR" altLang="en-US" dirty="0" smtClean="0">
+              <a:t>스위칭</a:t>
+            </a:r>
+            <a:r>
+              <a:rPr lang="ko-KR" altLang="en-US" dirty="0">
+                <a:solidFill>
+                  <a:schemeClr val="accent1">
+                    <a:lumMod val="75000"/>
+                  </a:schemeClr>
+                </a:solidFill>
                 <a:latin typeface="Courier New" panose="02070309020205020404" pitchFamily="49" charset="0"/>
                 <a:cs typeface="Courier New" panose="02070309020205020404" pitchFamily="49" charset="0"/>
               </a:rPr>
-              <a:t>횟수 값을 </a:t>
-            </a:r>
-            <a:r>
-              <a:rPr lang="en-US" altLang="ko-KR" dirty="0" smtClean="0">
+              <a:t> </a:t>
+            </a:r>
+            <a:r>
+              <a:rPr lang="ko-KR" altLang="en-US" dirty="0" smtClean="0">
+                <a:solidFill>
+                  <a:schemeClr val="accent1">
+                    <a:lumMod val="75000"/>
+                  </a:schemeClr>
+                </a:solidFill>
                 <a:latin typeface="Courier New" panose="02070309020205020404" pitchFamily="49" charset="0"/>
                 <a:cs typeface="Courier New" panose="02070309020205020404" pitchFamily="49" charset="0"/>
               </a:rPr>
-              <a:t>0</a:t>
-            </a:r>
-            <a:r>
-              <a:rPr lang="ko-KR" altLang="en-US" dirty="0" smtClean="0">
+              <a:t>횟수 값을 </a:t>
+            </a:r>
+            <a:r>
+              <a:rPr lang="en-US" altLang="ko-KR" dirty="0" smtClean="0">
+                <a:solidFill>
+                  <a:schemeClr val="accent1">
+                    <a:lumMod val="75000"/>
+                  </a:schemeClr>
+                </a:solidFill>
                 <a:latin typeface="Courier New" panose="02070309020205020404" pitchFamily="49" charset="0"/>
                 <a:cs typeface="Courier New" panose="02070309020205020404" pitchFamily="49" charset="0"/>
               </a:rPr>
+              <a:t>0</a:t>
+            </a:r>
+            <a:r>
+              <a:rPr lang="ko-KR" altLang="en-US" dirty="0" smtClean="0">
+                <a:solidFill>
+                  <a:schemeClr val="accent1">
+                    <a:lumMod val="75000"/>
+                  </a:schemeClr>
+                </a:solidFill>
+                <a:latin typeface="Courier New" panose="02070309020205020404" pitchFamily="49" charset="0"/>
+                <a:cs typeface="Courier New" panose="02070309020205020404" pitchFamily="49" charset="0"/>
+              </a:rPr>
               <a:t>으로 초기화</a:t>
             </a:r>
             <a:endParaRPr lang="en-US" altLang="ko-KR" dirty="0" smtClean="0">
+              <a:solidFill>
+                <a:schemeClr val="accent1">
+                  <a:lumMod val="75000"/>
+                </a:schemeClr>
+              </a:solidFill>
               <a:latin typeface="Courier New" panose="02070309020205020404" pitchFamily="49" charset="0"/>
               <a:cs typeface="Courier New" panose="02070309020205020404" pitchFamily="49" charset="0"/>
             </a:endParaRPr>
@@ -11549,7 +13550,684 @@
 </p:sld>
 </file>
 
-<file path=ppt/slides/slide23.xml><?xml version="1.0" encoding="utf-8"?>
+<file path=ppt/slides/slide25.xml><?xml version="1.0" encoding="utf-8"?>
+<p:sld xmlns:a="http://schemas.openxmlformats.org/drawingml/2006/main" xmlns:r="http://schemas.openxmlformats.org/officeDocument/2006/relationships" xmlns:p="http://schemas.openxmlformats.org/presentationml/2006/main">
+  <p:cSld>
+    <p:spTree>
+      <p:nvGrpSpPr>
+        <p:cNvPr id="1" name=""/>
+        <p:cNvGrpSpPr/>
+        <p:nvPr/>
+      </p:nvGrpSpPr>
+      <p:grpSpPr>
+        <a:xfrm>
+          <a:off x="0" y="0"/>
+          <a:ext cx="0" cy="0"/>
+          <a:chOff x="0" y="0"/>
+          <a:chExt cx="0" cy="0"/>
+        </a:xfrm>
+      </p:grpSpPr>
+      <p:sp>
+        <p:nvSpPr>
+          <p:cNvPr id="2" name="제목 1"/>
+          <p:cNvSpPr txBox="1">
+            <a:spLocks/>
+          </p:cNvSpPr>
+          <p:nvPr/>
+        </p:nvSpPr>
+        <p:spPr>
+          <a:xfrm>
+            <a:off x="628650" y="867398"/>
+            <a:ext cx="7886700" cy="674780"/>
+          </a:xfrm>
+          <a:prstGeom prst="rect">
+            <a:avLst/>
+          </a:prstGeom>
+        </p:spPr>
+        <p:txBody>
+          <a:bodyPr/>
+          <a:lstStyle>
+            <a:lvl1pPr algn="l" defTabSz="914400" rtl="0" eaLnBrk="1" latinLnBrk="1" hangingPunct="1">
+              <a:lnSpc>
+                <a:spcPct val="90000"/>
+              </a:lnSpc>
+              <a:spcBef>
+                <a:spcPct val="0"/>
+              </a:spcBef>
+              <a:buNone/>
+              <a:defRPr sz="4400" kern="1200">
+                <a:solidFill>
+                  <a:schemeClr val="tx1"/>
+                </a:solidFill>
+                <a:latin typeface="+mj-lt"/>
+                <a:ea typeface="+mj-ea"/>
+                <a:cs typeface="+mj-cs"/>
+              </a:defRPr>
+            </a:lvl1pPr>
+          </a:lstStyle>
+          <a:p>
+            <a:r>
+              <a:rPr lang="en-US" altLang="ko-KR" b="1" dirty="0" err="1" smtClean="0">
+                <a:effectLst>
+                  <a:outerShdw blurRad="38100" dist="38100" dir="2700000" algn="tl">
+                    <a:srgbClr val="000000">
+                      <a:alpha val="43137"/>
+                    </a:srgbClr>
+                  </a:outerShdw>
+                </a:effectLst>
+                <a:latin typeface="+mj-ea"/>
+              </a:rPr>
+              <a:t>serialEvent</a:t>
+            </a:r>
+            <a:r>
+              <a:rPr lang="en-US" altLang="ko-KR" dirty="0" smtClean="0">
+                <a:latin typeface="+mj-ea"/>
+              </a:rPr>
+              <a:t>()</a:t>
+            </a:r>
+            <a:endParaRPr lang="ko-KR" altLang="en-US" dirty="0">
+              <a:latin typeface="+mj-ea"/>
+            </a:endParaRPr>
+          </a:p>
+        </p:txBody>
+      </p:sp>
+      <p:sp>
+        <p:nvSpPr>
+          <p:cNvPr id="3" name="내용 개체 틀 2"/>
+          <p:cNvSpPr txBox="1">
+            <a:spLocks/>
+          </p:cNvSpPr>
+          <p:nvPr/>
+        </p:nvSpPr>
+        <p:spPr>
+          <a:xfrm>
+            <a:off x="628650" y="1825625"/>
+            <a:ext cx="7886700" cy="639669"/>
+          </a:xfrm>
+          <a:prstGeom prst="rect">
+            <a:avLst/>
+          </a:prstGeom>
+        </p:spPr>
+        <p:txBody>
+          <a:bodyPr/>
+          <a:lstStyle>
+            <a:lvl1pPr marL="228600" indent="-228600" algn="l" defTabSz="914400" rtl="0" eaLnBrk="1" latinLnBrk="1" hangingPunct="1">
+              <a:lnSpc>
+                <a:spcPct val="90000"/>
+              </a:lnSpc>
+              <a:spcBef>
+                <a:spcPts val="1000"/>
+              </a:spcBef>
+              <a:buFont typeface="Arial" panose="020B0604020202020204" pitchFamily="34" charset="0"/>
+              <a:buChar char="•"/>
+              <a:defRPr sz="2800" kern="1200">
+                <a:solidFill>
+                  <a:schemeClr val="tx1"/>
+                </a:solidFill>
+                <a:latin typeface="+mn-lt"/>
+                <a:ea typeface="+mn-ea"/>
+                <a:cs typeface="+mn-cs"/>
+              </a:defRPr>
+            </a:lvl1pPr>
+            <a:lvl2pPr marL="685800" indent="-228600" algn="l" defTabSz="914400" rtl="0" eaLnBrk="1" latinLnBrk="1" hangingPunct="1">
+              <a:lnSpc>
+                <a:spcPct val="90000"/>
+              </a:lnSpc>
+              <a:spcBef>
+                <a:spcPts val="500"/>
+              </a:spcBef>
+              <a:buFont typeface="Arial" panose="020B0604020202020204" pitchFamily="34" charset="0"/>
+              <a:buChar char="•"/>
+              <a:defRPr sz="2400" kern="1200">
+                <a:solidFill>
+                  <a:schemeClr val="tx1"/>
+                </a:solidFill>
+                <a:latin typeface="+mn-lt"/>
+                <a:ea typeface="+mn-ea"/>
+                <a:cs typeface="+mn-cs"/>
+              </a:defRPr>
+            </a:lvl2pPr>
+            <a:lvl3pPr marL="1143000" indent="-228600" algn="l" defTabSz="914400" rtl="0" eaLnBrk="1" latinLnBrk="1" hangingPunct="1">
+              <a:lnSpc>
+                <a:spcPct val="90000"/>
+              </a:lnSpc>
+              <a:spcBef>
+                <a:spcPts val="500"/>
+              </a:spcBef>
+              <a:buFont typeface="Arial" panose="020B0604020202020204" pitchFamily="34" charset="0"/>
+              <a:buChar char="•"/>
+              <a:defRPr sz="2000" kern="1200">
+                <a:solidFill>
+                  <a:schemeClr val="tx1"/>
+                </a:solidFill>
+                <a:latin typeface="+mn-lt"/>
+                <a:ea typeface="+mn-ea"/>
+                <a:cs typeface="+mn-cs"/>
+              </a:defRPr>
+            </a:lvl3pPr>
+            <a:lvl4pPr marL="1600200" indent="-228600" algn="l" defTabSz="914400" rtl="0" eaLnBrk="1" latinLnBrk="1" hangingPunct="1">
+              <a:lnSpc>
+                <a:spcPct val="90000"/>
+              </a:lnSpc>
+              <a:spcBef>
+                <a:spcPts val="500"/>
+              </a:spcBef>
+              <a:buFont typeface="Arial" panose="020B0604020202020204" pitchFamily="34" charset="0"/>
+              <a:buChar char="•"/>
+              <a:defRPr sz="1800" kern="1200">
+                <a:solidFill>
+                  <a:schemeClr val="tx1"/>
+                </a:solidFill>
+                <a:latin typeface="+mn-lt"/>
+                <a:ea typeface="+mn-ea"/>
+                <a:cs typeface="+mn-cs"/>
+              </a:defRPr>
+            </a:lvl4pPr>
+            <a:lvl5pPr marL="2057400" indent="-228600" algn="l" defTabSz="914400" rtl="0" eaLnBrk="1" latinLnBrk="1" hangingPunct="1">
+              <a:lnSpc>
+                <a:spcPct val="90000"/>
+              </a:lnSpc>
+              <a:spcBef>
+                <a:spcPts val="500"/>
+              </a:spcBef>
+              <a:buFont typeface="Arial" panose="020B0604020202020204" pitchFamily="34" charset="0"/>
+              <a:buChar char="•"/>
+              <a:defRPr sz="1800" kern="1200">
+                <a:solidFill>
+                  <a:schemeClr val="tx1"/>
+                </a:solidFill>
+                <a:latin typeface="+mn-lt"/>
+                <a:ea typeface="+mn-ea"/>
+                <a:cs typeface="+mn-cs"/>
+              </a:defRPr>
+            </a:lvl5pPr>
+            <a:lvl6pPr marL="2514600" indent="-228600" algn="l" defTabSz="914400" rtl="0" eaLnBrk="1" latinLnBrk="1" hangingPunct="1">
+              <a:lnSpc>
+                <a:spcPct val="90000"/>
+              </a:lnSpc>
+              <a:spcBef>
+                <a:spcPts val="500"/>
+              </a:spcBef>
+              <a:buFont typeface="Arial" panose="020B0604020202020204" pitchFamily="34" charset="0"/>
+              <a:buChar char="•"/>
+              <a:defRPr sz="1800" kern="1200">
+                <a:solidFill>
+                  <a:schemeClr val="tx1"/>
+                </a:solidFill>
+                <a:latin typeface="+mn-lt"/>
+                <a:ea typeface="+mn-ea"/>
+                <a:cs typeface="+mn-cs"/>
+              </a:defRPr>
+            </a:lvl6pPr>
+            <a:lvl7pPr marL="2971800" indent="-228600" algn="l" defTabSz="914400" rtl="0" eaLnBrk="1" latinLnBrk="1" hangingPunct="1">
+              <a:lnSpc>
+                <a:spcPct val="90000"/>
+              </a:lnSpc>
+              <a:spcBef>
+                <a:spcPts val="500"/>
+              </a:spcBef>
+              <a:buFont typeface="Arial" panose="020B0604020202020204" pitchFamily="34" charset="0"/>
+              <a:buChar char="•"/>
+              <a:defRPr sz="1800" kern="1200">
+                <a:solidFill>
+                  <a:schemeClr val="tx1"/>
+                </a:solidFill>
+                <a:latin typeface="+mn-lt"/>
+                <a:ea typeface="+mn-ea"/>
+                <a:cs typeface="+mn-cs"/>
+              </a:defRPr>
+            </a:lvl7pPr>
+            <a:lvl8pPr marL="3429000" indent="-228600" algn="l" defTabSz="914400" rtl="0" eaLnBrk="1" latinLnBrk="1" hangingPunct="1">
+              <a:lnSpc>
+                <a:spcPct val="90000"/>
+              </a:lnSpc>
+              <a:spcBef>
+                <a:spcPts val="500"/>
+              </a:spcBef>
+              <a:buFont typeface="Arial" panose="020B0604020202020204" pitchFamily="34" charset="0"/>
+              <a:buChar char="•"/>
+              <a:defRPr sz="1800" kern="1200">
+                <a:solidFill>
+                  <a:schemeClr val="tx1"/>
+                </a:solidFill>
+                <a:latin typeface="+mn-lt"/>
+                <a:ea typeface="+mn-ea"/>
+                <a:cs typeface="+mn-cs"/>
+              </a:defRPr>
+            </a:lvl8pPr>
+            <a:lvl9pPr marL="3886200" indent="-228600" algn="l" defTabSz="914400" rtl="0" eaLnBrk="1" latinLnBrk="1" hangingPunct="1">
+              <a:lnSpc>
+                <a:spcPct val="90000"/>
+              </a:lnSpc>
+              <a:spcBef>
+                <a:spcPts val="500"/>
+              </a:spcBef>
+              <a:buFont typeface="Arial" panose="020B0604020202020204" pitchFamily="34" charset="0"/>
+              <a:buChar char="•"/>
+              <a:defRPr sz="1800" kern="1200">
+                <a:solidFill>
+                  <a:schemeClr val="tx1"/>
+                </a:solidFill>
+                <a:latin typeface="+mn-lt"/>
+                <a:ea typeface="+mn-ea"/>
+                <a:cs typeface="+mn-cs"/>
+              </a:defRPr>
+            </a:lvl9pPr>
+          </a:lstStyle>
+          <a:p>
+            <a:r>
+              <a:rPr lang="ko-KR" altLang="en-US" dirty="0" smtClean="0"/>
+              <a:t>전달된 데이터가 사용가능해지면 호출됨</a:t>
+            </a:r>
+            <a:endParaRPr lang="en-US" altLang="ko-KR" dirty="0" smtClean="0"/>
+          </a:p>
+        </p:txBody>
+      </p:sp>
+      <p:sp>
+        <p:nvSpPr>
+          <p:cNvPr id="4" name="TextBox 3"/>
+          <p:cNvSpPr txBox="1"/>
+          <p:nvPr/>
+        </p:nvSpPr>
+        <p:spPr>
+          <a:xfrm>
+            <a:off x="102413" y="45524"/>
+            <a:ext cx="2015295" cy="369332"/>
+          </a:xfrm>
+          <a:prstGeom prst="rect">
+            <a:avLst/>
+          </a:prstGeom>
+          <a:noFill/>
+        </p:spPr>
+        <p:txBody>
+          <a:bodyPr wrap="none" rtlCol="0">
+            <a:spAutoFit/>
+          </a:bodyPr>
+          <a:lstStyle/>
+          <a:p>
+            <a:r>
+              <a:rPr lang="en-US" altLang="ko-KR" dirty="0" smtClean="0">
+                <a:solidFill>
+                  <a:schemeClr val="bg1">
+                    <a:lumMod val="65000"/>
+                  </a:schemeClr>
+                </a:solidFill>
+              </a:rPr>
+              <a:t>Serial </a:t>
+            </a:r>
+            <a:r>
+              <a:rPr lang="ko-KR" altLang="en-US" dirty="0" smtClean="0">
+                <a:solidFill>
+                  <a:schemeClr val="bg1">
+                    <a:lumMod val="65000"/>
+                  </a:schemeClr>
+                </a:solidFill>
+              </a:rPr>
+              <a:t>객체의 함수</a:t>
+            </a:r>
+            <a:endParaRPr lang="ko-KR" altLang="en-US" dirty="0">
+              <a:solidFill>
+                <a:schemeClr val="bg1">
+                  <a:lumMod val="65000"/>
+                </a:schemeClr>
+              </a:solidFill>
+            </a:endParaRPr>
+          </a:p>
+        </p:txBody>
+      </p:sp>
+      <p:sp>
+        <p:nvSpPr>
+          <p:cNvPr id="5" name="TextBox 4"/>
+          <p:cNvSpPr txBox="1"/>
+          <p:nvPr/>
+        </p:nvSpPr>
+        <p:spPr>
+          <a:xfrm>
+            <a:off x="821351" y="3585596"/>
+            <a:ext cx="7946132" cy="1200329"/>
+          </a:xfrm>
+          <a:prstGeom prst="rect">
+            <a:avLst/>
+          </a:prstGeom>
+          <a:solidFill>
+            <a:schemeClr val="accent4">
+              <a:lumMod val="20000"/>
+              <a:lumOff val="80000"/>
+            </a:schemeClr>
+          </a:solidFill>
+        </p:spPr>
+        <p:txBody>
+          <a:bodyPr wrap="square" rtlCol="0">
+            <a:spAutoFit/>
+          </a:bodyPr>
+          <a:lstStyle/>
+          <a:p>
+            <a:r>
+              <a:rPr lang="en-US" altLang="ko-KR" dirty="0" smtClean="0">
+                <a:latin typeface="Courier New" panose="02070309020205020404" pitchFamily="49" charset="0"/>
+                <a:cs typeface="Courier New" panose="02070309020205020404" pitchFamily="49" charset="0"/>
+              </a:rPr>
+              <a:t>void </a:t>
+            </a:r>
+            <a:r>
+              <a:rPr lang="en-US" altLang="ko-KR" dirty="0" err="1" smtClean="0">
+                <a:latin typeface="Courier New" panose="02070309020205020404" pitchFamily="49" charset="0"/>
+                <a:cs typeface="Courier New" panose="02070309020205020404" pitchFamily="49" charset="0"/>
+              </a:rPr>
+              <a:t>serialEvent</a:t>
+            </a:r>
+            <a:r>
+              <a:rPr lang="en-US" altLang="ko-KR" dirty="0" smtClean="0">
+                <a:latin typeface="Courier New" panose="02070309020205020404" pitchFamily="49" charset="0"/>
+                <a:cs typeface="Courier New" panose="02070309020205020404" pitchFamily="49" charset="0"/>
+              </a:rPr>
+              <a:t>()</a:t>
+            </a:r>
+          </a:p>
+          <a:p>
+            <a:r>
+              <a:rPr lang="en-US" altLang="ko-KR" dirty="0" smtClean="0">
+                <a:latin typeface="Courier New" panose="02070309020205020404" pitchFamily="49" charset="0"/>
+                <a:cs typeface="Courier New" panose="02070309020205020404" pitchFamily="49" charset="0"/>
+              </a:rPr>
+              <a:t>{</a:t>
+            </a:r>
+          </a:p>
+          <a:p>
+            <a:r>
+              <a:rPr lang="en-US" altLang="ko-KR" dirty="0">
+                <a:latin typeface="Courier New" panose="02070309020205020404" pitchFamily="49" charset="0"/>
+                <a:cs typeface="Courier New" panose="02070309020205020404" pitchFamily="49" charset="0"/>
+              </a:rPr>
+              <a:t>	</a:t>
+            </a:r>
+            <a:r>
+              <a:rPr lang="en-US" altLang="ko-KR" dirty="0" smtClean="0">
+                <a:solidFill>
+                  <a:schemeClr val="accent1">
+                    <a:lumMod val="75000"/>
+                  </a:schemeClr>
+                </a:solidFill>
+                <a:latin typeface="Courier New" panose="02070309020205020404" pitchFamily="49" charset="0"/>
+                <a:cs typeface="Courier New" panose="02070309020205020404" pitchFamily="49" charset="0"/>
+              </a:rPr>
+              <a:t>//</a:t>
+            </a:r>
+            <a:r>
+              <a:rPr lang="ko-KR" altLang="en-US" dirty="0" smtClean="0">
+                <a:solidFill>
+                  <a:schemeClr val="accent1">
+                    <a:lumMod val="75000"/>
+                  </a:schemeClr>
+                </a:solidFill>
+                <a:latin typeface="Courier New" panose="02070309020205020404" pitchFamily="49" charset="0"/>
+                <a:cs typeface="Courier New" panose="02070309020205020404" pitchFamily="49" charset="0"/>
+              </a:rPr>
+              <a:t>여기에 실행되어야 하는 명령어 작성</a:t>
+            </a:r>
+            <a:endParaRPr lang="en-US" altLang="ko-KR" dirty="0" smtClean="0">
+              <a:solidFill>
+                <a:schemeClr val="accent1">
+                  <a:lumMod val="75000"/>
+                </a:schemeClr>
+              </a:solidFill>
+              <a:latin typeface="Courier New" panose="02070309020205020404" pitchFamily="49" charset="0"/>
+              <a:cs typeface="Courier New" panose="02070309020205020404" pitchFamily="49" charset="0"/>
+            </a:endParaRPr>
+          </a:p>
+          <a:p>
+            <a:r>
+              <a:rPr lang="en-US" altLang="ko-KR" dirty="0" smtClean="0">
+                <a:latin typeface="Courier New" panose="02070309020205020404" pitchFamily="49" charset="0"/>
+                <a:cs typeface="Courier New" panose="02070309020205020404" pitchFamily="49" charset="0"/>
+              </a:rPr>
+              <a:t>}</a:t>
+            </a:r>
+          </a:p>
+        </p:txBody>
+      </p:sp>
+      <p:sp>
+        <p:nvSpPr>
+          <p:cNvPr id="6" name="슬라이드 번호 개체 틀 5"/>
+          <p:cNvSpPr>
+            <a:spLocks noGrp="1"/>
+          </p:cNvSpPr>
+          <p:nvPr>
+            <p:ph type="sldNum" sz="quarter" idx="12"/>
+          </p:nvPr>
+        </p:nvSpPr>
+        <p:spPr/>
+        <p:txBody>
+          <a:bodyPr/>
+          <a:lstStyle/>
+          <a:p>
+            <a:fld id="{C12CAAA6-23F3-4378-9E62-48C953A7FF84}" type="slidenum">
+              <a:rPr lang="ko-KR" altLang="en-US" smtClean="0"/>
+              <a:t>25</a:t>
+            </a:fld>
+            <a:endParaRPr lang="ko-KR" altLang="en-US"/>
+          </a:p>
+        </p:txBody>
+      </p:sp>
+    </p:spTree>
+    <p:extLst>
+      <p:ext uri="{BB962C8B-B14F-4D97-AF65-F5344CB8AC3E}">
+        <p14:creationId xmlns:p14="http://schemas.microsoft.com/office/powerpoint/2010/main" val="3806843058"/>
+      </p:ext>
+    </p:extLst>
+  </p:cSld>
+  <p:clrMapOvr>
+    <a:masterClrMapping/>
+  </p:clrMapOvr>
+  <p:timing>
+    <p:tnLst>
+      <p:par>
+        <p:cTn id="1" dur="indefinite" restart="never" nodeType="tmRoot">
+          <p:childTnLst>
+            <p:seq concurrent="1" nextAc="seek">
+              <p:cTn id="2" dur="indefinite" nodeType="mainSeq">
+                <p:childTnLst>
+                  <p:par>
+                    <p:cTn id="3" fill="hold">
+                      <p:stCondLst>
+                        <p:cond delay="indefinite"/>
+                        <p:cond evt="onBegin" delay="0">
+                          <p:tn val="2"/>
+                        </p:cond>
+                      </p:stCondLst>
+                      <p:childTnLst>
+                        <p:par>
+                          <p:cTn id="4" fill="hold">
+                            <p:stCondLst>
+                              <p:cond delay="0"/>
+                            </p:stCondLst>
+                            <p:childTnLst>
+                              <p:par>
+                                <p:cTn id="5" presetID="10" presetClass="entr" presetSubtype="0" fill="hold" grpId="0" nodeType="withEffect">
+                                  <p:stCondLst>
+                                    <p:cond delay="0"/>
+                                  </p:stCondLst>
+                                  <p:childTnLst>
+                                    <p:set>
+                                      <p:cBhvr>
+                                        <p:cTn id="6" dur="1" fill="hold">
+                                          <p:stCondLst>
+                                            <p:cond delay="0"/>
+                                          </p:stCondLst>
+                                        </p:cTn>
+                                        <p:tgtEl>
+                                          <p:spTgt spid="2"/>
+                                        </p:tgtEl>
+                                        <p:attrNameLst>
+                                          <p:attrName>style.visibility</p:attrName>
+                                        </p:attrNameLst>
+                                      </p:cBhvr>
+                                      <p:to>
+                                        <p:strVal val="visible"/>
+                                      </p:to>
+                                    </p:set>
+                                    <p:animEffect transition="in" filter="fade">
+                                      <p:cBhvr>
+                                        <p:cTn id="7" dur="500"/>
+                                        <p:tgtEl>
+                                          <p:spTgt spid="2"/>
+                                        </p:tgtEl>
+                                      </p:cBhvr>
+                                    </p:animEffect>
+                                  </p:childTnLst>
+                                </p:cTn>
+                              </p:par>
+                            </p:childTnLst>
+                          </p:cTn>
+                        </p:par>
+                      </p:childTnLst>
+                    </p:cTn>
+                  </p:par>
+                  <p:par>
+                    <p:cTn id="8" fill="hold">
+                      <p:stCondLst>
+                        <p:cond delay="indefinite"/>
+                      </p:stCondLst>
+                      <p:childTnLst>
+                        <p:par>
+                          <p:cTn id="9" fill="hold">
+                            <p:stCondLst>
+                              <p:cond delay="0"/>
+                            </p:stCondLst>
+                            <p:childTnLst>
+                              <p:par>
+                                <p:cTn id="10" presetID="22" presetClass="entr" presetSubtype="8" fill="hold" grpId="0" nodeType="clickEffect">
+                                  <p:stCondLst>
+                                    <p:cond delay="0"/>
+                                  </p:stCondLst>
+                                  <p:childTnLst>
+                                    <p:set>
+                                      <p:cBhvr>
+                                        <p:cTn id="11" dur="1" fill="hold">
+                                          <p:stCondLst>
+                                            <p:cond delay="0"/>
+                                          </p:stCondLst>
+                                        </p:cTn>
+                                        <p:tgtEl>
+                                          <p:spTgt spid="3">
+                                            <p:txEl>
+                                              <p:pRg st="0" end="0"/>
+                                            </p:txEl>
+                                          </p:spTgt>
+                                        </p:tgtEl>
+                                        <p:attrNameLst>
+                                          <p:attrName>style.visibility</p:attrName>
+                                        </p:attrNameLst>
+                                      </p:cBhvr>
+                                      <p:to>
+                                        <p:strVal val="visible"/>
+                                      </p:to>
+                                    </p:set>
+                                    <p:animEffect transition="in" filter="wipe(left)">
+                                      <p:cBhvr>
+                                        <p:cTn id="12" dur="500"/>
+                                        <p:tgtEl>
+                                          <p:spTgt spid="3">
+                                            <p:txEl>
+                                              <p:pRg st="0" end="0"/>
+                                            </p:txEl>
+                                          </p:spTgt>
+                                        </p:tgtEl>
+                                      </p:cBhvr>
+                                    </p:animEffect>
+                                  </p:childTnLst>
+                                </p:cTn>
+                              </p:par>
+                            </p:childTnLst>
+                          </p:cTn>
+                        </p:par>
+                      </p:childTnLst>
+                    </p:cTn>
+                  </p:par>
+                  <p:par>
+                    <p:cTn id="13" fill="hold">
+                      <p:stCondLst>
+                        <p:cond delay="indefinite"/>
+                      </p:stCondLst>
+                      <p:childTnLst>
+                        <p:par>
+                          <p:cTn id="14" fill="hold">
+                            <p:stCondLst>
+                              <p:cond delay="0"/>
+                            </p:stCondLst>
+                            <p:childTnLst>
+                              <p:par>
+                                <p:cTn id="15" presetID="10" presetClass="entr" presetSubtype="0" fill="hold" grpId="0" nodeType="clickEffect">
+                                  <p:stCondLst>
+                                    <p:cond delay="0"/>
+                                  </p:stCondLst>
+                                  <p:childTnLst>
+                                    <p:set>
+                                      <p:cBhvr>
+                                        <p:cTn id="16" dur="1" fill="hold">
+                                          <p:stCondLst>
+                                            <p:cond delay="0"/>
+                                          </p:stCondLst>
+                                        </p:cTn>
+                                        <p:tgtEl>
+                                          <p:spTgt spid="5"/>
+                                        </p:tgtEl>
+                                        <p:attrNameLst>
+                                          <p:attrName>style.visibility</p:attrName>
+                                        </p:attrNameLst>
+                                      </p:cBhvr>
+                                      <p:to>
+                                        <p:strVal val="visible"/>
+                                      </p:to>
+                                    </p:set>
+                                    <p:animEffect transition="in" filter="fade">
+                                      <p:cBhvr>
+                                        <p:cTn id="17" dur="500"/>
+                                        <p:tgtEl>
+                                          <p:spTgt spid="5"/>
+                                        </p:tgtEl>
+                                      </p:cBhvr>
+                                    </p:animEffect>
+                                  </p:childTnLst>
+                                </p:cTn>
+                              </p:par>
+                            </p:childTnLst>
+                          </p:cTn>
+                        </p:par>
+                      </p:childTnLst>
+                    </p:cTn>
+                  </p:par>
+                </p:childTnLst>
+              </p:cTn>
+              <p:prevCondLst>
+                <p:cond evt="onPrev" delay="0">
+                  <p:tgtEl>
+                    <p:sldTgt/>
+                  </p:tgtEl>
+                </p:cond>
+              </p:prevCondLst>
+              <p:nextCondLst>
+                <p:cond evt="onNext" delay="0">
+                  <p:tgtEl>
+                    <p:sldTgt/>
+                  </p:tgtEl>
+                </p:cond>
+              </p:nextCondLst>
+            </p:seq>
+          </p:childTnLst>
+        </p:cTn>
+      </p:par>
+    </p:tnLst>
+    <p:bldLst>
+      <p:bldP spid="2" grpId="0"/>
+      <p:bldP spid="3" grpId="0" uiExpand="1" build="p" bldLvl="5"/>
+      <p:bldP spid="5" grpId="0" animBg="1"/>
+    </p:bldLst>
+  </p:timing>
+</p:sld>
+</file>
+
+<file path=ppt/slides/slide26.xml><?xml version="1.0" encoding="utf-8"?>
 <p:sld xmlns:a="http://schemas.openxmlformats.org/drawingml/2006/main" xmlns:r="http://schemas.openxmlformats.org/officeDocument/2006/relationships" xmlns:p="http://schemas.openxmlformats.org/presentationml/2006/main">
   <p:cSld>
     <p:spTree>
@@ -11583,7 +14261,7 @@
           <a:p>
             <a:fld id="{C12CAAA6-23F3-4378-9E62-48C953A7FF84}" type="slidenum">
               <a:rPr lang="ko-KR" altLang="en-US" smtClean="0"/>
-              <a:t>23</a:t>
+              <a:t>26</a:t>
             </a:fld>
             <a:endParaRPr lang="ko-KR" altLang="en-US"/>
           </a:p>
@@ -12280,7 +14958,7 @@
 </p:sld>
 </file>
 
-<file path=ppt/slides/slide24.xml><?xml version="1.0" encoding="utf-8"?>
+<file path=ppt/slides/slide27.xml><?xml version="1.0" encoding="utf-8"?>
 <p:sld xmlns:a="http://schemas.openxmlformats.org/drawingml/2006/main" xmlns:r="http://schemas.openxmlformats.org/officeDocument/2006/relationships" xmlns:p="http://schemas.openxmlformats.org/presentationml/2006/main">
   <p:cSld>
     <p:spTree>
@@ -12314,7 +14992,7 @@
           <a:p>
             <a:fld id="{C12CAAA6-23F3-4378-9E62-48C953A7FF84}" type="slidenum">
               <a:rPr lang="ko-KR" altLang="en-US" smtClean="0"/>
-              <a:t>24</a:t>
+              <a:t>27</a:t>
             </a:fld>
             <a:endParaRPr lang="ko-KR" altLang="en-US"/>
           </a:p>
@@ -13031,7 +15709,7 @@
 </p:sld>
 </file>
 
-<file path=ppt/slides/slide25.xml><?xml version="1.0" encoding="utf-8"?>
+<file path=ppt/slides/slide28.xml><?xml version="1.0" encoding="utf-8"?>
 <p:sld xmlns:a="http://schemas.openxmlformats.org/drawingml/2006/main" xmlns:r="http://schemas.openxmlformats.org/officeDocument/2006/relationships" xmlns:p="http://schemas.openxmlformats.org/presentationml/2006/main">
   <p:cSld>
     <p:spTree>
@@ -13497,7 +16175,7 @@
           <a:p>
             <a:fld id="{C12CAAA6-23F3-4378-9E62-48C953A7FF84}" type="slidenum">
               <a:rPr lang="ko-KR" altLang="en-US" smtClean="0"/>
-              <a:t>25</a:t>
+              <a:t>28</a:t>
             </a:fld>
             <a:endParaRPr lang="ko-KR" altLang="en-US"/>
           </a:p>
@@ -13617,7 +16295,7 @@
 </p:sld>
 </file>
 
-<file path=ppt/slides/slide26.xml><?xml version="1.0" encoding="utf-8"?>
+<file path=ppt/slides/slide29.xml><?xml version="1.0" encoding="utf-8"?>
 <p:sld xmlns:a="http://schemas.openxmlformats.org/drawingml/2006/main" xmlns:r="http://schemas.openxmlformats.org/officeDocument/2006/relationships" xmlns:p="http://schemas.openxmlformats.org/presentationml/2006/main">
   <p:cSld>
     <p:spTree>
@@ -13651,7 +16329,7 @@
           <a:p>
             <a:fld id="{C12CAAA6-23F3-4378-9E62-48C953A7FF84}" type="slidenum">
               <a:rPr lang="ko-KR" altLang="en-US" smtClean="0"/>
-              <a:t>26</a:t>
+              <a:t>29</a:t>
             </a:fld>
             <a:endParaRPr lang="ko-KR" altLang="en-US"/>
           </a:p>
@@ -13861,7 +16539,7 @@
 </p:sld>
 </file>
 
-<file path=ppt/slides/slide27.xml><?xml version="1.0" encoding="utf-8"?>
+<file path=ppt/slides/slide3.xml><?xml version="1.0" encoding="utf-8"?>
 <p:sld xmlns:a="http://schemas.openxmlformats.org/drawingml/2006/main" xmlns:r="http://schemas.openxmlformats.org/officeDocument/2006/relationships" xmlns:p="http://schemas.openxmlformats.org/presentationml/2006/main">
   <p:cSld>
     <p:spTree>
@@ -13895,7 +16573,576 @@
           <a:p>
             <a:fld id="{C12CAAA6-23F3-4378-9E62-48C953A7FF84}" type="slidenum">
               <a:rPr lang="ko-KR" altLang="en-US" smtClean="0"/>
-              <a:t>27</a:t>
+              <a:t>3</a:t>
+            </a:fld>
+            <a:endParaRPr lang="ko-KR" altLang="en-US"/>
+          </a:p>
+        </p:txBody>
+      </p:sp>
+      <p:pic>
+        <p:nvPicPr>
+          <p:cNvPr id="2050" name="Picture 2" descr="https://t1.daumcdn.net/cfile/tistory/99DA95375A45F0B50E"/>
+          <p:cNvPicPr>
+            <a:picLocks noChangeAspect="1" noChangeArrowheads="1"/>
+          </p:cNvPicPr>
+          <p:nvPr/>
+        </p:nvPicPr>
+        <p:blipFill>
+          <a:blip r:embed="rId2">
+            <a:extLst>
+              <a:ext uri="{28A0092B-C50C-407E-A947-70E740481C1C}">
+                <a14:useLocalDpi xmlns:a14="http://schemas.microsoft.com/office/drawing/2010/main" val="0"/>
+              </a:ext>
+            </a:extLst>
+          </a:blip>
+          <a:srcRect/>
+          <a:stretch>
+            <a:fillRect/>
+          </a:stretch>
+        </p:blipFill>
+        <p:spPr bwMode="auto">
+          <a:xfrm>
+            <a:off x="440390" y="980622"/>
+            <a:ext cx="7876380" cy="2917643"/>
+          </a:xfrm>
+          <a:prstGeom prst="rect">
+            <a:avLst/>
+          </a:prstGeom>
+          <a:noFill/>
+          <a:extLst>
+            <a:ext uri="{909E8E84-426E-40DD-AFC4-6F175D3DCCD1}">
+              <a14:hiddenFill xmlns:a14="http://schemas.microsoft.com/office/drawing/2010/main">
+                <a:solidFill>
+                  <a:srgbClr val="FFFFFF"/>
+                </a:solidFill>
+              </a14:hiddenFill>
+            </a:ext>
+          </a:extLst>
+        </p:spPr>
+      </p:pic>
+      <p:sp>
+        <p:nvSpPr>
+          <p:cNvPr id="4" name="제목 1"/>
+          <p:cNvSpPr txBox="1">
+            <a:spLocks/>
+          </p:cNvSpPr>
+          <p:nvPr/>
+        </p:nvSpPr>
+        <p:spPr>
+          <a:xfrm>
+            <a:off x="323849" y="307523"/>
+            <a:ext cx="7886700" cy="673099"/>
+          </a:xfrm>
+          <a:prstGeom prst="rect">
+            <a:avLst/>
+          </a:prstGeom>
+        </p:spPr>
+        <p:txBody>
+          <a:bodyPr>
+            <a:normAutofit fontScale="97500" lnSpcReduction="10000"/>
+          </a:bodyPr>
+          <a:lstStyle>
+            <a:lvl1pPr algn="l" defTabSz="914400" rtl="0" eaLnBrk="1" latinLnBrk="1" hangingPunct="1">
+              <a:lnSpc>
+                <a:spcPct val="90000"/>
+              </a:lnSpc>
+              <a:spcBef>
+                <a:spcPct val="0"/>
+              </a:spcBef>
+              <a:buNone/>
+              <a:defRPr sz="4400" kern="1200">
+                <a:solidFill>
+                  <a:schemeClr val="tx1"/>
+                </a:solidFill>
+                <a:latin typeface="+mj-lt"/>
+                <a:ea typeface="+mj-ea"/>
+                <a:cs typeface="+mj-cs"/>
+              </a:defRPr>
+            </a:lvl1pPr>
+          </a:lstStyle>
+          <a:p>
+            <a:r>
+              <a:rPr lang="ko-KR" altLang="en-US" b="1" dirty="0" smtClean="0">
+                <a:effectLst>
+                  <a:outerShdw blurRad="38100" dist="38100" dir="2700000" algn="tl">
+                    <a:srgbClr val="000000">
+                      <a:alpha val="43137"/>
+                    </a:srgbClr>
+                  </a:outerShdw>
+                </a:effectLst>
+                <a:latin typeface="+mj-ea"/>
+              </a:rPr>
+              <a:t>직렬 통신  </a:t>
+            </a:r>
+            <a:r>
+              <a:rPr lang="en-US" altLang="ko-KR" b="1" dirty="0" smtClean="0">
+                <a:effectLst>
+                  <a:outerShdw blurRad="38100" dist="38100" dir="2700000" algn="tl">
+                    <a:srgbClr val="000000">
+                      <a:alpha val="43137"/>
+                    </a:srgbClr>
+                  </a:outerShdw>
+                </a:effectLst>
+                <a:latin typeface="+mj-ea"/>
+              </a:rPr>
+              <a:t>vs. </a:t>
+            </a:r>
+            <a:r>
+              <a:rPr lang="ko-KR" altLang="en-US" b="1" dirty="0" smtClean="0">
+                <a:effectLst>
+                  <a:outerShdw blurRad="38100" dist="38100" dir="2700000" algn="tl">
+                    <a:srgbClr val="000000">
+                      <a:alpha val="43137"/>
+                    </a:srgbClr>
+                  </a:outerShdw>
+                </a:effectLst>
+                <a:latin typeface="+mj-ea"/>
+              </a:rPr>
+              <a:t>병렬 통신</a:t>
+            </a:r>
+            <a:endParaRPr lang="ko-KR" altLang="en-US" b="1" dirty="0">
+              <a:effectLst>
+                <a:outerShdw blurRad="38100" dist="38100" dir="2700000" algn="tl">
+                  <a:srgbClr val="000000">
+                    <a:alpha val="43137"/>
+                  </a:srgbClr>
+                </a:outerShdw>
+              </a:effectLst>
+              <a:latin typeface="+mj-ea"/>
+            </a:endParaRPr>
+          </a:p>
+        </p:txBody>
+      </p:sp>
+      <p:graphicFrame>
+        <p:nvGraphicFramePr>
+          <p:cNvPr id="7" name="표 6"/>
+          <p:cNvGraphicFramePr>
+            <a:graphicFrameLocks noGrp="1"/>
+          </p:cNvGraphicFramePr>
+          <p:nvPr>
+            <p:extLst>
+              <p:ext uri="{D42A27DB-BD31-4B8C-83A1-F6EECF244321}">
+                <p14:modId xmlns:p14="http://schemas.microsoft.com/office/powerpoint/2010/main" val="385776201"/>
+              </p:ext>
+            </p:extLst>
+          </p:nvPr>
+        </p:nvGraphicFramePr>
+        <p:xfrm>
+          <a:off x="1546486" y="4131311"/>
+          <a:ext cx="6096000" cy="2225040"/>
+        </p:xfrm>
+        <a:graphic>
+          <a:graphicData uri="http://schemas.openxmlformats.org/drawingml/2006/table">
+            <a:tbl>
+              <a:tblPr firstRow="1" bandRow="1">
+                <a:tableStyleId>{5C22544A-7EE6-4342-B048-85BDC9FD1C3A}</a:tableStyleId>
+              </a:tblPr>
+              <a:tblGrid>
+                <a:gridCol w="2032000">
+                  <a:extLst>
+                    <a:ext uri="{9D8B030D-6E8A-4147-A177-3AD203B41FA5}">
+                      <a16:colId xmlns:a16="http://schemas.microsoft.com/office/drawing/2014/main" val="20000"/>
+                    </a:ext>
+                  </a:extLst>
+                </a:gridCol>
+                <a:gridCol w="2032000">
+                  <a:extLst>
+                    <a:ext uri="{9D8B030D-6E8A-4147-A177-3AD203B41FA5}">
+                      <a16:colId xmlns:a16="http://schemas.microsoft.com/office/drawing/2014/main" val="20001"/>
+                    </a:ext>
+                  </a:extLst>
+                </a:gridCol>
+                <a:gridCol w="2032000">
+                  <a:extLst>
+                    <a:ext uri="{9D8B030D-6E8A-4147-A177-3AD203B41FA5}">
+                      <a16:colId xmlns:a16="http://schemas.microsoft.com/office/drawing/2014/main" val="20002"/>
+                    </a:ext>
+                  </a:extLst>
+                </a:gridCol>
+              </a:tblGrid>
+              <a:tr h="370840">
+                <a:tc>
+                  <a:txBody>
+                    <a:bodyPr/>
+                    <a:lstStyle/>
+                    <a:p>
+                      <a:pPr latinLnBrk="1"/>
+                      <a:endParaRPr lang="ko-KR" altLang="en-US" dirty="0"/>
+                    </a:p>
+                  </a:txBody>
+                  <a:tcPr/>
+                </a:tc>
+                <a:tc>
+                  <a:txBody>
+                    <a:bodyPr/>
+                    <a:lstStyle/>
+                    <a:p>
+                      <a:pPr latinLnBrk="1"/>
+                      <a:r>
+                        <a:rPr lang="ko-KR" altLang="en-US" dirty="0" smtClean="0"/>
+                        <a:t>직렬통신</a:t>
+                      </a:r>
+                      <a:endParaRPr lang="ko-KR" altLang="en-US" dirty="0"/>
+                    </a:p>
+                  </a:txBody>
+                  <a:tcPr/>
+                </a:tc>
+                <a:tc>
+                  <a:txBody>
+                    <a:bodyPr/>
+                    <a:lstStyle/>
+                    <a:p>
+                      <a:pPr latinLnBrk="1"/>
+                      <a:r>
+                        <a:rPr lang="ko-KR" altLang="en-US" dirty="0" smtClean="0"/>
+                        <a:t>병렬통신</a:t>
+                      </a:r>
+                      <a:endParaRPr lang="ko-KR" altLang="en-US" dirty="0"/>
+                    </a:p>
+                  </a:txBody>
+                  <a:tcPr/>
+                </a:tc>
+                <a:extLst>
+                  <a:ext uri="{0D108BD9-81ED-4DB2-BD59-A6C34878D82A}">
+                    <a16:rowId xmlns:a16="http://schemas.microsoft.com/office/drawing/2014/main" val="10000"/>
+                  </a:ext>
+                </a:extLst>
+              </a:tr>
+              <a:tr h="370840">
+                <a:tc>
+                  <a:txBody>
+                    <a:bodyPr/>
+                    <a:lstStyle/>
+                    <a:p>
+                      <a:pPr latinLnBrk="1"/>
+                      <a:r>
+                        <a:rPr lang="ko-KR" altLang="en-US" dirty="0" smtClean="0"/>
+                        <a:t>통신거리</a:t>
+                      </a:r>
+                      <a:endParaRPr lang="ko-KR" altLang="en-US" dirty="0"/>
+                    </a:p>
+                  </a:txBody>
+                  <a:tcPr/>
+                </a:tc>
+                <a:tc>
+                  <a:txBody>
+                    <a:bodyPr/>
+                    <a:lstStyle/>
+                    <a:p>
+                      <a:pPr latinLnBrk="1"/>
+                      <a:r>
+                        <a:rPr lang="ko-KR" altLang="en-US" dirty="0" smtClean="0"/>
+                        <a:t>원거리 통신 유리</a:t>
+                      </a:r>
+                      <a:endParaRPr lang="ko-KR" altLang="en-US" dirty="0"/>
+                    </a:p>
+                  </a:txBody>
+                  <a:tcPr/>
+                </a:tc>
+                <a:tc>
+                  <a:txBody>
+                    <a:bodyPr/>
+                    <a:lstStyle/>
+                    <a:p>
+                      <a:pPr latinLnBrk="1"/>
+                      <a:r>
+                        <a:rPr lang="ko-KR" altLang="en-US" dirty="0" smtClean="0"/>
+                        <a:t>단거리 전송</a:t>
+                      </a:r>
+                      <a:endParaRPr lang="ko-KR" altLang="en-US" dirty="0"/>
+                    </a:p>
+                  </a:txBody>
+                  <a:tcPr/>
+                </a:tc>
+                <a:extLst>
+                  <a:ext uri="{0D108BD9-81ED-4DB2-BD59-A6C34878D82A}">
+                    <a16:rowId xmlns:a16="http://schemas.microsoft.com/office/drawing/2014/main" val="10001"/>
+                  </a:ext>
+                </a:extLst>
+              </a:tr>
+              <a:tr h="370840">
+                <a:tc>
+                  <a:txBody>
+                    <a:bodyPr/>
+                    <a:lstStyle/>
+                    <a:p>
+                      <a:pPr latinLnBrk="1"/>
+                      <a:r>
+                        <a:rPr lang="ko-KR" altLang="en-US" dirty="0" smtClean="0"/>
+                        <a:t>데이터 </a:t>
+                      </a:r>
+                      <a:r>
+                        <a:rPr lang="ko-KR" altLang="en-US" dirty="0" err="1" smtClean="0"/>
+                        <a:t>전송량</a:t>
+                      </a:r>
+                      <a:endParaRPr lang="ko-KR" altLang="en-US" dirty="0"/>
+                    </a:p>
+                  </a:txBody>
+                  <a:tcPr/>
+                </a:tc>
+                <a:tc>
+                  <a:txBody>
+                    <a:bodyPr/>
+                    <a:lstStyle/>
+                    <a:p>
+                      <a:pPr latinLnBrk="1"/>
+                      <a:r>
+                        <a:rPr lang="ko-KR" altLang="en-US" dirty="0" smtClean="0"/>
+                        <a:t>적다</a:t>
+                      </a:r>
+                      <a:endParaRPr lang="ko-KR" altLang="en-US" dirty="0"/>
+                    </a:p>
+                  </a:txBody>
+                  <a:tcPr/>
+                </a:tc>
+                <a:tc>
+                  <a:txBody>
+                    <a:bodyPr/>
+                    <a:lstStyle/>
+                    <a:p>
+                      <a:pPr latinLnBrk="1"/>
+                      <a:r>
+                        <a:rPr lang="ko-KR" altLang="en-US" dirty="0" smtClean="0"/>
+                        <a:t>많다</a:t>
+                      </a:r>
+                      <a:endParaRPr lang="ko-KR" altLang="en-US" dirty="0"/>
+                    </a:p>
+                  </a:txBody>
+                  <a:tcPr/>
+                </a:tc>
+                <a:extLst>
+                  <a:ext uri="{0D108BD9-81ED-4DB2-BD59-A6C34878D82A}">
+                    <a16:rowId xmlns:a16="http://schemas.microsoft.com/office/drawing/2014/main" val="10002"/>
+                  </a:ext>
+                </a:extLst>
+              </a:tr>
+              <a:tr h="370840">
+                <a:tc>
+                  <a:txBody>
+                    <a:bodyPr/>
+                    <a:lstStyle/>
+                    <a:p>
+                      <a:pPr latinLnBrk="1"/>
+                      <a:r>
+                        <a:rPr lang="ko-KR" altLang="en-US" dirty="0" smtClean="0"/>
+                        <a:t>구현 기술</a:t>
+                      </a:r>
+                      <a:endParaRPr lang="ko-KR" altLang="en-US" dirty="0"/>
+                    </a:p>
+                  </a:txBody>
+                  <a:tcPr/>
+                </a:tc>
+                <a:tc>
+                  <a:txBody>
+                    <a:bodyPr/>
+                    <a:lstStyle/>
+                    <a:p>
+                      <a:pPr latinLnBrk="1"/>
+                      <a:r>
+                        <a:rPr lang="ko-KR" altLang="en-US" dirty="0" smtClean="0"/>
+                        <a:t>단순</a:t>
+                      </a:r>
+                      <a:endParaRPr lang="ko-KR" altLang="en-US" dirty="0"/>
+                    </a:p>
+                  </a:txBody>
+                  <a:tcPr/>
+                </a:tc>
+                <a:tc>
+                  <a:txBody>
+                    <a:bodyPr/>
+                    <a:lstStyle/>
+                    <a:p>
+                      <a:pPr latinLnBrk="1"/>
+                      <a:r>
+                        <a:rPr lang="ko-KR" altLang="en-US" dirty="0" smtClean="0"/>
+                        <a:t>복잡</a:t>
+                      </a:r>
+                      <a:endParaRPr lang="ko-KR" altLang="en-US" dirty="0"/>
+                    </a:p>
+                  </a:txBody>
+                  <a:tcPr/>
+                </a:tc>
+                <a:extLst>
+                  <a:ext uri="{0D108BD9-81ED-4DB2-BD59-A6C34878D82A}">
+                    <a16:rowId xmlns:a16="http://schemas.microsoft.com/office/drawing/2014/main" val="10003"/>
+                  </a:ext>
+                </a:extLst>
+              </a:tr>
+              <a:tr h="370840">
+                <a:tc>
+                  <a:txBody>
+                    <a:bodyPr/>
+                    <a:lstStyle/>
+                    <a:p>
+                      <a:pPr latinLnBrk="1"/>
+                      <a:r>
+                        <a:rPr lang="ko-KR" altLang="en-US" dirty="0" smtClean="0"/>
+                        <a:t>구현 비용</a:t>
+                      </a:r>
+                      <a:endParaRPr lang="ko-KR" altLang="en-US" dirty="0"/>
+                    </a:p>
+                  </a:txBody>
+                  <a:tcPr/>
+                </a:tc>
+                <a:tc>
+                  <a:txBody>
+                    <a:bodyPr/>
+                    <a:lstStyle/>
+                    <a:p>
+                      <a:pPr latinLnBrk="1"/>
+                      <a:r>
+                        <a:rPr lang="ko-KR" altLang="en-US" dirty="0" smtClean="0"/>
+                        <a:t>저렴</a:t>
+                      </a:r>
+                      <a:endParaRPr lang="ko-KR" altLang="en-US" dirty="0"/>
+                    </a:p>
+                  </a:txBody>
+                  <a:tcPr/>
+                </a:tc>
+                <a:tc>
+                  <a:txBody>
+                    <a:bodyPr/>
+                    <a:lstStyle/>
+                    <a:p>
+                      <a:pPr latinLnBrk="1"/>
+                      <a:r>
+                        <a:rPr lang="ko-KR" altLang="en-US" dirty="0" smtClean="0"/>
+                        <a:t>고가</a:t>
+                      </a:r>
+                      <a:endParaRPr lang="ko-KR" altLang="en-US" dirty="0"/>
+                    </a:p>
+                  </a:txBody>
+                  <a:tcPr/>
+                </a:tc>
+                <a:extLst>
+                  <a:ext uri="{0D108BD9-81ED-4DB2-BD59-A6C34878D82A}">
+                    <a16:rowId xmlns:a16="http://schemas.microsoft.com/office/drawing/2014/main" val="10004"/>
+                  </a:ext>
+                </a:extLst>
+              </a:tr>
+              <a:tr h="370840">
+                <a:tc>
+                  <a:txBody>
+                    <a:bodyPr/>
+                    <a:lstStyle/>
+                    <a:p>
+                      <a:pPr latinLnBrk="1"/>
+                      <a:r>
+                        <a:rPr lang="ko-KR" altLang="en-US" dirty="0" smtClean="0"/>
+                        <a:t>대표적 예</a:t>
+                      </a:r>
+                      <a:endParaRPr lang="ko-KR" altLang="en-US" dirty="0"/>
+                    </a:p>
+                  </a:txBody>
+                  <a:tcPr/>
+                </a:tc>
+                <a:tc>
+                  <a:txBody>
+                    <a:bodyPr/>
+                    <a:lstStyle/>
+                    <a:p>
+                      <a:pPr latinLnBrk="1"/>
+                      <a:r>
+                        <a:rPr lang="en-US" altLang="ko-KR" dirty="0" smtClean="0"/>
+                        <a:t>PC</a:t>
+                      </a:r>
+                      <a:r>
+                        <a:rPr lang="ko-KR" altLang="en-US" dirty="0" smtClean="0"/>
+                        <a:t>의 </a:t>
+                      </a:r>
+                      <a:r>
+                        <a:rPr lang="en-US" altLang="ko-KR" dirty="0" smtClean="0"/>
+                        <a:t>RS-232C</a:t>
+                      </a:r>
+                      <a:endParaRPr lang="ko-KR" altLang="en-US" dirty="0"/>
+                    </a:p>
+                  </a:txBody>
+                  <a:tcPr/>
+                </a:tc>
+                <a:tc>
+                  <a:txBody>
+                    <a:bodyPr/>
+                    <a:lstStyle/>
+                    <a:p>
+                      <a:pPr latinLnBrk="1"/>
+                      <a:r>
+                        <a:rPr lang="en-US" altLang="ko-KR" dirty="0" smtClean="0"/>
+                        <a:t>HDD IDE </a:t>
+                      </a:r>
+                      <a:r>
+                        <a:rPr lang="ko-KR" altLang="en-US" dirty="0" smtClean="0"/>
+                        <a:t>케이블</a:t>
+                      </a:r>
+                      <a:endParaRPr lang="ko-KR" altLang="en-US" dirty="0"/>
+                    </a:p>
+                  </a:txBody>
+                  <a:tcPr/>
+                </a:tc>
+                <a:extLst>
+                  <a:ext uri="{0D108BD9-81ED-4DB2-BD59-A6C34878D82A}">
+                    <a16:rowId xmlns:a16="http://schemas.microsoft.com/office/drawing/2014/main" val="10005"/>
+                  </a:ext>
+                </a:extLst>
+              </a:tr>
+            </a:tbl>
+          </a:graphicData>
+        </a:graphic>
+      </p:graphicFrame>
+    </p:spTree>
+    <p:extLst>
+      <p:ext uri="{BB962C8B-B14F-4D97-AF65-F5344CB8AC3E}">
+        <p14:creationId xmlns:p14="http://schemas.microsoft.com/office/powerpoint/2010/main" val="2571774141"/>
+      </p:ext>
+    </p:extLst>
+  </p:cSld>
+  <p:clrMapOvr>
+    <a:masterClrMapping/>
+  </p:clrMapOvr>
+  <p:timing>
+    <p:tnLst>
+      <p:par>
+        <p:cTn id="1" dur="indefinite" restart="never" nodeType="tmRoot"/>
+      </p:par>
+    </p:tnLst>
+  </p:timing>
+</p:sld>
+</file>
+
+<file path=ppt/slides/slide30.xml><?xml version="1.0" encoding="utf-8"?>
+<p:sld xmlns:a="http://schemas.openxmlformats.org/drawingml/2006/main" xmlns:r="http://schemas.openxmlformats.org/officeDocument/2006/relationships" xmlns:p="http://schemas.openxmlformats.org/presentationml/2006/main">
+  <p:cSld>
+    <p:spTree>
+      <p:nvGrpSpPr>
+        <p:cNvPr id="1" name=""/>
+        <p:cNvGrpSpPr/>
+        <p:nvPr/>
+      </p:nvGrpSpPr>
+      <p:grpSpPr>
+        <a:xfrm>
+          <a:off x="0" y="0"/>
+          <a:ext cx="0" cy="0"/>
+          <a:chOff x="0" y="0"/>
+          <a:chExt cx="0" cy="0"/>
+        </a:xfrm>
+      </p:grpSpPr>
+      <p:sp>
+        <p:nvSpPr>
+          <p:cNvPr id="2" name="슬라이드 번호 개체 틀 1"/>
+          <p:cNvSpPr>
+            <a:spLocks noGrp="1"/>
+          </p:cNvSpPr>
+          <p:nvPr>
+            <p:ph type="sldNum" sz="quarter" idx="12"/>
+          </p:nvPr>
+        </p:nvSpPr>
+        <p:spPr/>
+        <p:txBody>
+          <a:bodyPr/>
+          <a:lstStyle/>
+          <a:p>
+            <a:fld id="{C12CAAA6-23F3-4378-9E62-48C953A7FF84}" type="slidenum">
+              <a:rPr lang="ko-KR" altLang="en-US" smtClean="0"/>
+              <a:t>30</a:t>
             </a:fld>
             <a:endParaRPr lang="ko-KR" altLang="en-US"/>
           </a:p>
@@ -14105,7 +17352,1335 @@
 </p:sld>
 </file>
 
-<file path=ppt/slides/slide28.xml><?xml version="1.0" encoding="utf-8"?>
+<file path=ppt/slides/slide31.xml><?xml version="1.0" encoding="utf-8"?>
+<p:sld xmlns:a="http://schemas.openxmlformats.org/drawingml/2006/main" xmlns:r="http://schemas.openxmlformats.org/officeDocument/2006/relationships" xmlns:p="http://schemas.openxmlformats.org/presentationml/2006/main">
+  <p:cSld>
+    <p:spTree>
+      <p:nvGrpSpPr>
+        <p:cNvPr id="1" name=""/>
+        <p:cNvGrpSpPr/>
+        <p:nvPr/>
+      </p:nvGrpSpPr>
+      <p:grpSpPr>
+        <a:xfrm>
+          <a:off x="0" y="0"/>
+          <a:ext cx="0" cy="0"/>
+          <a:chOff x="0" y="0"/>
+          <a:chExt cx="0" cy="0"/>
+        </a:xfrm>
+      </p:grpSpPr>
+      <p:pic>
+        <p:nvPicPr>
+          <p:cNvPr id="33" name="그림 32"/>
+          <p:cNvPicPr>
+            <a:picLocks noChangeAspect="1"/>
+          </p:cNvPicPr>
+          <p:nvPr/>
+        </p:nvPicPr>
+        <p:blipFill>
+          <a:blip r:embed="rId2"/>
+          <a:stretch>
+            <a:fillRect/>
+          </a:stretch>
+        </p:blipFill>
+        <p:spPr>
+          <a:xfrm>
+            <a:off x="74924" y="1348307"/>
+            <a:ext cx="4947698" cy="3615625"/>
+          </a:xfrm>
+          <a:prstGeom prst="rect">
+            <a:avLst/>
+          </a:prstGeom>
+          <a:ln>
+            <a:solidFill>
+              <a:schemeClr val="tx1">
+                <a:lumMod val="50000"/>
+                <a:lumOff val="50000"/>
+              </a:schemeClr>
+            </a:solidFill>
+          </a:ln>
+        </p:spPr>
+      </p:pic>
+      <p:pic>
+        <p:nvPicPr>
+          <p:cNvPr id="34" name="그림 33"/>
+          <p:cNvPicPr>
+            <a:picLocks noChangeAspect="1"/>
+          </p:cNvPicPr>
+          <p:nvPr/>
+        </p:nvPicPr>
+        <p:blipFill>
+          <a:blip r:embed="rId3"/>
+          <a:stretch>
+            <a:fillRect/>
+          </a:stretch>
+        </p:blipFill>
+        <p:spPr>
+          <a:xfrm>
+            <a:off x="4902874" y="242284"/>
+            <a:ext cx="4026793" cy="5183313"/>
+          </a:xfrm>
+          <a:prstGeom prst="rect">
+            <a:avLst/>
+          </a:prstGeom>
+          <a:ln>
+            <a:solidFill>
+              <a:schemeClr val="tx1">
+                <a:lumMod val="50000"/>
+                <a:lumOff val="50000"/>
+              </a:schemeClr>
+            </a:solidFill>
+          </a:ln>
+        </p:spPr>
+      </p:pic>
+      <p:sp>
+        <p:nvSpPr>
+          <p:cNvPr id="2" name="슬라이드 번호 개체 틀 1"/>
+          <p:cNvSpPr>
+            <a:spLocks noGrp="1"/>
+          </p:cNvSpPr>
+          <p:nvPr>
+            <p:ph type="sldNum" sz="quarter" idx="12"/>
+          </p:nvPr>
+        </p:nvSpPr>
+        <p:spPr/>
+        <p:txBody>
+          <a:bodyPr/>
+          <a:lstStyle/>
+          <a:p>
+            <a:fld id="{C12CAAA6-23F3-4378-9E62-48C953A7FF84}" type="slidenum">
+              <a:rPr lang="ko-KR" altLang="en-US" smtClean="0"/>
+              <a:t>31</a:t>
+            </a:fld>
+            <a:endParaRPr lang="ko-KR" altLang="en-US"/>
+          </a:p>
+        </p:txBody>
+      </p:sp>
+      <p:sp>
+        <p:nvSpPr>
+          <p:cNvPr id="5" name="TextBox 4"/>
+          <p:cNvSpPr txBox="1"/>
+          <p:nvPr/>
+        </p:nvSpPr>
+        <p:spPr>
+          <a:xfrm>
+            <a:off x="323849" y="223004"/>
+            <a:ext cx="3470822" cy="369332"/>
+          </a:xfrm>
+          <a:prstGeom prst="rect">
+            <a:avLst/>
+          </a:prstGeom>
+          <a:noFill/>
+        </p:spPr>
+        <p:txBody>
+          <a:bodyPr wrap="none" rtlCol="0">
+            <a:spAutoFit/>
+          </a:bodyPr>
+          <a:lstStyle/>
+          <a:p>
+            <a:r>
+              <a:rPr lang="ko-KR" altLang="en-US" dirty="0" smtClean="0">
+                <a:solidFill>
+                  <a:schemeClr val="bg1">
+                    <a:lumMod val="65000"/>
+                  </a:schemeClr>
+                </a:solidFill>
+              </a:rPr>
+              <a:t>실습 </a:t>
+            </a:r>
+            <a:r>
+              <a:rPr lang="en-US" altLang="ko-KR" dirty="0" smtClean="0">
+                <a:solidFill>
+                  <a:schemeClr val="bg1">
+                    <a:lumMod val="65000"/>
+                  </a:schemeClr>
+                </a:solidFill>
+              </a:rPr>
+              <a:t>3: PC</a:t>
+            </a:r>
+            <a:r>
+              <a:rPr lang="ko-KR" altLang="en-US" dirty="0" smtClean="0">
+                <a:solidFill>
+                  <a:schemeClr val="bg1">
+                    <a:lumMod val="65000"/>
+                  </a:schemeClr>
+                </a:solidFill>
+              </a:rPr>
+              <a:t>에서 </a:t>
+            </a:r>
+            <a:r>
+              <a:rPr lang="en-US" altLang="ko-KR" dirty="0" smtClean="0">
+                <a:solidFill>
+                  <a:schemeClr val="bg1">
+                    <a:lumMod val="65000"/>
+                  </a:schemeClr>
+                </a:solidFill>
+              </a:rPr>
+              <a:t>LED 3</a:t>
+            </a:r>
+            <a:r>
+              <a:rPr lang="ko-KR" altLang="en-US" dirty="0" smtClean="0">
+                <a:solidFill>
+                  <a:schemeClr val="bg1">
+                    <a:lumMod val="65000"/>
+                  </a:schemeClr>
+                </a:solidFill>
+              </a:rPr>
+              <a:t>개 점멸 제어</a:t>
+            </a:r>
+            <a:endParaRPr lang="ko-KR" altLang="en-US" dirty="0">
+              <a:solidFill>
+                <a:schemeClr val="bg1">
+                  <a:lumMod val="65000"/>
+                </a:schemeClr>
+              </a:solidFill>
+            </a:endParaRPr>
+          </a:p>
+        </p:txBody>
+      </p:sp>
+      <p:sp>
+        <p:nvSpPr>
+          <p:cNvPr id="6" name="제목 1"/>
+          <p:cNvSpPr txBox="1">
+            <a:spLocks/>
+          </p:cNvSpPr>
+          <p:nvPr/>
+        </p:nvSpPr>
+        <p:spPr>
+          <a:xfrm>
+            <a:off x="434686" y="737809"/>
+            <a:ext cx="7886700" cy="673099"/>
+          </a:xfrm>
+          <a:prstGeom prst="rect">
+            <a:avLst/>
+          </a:prstGeom>
+        </p:spPr>
+        <p:txBody>
+          <a:bodyPr>
+            <a:normAutofit fontScale="97500" lnSpcReduction="10000"/>
+          </a:bodyPr>
+          <a:lstStyle>
+            <a:lvl1pPr algn="l" defTabSz="914400" rtl="0" eaLnBrk="1" latinLnBrk="1" hangingPunct="1">
+              <a:lnSpc>
+                <a:spcPct val="90000"/>
+              </a:lnSpc>
+              <a:spcBef>
+                <a:spcPct val="0"/>
+              </a:spcBef>
+              <a:buNone/>
+              <a:defRPr sz="4400" kern="1200">
+                <a:solidFill>
+                  <a:schemeClr val="tx1"/>
+                </a:solidFill>
+                <a:latin typeface="+mj-lt"/>
+                <a:ea typeface="+mj-ea"/>
+                <a:cs typeface="+mj-cs"/>
+              </a:defRPr>
+            </a:lvl1pPr>
+          </a:lstStyle>
+          <a:p>
+            <a:r>
+              <a:rPr lang="en-US" altLang="ko-KR" b="1" dirty="0" smtClean="0">
+                <a:effectLst>
+                  <a:outerShdw blurRad="38100" dist="38100" dir="2700000" algn="tl">
+                    <a:srgbClr val="000000">
+                      <a:alpha val="43137"/>
+                    </a:srgbClr>
+                  </a:outerShdw>
+                </a:effectLst>
+                <a:latin typeface="+mj-ea"/>
+              </a:rPr>
+              <a:t>Sketch</a:t>
+            </a:r>
+            <a:endParaRPr lang="ko-KR" altLang="en-US" b="1" dirty="0">
+              <a:effectLst>
+                <a:outerShdw blurRad="38100" dist="38100" dir="2700000" algn="tl">
+                  <a:srgbClr val="000000">
+                    <a:alpha val="43137"/>
+                  </a:srgbClr>
+                </a:outerShdw>
+              </a:effectLst>
+              <a:latin typeface="+mj-ea"/>
+            </a:endParaRPr>
+          </a:p>
+        </p:txBody>
+      </p:sp>
+      <p:sp>
+        <p:nvSpPr>
+          <p:cNvPr id="8" name="직사각형 7"/>
+          <p:cNvSpPr/>
+          <p:nvPr/>
+        </p:nvSpPr>
+        <p:spPr>
+          <a:xfrm>
+            <a:off x="84862" y="1699286"/>
+            <a:ext cx="2096672" cy="563451"/>
+          </a:xfrm>
+          <a:prstGeom prst="rect">
+            <a:avLst/>
+          </a:prstGeom>
+          <a:solidFill>
+            <a:srgbClr val="FF9966">
+              <a:alpha val="9804"/>
+            </a:srgbClr>
+          </a:solidFill>
+          <a:ln>
+            <a:solidFill>
+              <a:srgbClr val="FF0000"/>
+            </a:solidFill>
+          </a:ln>
+        </p:spPr>
+        <p:style>
+          <a:lnRef idx="2">
+            <a:schemeClr val="accent1">
+              <a:shade val="50000"/>
+            </a:schemeClr>
+          </a:lnRef>
+          <a:fillRef idx="1">
+            <a:schemeClr val="accent1"/>
+          </a:fillRef>
+          <a:effectRef idx="0">
+            <a:schemeClr val="accent1"/>
+          </a:effectRef>
+          <a:fontRef idx="minor">
+            <a:schemeClr val="lt1"/>
+          </a:fontRef>
+        </p:style>
+        <p:txBody>
+          <a:bodyPr rtlCol="0" anchor="ctr"/>
+          <a:lstStyle/>
+          <a:p>
+            <a:pPr algn="ctr"/>
+            <a:endParaRPr lang="ko-KR" altLang="en-US"/>
+          </a:p>
+        </p:txBody>
+      </p:sp>
+      <p:sp>
+        <p:nvSpPr>
+          <p:cNvPr id="9" name="직사각형 8"/>
+          <p:cNvSpPr/>
+          <p:nvPr/>
+        </p:nvSpPr>
+        <p:spPr>
+          <a:xfrm>
+            <a:off x="84862" y="2577865"/>
+            <a:ext cx="2096672" cy="626835"/>
+          </a:xfrm>
+          <a:prstGeom prst="rect">
+            <a:avLst/>
+          </a:prstGeom>
+          <a:solidFill>
+            <a:srgbClr val="FF9966">
+              <a:alpha val="9804"/>
+            </a:srgbClr>
+          </a:solidFill>
+          <a:ln>
+            <a:solidFill>
+              <a:srgbClr val="FF0000"/>
+            </a:solidFill>
+          </a:ln>
+        </p:spPr>
+        <p:style>
+          <a:lnRef idx="2">
+            <a:schemeClr val="accent1">
+              <a:shade val="50000"/>
+            </a:schemeClr>
+          </a:lnRef>
+          <a:fillRef idx="1">
+            <a:schemeClr val="accent1"/>
+          </a:fillRef>
+          <a:effectRef idx="0">
+            <a:schemeClr val="accent1"/>
+          </a:effectRef>
+          <a:fontRef idx="minor">
+            <a:schemeClr val="lt1"/>
+          </a:fontRef>
+        </p:style>
+        <p:txBody>
+          <a:bodyPr rtlCol="0" anchor="ctr"/>
+          <a:lstStyle/>
+          <a:p>
+            <a:pPr algn="ctr"/>
+            <a:endParaRPr lang="ko-KR" altLang="en-US"/>
+          </a:p>
+        </p:txBody>
+      </p:sp>
+      <p:sp>
+        <p:nvSpPr>
+          <p:cNvPr id="16" name="직사각형 15"/>
+          <p:cNvSpPr/>
+          <p:nvPr/>
+        </p:nvSpPr>
+        <p:spPr>
+          <a:xfrm>
+            <a:off x="5434191" y="1858160"/>
+            <a:ext cx="2429436" cy="761325"/>
+          </a:xfrm>
+          <a:prstGeom prst="rect">
+            <a:avLst/>
+          </a:prstGeom>
+          <a:solidFill>
+            <a:srgbClr val="FF9966">
+              <a:alpha val="9804"/>
+            </a:srgbClr>
+          </a:solidFill>
+          <a:ln>
+            <a:solidFill>
+              <a:srgbClr val="FF0000"/>
+            </a:solidFill>
+          </a:ln>
+        </p:spPr>
+        <p:style>
+          <a:lnRef idx="2">
+            <a:schemeClr val="accent1">
+              <a:shade val="50000"/>
+            </a:schemeClr>
+          </a:lnRef>
+          <a:fillRef idx="1">
+            <a:schemeClr val="accent1"/>
+          </a:fillRef>
+          <a:effectRef idx="0">
+            <a:schemeClr val="accent1"/>
+          </a:effectRef>
+          <a:fontRef idx="minor">
+            <a:schemeClr val="lt1"/>
+          </a:fontRef>
+        </p:style>
+        <p:txBody>
+          <a:bodyPr rtlCol="0" anchor="ctr"/>
+          <a:lstStyle/>
+          <a:p>
+            <a:pPr algn="ctr"/>
+            <a:endParaRPr lang="ko-KR" altLang="en-US"/>
+          </a:p>
+        </p:txBody>
+      </p:sp>
+      <p:sp>
+        <p:nvSpPr>
+          <p:cNvPr id="17" name="직사각형 16"/>
+          <p:cNvSpPr/>
+          <p:nvPr/>
+        </p:nvSpPr>
+        <p:spPr>
+          <a:xfrm>
+            <a:off x="5434191" y="2865376"/>
+            <a:ext cx="2429436" cy="739059"/>
+          </a:xfrm>
+          <a:prstGeom prst="rect">
+            <a:avLst/>
+          </a:prstGeom>
+          <a:solidFill>
+            <a:srgbClr val="FF9966">
+              <a:alpha val="9804"/>
+            </a:srgbClr>
+          </a:solidFill>
+          <a:ln>
+            <a:solidFill>
+              <a:srgbClr val="FF0000"/>
+            </a:solidFill>
+          </a:ln>
+        </p:spPr>
+        <p:style>
+          <a:lnRef idx="2">
+            <a:schemeClr val="accent1">
+              <a:shade val="50000"/>
+            </a:schemeClr>
+          </a:lnRef>
+          <a:fillRef idx="1">
+            <a:schemeClr val="accent1"/>
+          </a:fillRef>
+          <a:effectRef idx="0">
+            <a:schemeClr val="accent1"/>
+          </a:effectRef>
+          <a:fontRef idx="minor">
+            <a:schemeClr val="lt1"/>
+          </a:fontRef>
+        </p:style>
+        <p:txBody>
+          <a:bodyPr rtlCol="0" anchor="ctr"/>
+          <a:lstStyle/>
+          <a:p>
+            <a:pPr algn="ctr"/>
+            <a:endParaRPr lang="ko-KR" altLang="en-US"/>
+          </a:p>
+        </p:txBody>
+      </p:sp>
+      <p:sp>
+        <p:nvSpPr>
+          <p:cNvPr id="18" name="직사각형 17"/>
+          <p:cNvSpPr/>
+          <p:nvPr/>
+        </p:nvSpPr>
+        <p:spPr>
+          <a:xfrm>
+            <a:off x="5428418" y="3850326"/>
+            <a:ext cx="2429436" cy="778745"/>
+          </a:xfrm>
+          <a:prstGeom prst="rect">
+            <a:avLst/>
+          </a:prstGeom>
+          <a:solidFill>
+            <a:srgbClr val="FF9966">
+              <a:alpha val="9804"/>
+            </a:srgbClr>
+          </a:solidFill>
+          <a:ln>
+            <a:solidFill>
+              <a:srgbClr val="FF0000"/>
+            </a:solidFill>
+          </a:ln>
+        </p:spPr>
+        <p:style>
+          <a:lnRef idx="2">
+            <a:schemeClr val="accent1">
+              <a:shade val="50000"/>
+            </a:schemeClr>
+          </a:lnRef>
+          <a:fillRef idx="1">
+            <a:schemeClr val="accent1"/>
+          </a:fillRef>
+          <a:effectRef idx="0">
+            <a:schemeClr val="accent1"/>
+          </a:effectRef>
+          <a:fontRef idx="minor">
+            <a:schemeClr val="lt1"/>
+          </a:fontRef>
+        </p:style>
+        <p:txBody>
+          <a:bodyPr rtlCol="0" anchor="ctr"/>
+          <a:lstStyle/>
+          <a:p>
+            <a:pPr algn="ctr"/>
+            <a:endParaRPr lang="ko-KR" altLang="en-US"/>
+          </a:p>
+        </p:txBody>
+      </p:sp>
+      <p:sp>
+        <p:nvSpPr>
+          <p:cNvPr id="20" name="TextBox 19"/>
+          <p:cNvSpPr txBox="1"/>
+          <p:nvPr/>
+        </p:nvSpPr>
+        <p:spPr>
+          <a:xfrm>
+            <a:off x="594451" y="5074024"/>
+            <a:ext cx="4050946" cy="738664"/>
+          </a:xfrm>
+          <a:prstGeom prst="rect">
+            <a:avLst/>
+          </a:prstGeom>
+          <a:noFill/>
+          <a:ln>
+            <a:solidFill>
+              <a:schemeClr val="accent2"/>
+            </a:solidFill>
+          </a:ln>
+        </p:spPr>
+        <p:txBody>
+          <a:bodyPr wrap="square" rtlCol="0">
+            <a:spAutoFit/>
+          </a:bodyPr>
+          <a:lstStyle/>
+          <a:p>
+            <a:r>
+              <a:rPr lang="ko-KR" altLang="en-US" sz="1400" b="1" dirty="0" smtClean="0">
+                <a:latin typeface="+mj-ea"/>
+                <a:ea typeface="+mj-ea"/>
+              </a:rPr>
+              <a:t>세 부분의 내용이 </a:t>
+            </a:r>
+            <a:r>
+              <a:rPr lang="en-US" altLang="ko-KR" sz="1400" b="1" dirty="0" smtClean="0">
+                <a:latin typeface="+mj-ea"/>
+                <a:ea typeface="+mj-ea"/>
+              </a:rPr>
+              <a:t>LED</a:t>
+            </a:r>
+            <a:r>
+              <a:rPr lang="ko-KR" altLang="en-US" sz="1400" b="1" dirty="0">
+                <a:latin typeface="+mj-ea"/>
+                <a:ea typeface="+mj-ea"/>
+              </a:rPr>
+              <a:t> </a:t>
+            </a:r>
+            <a:r>
+              <a:rPr lang="ko-KR" altLang="en-US" sz="1400" b="1" dirty="0" smtClean="0">
+                <a:latin typeface="+mj-ea"/>
+                <a:ea typeface="+mj-ea"/>
+              </a:rPr>
+              <a:t>색을 제외하면 동일</a:t>
+            </a:r>
+            <a:endParaRPr lang="en-US" altLang="ko-KR" sz="1400" b="1" dirty="0" smtClean="0">
+              <a:latin typeface="+mj-ea"/>
+              <a:ea typeface="+mj-ea"/>
+            </a:endParaRPr>
+          </a:p>
+          <a:p>
+            <a:pPr marL="285750" indent="-285750">
+              <a:buFont typeface="Wingdings" panose="05000000000000000000" pitchFamily="2" charset="2"/>
+              <a:buChar char="à"/>
+            </a:pPr>
+            <a:r>
+              <a:rPr lang="ko-KR" altLang="en-US" sz="1400" b="1" dirty="0" smtClean="0">
+                <a:solidFill>
+                  <a:srgbClr val="FF0066"/>
+                </a:solidFill>
+                <a:latin typeface="+mj-ea"/>
+                <a:ea typeface="+mj-ea"/>
+                <a:sym typeface="Wingdings" panose="05000000000000000000" pitchFamily="2" charset="2"/>
+              </a:rPr>
+              <a:t>재사용이 가능한 사용자 함수로 작성</a:t>
+            </a:r>
+            <a:endParaRPr lang="en-US" altLang="ko-KR" sz="1400" b="1" dirty="0">
+              <a:solidFill>
+                <a:srgbClr val="FF0066"/>
+              </a:solidFill>
+              <a:latin typeface="+mj-ea"/>
+              <a:ea typeface="+mj-ea"/>
+              <a:sym typeface="Wingdings" panose="05000000000000000000" pitchFamily="2" charset="2"/>
+            </a:endParaRPr>
+          </a:p>
+          <a:p>
+            <a:pPr marL="285750" indent="-285750">
+              <a:buFont typeface="Wingdings" panose="05000000000000000000" pitchFamily="2" charset="2"/>
+              <a:buChar char="à"/>
+            </a:pPr>
+            <a:r>
+              <a:rPr lang="en-US" altLang="ko-KR" sz="1400" b="1" dirty="0" err="1" smtClean="0">
+                <a:solidFill>
+                  <a:srgbClr val="FF0066"/>
+                </a:solidFill>
+                <a:latin typeface="+mj-ea"/>
+                <a:ea typeface="+mj-ea"/>
+              </a:rPr>
+              <a:t>ToggleLED</a:t>
+            </a:r>
+            <a:r>
+              <a:rPr lang="en-US" altLang="ko-KR" sz="1400" b="1" dirty="0" smtClean="0">
+                <a:solidFill>
+                  <a:srgbClr val="FF0066"/>
+                </a:solidFill>
+                <a:latin typeface="+mj-ea"/>
+                <a:ea typeface="+mj-ea"/>
+              </a:rPr>
+              <a:t>(</a:t>
+            </a:r>
+            <a:r>
+              <a:rPr lang="en-US" altLang="ko-KR" sz="1400" b="1" dirty="0" err="1" smtClean="0">
+                <a:solidFill>
+                  <a:srgbClr val="FF0066"/>
+                </a:solidFill>
+                <a:latin typeface="+mj-ea"/>
+                <a:ea typeface="+mj-ea"/>
+              </a:rPr>
+              <a:t>ledPin</a:t>
+            </a:r>
+            <a:r>
+              <a:rPr lang="en-US" altLang="ko-KR" sz="1400" b="1" dirty="0" smtClean="0">
+                <a:solidFill>
+                  <a:srgbClr val="FF0066"/>
+                </a:solidFill>
+                <a:latin typeface="+mj-ea"/>
+                <a:ea typeface="+mj-ea"/>
+              </a:rPr>
+              <a:t>)</a:t>
+            </a:r>
+            <a:endParaRPr lang="ko-KR" altLang="en-US" sz="1400" b="1" dirty="0">
+              <a:solidFill>
+                <a:srgbClr val="FF0066"/>
+              </a:solidFill>
+              <a:latin typeface="+mj-ea"/>
+              <a:ea typeface="+mj-ea"/>
+            </a:endParaRPr>
+          </a:p>
+        </p:txBody>
+      </p:sp>
+      <p:cxnSp>
+        <p:nvCxnSpPr>
+          <p:cNvPr id="21" name="직선 화살표 연결선 20"/>
+          <p:cNvCxnSpPr/>
+          <p:nvPr/>
+        </p:nvCxnSpPr>
+        <p:spPr>
+          <a:xfrm flipV="1">
+            <a:off x="4246058" y="2214173"/>
+            <a:ext cx="1188133" cy="2879142"/>
+          </a:xfrm>
+          <a:prstGeom prst="straightConnector1">
+            <a:avLst/>
+          </a:prstGeom>
+          <a:ln w="38100">
+            <a:solidFill>
+              <a:srgbClr val="FF0066"/>
+            </a:solidFill>
+            <a:tailEnd type="triangle"/>
+          </a:ln>
+        </p:spPr>
+        <p:style>
+          <a:lnRef idx="1">
+            <a:schemeClr val="accent1"/>
+          </a:lnRef>
+          <a:fillRef idx="0">
+            <a:schemeClr val="accent1"/>
+          </a:fillRef>
+          <a:effectRef idx="0">
+            <a:schemeClr val="accent1"/>
+          </a:effectRef>
+          <a:fontRef idx="minor">
+            <a:schemeClr val="tx1"/>
+          </a:fontRef>
+        </p:style>
+      </p:cxnSp>
+      <p:cxnSp>
+        <p:nvCxnSpPr>
+          <p:cNvPr id="26" name="직선 화살표 연결선 25"/>
+          <p:cNvCxnSpPr/>
+          <p:nvPr/>
+        </p:nvCxnSpPr>
+        <p:spPr>
+          <a:xfrm flipV="1">
+            <a:off x="4246058" y="3182140"/>
+            <a:ext cx="1199680" cy="1911175"/>
+          </a:xfrm>
+          <a:prstGeom prst="straightConnector1">
+            <a:avLst/>
+          </a:prstGeom>
+          <a:ln w="38100">
+            <a:solidFill>
+              <a:srgbClr val="FF0066"/>
+            </a:solidFill>
+            <a:tailEnd type="triangle"/>
+          </a:ln>
+        </p:spPr>
+        <p:style>
+          <a:lnRef idx="1">
+            <a:schemeClr val="accent1"/>
+          </a:lnRef>
+          <a:fillRef idx="0">
+            <a:schemeClr val="accent1"/>
+          </a:fillRef>
+          <a:effectRef idx="0">
+            <a:schemeClr val="accent1"/>
+          </a:effectRef>
+          <a:fontRef idx="minor">
+            <a:schemeClr val="tx1"/>
+          </a:fontRef>
+        </p:style>
+      </p:cxnSp>
+      <p:cxnSp>
+        <p:nvCxnSpPr>
+          <p:cNvPr id="29" name="직선 화살표 연결선 28"/>
+          <p:cNvCxnSpPr/>
+          <p:nvPr/>
+        </p:nvCxnSpPr>
+        <p:spPr>
+          <a:xfrm flipV="1">
+            <a:off x="4245245" y="4137727"/>
+            <a:ext cx="1200493" cy="944381"/>
+          </a:xfrm>
+          <a:prstGeom prst="straightConnector1">
+            <a:avLst/>
+          </a:prstGeom>
+          <a:ln w="38100">
+            <a:solidFill>
+              <a:srgbClr val="FF0066"/>
+            </a:solidFill>
+            <a:tailEnd type="triangle"/>
+          </a:ln>
+        </p:spPr>
+        <p:style>
+          <a:lnRef idx="1">
+            <a:schemeClr val="accent1"/>
+          </a:lnRef>
+          <a:fillRef idx="0">
+            <a:schemeClr val="accent1"/>
+          </a:fillRef>
+          <a:effectRef idx="0">
+            <a:schemeClr val="accent1"/>
+          </a:effectRef>
+          <a:fontRef idx="minor">
+            <a:schemeClr val="tx1"/>
+          </a:fontRef>
+        </p:style>
+      </p:cxnSp>
+      <p:pic>
+        <p:nvPicPr>
+          <p:cNvPr id="35" name="그림 34"/>
+          <p:cNvPicPr>
+            <a:picLocks noChangeAspect="1"/>
+          </p:cNvPicPr>
+          <p:nvPr/>
+        </p:nvPicPr>
+        <p:blipFill>
+          <a:blip r:embed="rId4"/>
+          <a:stretch>
+            <a:fillRect/>
+          </a:stretch>
+        </p:blipFill>
+        <p:spPr>
+          <a:xfrm>
+            <a:off x="4902873" y="5425597"/>
+            <a:ext cx="4084839" cy="1427963"/>
+          </a:xfrm>
+          <a:prstGeom prst="rect">
+            <a:avLst/>
+          </a:prstGeom>
+          <a:ln>
+            <a:solidFill>
+              <a:schemeClr val="tx1">
+                <a:lumMod val="50000"/>
+                <a:lumOff val="50000"/>
+              </a:schemeClr>
+            </a:solidFill>
+          </a:ln>
+        </p:spPr>
+      </p:pic>
+    </p:spTree>
+    <p:extLst>
+      <p:ext uri="{BB962C8B-B14F-4D97-AF65-F5344CB8AC3E}">
+        <p14:creationId xmlns:p14="http://schemas.microsoft.com/office/powerpoint/2010/main" val="683967954"/>
+      </p:ext>
+    </p:extLst>
+  </p:cSld>
+  <p:clrMapOvr>
+    <a:masterClrMapping/>
+  </p:clrMapOvr>
+  <p:timing>
+    <p:tnLst>
+      <p:par>
+        <p:cTn id="1" dur="indefinite" restart="never" nodeType="tmRoot">
+          <p:childTnLst>
+            <p:seq concurrent="1" nextAc="seek">
+              <p:cTn id="2" dur="indefinite" nodeType="mainSeq">
+                <p:childTnLst>
+                  <p:par>
+                    <p:cTn id="3" fill="hold">
+                      <p:stCondLst>
+                        <p:cond delay="indefinite"/>
+                      </p:stCondLst>
+                      <p:childTnLst>
+                        <p:par>
+                          <p:cTn id="4" fill="hold">
+                            <p:stCondLst>
+                              <p:cond delay="0"/>
+                            </p:stCondLst>
+                            <p:childTnLst>
+                              <p:par>
+                                <p:cTn id="5" presetID="53" presetClass="entr" presetSubtype="16" fill="hold" grpId="0" nodeType="clickEffect">
+                                  <p:stCondLst>
+                                    <p:cond delay="0"/>
+                                  </p:stCondLst>
+                                  <p:childTnLst>
+                                    <p:set>
+                                      <p:cBhvr>
+                                        <p:cTn id="6" dur="1" fill="hold">
+                                          <p:stCondLst>
+                                            <p:cond delay="0"/>
+                                          </p:stCondLst>
+                                        </p:cTn>
+                                        <p:tgtEl>
+                                          <p:spTgt spid="8"/>
+                                        </p:tgtEl>
+                                        <p:attrNameLst>
+                                          <p:attrName>style.visibility</p:attrName>
+                                        </p:attrNameLst>
+                                      </p:cBhvr>
+                                      <p:to>
+                                        <p:strVal val="visible"/>
+                                      </p:to>
+                                    </p:set>
+                                    <p:anim calcmode="lin" valueType="num">
+                                      <p:cBhvr>
+                                        <p:cTn id="7" dur="500" fill="hold"/>
+                                        <p:tgtEl>
+                                          <p:spTgt spid="8"/>
+                                        </p:tgtEl>
+                                        <p:attrNameLst>
+                                          <p:attrName>ppt_w</p:attrName>
+                                        </p:attrNameLst>
+                                      </p:cBhvr>
+                                      <p:tavLst>
+                                        <p:tav tm="0">
+                                          <p:val>
+                                            <p:fltVal val="0"/>
+                                          </p:val>
+                                        </p:tav>
+                                        <p:tav tm="100000">
+                                          <p:val>
+                                            <p:strVal val="#ppt_w"/>
+                                          </p:val>
+                                        </p:tav>
+                                      </p:tavLst>
+                                    </p:anim>
+                                    <p:anim calcmode="lin" valueType="num">
+                                      <p:cBhvr>
+                                        <p:cTn id="8" dur="500" fill="hold"/>
+                                        <p:tgtEl>
+                                          <p:spTgt spid="8"/>
+                                        </p:tgtEl>
+                                        <p:attrNameLst>
+                                          <p:attrName>ppt_h</p:attrName>
+                                        </p:attrNameLst>
+                                      </p:cBhvr>
+                                      <p:tavLst>
+                                        <p:tav tm="0">
+                                          <p:val>
+                                            <p:fltVal val="0"/>
+                                          </p:val>
+                                        </p:tav>
+                                        <p:tav tm="100000">
+                                          <p:val>
+                                            <p:strVal val="#ppt_h"/>
+                                          </p:val>
+                                        </p:tav>
+                                      </p:tavLst>
+                                    </p:anim>
+                                    <p:animEffect transition="in" filter="fade">
+                                      <p:cBhvr>
+                                        <p:cTn id="9" dur="500"/>
+                                        <p:tgtEl>
+                                          <p:spTgt spid="8"/>
+                                        </p:tgtEl>
+                                      </p:cBhvr>
+                                    </p:animEffect>
+                                  </p:childTnLst>
+                                </p:cTn>
+                              </p:par>
+                            </p:childTnLst>
+                          </p:cTn>
+                        </p:par>
+                      </p:childTnLst>
+                    </p:cTn>
+                  </p:par>
+                  <p:par>
+                    <p:cTn id="10" fill="hold">
+                      <p:stCondLst>
+                        <p:cond delay="indefinite"/>
+                      </p:stCondLst>
+                      <p:childTnLst>
+                        <p:par>
+                          <p:cTn id="11" fill="hold">
+                            <p:stCondLst>
+                              <p:cond delay="0"/>
+                            </p:stCondLst>
+                            <p:childTnLst>
+                              <p:par>
+                                <p:cTn id="12" presetID="53" presetClass="entr" presetSubtype="16" fill="hold" grpId="0" nodeType="clickEffect">
+                                  <p:stCondLst>
+                                    <p:cond delay="0"/>
+                                  </p:stCondLst>
+                                  <p:childTnLst>
+                                    <p:set>
+                                      <p:cBhvr>
+                                        <p:cTn id="13" dur="1" fill="hold">
+                                          <p:stCondLst>
+                                            <p:cond delay="0"/>
+                                          </p:stCondLst>
+                                        </p:cTn>
+                                        <p:tgtEl>
+                                          <p:spTgt spid="9"/>
+                                        </p:tgtEl>
+                                        <p:attrNameLst>
+                                          <p:attrName>style.visibility</p:attrName>
+                                        </p:attrNameLst>
+                                      </p:cBhvr>
+                                      <p:to>
+                                        <p:strVal val="visible"/>
+                                      </p:to>
+                                    </p:set>
+                                    <p:anim calcmode="lin" valueType="num">
+                                      <p:cBhvr>
+                                        <p:cTn id="14" dur="500" fill="hold"/>
+                                        <p:tgtEl>
+                                          <p:spTgt spid="9"/>
+                                        </p:tgtEl>
+                                        <p:attrNameLst>
+                                          <p:attrName>ppt_w</p:attrName>
+                                        </p:attrNameLst>
+                                      </p:cBhvr>
+                                      <p:tavLst>
+                                        <p:tav tm="0">
+                                          <p:val>
+                                            <p:fltVal val="0"/>
+                                          </p:val>
+                                        </p:tav>
+                                        <p:tav tm="100000">
+                                          <p:val>
+                                            <p:strVal val="#ppt_w"/>
+                                          </p:val>
+                                        </p:tav>
+                                      </p:tavLst>
+                                    </p:anim>
+                                    <p:anim calcmode="lin" valueType="num">
+                                      <p:cBhvr>
+                                        <p:cTn id="15" dur="500" fill="hold"/>
+                                        <p:tgtEl>
+                                          <p:spTgt spid="9"/>
+                                        </p:tgtEl>
+                                        <p:attrNameLst>
+                                          <p:attrName>ppt_h</p:attrName>
+                                        </p:attrNameLst>
+                                      </p:cBhvr>
+                                      <p:tavLst>
+                                        <p:tav tm="0">
+                                          <p:val>
+                                            <p:fltVal val="0"/>
+                                          </p:val>
+                                        </p:tav>
+                                        <p:tav tm="100000">
+                                          <p:val>
+                                            <p:strVal val="#ppt_h"/>
+                                          </p:val>
+                                        </p:tav>
+                                      </p:tavLst>
+                                    </p:anim>
+                                    <p:animEffect transition="in" filter="fade">
+                                      <p:cBhvr>
+                                        <p:cTn id="16" dur="500"/>
+                                        <p:tgtEl>
+                                          <p:spTgt spid="9"/>
+                                        </p:tgtEl>
+                                      </p:cBhvr>
+                                    </p:animEffect>
+                                  </p:childTnLst>
+                                </p:cTn>
+                              </p:par>
+                            </p:childTnLst>
+                          </p:cTn>
+                        </p:par>
+                      </p:childTnLst>
+                    </p:cTn>
+                  </p:par>
+                  <p:par>
+                    <p:cTn id="17" fill="hold">
+                      <p:stCondLst>
+                        <p:cond delay="indefinite"/>
+                      </p:stCondLst>
+                      <p:childTnLst>
+                        <p:par>
+                          <p:cTn id="18" fill="hold">
+                            <p:stCondLst>
+                              <p:cond delay="0"/>
+                            </p:stCondLst>
+                            <p:childTnLst>
+                              <p:par>
+                                <p:cTn id="19" presetID="53" presetClass="entr" presetSubtype="16" fill="hold" grpId="0" nodeType="clickEffect">
+                                  <p:stCondLst>
+                                    <p:cond delay="0"/>
+                                  </p:stCondLst>
+                                  <p:childTnLst>
+                                    <p:set>
+                                      <p:cBhvr>
+                                        <p:cTn id="20" dur="1" fill="hold">
+                                          <p:stCondLst>
+                                            <p:cond delay="0"/>
+                                          </p:stCondLst>
+                                        </p:cTn>
+                                        <p:tgtEl>
+                                          <p:spTgt spid="16"/>
+                                        </p:tgtEl>
+                                        <p:attrNameLst>
+                                          <p:attrName>style.visibility</p:attrName>
+                                        </p:attrNameLst>
+                                      </p:cBhvr>
+                                      <p:to>
+                                        <p:strVal val="visible"/>
+                                      </p:to>
+                                    </p:set>
+                                    <p:anim calcmode="lin" valueType="num">
+                                      <p:cBhvr>
+                                        <p:cTn id="21" dur="500" fill="hold"/>
+                                        <p:tgtEl>
+                                          <p:spTgt spid="16"/>
+                                        </p:tgtEl>
+                                        <p:attrNameLst>
+                                          <p:attrName>ppt_w</p:attrName>
+                                        </p:attrNameLst>
+                                      </p:cBhvr>
+                                      <p:tavLst>
+                                        <p:tav tm="0">
+                                          <p:val>
+                                            <p:fltVal val="0"/>
+                                          </p:val>
+                                        </p:tav>
+                                        <p:tav tm="100000">
+                                          <p:val>
+                                            <p:strVal val="#ppt_w"/>
+                                          </p:val>
+                                        </p:tav>
+                                      </p:tavLst>
+                                    </p:anim>
+                                    <p:anim calcmode="lin" valueType="num">
+                                      <p:cBhvr>
+                                        <p:cTn id="22" dur="500" fill="hold"/>
+                                        <p:tgtEl>
+                                          <p:spTgt spid="16"/>
+                                        </p:tgtEl>
+                                        <p:attrNameLst>
+                                          <p:attrName>ppt_h</p:attrName>
+                                        </p:attrNameLst>
+                                      </p:cBhvr>
+                                      <p:tavLst>
+                                        <p:tav tm="0">
+                                          <p:val>
+                                            <p:fltVal val="0"/>
+                                          </p:val>
+                                        </p:tav>
+                                        <p:tav tm="100000">
+                                          <p:val>
+                                            <p:strVal val="#ppt_h"/>
+                                          </p:val>
+                                        </p:tav>
+                                      </p:tavLst>
+                                    </p:anim>
+                                    <p:animEffect transition="in" filter="fade">
+                                      <p:cBhvr>
+                                        <p:cTn id="23" dur="500"/>
+                                        <p:tgtEl>
+                                          <p:spTgt spid="16"/>
+                                        </p:tgtEl>
+                                      </p:cBhvr>
+                                    </p:animEffect>
+                                  </p:childTnLst>
+                                </p:cTn>
+                              </p:par>
+                            </p:childTnLst>
+                          </p:cTn>
+                        </p:par>
+                      </p:childTnLst>
+                    </p:cTn>
+                  </p:par>
+                  <p:par>
+                    <p:cTn id="24" fill="hold">
+                      <p:stCondLst>
+                        <p:cond delay="indefinite"/>
+                      </p:stCondLst>
+                      <p:childTnLst>
+                        <p:par>
+                          <p:cTn id="25" fill="hold">
+                            <p:stCondLst>
+                              <p:cond delay="0"/>
+                            </p:stCondLst>
+                            <p:childTnLst>
+                              <p:par>
+                                <p:cTn id="26" presetID="53" presetClass="entr" presetSubtype="16" fill="hold" grpId="0" nodeType="clickEffect">
+                                  <p:stCondLst>
+                                    <p:cond delay="0"/>
+                                  </p:stCondLst>
+                                  <p:childTnLst>
+                                    <p:set>
+                                      <p:cBhvr>
+                                        <p:cTn id="27" dur="1" fill="hold">
+                                          <p:stCondLst>
+                                            <p:cond delay="0"/>
+                                          </p:stCondLst>
+                                        </p:cTn>
+                                        <p:tgtEl>
+                                          <p:spTgt spid="17"/>
+                                        </p:tgtEl>
+                                        <p:attrNameLst>
+                                          <p:attrName>style.visibility</p:attrName>
+                                        </p:attrNameLst>
+                                      </p:cBhvr>
+                                      <p:to>
+                                        <p:strVal val="visible"/>
+                                      </p:to>
+                                    </p:set>
+                                    <p:anim calcmode="lin" valueType="num">
+                                      <p:cBhvr>
+                                        <p:cTn id="28" dur="500" fill="hold"/>
+                                        <p:tgtEl>
+                                          <p:spTgt spid="17"/>
+                                        </p:tgtEl>
+                                        <p:attrNameLst>
+                                          <p:attrName>ppt_w</p:attrName>
+                                        </p:attrNameLst>
+                                      </p:cBhvr>
+                                      <p:tavLst>
+                                        <p:tav tm="0">
+                                          <p:val>
+                                            <p:fltVal val="0"/>
+                                          </p:val>
+                                        </p:tav>
+                                        <p:tav tm="100000">
+                                          <p:val>
+                                            <p:strVal val="#ppt_w"/>
+                                          </p:val>
+                                        </p:tav>
+                                      </p:tavLst>
+                                    </p:anim>
+                                    <p:anim calcmode="lin" valueType="num">
+                                      <p:cBhvr>
+                                        <p:cTn id="29" dur="500" fill="hold"/>
+                                        <p:tgtEl>
+                                          <p:spTgt spid="17"/>
+                                        </p:tgtEl>
+                                        <p:attrNameLst>
+                                          <p:attrName>ppt_h</p:attrName>
+                                        </p:attrNameLst>
+                                      </p:cBhvr>
+                                      <p:tavLst>
+                                        <p:tav tm="0">
+                                          <p:val>
+                                            <p:fltVal val="0"/>
+                                          </p:val>
+                                        </p:tav>
+                                        <p:tav tm="100000">
+                                          <p:val>
+                                            <p:strVal val="#ppt_h"/>
+                                          </p:val>
+                                        </p:tav>
+                                      </p:tavLst>
+                                    </p:anim>
+                                    <p:animEffect transition="in" filter="fade">
+                                      <p:cBhvr>
+                                        <p:cTn id="30" dur="500"/>
+                                        <p:tgtEl>
+                                          <p:spTgt spid="17"/>
+                                        </p:tgtEl>
+                                      </p:cBhvr>
+                                    </p:animEffect>
+                                  </p:childTnLst>
+                                </p:cTn>
+                              </p:par>
+                            </p:childTnLst>
+                          </p:cTn>
+                        </p:par>
+                      </p:childTnLst>
+                    </p:cTn>
+                  </p:par>
+                  <p:par>
+                    <p:cTn id="31" fill="hold">
+                      <p:stCondLst>
+                        <p:cond delay="indefinite"/>
+                      </p:stCondLst>
+                      <p:childTnLst>
+                        <p:par>
+                          <p:cTn id="32" fill="hold">
+                            <p:stCondLst>
+                              <p:cond delay="0"/>
+                            </p:stCondLst>
+                            <p:childTnLst>
+                              <p:par>
+                                <p:cTn id="33" presetID="53" presetClass="entr" presetSubtype="16" fill="hold" grpId="0" nodeType="clickEffect">
+                                  <p:stCondLst>
+                                    <p:cond delay="0"/>
+                                  </p:stCondLst>
+                                  <p:childTnLst>
+                                    <p:set>
+                                      <p:cBhvr>
+                                        <p:cTn id="34" dur="1" fill="hold">
+                                          <p:stCondLst>
+                                            <p:cond delay="0"/>
+                                          </p:stCondLst>
+                                        </p:cTn>
+                                        <p:tgtEl>
+                                          <p:spTgt spid="18"/>
+                                        </p:tgtEl>
+                                        <p:attrNameLst>
+                                          <p:attrName>style.visibility</p:attrName>
+                                        </p:attrNameLst>
+                                      </p:cBhvr>
+                                      <p:to>
+                                        <p:strVal val="visible"/>
+                                      </p:to>
+                                    </p:set>
+                                    <p:anim calcmode="lin" valueType="num">
+                                      <p:cBhvr>
+                                        <p:cTn id="35" dur="500" fill="hold"/>
+                                        <p:tgtEl>
+                                          <p:spTgt spid="18"/>
+                                        </p:tgtEl>
+                                        <p:attrNameLst>
+                                          <p:attrName>ppt_w</p:attrName>
+                                        </p:attrNameLst>
+                                      </p:cBhvr>
+                                      <p:tavLst>
+                                        <p:tav tm="0">
+                                          <p:val>
+                                            <p:fltVal val="0"/>
+                                          </p:val>
+                                        </p:tav>
+                                        <p:tav tm="100000">
+                                          <p:val>
+                                            <p:strVal val="#ppt_w"/>
+                                          </p:val>
+                                        </p:tav>
+                                      </p:tavLst>
+                                    </p:anim>
+                                    <p:anim calcmode="lin" valueType="num">
+                                      <p:cBhvr>
+                                        <p:cTn id="36" dur="500" fill="hold"/>
+                                        <p:tgtEl>
+                                          <p:spTgt spid="18"/>
+                                        </p:tgtEl>
+                                        <p:attrNameLst>
+                                          <p:attrName>ppt_h</p:attrName>
+                                        </p:attrNameLst>
+                                      </p:cBhvr>
+                                      <p:tavLst>
+                                        <p:tav tm="0">
+                                          <p:val>
+                                            <p:fltVal val="0"/>
+                                          </p:val>
+                                        </p:tav>
+                                        <p:tav tm="100000">
+                                          <p:val>
+                                            <p:strVal val="#ppt_h"/>
+                                          </p:val>
+                                        </p:tav>
+                                      </p:tavLst>
+                                    </p:anim>
+                                    <p:animEffect transition="in" filter="fade">
+                                      <p:cBhvr>
+                                        <p:cTn id="37" dur="500"/>
+                                        <p:tgtEl>
+                                          <p:spTgt spid="18"/>
+                                        </p:tgtEl>
+                                      </p:cBhvr>
+                                    </p:animEffect>
+                                  </p:childTnLst>
+                                </p:cTn>
+                              </p:par>
+                            </p:childTnLst>
+                          </p:cTn>
+                        </p:par>
+                      </p:childTnLst>
+                    </p:cTn>
+                  </p:par>
+                </p:childTnLst>
+              </p:cTn>
+              <p:prevCondLst>
+                <p:cond evt="onPrev" delay="0">
+                  <p:tgtEl>
+                    <p:sldTgt/>
+                  </p:tgtEl>
+                </p:cond>
+              </p:prevCondLst>
+              <p:nextCondLst>
+                <p:cond evt="onNext" delay="0">
+                  <p:tgtEl>
+                    <p:sldTgt/>
+                  </p:tgtEl>
+                </p:cond>
+              </p:nextCondLst>
+            </p:seq>
+          </p:childTnLst>
+        </p:cTn>
+      </p:par>
+    </p:tnLst>
+    <p:bldLst>
+      <p:bldP spid="8" grpId="0" animBg="1"/>
+      <p:bldP spid="9" grpId="0" animBg="1"/>
+      <p:bldP spid="16" grpId="0" animBg="1"/>
+      <p:bldP spid="17" grpId="0" animBg="1"/>
+      <p:bldP spid="18" grpId="0" animBg="1"/>
+    </p:bldLst>
+  </p:timing>
+</p:sld>
+</file>
+
+<file path=ppt/slides/slide32.xml><?xml version="1.0" encoding="utf-8"?>
 <p:sld xmlns:a="http://schemas.openxmlformats.org/drawingml/2006/main" xmlns:r="http://schemas.openxmlformats.org/officeDocument/2006/relationships" xmlns:p="http://schemas.openxmlformats.org/presentationml/2006/main">
   <p:cSld>
     <p:spTree>
@@ -14864,7 +19439,7 @@
           <a:p>
             <a:fld id="{C12CAAA6-23F3-4378-9E62-48C953A7FF84}" type="slidenum">
               <a:rPr lang="ko-KR" altLang="en-US" smtClean="0"/>
-              <a:t>28</a:t>
+              <a:t>32</a:t>
             </a:fld>
             <a:endParaRPr lang="ko-KR" altLang="en-US"/>
           </a:p>
@@ -14879,7 +19454,7 @@
         <p:spPr>
           <a:xfrm>
             <a:off x="134912" y="143505"/>
-            <a:ext cx="1675459" cy="369332"/>
+            <a:ext cx="1906291" cy="369332"/>
           </a:xfrm>
           <a:prstGeom prst="rect">
             <a:avLst/>
@@ -14900,7 +19475,7 @@
                   </a:schemeClr>
                 </a:solidFill>
               </a:rPr>
-              <a:t>별도 작성 함수</a:t>
+              <a:t>사용자 정의 함수</a:t>
             </a:r>
             <a:endParaRPr lang="ko-KR" altLang="en-US" dirty="0">
               <a:solidFill>
@@ -15252,7 +19827,7 @@
 </p:sld>
 </file>
 
-<file path=ppt/slides/slide29.xml><?xml version="1.0" encoding="utf-8"?>
+<file path=ppt/slides/slide33.xml><?xml version="1.0" encoding="utf-8"?>
 <p:sld xmlns:a="http://schemas.openxmlformats.org/drawingml/2006/main" xmlns:r="http://schemas.openxmlformats.org/officeDocument/2006/relationships" xmlns:p="http://schemas.openxmlformats.org/presentationml/2006/main">
   <p:cSld>
     <p:spTree>
@@ -15286,7 +19861,7 @@
           <a:p>
             <a:fld id="{C12CAAA6-23F3-4378-9E62-48C953A7FF84}" type="slidenum">
               <a:rPr lang="ko-KR" altLang="en-US" smtClean="0"/>
-              <a:t>29</a:t>
+              <a:t>33</a:t>
             </a:fld>
             <a:endParaRPr lang="ko-KR" altLang="en-US"/>
           </a:p>
@@ -15463,6 +20038,14 @@
           <a:prstGeom prst="rect">
             <a:avLst/>
           </a:prstGeom>
+          <a:ln>
+            <a:solidFill>
+              <a:schemeClr val="tx1">
+                <a:lumMod val="50000"/>
+                <a:lumOff val="50000"/>
+              </a:schemeClr>
+            </a:solidFill>
+          </a:ln>
         </p:spPr>
       </p:pic>
       <p:pic>
@@ -15487,6 +20070,14 @@
           <a:prstGeom prst="rect">
             <a:avLst/>
           </a:prstGeom>
+          <a:ln>
+            <a:solidFill>
+              <a:schemeClr val="tx1">
+                <a:lumMod val="50000"/>
+                <a:lumOff val="50000"/>
+              </a:schemeClr>
+            </a:solidFill>
+          </a:ln>
         </p:spPr>
       </p:pic>
       <p:sp>
@@ -16294,527 +20885,7 @@
 </p:sld>
 </file>
 
-<file path=ppt/slides/slide3.xml><?xml version="1.0" encoding="utf-8"?>
-<p:sld xmlns:a="http://schemas.openxmlformats.org/drawingml/2006/main" xmlns:r="http://schemas.openxmlformats.org/officeDocument/2006/relationships" xmlns:p="http://schemas.openxmlformats.org/presentationml/2006/main">
-  <p:cSld>
-    <p:spTree>
-      <p:nvGrpSpPr>
-        <p:cNvPr id="1" name=""/>
-        <p:cNvGrpSpPr/>
-        <p:nvPr/>
-      </p:nvGrpSpPr>
-      <p:grpSpPr>
-        <a:xfrm>
-          <a:off x="0" y="0"/>
-          <a:ext cx="0" cy="0"/>
-          <a:chOff x="0" y="0"/>
-          <a:chExt cx="0" cy="0"/>
-        </a:xfrm>
-      </p:grpSpPr>
-      <p:sp>
-        <p:nvSpPr>
-          <p:cNvPr id="2" name="제목 1"/>
-          <p:cNvSpPr>
-            <a:spLocks noGrp="1"/>
-          </p:cNvSpPr>
-          <p:nvPr>
-            <p:ph type="title"/>
-          </p:nvPr>
-        </p:nvSpPr>
-        <p:spPr>
-          <a:xfrm>
-            <a:off x="628650" y="365126"/>
-            <a:ext cx="7886700" cy="673099"/>
-          </a:xfrm>
-        </p:spPr>
-        <p:txBody>
-          <a:bodyPr>
-            <a:normAutofit fontScale="90000"/>
-          </a:bodyPr>
-          <a:lstStyle/>
-          <a:p>
-            <a:r>
-              <a:rPr lang="ko-KR" altLang="en-US" dirty="0" err="1" smtClean="0"/>
-              <a:t>아두이노가</a:t>
-            </a:r>
-            <a:r>
-              <a:rPr lang="ko-KR" altLang="en-US" dirty="0" smtClean="0"/>
-              <a:t> 외부와 통신하는 방법</a:t>
-            </a:r>
-            <a:endParaRPr lang="ko-KR" altLang="en-US" dirty="0"/>
-          </a:p>
-        </p:txBody>
-      </p:sp>
-      <p:sp>
-        <p:nvSpPr>
-          <p:cNvPr id="4" name="내용 개체 틀 2"/>
-          <p:cNvSpPr txBox="1">
-            <a:spLocks/>
-          </p:cNvSpPr>
-          <p:nvPr/>
-        </p:nvSpPr>
-        <p:spPr>
-          <a:xfrm>
-            <a:off x="628649" y="1143001"/>
-            <a:ext cx="8239125" cy="1333500"/>
-          </a:xfrm>
-          <a:prstGeom prst="rect">
-            <a:avLst/>
-          </a:prstGeom>
-        </p:spPr>
-        <p:txBody>
-          <a:bodyPr/>
-          <a:lstStyle>
-            <a:lvl1pPr marL="228600" indent="-228600" algn="l" defTabSz="914400" rtl="0" eaLnBrk="1" latinLnBrk="1" hangingPunct="1">
-              <a:lnSpc>
-                <a:spcPct val="90000"/>
-              </a:lnSpc>
-              <a:spcBef>
-                <a:spcPts val="1000"/>
-              </a:spcBef>
-              <a:buFont typeface="Arial" panose="020B0604020202020204" pitchFamily="34" charset="0"/>
-              <a:buChar char="•"/>
-              <a:defRPr sz="2800" kern="1200">
-                <a:solidFill>
-                  <a:schemeClr val="tx1"/>
-                </a:solidFill>
-                <a:latin typeface="+mn-lt"/>
-                <a:ea typeface="+mn-ea"/>
-                <a:cs typeface="+mn-cs"/>
-              </a:defRPr>
-            </a:lvl1pPr>
-            <a:lvl2pPr marL="685800" indent="-228600" algn="l" defTabSz="914400" rtl="0" eaLnBrk="1" latinLnBrk="1" hangingPunct="1">
-              <a:lnSpc>
-                <a:spcPct val="90000"/>
-              </a:lnSpc>
-              <a:spcBef>
-                <a:spcPts val="500"/>
-              </a:spcBef>
-              <a:buFont typeface="Arial" panose="020B0604020202020204" pitchFamily="34" charset="0"/>
-              <a:buChar char="•"/>
-              <a:defRPr sz="2400" kern="1200">
-                <a:solidFill>
-                  <a:schemeClr val="tx1"/>
-                </a:solidFill>
-                <a:latin typeface="+mn-lt"/>
-                <a:ea typeface="+mn-ea"/>
-                <a:cs typeface="+mn-cs"/>
-              </a:defRPr>
-            </a:lvl2pPr>
-            <a:lvl3pPr marL="1143000" indent="-228600" algn="l" defTabSz="914400" rtl="0" eaLnBrk="1" latinLnBrk="1" hangingPunct="1">
-              <a:lnSpc>
-                <a:spcPct val="90000"/>
-              </a:lnSpc>
-              <a:spcBef>
-                <a:spcPts val="500"/>
-              </a:spcBef>
-              <a:buFont typeface="Arial" panose="020B0604020202020204" pitchFamily="34" charset="0"/>
-              <a:buChar char="•"/>
-              <a:defRPr sz="2000" kern="1200">
-                <a:solidFill>
-                  <a:schemeClr val="tx1"/>
-                </a:solidFill>
-                <a:latin typeface="+mn-lt"/>
-                <a:ea typeface="+mn-ea"/>
-                <a:cs typeface="+mn-cs"/>
-              </a:defRPr>
-            </a:lvl3pPr>
-            <a:lvl4pPr marL="1600200" indent="-228600" algn="l" defTabSz="914400" rtl="0" eaLnBrk="1" latinLnBrk="1" hangingPunct="1">
-              <a:lnSpc>
-                <a:spcPct val="90000"/>
-              </a:lnSpc>
-              <a:spcBef>
-                <a:spcPts val="500"/>
-              </a:spcBef>
-              <a:buFont typeface="Arial" panose="020B0604020202020204" pitchFamily="34" charset="0"/>
-              <a:buChar char="•"/>
-              <a:defRPr sz="1800" kern="1200">
-                <a:solidFill>
-                  <a:schemeClr val="tx1"/>
-                </a:solidFill>
-                <a:latin typeface="+mn-lt"/>
-                <a:ea typeface="+mn-ea"/>
-                <a:cs typeface="+mn-cs"/>
-              </a:defRPr>
-            </a:lvl4pPr>
-            <a:lvl5pPr marL="2057400" indent="-228600" algn="l" defTabSz="914400" rtl="0" eaLnBrk="1" latinLnBrk="1" hangingPunct="1">
-              <a:lnSpc>
-                <a:spcPct val="90000"/>
-              </a:lnSpc>
-              <a:spcBef>
-                <a:spcPts val="500"/>
-              </a:spcBef>
-              <a:buFont typeface="Arial" panose="020B0604020202020204" pitchFamily="34" charset="0"/>
-              <a:buChar char="•"/>
-              <a:defRPr sz="1800" kern="1200">
-                <a:solidFill>
-                  <a:schemeClr val="tx1"/>
-                </a:solidFill>
-                <a:latin typeface="+mn-lt"/>
-                <a:ea typeface="+mn-ea"/>
-                <a:cs typeface="+mn-cs"/>
-              </a:defRPr>
-            </a:lvl5pPr>
-            <a:lvl6pPr marL="2514600" indent="-228600" algn="l" defTabSz="914400" rtl="0" eaLnBrk="1" latinLnBrk="1" hangingPunct="1">
-              <a:lnSpc>
-                <a:spcPct val="90000"/>
-              </a:lnSpc>
-              <a:spcBef>
-                <a:spcPts val="500"/>
-              </a:spcBef>
-              <a:buFont typeface="Arial" panose="020B0604020202020204" pitchFamily="34" charset="0"/>
-              <a:buChar char="•"/>
-              <a:defRPr sz="1800" kern="1200">
-                <a:solidFill>
-                  <a:schemeClr val="tx1"/>
-                </a:solidFill>
-                <a:latin typeface="+mn-lt"/>
-                <a:ea typeface="+mn-ea"/>
-                <a:cs typeface="+mn-cs"/>
-              </a:defRPr>
-            </a:lvl6pPr>
-            <a:lvl7pPr marL="2971800" indent="-228600" algn="l" defTabSz="914400" rtl="0" eaLnBrk="1" latinLnBrk="1" hangingPunct="1">
-              <a:lnSpc>
-                <a:spcPct val="90000"/>
-              </a:lnSpc>
-              <a:spcBef>
-                <a:spcPts val="500"/>
-              </a:spcBef>
-              <a:buFont typeface="Arial" panose="020B0604020202020204" pitchFamily="34" charset="0"/>
-              <a:buChar char="•"/>
-              <a:defRPr sz="1800" kern="1200">
-                <a:solidFill>
-                  <a:schemeClr val="tx1"/>
-                </a:solidFill>
-                <a:latin typeface="+mn-lt"/>
-                <a:ea typeface="+mn-ea"/>
-                <a:cs typeface="+mn-cs"/>
-              </a:defRPr>
-            </a:lvl7pPr>
-            <a:lvl8pPr marL="3429000" indent="-228600" algn="l" defTabSz="914400" rtl="0" eaLnBrk="1" latinLnBrk="1" hangingPunct="1">
-              <a:lnSpc>
-                <a:spcPct val="90000"/>
-              </a:lnSpc>
-              <a:spcBef>
-                <a:spcPts val="500"/>
-              </a:spcBef>
-              <a:buFont typeface="Arial" panose="020B0604020202020204" pitchFamily="34" charset="0"/>
-              <a:buChar char="•"/>
-              <a:defRPr sz="1800" kern="1200">
-                <a:solidFill>
-                  <a:schemeClr val="tx1"/>
-                </a:solidFill>
-                <a:latin typeface="+mn-lt"/>
-                <a:ea typeface="+mn-ea"/>
-                <a:cs typeface="+mn-cs"/>
-              </a:defRPr>
-            </a:lvl8pPr>
-            <a:lvl9pPr marL="3886200" indent="-228600" algn="l" defTabSz="914400" rtl="0" eaLnBrk="1" latinLnBrk="1" hangingPunct="1">
-              <a:lnSpc>
-                <a:spcPct val="90000"/>
-              </a:lnSpc>
-              <a:spcBef>
-                <a:spcPts val="500"/>
-              </a:spcBef>
-              <a:buFont typeface="Arial" panose="020B0604020202020204" pitchFamily="34" charset="0"/>
-              <a:buChar char="•"/>
-              <a:defRPr sz="1800" kern="1200">
-                <a:solidFill>
-                  <a:schemeClr val="tx1"/>
-                </a:solidFill>
-                <a:latin typeface="+mn-lt"/>
-                <a:ea typeface="+mn-ea"/>
-                <a:cs typeface="+mn-cs"/>
-              </a:defRPr>
-            </a:lvl9pPr>
-          </a:lstStyle>
-          <a:p>
-            <a:endParaRPr lang="ko-KR" altLang="en-US" dirty="0"/>
-          </a:p>
-        </p:txBody>
-      </p:sp>
-      <p:sp>
-        <p:nvSpPr>
-          <p:cNvPr id="8" name="내용 개체 틀 2"/>
-          <p:cNvSpPr txBox="1">
-            <a:spLocks/>
-          </p:cNvSpPr>
-          <p:nvPr/>
-        </p:nvSpPr>
-        <p:spPr>
-          <a:xfrm>
-            <a:off x="628649" y="1374016"/>
-            <a:ext cx="7886700" cy="2699220"/>
-          </a:xfrm>
-          <a:prstGeom prst="rect">
-            <a:avLst/>
-          </a:prstGeom>
-        </p:spPr>
-        <p:txBody>
-          <a:bodyPr/>
-          <a:lstStyle>
-            <a:lvl1pPr marL="228600" indent="-228600" algn="l" defTabSz="914400" rtl="0" eaLnBrk="1" latinLnBrk="1" hangingPunct="1">
-              <a:lnSpc>
-                <a:spcPct val="90000"/>
-              </a:lnSpc>
-              <a:spcBef>
-                <a:spcPts val="1000"/>
-              </a:spcBef>
-              <a:buFont typeface="Arial" panose="020B0604020202020204" pitchFamily="34" charset="0"/>
-              <a:buChar char="•"/>
-              <a:defRPr sz="2800" kern="1200">
-                <a:solidFill>
-                  <a:schemeClr val="tx1"/>
-                </a:solidFill>
-                <a:latin typeface="+mn-lt"/>
-                <a:ea typeface="+mn-ea"/>
-                <a:cs typeface="+mn-cs"/>
-              </a:defRPr>
-            </a:lvl1pPr>
-            <a:lvl2pPr marL="685800" indent="-228600" algn="l" defTabSz="914400" rtl="0" eaLnBrk="1" latinLnBrk="1" hangingPunct="1">
-              <a:lnSpc>
-                <a:spcPct val="90000"/>
-              </a:lnSpc>
-              <a:spcBef>
-                <a:spcPts val="500"/>
-              </a:spcBef>
-              <a:buFont typeface="Arial" panose="020B0604020202020204" pitchFamily="34" charset="0"/>
-              <a:buChar char="•"/>
-              <a:defRPr sz="2400" kern="1200">
-                <a:solidFill>
-                  <a:schemeClr val="tx1"/>
-                </a:solidFill>
-                <a:latin typeface="+mn-lt"/>
-                <a:ea typeface="+mn-ea"/>
-                <a:cs typeface="+mn-cs"/>
-              </a:defRPr>
-            </a:lvl2pPr>
-            <a:lvl3pPr marL="1143000" indent="-228600" algn="l" defTabSz="914400" rtl="0" eaLnBrk="1" latinLnBrk="1" hangingPunct="1">
-              <a:lnSpc>
-                <a:spcPct val="90000"/>
-              </a:lnSpc>
-              <a:spcBef>
-                <a:spcPts val="500"/>
-              </a:spcBef>
-              <a:buFont typeface="Arial" panose="020B0604020202020204" pitchFamily="34" charset="0"/>
-              <a:buChar char="•"/>
-              <a:defRPr sz="2000" kern="1200">
-                <a:solidFill>
-                  <a:schemeClr val="tx1"/>
-                </a:solidFill>
-                <a:latin typeface="+mn-lt"/>
-                <a:ea typeface="+mn-ea"/>
-                <a:cs typeface="+mn-cs"/>
-              </a:defRPr>
-            </a:lvl3pPr>
-            <a:lvl4pPr marL="1600200" indent="-228600" algn="l" defTabSz="914400" rtl="0" eaLnBrk="1" latinLnBrk="1" hangingPunct="1">
-              <a:lnSpc>
-                <a:spcPct val="90000"/>
-              </a:lnSpc>
-              <a:spcBef>
-                <a:spcPts val="500"/>
-              </a:spcBef>
-              <a:buFont typeface="Arial" panose="020B0604020202020204" pitchFamily="34" charset="0"/>
-              <a:buChar char="•"/>
-              <a:defRPr sz="1800" kern="1200">
-                <a:solidFill>
-                  <a:schemeClr val="tx1"/>
-                </a:solidFill>
-                <a:latin typeface="+mn-lt"/>
-                <a:ea typeface="+mn-ea"/>
-                <a:cs typeface="+mn-cs"/>
-              </a:defRPr>
-            </a:lvl4pPr>
-            <a:lvl5pPr marL="2057400" indent="-228600" algn="l" defTabSz="914400" rtl="0" eaLnBrk="1" latinLnBrk="1" hangingPunct="1">
-              <a:lnSpc>
-                <a:spcPct val="90000"/>
-              </a:lnSpc>
-              <a:spcBef>
-                <a:spcPts val="500"/>
-              </a:spcBef>
-              <a:buFont typeface="Arial" panose="020B0604020202020204" pitchFamily="34" charset="0"/>
-              <a:buChar char="•"/>
-              <a:defRPr sz="1800" kern="1200">
-                <a:solidFill>
-                  <a:schemeClr val="tx1"/>
-                </a:solidFill>
-                <a:latin typeface="+mn-lt"/>
-                <a:ea typeface="+mn-ea"/>
-                <a:cs typeface="+mn-cs"/>
-              </a:defRPr>
-            </a:lvl5pPr>
-            <a:lvl6pPr marL="2514600" indent="-228600" algn="l" defTabSz="914400" rtl="0" eaLnBrk="1" latinLnBrk="1" hangingPunct="1">
-              <a:lnSpc>
-                <a:spcPct val="90000"/>
-              </a:lnSpc>
-              <a:spcBef>
-                <a:spcPts val="500"/>
-              </a:spcBef>
-              <a:buFont typeface="Arial" panose="020B0604020202020204" pitchFamily="34" charset="0"/>
-              <a:buChar char="•"/>
-              <a:defRPr sz="1800" kern="1200">
-                <a:solidFill>
-                  <a:schemeClr val="tx1"/>
-                </a:solidFill>
-                <a:latin typeface="+mn-lt"/>
-                <a:ea typeface="+mn-ea"/>
-                <a:cs typeface="+mn-cs"/>
-              </a:defRPr>
-            </a:lvl6pPr>
-            <a:lvl7pPr marL="2971800" indent="-228600" algn="l" defTabSz="914400" rtl="0" eaLnBrk="1" latinLnBrk="1" hangingPunct="1">
-              <a:lnSpc>
-                <a:spcPct val="90000"/>
-              </a:lnSpc>
-              <a:spcBef>
-                <a:spcPts val="500"/>
-              </a:spcBef>
-              <a:buFont typeface="Arial" panose="020B0604020202020204" pitchFamily="34" charset="0"/>
-              <a:buChar char="•"/>
-              <a:defRPr sz="1800" kern="1200">
-                <a:solidFill>
-                  <a:schemeClr val="tx1"/>
-                </a:solidFill>
-                <a:latin typeface="+mn-lt"/>
-                <a:ea typeface="+mn-ea"/>
-                <a:cs typeface="+mn-cs"/>
-              </a:defRPr>
-            </a:lvl7pPr>
-            <a:lvl8pPr marL="3429000" indent="-228600" algn="l" defTabSz="914400" rtl="0" eaLnBrk="1" latinLnBrk="1" hangingPunct="1">
-              <a:lnSpc>
-                <a:spcPct val="90000"/>
-              </a:lnSpc>
-              <a:spcBef>
-                <a:spcPts val="500"/>
-              </a:spcBef>
-              <a:buFont typeface="Arial" panose="020B0604020202020204" pitchFamily="34" charset="0"/>
-              <a:buChar char="•"/>
-              <a:defRPr sz="1800" kern="1200">
-                <a:solidFill>
-                  <a:schemeClr val="tx1"/>
-                </a:solidFill>
-                <a:latin typeface="+mn-lt"/>
-                <a:ea typeface="+mn-ea"/>
-                <a:cs typeface="+mn-cs"/>
-              </a:defRPr>
-            </a:lvl8pPr>
-            <a:lvl9pPr marL="3886200" indent="-228600" algn="l" defTabSz="914400" rtl="0" eaLnBrk="1" latinLnBrk="1" hangingPunct="1">
-              <a:lnSpc>
-                <a:spcPct val="90000"/>
-              </a:lnSpc>
-              <a:spcBef>
-                <a:spcPts val="500"/>
-              </a:spcBef>
-              <a:buFont typeface="Arial" panose="020B0604020202020204" pitchFamily="34" charset="0"/>
-              <a:buChar char="•"/>
-              <a:defRPr sz="1800" kern="1200">
-                <a:solidFill>
-                  <a:schemeClr val="tx1"/>
-                </a:solidFill>
-                <a:latin typeface="+mn-lt"/>
-                <a:ea typeface="+mn-ea"/>
-                <a:cs typeface="+mn-cs"/>
-              </a:defRPr>
-            </a:lvl9pPr>
-          </a:lstStyle>
-          <a:p>
-            <a:r>
-              <a:rPr lang="en-US" altLang="ko-KR" sz="3600" b="1" dirty="0" smtClean="0">
-                <a:latin typeface="+mj-ea"/>
-                <a:ea typeface="+mj-ea"/>
-              </a:rPr>
-              <a:t>Hardware Serial</a:t>
-            </a:r>
-          </a:p>
-          <a:p>
-            <a:r>
-              <a:rPr lang="en-US" altLang="ko-KR" sz="3600" dirty="0" smtClean="0">
-                <a:latin typeface="+mj-ea"/>
-                <a:ea typeface="+mj-ea"/>
-              </a:rPr>
-              <a:t>Software Serial</a:t>
-            </a:r>
-          </a:p>
-          <a:p>
-            <a:r>
-              <a:rPr lang="en-US" altLang="ko-KR" sz="3600" dirty="0" smtClean="0">
-                <a:latin typeface="+mj-ea"/>
-                <a:ea typeface="+mj-ea"/>
-              </a:rPr>
-              <a:t>I2C (Inter-Integrated Circuit: Inter IC)</a:t>
-            </a:r>
-          </a:p>
-          <a:p>
-            <a:r>
-              <a:rPr lang="en-US" altLang="ko-KR" sz="3600" dirty="0">
-                <a:latin typeface="+mj-ea"/>
-                <a:ea typeface="+mj-ea"/>
-              </a:rPr>
-              <a:t>SPI (Serial Peripheral </a:t>
-            </a:r>
-            <a:r>
-              <a:rPr lang="en-US" altLang="ko-KR" sz="3600" dirty="0" smtClean="0">
-                <a:latin typeface="+mj-ea"/>
-                <a:ea typeface="+mj-ea"/>
-              </a:rPr>
-              <a:t>Interface)</a:t>
-            </a:r>
-            <a:endParaRPr lang="en-US" altLang="ko-KR" sz="3600" dirty="0">
-              <a:latin typeface="+mj-ea"/>
-              <a:ea typeface="+mj-ea"/>
-            </a:endParaRPr>
-          </a:p>
-          <a:p>
-            <a:endParaRPr lang="en-US" altLang="ko-KR" sz="3600" dirty="0" smtClean="0">
-              <a:latin typeface="+mj-ea"/>
-              <a:ea typeface="+mj-ea"/>
-            </a:endParaRPr>
-          </a:p>
-        </p:txBody>
-      </p:sp>
-      <p:sp>
-        <p:nvSpPr>
-          <p:cNvPr id="5" name="슬라이드 번호 개체 틀 4"/>
-          <p:cNvSpPr>
-            <a:spLocks noGrp="1"/>
-          </p:cNvSpPr>
-          <p:nvPr>
-            <p:ph type="sldNum" sz="quarter" idx="12"/>
-          </p:nvPr>
-        </p:nvSpPr>
-        <p:spPr/>
-        <p:txBody>
-          <a:bodyPr/>
-          <a:lstStyle/>
-          <a:p>
-            <a:fld id="{C12CAAA6-23F3-4378-9E62-48C953A7FF84}" type="slidenum">
-              <a:rPr lang="ko-KR" altLang="en-US" smtClean="0"/>
-              <a:t>3</a:t>
-            </a:fld>
-            <a:endParaRPr lang="ko-KR" altLang="en-US"/>
-          </a:p>
-        </p:txBody>
-      </p:sp>
-    </p:spTree>
-    <p:extLst>
-      <p:ext uri="{BB962C8B-B14F-4D97-AF65-F5344CB8AC3E}">
-        <p14:creationId xmlns:p14="http://schemas.microsoft.com/office/powerpoint/2010/main" val="1889536028"/>
-      </p:ext>
-    </p:extLst>
-  </p:cSld>
-  <p:clrMapOvr>
-    <a:masterClrMapping/>
-  </p:clrMapOvr>
-  <p:timing>
-    <p:tnLst>
-      <p:par>
-        <p:cTn id="1" dur="indefinite" restart="never" nodeType="tmRoot"/>
-      </p:par>
-    </p:tnLst>
-  </p:timing>
-</p:sld>
-</file>
-
-<file path=ppt/slides/slide30.xml><?xml version="1.0" encoding="utf-8"?>
+<file path=ppt/slides/slide34.xml><?xml version="1.0" encoding="utf-8"?>
 <p:sld xmlns:a="http://schemas.openxmlformats.org/drawingml/2006/main" xmlns:r="http://schemas.openxmlformats.org/officeDocument/2006/relationships" xmlns:p="http://schemas.openxmlformats.org/presentationml/2006/main">
   <p:cSld>
     <p:spTree>
@@ -16848,7 +20919,7 @@
           <a:p>
             <a:fld id="{C12CAAA6-23F3-4378-9E62-48C953A7FF84}" type="slidenum">
               <a:rPr lang="ko-KR" altLang="en-US" smtClean="0"/>
-              <a:t>30</a:t>
+              <a:t>34</a:t>
             </a:fld>
             <a:endParaRPr lang="ko-KR" altLang="en-US"/>
           </a:p>
@@ -18382,7 +22453,7 @@
 </p:sld>
 </file>
 
-<file path=ppt/slides/slide4.xml><?xml version="1.0" encoding="utf-8"?>
+<file path=ppt/slides/slide35.xml><?xml version="1.0" encoding="utf-8"?>
 <p:sld xmlns:a="http://schemas.openxmlformats.org/drawingml/2006/main" xmlns:r="http://schemas.openxmlformats.org/officeDocument/2006/relationships" xmlns:p="http://schemas.openxmlformats.org/presentationml/2006/main">
   <p:cSld>
     <p:spTree>
@@ -18416,7 +22487,7 @@
           <a:p>
             <a:fld id="{C12CAAA6-23F3-4378-9E62-48C953A7FF84}" type="slidenum">
               <a:rPr lang="ko-KR" altLang="en-US" smtClean="0"/>
-              <a:t>4</a:t>
+              <a:t>35</a:t>
             </a:fld>
             <a:endParaRPr lang="ko-KR" altLang="en-US"/>
           </a:p>
@@ -18424,48 +22495,224 @@
       </p:sp>
       <p:pic>
         <p:nvPicPr>
-          <p:cNvPr id="2050" name="Picture 2" descr="https://t1.daumcdn.net/cfile/tistory/99DA95375A45F0B50E"/>
+          <p:cNvPr id="4" name="04_control3LEDs">
+            <a:hlinkClick r:id="" action="ppaction://media"/>
+          </p:cNvPr>
           <p:cNvPicPr>
-            <a:picLocks noChangeAspect="1" noChangeArrowheads="1"/>
+            <a:picLocks noChangeAspect="1"/>
+          </p:cNvPicPr>
+          <p:nvPr>
+            <a:videoFile r:link="rId2"/>
+            <p:extLst>
+              <p:ext uri="{DAA4B4D4-6D71-4841-9C94-3DE7FCFB9230}">
+                <p14:media xmlns:p14="http://schemas.microsoft.com/office/powerpoint/2010/main" r:embed="rId1"/>
+              </p:ext>
+            </p:extLst>
+          </p:nvPr>
+        </p:nvPicPr>
+        <p:blipFill>
+          <a:blip r:embed="rId4"/>
+          <a:stretch>
+            <a:fillRect/>
+          </a:stretch>
+        </p:blipFill>
+        <p:spPr>
+          <a:xfrm rot="16200000">
+            <a:off x="2594161" y="770964"/>
+            <a:ext cx="3848100" cy="6858000"/>
+          </a:xfrm>
+          <a:prstGeom prst="rect">
+            <a:avLst/>
+          </a:prstGeom>
+          <a:ln w="28575">
+            <a:solidFill>
+              <a:schemeClr val="tx1">
+                <a:lumMod val="50000"/>
+                <a:lumOff val="50000"/>
+              </a:schemeClr>
+            </a:solidFill>
+          </a:ln>
+        </p:spPr>
+      </p:pic>
+      <p:pic>
+        <p:nvPicPr>
+          <p:cNvPr id="5" name="그림 4"/>
+          <p:cNvPicPr>
+            <a:picLocks noChangeAspect="1"/>
           </p:cNvPicPr>
           <p:nvPr/>
         </p:nvPicPr>
         <p:blipFill>
-          <a:blip r:embed="rId2">
-            <a:extLst>
-              <a:ext uri="{28A0092B-C50C-407E-A947-70E740481C1C}">
-                <a14:useLocalDpi xmlns:a14="http://schemas.microsoft.com/office/drawing/2010/main" val="0"/>
-              </a:ext>
-            </a:extLst>
-          </a:blip>
-          <a:srcRect/>
+          <a:blip r:embed="rId5"/>
           <a:stretch>
             <a:fillRect/>
           </a:stretch>
         </p:blipFill>
-        <p:spPr bwMode="auto">
+        <p:spPr>
           <a:xfrm>
-            <a:off x="440390" y="980622"/>
-            <a:ext cx="7876380" cy="2917643"/>
+            <a:off x="1089210" y="742013"/>
+            <a:ext cx="6858001" cy="963038"/>
           </a:xfrm>
           <a:prstGeom prst="rect">
             <a:avLst/>
           </a:prstGeom>
-          <a:noFill/>
-          <a:extLst>
-            <a:ext uri="{909E8E84-426E-40DD-AFC4-6F175D3DCCD1}">
-              <a14:hiddenFill xmlns:a14="http://schemas.microsoft.com/office/drawing/2010/main">
-                <a:solidFill>
-                  <a:srgbClr val="FFFFFF"/>
-                </a:solidFill>
-              </a14:hiddenFill>
-            </a:ext>
-          </a:extLst>
+          <a:ln w="19050">
+            <a:solidFill>
+              <a:schemeClr val="tx1">
+                <a:lumMod val="50000"/>
+                <a:lumOff val="50000"/>
+              </a:schemeClr>
+            </a:solidFill>
+          </a:ln>
         </p:spPr>
       </p:pic>
+    </p:spTree>
+    <p:extLst>
+      <p:ext uri="{BB962C8B-B14F-4D97-AF65-F5344CB8AC3E}">
+        <p14:creationId xmlns:p14="http://schemas.microsoft.com/office/powerpoint/2010/main" val="4236997815"/>
+      </p:ext>
+    </p:extLst>
+  </p:cSld>
+  <p:clrMapOvr>
+    <a:masterClrMapping/>
+  </p:clrMapOvr>
+  <p:timing>
+    <p:tnLst>
+      <p:par>
+        <p:cTn id="1" dur="indefinite" restart="never" nodeType="tmRoot">
+          <p:childTnLst>
+            <p:seq concurrent="1" nextAc="seek">
+              <p:cTn id="2" restart="whenNotActive" fill="hold" evtFilter="cancelBubble" nodeType="interactiveSeq">
+                <p:stCondLst>
+                  <p:cond evt="onClick" delay="0">
+                    <p:tgtEl>
+                      <p:spTgt spid="4"/>
+                    </p:tgtEl>
+                  </p:cond>
+                </p:stCondLst>
+                <p:endSync evt="end" delay="0">
+                  <p:rtn val="all"/>
+                </p:endSync>
+                <p:childTnLst>
+                  <p:par>
+                    <p:cTn id="3" fill="hold">
+                      <p:stCondLst>
+                        <p:cond delay="0"/>
+                      </p:stCondLst>
+                      <p:childTnLst>
+                        <p:par>
+                          <p:cTn id="4" fill="hold">
+                            <p:stCondLst>
+                              <p:cond delay="0"/>
+                            </p:stCondLst>
+                            <p:childTnLst>
+                              <p:par>
+                                <p:cTn id="5" presetID="2" presetClass="mediacall" presetSubtype="0" fill="hold" nodeType="clickEffect">
+                                  <p:stCondLst>
+                                    <p:cond delay="0"/>
+                                  </p:stCondLst>
+                                  <p:childTnLst>
+                                    <p:cmd type="call" cmd="togglePause">
+                                      <p:cBhvr>
+                                        <p:cTn id="6" dur="1" fill="hold"/>
+                                        <p:tgtEl>
+                                          <p:spTgt spid="4"/>
+                                        </p:tgtEl>
+                                      </p:cBhvr>
+                                    </p:cmd>
+                                  </p:childTnLst>
+                                </p:cTn>
+                              </p:par>
+                            </p:childTnLst>
+                          </p:cTn>
+                        </p:par>
+                      </p:childTnLst>
+                    </p:cTn>
+                  </p:par>
+                </p:childTnLst>
+              </p:cTn>
+              <p:nextCondLst>
+                <p:cond evt="onClick" delay="0">
+                  <p:tgtEl>
+                    <p:spTgt spid="4"/>
+                  </p:tgtEl>
+                </p:cond>
+              </p:nextCondLst>
+            </p:seq>
+            <p:video>
+              <p:cMediaNode vol="80000">
+                <p:cTn id="7" fill="hold" display="0">
+                  <p:stCondLst>
+                    <p:cond delay="indefinite"/>
+                  </p:stCondLst>
+                </p:cTn>
+                <p:tgtEl>
+                  <p:spTgt spid="4"/>
+                </p:tgtEl>
+              </p:cMediaNode>
+            </p:video>
+          </p:childTnLst>
+        </p:cTn>
+      </p:par>
+    </p:tnLst>
+  </p:timing>
+</p:sld>
+</file>
+
+<file path=ppt/slides/slide4.xml><?xml version="1.0" encoding="utf-8"?>
+<p:sld xmlns:a="http://schemas.openxmlformats.org/drawingml/2006/main" xmlns:r="http://schemas.openxmlformats.org/officeDocument/2006/relationships" xmlns:p="http://schemas.openxmlformats.org/presentationml/2006/main">
+  <p:cSld>
+    <p:spTree>
+      <p:nvGrpSpPr>
+        <p:cNvPr id="1" name=""/>
+        <p:cNvGrpSpPr/>
+        <p:nvPr/>
+      </p:nvGrpSpPr>
+      <p:grpSpPr>
+        <a:xfrm>
+          <a:off x="0" y="0"/>
+          <a:ext cx="0" cy="0"/>
+          <a:chOff x="0" y="0"/>
+          <a:chExt cx="0" cy="0"/>
+        </a:xfrm>
+      </p:grpSpPr>
       <p:sp>
         <p:nvSpPr>
-          <p:cNvPr id="4" name="제목 1"/>
+          <p:cNvPr id="2" name="제목 1"/>
+          <p:cNvSpPr>
+            <a:spLocks noGrp="1"/>
+          </p:cNvSpPr>
+          <p:nvPr>
+            <p:ph type="title"/>
+          </p:nvPr>
+        </p:nvSpPr>
+        <p:spPr>
+          <a:xfrm>
+            <a:off x="628650" y="365126"/>
+            <a:ext cx="7886700" cy="673099"/>
+          </a:xfrm>
+        </p:spPr>
+        <p:txBody>
+          <a:bodyPr>
+            <a:normAutofit fontScale="90000"/>
+          </a:bodyPr>
+          <a:lstStyle/>
+          <a:p>
+            <a:r>
+              <a:rPr lang="ko-KR" altLang="en-US" dirty="0" err="1" smtClean="0"/>
+              <a:t>아두이노가</a:t>
+            </a:r>
+            <a:r>
+              <a:rPr lang="ko-KR" altLang="en-US" dirty="0" smtClean="0"/>
+              <a:t> 외부와 통신하는 방법</a:t>
+            </a:r>
+            <a:endParaRPr lang="ko-KR" altLang="en-US" dirty="0"/>
+          </a:p>
+        </p:txBody>
+      </p:sp>
+      <p:sp>
+        <p:nvSpPr>
+          <p:cNvPr id="4" name="내용 개체 틀 2"/>
           <p:cNvSpPr txBox="1">
             <a:spLocks/>
           </p:cNvSpPr>
@@ -18473,420 +22720,449 @@
         </p:nvSpPr>
         <p:spPr>
           <a:xfrm>
-            <a:off x="323849" y="307523"/>
-            <a:ext cx="7886700" cy="673099"/>
+            <a:off x="628649" y="1143001"/>
+            <a:ext cx="8239125" cy="1333500"/>
           </a:xfrm>
           <a:prstGeom prst="rect">
             <a:avLst/>
           </a:prstGeom>
         </p:spPr>
         <p:txBody>
-          <a:bodyPr>
-            <a:normAutofit fontScale="97500" lnSpcReduction="10000"/>
-          </a:bodyPr>
+          <a:bodyPr/>
           <a:lstStyle>
-            <a:lvl1pPr algn="l" defTabSz="914400" rtl="0" eaLnBrk="1" latinLnBrk="1" hangingPunct="1">
+            <a:lvl1pPr marL="228600" indent="-228600" algn="l" defTabSz="914400" rtl="0" eaLnBrk="1" latinLnBrk="1" hangingPunct="1">
               <a:lnSpc>
                 <a:spcPct val="90000"/>
               </a:lnSpc>
               <a:spcBef>
-                <a:spcPct val="0"/>
+                <a:spcPts val="1000"/>
               </a:spcBef>
-              <a:buNone/>
-              <a:defRPr sz="4400" kern="1200">
+              <a:buFont typeface="Arial" panose="020B0604020202020204" pitchFamily="34" charset="0"/>
+              <a:buChar char="•"/>
+              <a:defRPr sz="2800" kern="1200">
                 <a:solidFill>
                   <a:schemeClr val="tx1"/>
                 </a:solidFill>
-                <a:latin typeface="+mj-lt"/>
-                <a:ea typeface="+mj-ea"/>
-                <a:cs typeface="+mj-cs"/>
+                <a:latin typeface="+mn-lt"/>
+                <a:ea typeface="+mn-ea"/>
+                <a:cs typeface="+mn-cs"/>
               </a:defRPr>
             </a:lvl1pPr>
+            <a:lvl2pPr marL="685800" indent="-228600" algn="l" defTabSz="914400" rtl="0" eaLnBrk="1" latinLnBrk="1" hangingPunct="1">
+              <a:lnSpc>
+                <a:spcPct val="90000"/>
+              </a:lnSpc>
+              <a:spcBef>
+                <a:spcPts val="500"/>
+              </a:spcBef>
+              <a:buFont typeface="Arial" panose="020B0604020202020204" pitchFamily="34" charset="0"/>
+              <a:buChar char="•"/>
+              <a:defRPr sz="2400" kern="1200">
+                <a:solidFill>
+                  <a:schemeClr val="tx1"/>
+                </a:solidFill>
+                <a:latin typeface="+mn-lt"/>
+                <a:ea typeface="+mn-ea"/>
+                <a:cs typeface="+mn-cs"/>
+              </a:defRPr>
+            </a:lvl2pPr>
+            <a:lvl3pPr marL="1143000" indent="-228600" algn="l" defTabSz="914400" rtl="0" eaLnBrk="1" latinLnBrk="1" hangingPunct="1">
+              <a:lnSpc>
+                <a:spcPct val="90000"/>
+              </a:lnSpc>
+              <a:spcBef>
+                <a:spcPts val="500"/>
+              </a:spcBef>
+              <a:buFont typeface="Arial" panose="020B0604020202020204" pitchFamily="34" charset="0"/>
+              <a:buChar char="•"/>
+              <a:defRPr sz="2000" kern="1200">
+                <a:solidFill>
+                  <a:schemeClr val="tx1"/>
+                </a:solidFill>
+                <a:latin typeface="+mn-lt"/>
+                <a:ea typeface="+mn-ea"/>
+                <a:cs typeface="+mn-cs"/>
+              </a:defRPr>
+            </a:lvl3pPr>
+            <a:lvl4pPr marL="1600200" indent="-228600" algn="l" defTabSz="914400" rtl="0" eaLnBrk="1" latinLnBrk="1" hangingPunct="1">
+              <a:lnSpc>
+                <a:spcPct val="90000"/>
+              </a:lnSpc>
+              <a:spcBef>
+                <a:spcPts val="500"/>
+              </a:spcBef>
+              <a:buFont typeface="Arial" panose="020B0604020202020204" pitchFamily="34" charset="0"/>
+              <a:buChar char="•"/>
+              <a:defRPr sz="1800" kern="1200">
+                <a:solidFill>
+                  <a:schemeClr val="tx1"/>
+                </a:solidFill>
+                <a:latin typeface="+mn-lt"/>
+                <a:ea typeface="+mn-ea"/>
+                <a:cs typeface="+mn-cs"/>
+              </a:defRPr>
+            </a:lvl4pPr>
+            <a:lvl5pPr marL="2057400" indent="-228600" algn="l" defTabSz="914400" rtl="0" eaLnBrk="1" latinLnBrk="1" hangingPunct="1">
+              <a:lnSpc>
+                <a:spcPct val="90000"/>
+              </a:lnSpc>
+              <a:spcBef>
+                <a:spcPts val="500"/>
+              </a:spcBef>
+              <a:buFont typeface="Arial" panose="020B0604020202020204" pitchFamily="34" charset="0"/>
+              <a:buChar char="•"/>
+              <a:defRPr sz="1800" kern="1200">
+                <a:solidFill>
+                  <a:schemeClr val="tx1"/>
+                </a:solidFill>
+                <a:latin typeface="+mn-lt"/>
+                <a:ea typeface="+mn-ea"/>
+                <a:cs typeface="+mn-cs"/>
+              </a:defRPr>
+            </a:lvl5pPr>
+            <a:lvl6pPr marL="2514600" indent="-228600" algn="l" defTabSz="914400" rtl="0" eaLnBrk="1" latinLnBrk="1" hangingPunct="1">
+              <a:lnSpc>
+                <a:spcPct val="90000"/>
+              </a:lnSpc>
+              <a:spcBef>
+                <a:spcPts val="500"/>
+              </a:spcBef>
+              <a:buFont typeface="Arial" panose="020B0604020202020204" pitchFamily="34" charset="0"/>
+              <a:buChar char="•"/>
+              <a:defRPr sz="1800" kern="1200">
+                <a:solidFill>
+                  <a:schemeClr val="tx1"/>
+                </a:solidFill>
+                <a:latin typeface="+mn-lt"/>
+                <a:ea typeface="+mn-ea"/>
+                <a:cs typeface="+mn-cs"/>
+              </a:defRPr>
+            </a:lvl6pPr>
+            <a:lvl7pPr marL="2971800" indent="-228600" algn="l" defTabSz="914400" rtl="0" eaLnBrk="1" latinLnBrk="1" hangingPunct="1">
+              <a:lnSpc>
+                <a:spcPct val="90000"/>
+              </a:lnSpc>
+              <a:spcBef>
+                <a:spcPts val="500"/>
+              </a:spcBef>
+              <a:buFont typeface="Arial" panose="020B0604020202020204" pitchFamily="34" charset="0"/>
+              <a:buChar char="•"/>
+              <a:defRPr sz="1800" kern="1200">
+                <a:solidFill>
+                  <a:schemeClr val="tx1"/>
+                </a:solidFill>
+                <a:latin typeface="+mn-lt"/>
+                <a:ea typeface="+mn-ea"/>
+                <a:cs typeface="+mn-cs"/>
+              </a:defRPr>
+            </a:lvl7pPr>
+            <a:lvl8pPr marL="3429000" indent="-228600" algn="l" defTabSz="914400" rtl="0" eaLnBrk="1" latinLnBrk="1" hangingPunct="1">
+              <a:lnSpc>
+                <a:spcPct val="90000"/>
+              </a:lnSpc>
+              <a:spcBef>
+                <a:spcPts val="500"/>
+              </a:spcBef>
+              <a:buFont typeface="Arial" panose="020B0604020202020204" pitchFamily="34" charset="0"/>
+              <a:buChar char="•"/>
+              <a:defRPr sz="1800" kern="1200">
+                <a:solidFill>
+                  <a:schemeClr val="tx1"/>
+                </a:solidFill>
+                <a:latin typeface="+mn-lt"/>
+                <a:ea typeface="+mn-ea"/>
+                <a:cs typeface="+mn-cs"/>
+              </a:defRPr>
+            </a:lvl8pPr>
+            <a:lvl9pPr marL="3886200" indent="-228600" algn="l" defTabSz="914400" rtl="0" eaLnBrk="1" latinLnBrk="1" hangingPunct="1">
+              <a:lnSpc>
+                <a:spcPct val="90000"/>
+              </a:lnSpc>
+              <a:spcBef>
+                <a:spcPts val="500"/>
+              </a:spcBef>
+              <a:buFont typeface="Arial" panose="020B0604020202020204" pitchFamily="34" charset="0"/>
+              <a:buChar char="•"/>
+              <a:defRPr sz="1800" kern="1200">
+                <a:solidFill>
+                  <a:schemeClr val="tx1"/>
+                </a:solidFill>
+                <a:latin typeface="+mn-lt"/>
+                <a:ea typeface="+mn-ea"/>
+                <a:cs typeface="+mn-cs"/>
+              </a:defRPr>
+            </a:lvl9pPr>
           </a:lstStyle>
           <a:p>
-            <a:r>
-              <a:rPr lang="ko-KR" altLang="en-US" b="1" dirty="0" smtClean="0">
-                <a:effectLst>
-                  <a:outerShdw blurRad="38100" dist="38100" dir="2700000" algn="tl">
-                    <a:srgbClr val="000000">
-                      <a:alpha val="43137"/>
-                    </a:srgbClr>
-                  </a:outerShdw>
-                </a:effectLst>
-                <a:latin typeface="+mj-ea"/>
-              </a:rPr>
-              <a:t>직렬 통신  </a:t>
-            </a:r>
-            <a:r>
-              <a:rPr lang="en-US" altLang="ko-KR" b="1" dirty="0" smtClean="0">
-                <a:effectLst>
-                  <a:outerShdw blurRad="38100" dist="38100" dir="2700000" algn="tl">
-                    <a:srgbClr val="000000">
-                      <a:alpha val="43137"/>
-                    </a:srgbClr>
-                  </a:outerShdw>
-                </a:effectLst>
-                <a:latin typeface="+mj-ea"/>
-              </a:rPr>
-              <a:t>vs. </a:t>
-            </a:r>
-            <a:r>
-              <a:rPr lang="ko-KR" altLang="en-US" b="1" dirty="0" smtClean="0">
-                <a:effectLst>
-                  <a:outerShdw blurRad="38100" dist="38100" dir="2700000" algn="tl">
-                    <a:srgbClr val="000000">
-                      <a:alpha val="43137"/>
-                    </a:srgbClr>
-                  </a:outerShdw>
-                </a:effectLst>
-                <a:latin typeface="+mj-ea"/>
-              </a:rPr>
-              <a:t>병렬 통신</a:t>
-            </a:r>
-            <a:endParaRPr lang="ko-KR" altLang="en-US" b="1" dirty="0">
-              <a:effectLst>
-                <a:outerShdw blurRad="38100" dist="38100" dir="2700000" algn="tl">
-                  <a:srgbClr val="000000">
-                    <a:alpha val="43137"/>
-                  </a:srgbClr>
-                </a:outerShdw>
-              </a:effectLst>
-              <a:latin typeface="+mj-ea"/>
-            </a:endParaRPr>
+            <a:endParaRPr lang="ko-KR" altLang="en-US" dirty="0"/>
           </a:p>
         </p:txBody>
       </p:sp>
-      <p:graphicFrame>
-        <p:nvGraphicFramePr>
-          <p:cNvPr id="7" name="표 6"/>
-          <p:cNvGraphicFramePr>
-            <a:graphicFrameLocks noGrp="1"/>
-          </p:cNvGraphicFramePr>
+      <p:sp>
+        <p:nvSpPr>
+          <p:cNvPr id="8" name="내용 개체 틀 2"/>
+          <p:cNvSpPr txBox="1">
+            <a:spLocks/>
+          </p:cNvSpPr>
+          <p:nvPr/>
+        </p:nvSpPr>
+        <p:spPr>
+          <a:xfrm>
+            <a:off x="628649" y="1374016"/>
+            <a:ext cx="7886700" cy="2699220"/>
+          </a:xfrm>
+          <a:prstGeom prst="rect">
+            <a:avLst/>
+          </a:prstGeom>
+        </p:spPr>
+        <p:txBody>
+          <a:bodyPr/>
+          <a:lstStyle>
+            <a:lvl1pPr marL="228600" indent="-228600" algn="l" defTabSz="914400" rtl="0" eaLnBrk="1" latinLnBrk="1" hangingPunct="1">
+              <a:lnSpc>
+                <a:spcPct val="90000"/>
+              </a:lnSpc>
+              <a:spcBef>
+                <a:spcPts val="1000"/>
+              </a:spcBef>
+              <a:buFont typeface="Arial" panose="020B0604020202020204" pitchFamily="34" charset="0"/>
+              <a:buChar char="•"/>
+              <a:defRPr sz="2800" kern="1200">
+                <a:solidFill>
+                  <a:schemeClr val="tx1"/>
+                </a:solidFill>
+                <a:latin typeface="+mn-lt"/>
+                <a:ea typeface="+mn-ea"/>
+                <a:cs typeface="+mn-cs"/>
+              </a:defRPr>
+            </a:lvl1pPr>
+            <a:lvl2pPr marL="685800" indent="-228600" algn="l" defTabSz="914400" rtl="0" eaLnBrk="1" latinLnBrk="1" hangingPunct="1">
+              <a:lnSpc>
+                <a:spcPct val="90000"/>
+              </a:lnSpc>
+              <a:spcBef>
+                <a:spcPts val="500"/>
+              </a:spcBef>
+              <a:buFont typeface="Arial" panose="020B0604020202020204" pitchFamily="34" charset="0"/>
+              <a:buChar char="•"/>
+              <a:defRPr sz="2400" kern="1200">
+                <a:solidFill>
+                  <a:schemeClr val="tx1"/>
+                </a:solidFill>
+                <a:latin typeface="+mn-lt"/>
+                <a:ea typeface="+mn-ea"/>
+                <a:cs typeface="+mn-cs"/>
+              </a:defRPr>
+            </a:lvl2pPr>
+            <a:lvl3pPr marL="1143000" indent="-228600" algn="l" defTabSz="914400" rtl="0" eaLnBrk="1" latinLnBrk="1" hangingPunct="1">
+              <a:lnSpc>
+                <a:spcPct val="90000"/>
+              </a:lnSpc>
+              <a:spcBef>
+                <a:spcPts val="500"/>
+              </a:spcBef>
+              <a:buFont typeface="Arial" panose="020B0604020202020204" pitchFamily="34" charset="0"/>
+              <a:buChar char="•"/>
+              <a:defRPr sz="2000" kern="1200">
+                <a:solidFill>
+                  <a:schemeClr val="tx1"/>
+                </a:solidFill>
+                <a:latin typeface="+mn-lt"/>
+                <a:ea typeface="+mn-ea"/>
+                <a:cs typeface="+mn-cs"/>
+              </a:defRPr>
+            </a:lvl3pPr>
+            <a:lvl4pPr marL="1600200" indent="-228600" algn="l" defTabSz="914400" rtl="0" eaLnBrk="1" latinLnBrk="1" hangingPunct="1">
+              <a:lnSpc>
+                <a:spcPct val="90000"/>
+              </a:lnSpc>
+              <a:spcBef>
+                <a:spcPts val="500"/>
+              </a:spcBef>
+              <a:buFont typeface="Arial" panose="020B0604020202020204" pitchFamily="34" charset="0"/>
+              <a:buChar char="•"/>
+              <a:defRPr sz="1800" kern="1200">
+                <a:solidFill>
+                  <a:schemeClr val="tx1"/>
+                </a:solidFill>
+                <a:latin typeface="+mn-lt"/>
+                <a:ea typeface="+mn-ea"/>
+                <a:cs typeface="+mn-cs"/>
+              </a:defRPr>
+            </a:lvl4pPr>
+            <a:lvl5pPr marL="2057400" indent="-228600" algn="l" defTabSz="914400" rtl="0" eaLnBrk="1" latinLnBrk="1" hangingPunct="1">
+              <a:lnSpc>
+                <a:spcPct val="90000"/>
+              </a:lnSpc>
+              <a:spcBef>
+                <a:spcPts val="500"/>
+              </a:spcBef>
+              <a:buFont typeface="Arial" panose="020B0604020202020204" pitchFamily="34" charset="0"/>
+              <a:buChar char="•"/>
+              <a:defRPr sz="1800" kern="1200">
+                <a:solidFill>
+                  <a:schemeClr val="tx1"/>
+                </a:solidFill>
+                <a:latin typeface="+mn-lt"/>
+                <a:ea typeface="+mn-ea"/>
+                <a:cs typeface="+mn-cs"/>
+              </a:defRPr>
+            </a:lvl5pPr>
+            <a:lvl6pPr marL="2514600" indent="-228600" algn="l" defTabSz="914400" rtl="0" eaLnBrk="1" latinLnBrk="1" hangingPunct="1">
+              <a:lnSpc>
+                <a:spcPct val="90000"/>
+              </a:lnSpc>
+              <a:spcBef>
+                <a:spcPts val="500"/>
+              </a:spcBef>
+              <a:buFont typeface="Arial" panose="020B0604020202020204" pitchFamily="34" charset="0"/>
+              <a:buChar char="•"/>
+              <a:defRPr sz="1800" kern="1200">
+                <a:solidFill>
+                  <a:schemeClr val="tx1"/>
+                </a:solidFill>
+                <a:latin typeface="+mn-lt"/>
+                <a:ea typeface="+mn-ea"/>
+                <a:cs typeface="+mn-cs"/>
+              </a:defRPr>
+            </a:lvl6pPr>
+            <a:lvl7pPr marL="2971800" indent="-228600" algn="l" defTabSz="914400" rtl="0" eaLnBrk="1" latinLnBrk="1" hangingPunct="1">
+              <a:lnSpc>
+                <a:spcPct val="90000"/>
+              </a:lnSpc>
+              <a:spcBef>
+                <a:spcPts val="500"/>
+              </a:spcBef>
+              <a:buFont typeface="Arial" panose="020B0604020202020204" pitchFamily="34" charset="0"/>
+              <a:buChar char="•"/>
+              <a:defRPr sz="1800" kern="1200">
+                <a:solidFill>
+                  <a:schemeClr val="tx1"/>
+                </a:solidFill>
+                <a:latin typeface="+mn-lt"/>
+                <a:ea typeface="+mn-ea"/>
+                <a:cs typeface="+mn-cs"/>
+              </a:defRPr>
+            </a:lvl7pPr>
+            <a:lvl8pPr marL="3429000" indent="-228600" algn="l" defTabSz="914400" rtl="0" eaLnBrk="1" latinLnBrk="1" hangingPunct="1">
+              <a:lnSpc>
+                <a:spcPct val="90000"/>
+              </a:lnSpc>
+              <a:spcBef>
+                <a:spcPts val="500"/>
+              </a:spcBef>
+              <a:buFont typeface="Arial" panose="020B0604020202020204" pitchFamily="34" charset="0"/>
+              <a:buChar char="•"/>
+              <a:defRPr sz="1800" kern="1200">
+                <a:solidFill>
+                  <a:schemeClr val="tx1"/>
+                </a:solidFill>
+                <a:latin typeface="+mn-lt"/>
+                <a:ea typeface="+mn-ea"/>
+                <a:cs typeface="+mn-cs"/>
+              </a:defRPr>
+            </a:lvl8pPr>
+            <a:lvl9pPr marL="3886200" indent="-228600" algn="l" defTabSz="914400" rtl="0" eaLnBrk="1" latinLnBrk="1" hangingPunct="1">
+              <a:lnSpc>
+                <a:spcPct val="90000"/>
+              </a:lnSpc>
+              <a:spcBef>
+                <a:spcPts val="500"/>
+              </a:spcBef>
+              <a:buFont typeface="Arial" panose="020B0604020202020204" pitchFamily="34" charset="0"/>
+              <a:buChar char="•"/>
+              <a:defRPr sz="1800" kern="1200">
+                <a:solidFill>
+                  <a:schemeClr val="tx1"/>
+                </a:solidFill>
+                <a:latin typeface="+mn-lt"/>
+                <a:ea typeface="+mn-ea"/>
+                <a:cs typeface="+mn-cs"/>
+              </a:defRPr>
+            </a:lvl9pPr>
+          </a:lstStyle>
+          <a:p>
+            <a:r>
+              <a:rPr lang="en-US" altLang="ko-KR" sz="3600" b="1" dirty="0" smtClean="0">
+                <a:latin typeface="+mj-ea"/>
+                <a:ea typeface="+mj-ea"/>
+              </a:rPr>
+              <a:t>Hardware Serial</a:t>
+            </a:r>
+          </a:p>
+          <a:p>
+            <a:r>
+              <a:rPr lang="en-US" altLang="ko-KR" sz="3600" dirty="0" smtClean="0">
+                <a:latin typeface="+mj-ea"/>
+                <a:ea typeface="+mj-ea"/>
+              </a:rPr>
+              <a:t>Software Serial</a:t>
+            </a:r>
+          </a:p>
+          <a:p>
+            <a:r>
+              <a:rPr lang="en-US" altLang="ko-KR" sz="3600" dirty="0" smtClean="0">
+                <a:latin typeface="+mj-ea"/>
+                <a:ea typeface="+mj-ea"/>
+              </a:rPr>
+              <a:t>I2C (Inter-Integrated Circuit: Inter IC)</a:t>
+            </a:r>
+          </a:p>
+          <a:p>
+            <a:r>
+              <a:rPr lang="en-US" altLang="ko-KR" sz="3600" dirty="0">
+                <a:latin typeface="+mj-ea"/>
+                <a:ea typeface="+mj-ea"/>
+              </a:rPr>
+              <a:t>SPI (Serial Peripheral </a:t>
+            </a:r>
+            <a:r>
+              <a:rPr lang="en-US" altLang="ko-KR" sz="3600" dirty="0" smtClean="0">
+                <a:latin typeface="+mj-ea"/>
+                <a:ea typeface="+mj-ea"/>
+              </a:rPr>
+              <a:t>Interface)</a:t>
+            </a:r>
+            <a:endParaRPr lang="en-US" altLang="ko-KR" sz="3600" dirty="0">
+              <a:latin typeface="+mj-ea"/>
+              <a:ea typeface="+mj-ea"/>
+            </a:endParaRPr>
+          </a:p>
+          <a:p>
+            <a:endParaRPr lang="en-US" altLang="ko-KR" sz="3600" dirty="0" smtClean="0">
+              <a:latin typeface="+mj-ea"/>
+              <a:ea typeface="+mj-ea"/>
+            </a:endParaRPr>
+          </a:p>
+        </p:txBody>
+      </p:sp>
+      <p:sp>
+        <p:nvSpPr>
+          <p:cNvPr id="5" name="슬라이드 번호 개체 틀 4"/>
+          <p:cNvSpPr>
+            <a:spLocks noGrp="1"/>
+          </p:cNvSpPr>
           <p:nvPr>
-            <p:extLst>
-              <p:ext uri="{D42A27DB-BD31-4B8C-83A1-F6EECF244321}">
-                <p14:modId xmlns:p14="http://schemas.microsoft.com/office/powerpoint/2010/main" val="385776201"/>
-              </p:ext>
-            </p:extLst>
+            <p:ph type="sldNum" sz="quarter" idx="12"/>
           </p:nvPr>
-        </p:nvGraphicFramePr>
-        <p:xfrm>
-          <a:off x="1546486" y="4131311"/>
-          <a:ext cx="6096000" cy="2225040"/>
-        </p:xfrm>
-        <a:graphic>
-          <a:graphicData uri="http://schemas.openxmlformats.org/drawingml/2006/table">
-            <a:tbl>
-              <a:tblPr firstRow="1" bandRow="1">
-                <a:tableStyleId>{5C22544A-7EE6-4342-B048-85BDC9FD1C3A}</a:tableStyleId>
-              </a:tblPr>
-              <a:tblGrid>
-                <a:gridCol w="2032000"/>
-                <a:gridCol w="2032000"/>
-                <a:gridCol w="2032000"/>
-              </a:tblGrid>
-              <a:tr h="370840">
-                <a:tc>
-                  <a:txBody>
-                    <a:bodyPr/>
-                    <a:lstStyle/>
-                    <a:p>
-                      <a:pPr latinLnBrk="1"/>
-                      <a:endParaRPr lang="ko-KR" altLang="en-US" dirty="0"/>
-                    </a:p>
-                  </a:txBody>
-                  <a:tcPr/>
-                </a:tc>
-                <a:tc>
-                  <a:txBody>
-                    <a:bodyPr/>
-                    <a:lstStyle/>
-                    <a:p>
-                      <a:pPr latinLnBrk="1"/>
-                      <a:r>
-                        <a:rPr lang="ko-KR" altLang="en-US" dirty="0" smtClean="0"/>
-                        <a:t>직렬통신</a:t>
-                      </a:r>
-                      <a:endParaRPr lang="ko-KR" altLang="en-US" dirty="0"/>
-                    </a:p>
-                  </a:txBody>
-                  <a:tcPr/>
-                </a:tc>
-                <a:tc>
-                  <a:txBody>
-                    <a:bodyPr/>
-                    <a:lstStyle/>
-                    <a:p>
-                      <a:pPr latinLnBrk="1"/>
-                      <a:r>
-                        <a:rPr lang="ko-KR" altLang="en-US" dirty="0" smtClean="0"/>
-                        <a:t>병렬통신</a:t>
-                      </a:r>
-                      <a:endParaRPr lang="ko-KR" altLang="en-US" dirty="0"/>
-                    </a:p>
-                  </a:txBody>
-                  <a:tcPr/>
-                </a:tc>
-              </a:tr>
-              <a:tr h="370840">
-                <a:tc>
-                  <a:txBody>
-                    <a:bodyPr/>
-                    <a:lstStyle/>
-                    <a:p>
-                      <a:pPr latinLnBrk="1"/>
-                      <a:r>
-                        <a:rPr lang="ko-KR" altLang="en-US" dirty="0" smtClean="0"/>
-                        <a:t>통신거리</a:t>
-                      </a:r>
-                      <a:endParaRPr lang="ko-KR" altLang="en-US" dirty="0"/>
-                    </a:p>
-                  </a:txBody>
-                  <a:tcPr/>
-                </a:tc>
-                <a:tc>
-                  <a:txBody>
-                    <a:bodyPr/>
-                    <a:lstStyle/>
-                    <a:p>
-                      <a:pPr latinLnBrk="1"/>
-                      <a:r>
-                        <a:rPr lang="ko-KR" altLang="en-US" dirty="0" smtClean="0"/>
-                        <a:t>원거리 통신 유리</a:t>
-                      </a:r>
-                      <a:endParaRPr lang="ko-KR" altLang="en-US" dirty="0"/>
-                    </a:p>
-                  </a:txBody>
-                  <a:tcPr/>
-                </a:tc>
-                <a:tc>
-                  <a:txBody>
-                    <a:bodyPr/>
-                    <a:lstStyle/>
-                    <a:p>
-                      <a:pPr latinLnBrk="1"/>
-                      <a:r>
-                        <a:rPr lang="ko-KR" altLang="en-US" dirty="0" smtClean="0"/>
-                        <a:t>단거리 전송</a:t>
-                      </a:r>
-                      <a:endParaRPr lang="ko-KR" altLang="en-US" dirty="0"/>
-                    </a:p>
-                  </a:txBody>
-                  <a:tcPr/>
-                </a:tc>
-              </a:tr>
-              <a:tr h="370840">
-                <a:tc>
-                  <a:txBody>
-                    <a:bodyPr/>
-                    <a:lstStyle/>
-                    <a:p>
-                      <a:pPr latinLnBrk="1"/>
-                      <a:r>
-                        <a:rPr lang="ko-KR" altLang="en-US" dirty="0" smtClean="0"/>
-                        <a:t>데이터 </a:t>
-                      </a:r>
-                      <a:r>
-                        <a:rPr lang="ko-KR" altLang="en-US" dirty="0" err="1" smtClean="0"/>
-                        <a:t>전송량</a:t>
-                      </a:r>
-                      <a:endParaRPr lang="ko-KR" altLang="en-US" dirty="0"/>
-                    </a:p>
-                  </a:txBody>
-                  <a:tcPr/>
-                </a:tc>
-                <a:tc>
-                  <a:txBody>
-                    <a:bodyPr/>
-                    <a:lstStyle/>
-                    <a:p>
-                      <a:pPr latinLnBrk="1"/>
-                      <a:r>
-                        <a:rPr lang="ko-KR" altLang="en-US" dirty="0" smtClean="0"/>
-                        <a:t>적다</a:t>
-                      </a:r>
-                      <a:endParaRPr lang="ko-KR" altLang="en-US" dirty="0"/>
-                    </a:p>
-                  </a:txBody>
-                  <a:tcPr/>
-                </a:tc>
-                <a:tc>
-                  <a:txBody>
-                    <a:bodyPr/>
-                    <a:lstStyle/>
-                    <a:p>
-                      <a:pPr latinLnBrk="1"/>
-                      <a:r>
-                        <a:rPr lang="ko-KR" altLang="en-US" dirty="0" smtClean="0"/>
-                        <a:t>많다</a:t>
-                      </a:r>
-                      <a:endParaRPr lang="ko-KR" altLang="en-US" dirty="0"/>
-                    </a:p>
-                  </a:txBody>
-                  <a:tcPr/>
-                </a:tc>
-              </a:tr>
-              <a:tr h="370840">
-                <a:tc>
-                  <a:txBody>
-                    <a:bodyPr/>
-                    <a:lstStyle/>
-                    <a:p>
-                      <a:pPr latinLnBrk="1"/>
-                      <a:r>
-                        <a:rPr lang="ko-KR" altLang="en-US" dirty="0" smtClean="0"/>
-                        <a:t>구현 기술</a:t>
-                      </a:r>
-                      <a:endParaRPr lang="ko-KR" altLang="en-US" dirty="0"/>
-                    </a:p>
-                  </a:txBody>
-                  <a:tcPr/>
-                </a:tc>
-                <a:tc>
-                  <a:txBody>
-                    <a:bodyPr/>
-                    <a:lstStyle/>
-                    <a:p>
-                      <a:pPr latinLnBrk="1"/>
-                      <a:r>
-                        <a:rPr lang="ko-KR" altLang="en-US" dirty="0" smtClean="0"/>
-                        <a:t>단순</a:t>
-                      </a:r>
-                      <a:endParaRPr lang="ko-KR" altLang="en-US" dirty="0"/>
-                    </a:p>
-                  </a:txBody>
-                  <a:tcPr/>
-                </a:tc>
-                <a:tc>
-                  <a:txBody>
-                    <a:bodyPr/>
-                    <a:lstStyle/>
-                    <a:p>
-                      <a:pPr latinLnBrk="1"/>
-                      <a:r>
-                        <a:rPr lang="ko-KR" altLang="en-US" dirty="0" smtClean="0"/>
-                        <a:t>복잡</a:t>
-                      </a:r>
-                      <a:endParaRPr lang="ko-KR" altLang="en-US" dirty="0"/>
-                    </a:p>
-                  </a:txBody>
-                  <a:tcPr/>
-                </a:tc>
-              </a:tr>
-              <a:tr h="370840">
-                <a:tc>
-                  <a:txBody>
-                    <a:bodyPr/>
-                    <a:lstStyle/>
-                    <a:p>
-                      <a:pPr latinLnBrk="1"/>
-                      <a:r>
-                        <a:rPr lang="ko-KR" altLang="en-US" dirty="0" smtClean="0"/>
-                        <a:t>구현 비용</a:t>
-                      </a:r>
-                      <a:endParaRPr lang="ko-KR" altLang="en-US" dirty="0"/>
-                    </a:p>
-                  </a:txBody>
-                  <a:tcPr/>
-                </a:tc>
-                <a:tc>
-                  <a:txBody>
-                    <a:bodyPr/>
-                    <a:lstStyle/>
-                    <a:p>
-                      <a:pPr latinLnBrk="1"/>
-                      <a:r>
-                        <a:rPr lang="ko-KR" altLang="en-US" dirty="0" smtClean="0"/>
-                        <a:t>저렴</a:t>
-                      </a:r>
-                      <a:endParaRPr lang="ko-KR" altLang="en-US" dirty="0"/>
-                    </a:p>
-                  </a:txBody>
-                  <a:tcPr/>
-                </a:tc>
-                <a:tc>
-                  <a:txBody>
-                    <a:bodyPr/>
-                    <a:lstStyle/>
-                    <a:p>
-                      <a:pPr latinLnBrk="1"/>
-                      <a:r>
-                        <a:rPr lang="ko-KR" altLang="en-US" dirty="0" smtClean="0"/>
-                        <a:t>고가</a:t>
-                      </a:r>
-                      <a:endParaRPr lang="ko-KR" altLang="en-US" dirty="0"/>
-                    </a:p>
-                  </a:txBody>
-                  <a:tcPr/>
-                </a:tc>
-              </a:tr>
-              <a:tr h="370840">
-                <a:tc>
-                  <a:txBody>
-                    <a:bodyPr/>
-                    <a:lstStyle/>
-                    <a:p>
-                      <a:pPr latinLnBrk="1"/>
-                      <a:r>
-                        <a:rPr lang="ko-KR" altLang="en-US" dirty="0" smtClean="0"/>
-                        <a:t>대표적 예</a:t>
-                      </a:r>
-                      <a:endParaRPr lang="ko-KR" altLang="en-US" dirty="0"/>
-                    </a:p>
-                  </a:txBody>
-                  <a:tcPr/>
-                </a:tc>
-                <a:tc>
-                  <a:txBody>
-                    <a:bodyPr/>
-                    <a:lstStyle/>
-                    <a:p>
-                      <a:pPr latinLnBrk="1"/>
-                      <a:r>
-                        <a:rPr lang="en-US" altLang="ko-KR" dirty="0" smtClean="0"/>
-                        <a:t>PC</a:t>
-                      </a:r>
-                      <a:r>
-                        <a:rPr lang="ko-KR" altLang="en-US" dirty="0" smtClean="0"/>
-                        <a:t>의 </a:t>
-                      </a:r>
-                      <a:r>
-                        <a:rPr lang="en-US" altLang="ko-KR" dirty="0" smtClean="0"/>
-                        <a:t>RS-232C</a:t>
-                      </a:r>
-                      <a:endParaRPr lang="ko-KR" altLang="en-US" dirty="0"/>
-                    </a:p>
-                  </a:txBody>
-                  <a:tcPr/>
-                </a:tc>
-                <a:tc>
-                  <a:txBody>
-                    <a:bodyPr/>
-                    <a:lstStyle/>
-                    <a:p>
-                      <a:pPr latinLnBrk="1"/>
-                      <a:r>
-                        <a:rPr lang="en-US" altLang="ko-KR" dirty="0" smtClean="0"/>
-                        <a:t>HDD IDE </a:t>
-                      </a:r>
-                      <a:r>
-                        <a:rPr lang="ko-KR" altLang="en-US" dirty="0" smtClean="0"/>
-                        <a:t>케이블</a:t>
-                      </a:r>
-                      <a:endParaRPr lang="ko-KR" altLang="en-US" dirty="0"/>
-                    </a:p>
-                  </a:txBody>
-                  <a:tcPr/>
-                </a:tc>
-              </a:tr>
-            </a:tbl>
-          </a:graphicData>
-        </a:graphic>
-      </p:graphicFrame>
+        </p:nvSpPr>
+        <p:spPr/>
+        <p:txBody>
+          <a:bodyPr/>
+          <a:lstStyle/>
+          <a:p>
+            <a:fld id="{C12CAAA6-23F3-4378-9E62-48C953A7FF84}" type="slidenum">
+              <a:rPr lang="ko-KR" altLang="en-US" smtClean="0"/>
+              <a:t>4</a:t>
+            </a:fld>
+            <a:endParaRPr lang="ko-KR" altLang="en-US"/>
+          </a:p>
+        </p:txBody>
+      </p:sp>
     </p:spTree>
     <p:extLst>
       <p:ext uri="{BB962C8B-B14F-4D97-AF65-F5344CB8AC3E}">
-        <p14:creationId xmlns:p14="http://schemas.microsoft.com/office/powerpoint/2010/main" val="2571774141"/>
+        <p14:creationId xmlns:p14="http://schemas.microsoft.com/office/powerpoint/2010/main" val="1889536028"/>
       </p:ext>
     </p:extLst>
   </p:cSld>

--- a/Week05.pptx
+++ b/Week05.pptx
@@ -242,7 +242,7 @@
           <a:p>
             <a:fld id="{089AF9C2-E781-415F-AD58-ECBA12D10A34}" type="datetimeFigureOut">
               <a:rPr lang="ko-KR" altLang="en-US" smtClean="0"/>
-              <a:t>2019-03-31</a:t>
+              <a:t>2019-04-01</a:t>
             </a:fld>
             <a:endParaRPr lang="ko-KR" altLang="en-US"/>
           </a:p>
@@ -407,7 +407,7 @@
           <a:p>
             <a:fld id="{65694B03-ACCE-4F3B-8CA1-4A1F2158852F}" type="datetimeFigureOut">
               <a:rPr lang="ko-KR" altLang="en-US" smtClean="0"/>
-              <a:t>2019-03-31</a:t>
+              <a:t>2019-04-01</a:t>
             </a:fld>
             <a:endParaRPr lang="ko-KR" altLang="en-US"/>
           </a:p>
@@ -805,7 +805,7 @@
           <a:p>
             <a:fld id="{E98DAD7C-7ECF-48EA-AF04-5E4B11BBE3FA}" type="datetime1">
               <a:rPr lang="ko-KR" altLang="en-US" smtClean="0"/>
-              <a:t>2019-03-31</a:t>
+              <a:t>2019-04-01</a:t>
             </a:fld>
             <a:endParaRPr lang="ko-KR" altLang="en-US"/>
           </a:p>
@@ -975,7 +975,7 @@
           <a:p>
             <a:fld id="{8592FDC5-20BE-4068-9231-65BE560A8AAA}" type="datetime1">
               <a:rPr lang="ko-KR" altLang="en-US" smtClean="0"/>
-              <a:t>2019-03-31</a:t>
+              <a:t>2019-04-01</a:t>
             </a:fld>
             <a:endParaRPr lang="ko-KR" altLang="en-US"/>
           </a:p>
@@ -1155,7 +1155,7 @@
           <a:p>
             <a:fld id="{A6BAF35D-F588-4ECC-9A0F-05C2E4794B9E}" type="datetime1">
               <a:rPr lang="ko-KR" altLang="en-US" smtClean="0"/>
-              <a:t>2019-03-31</a:t>
+              <a:t>2019-04-01</a:t>
             </a:fld>
             <a:endParaRPr lang="ko-KR" altLang="en-US"/>
           </a:p>
@@ -1363,7 +1363,7 @@
           <a:p>
             <a:fld id="{ECE38F9B-9D56-4B6A-B849-ABFC9D9CD529}" type="datetime1">
               <a:rPr lang="ko-KR" altLang="en-US" smtClean="0"/>
-              <a:t>2019-03-31</a:t>
+              <a:t>2019-04-01</a:t>
             </a:fld>
             <a:endParaRPr lang="ko-KR" altLang="en-US"/>
           </a:p>
@@ -1607,7 +1607,7 @@
           <a:p>
             <a:fld id="{FB9FBD68-9FA8-4224-A45F-2122F2D5B1DA}" type="datetime1">
               <a:rPr lang="ko-KR" altLang="en-US" smtClean="0"/>
-              <a:t>2019-03-31</a:t>
+              <a:t>2019-04-01</a:t>
             </a:fld>
             <a:endParaRPr lang="ko-KR" altLang="en-US"/>
           </a:p>
@@ -1839,7 +1839,7 @@
           <a:p>
             <a:fld id="{F10C821E-2046-4B9B-A770-D71373F53EFC}" type="datetime1">
               <a:rPr lang="ko-KR" altLang="en-US" smtClean="0"/>
-              <a:t>2019-03-31</a:t>
+              <a:t>2019-04-01</a:t>
             </a:fld>
             <a:endParaRPr lang="ko-KR" altLang="en-US"/>
           </a:p>
@@ -2206,7 +2206,7 @@
           <a:p>
             <a:fld id="{87B54263-25BA-4719-A9FF-4F211D3464C7}" type="datetime1">
               <a:rPr lang="ko-KR" altLang="en-US" smtClean="0"/>
-              <a:t>2019-03-31</a:t>
+              <a:t>2019-04-01</a:t>
             </a:fld>
             <a:endParaRPr lang="ko-KR" altLang="en-US"/>
           </a:p>
@@ -2324,7 +2324,7 @@
           <a:p>
             <a:fld id="{5B22A525-C018-42B8-975E-961CB956D9F9}" type="datetime1">
               <a:rPr lang="ko-KR" altLang="en-US" smtClean="0"/>
-              <a:t>2019-03-31</a:t>
+              <a:t>2019-04-01</a:t>
             </a:fld>
             <a:endParaRPr lang="ko-KR" altLang="en-US"/>
           </a:p>
@@ -2419,7 +2419,7 @@
           <a:p>
             <a:fld id="{9AE4C0F5-06ED-4044-A30B-00BDE88DFCB8}" type="datetime1">
               <a:rPr lang="ko-KR" altLang="en-US" smtClean="0"/>
-              <a:t>2019-03-31</a:t>
+              <a:t>2019-04-01</a:t>
             </a:fld>
             <a:endParaRPr lang="ko-KR" altLang="en-US"/>
           </a:p>
@@ -2696,7 +2696,7 @@
           <a:p>
             <a:fld id="{77F39165-C6EB-4106-AF8F-0C931B393587}" type="datetime1">
               <a:rPr lang="ko-KR" altLang="en-US" smtClean="0"/>
-              <a:t>2019-03-31</a:t>
+              <a:t>2019-04-01</a:t>
             </a:fld>
             <a:endParaRPr lang="ko-KR" altLang="en-US"/>
           </a:p>
@@ -2953,7 +2953,7 @@
           <a:p>
             <a:fld id="{3A829D98-5CAB-4515-AF38-F236B86C4C7D}" type="datetime1">
               <a:rPr lang="ko-KR" altLang="en-US" smtClean="0"/>
-              <a:t>2019-03-31</a:t>
+              <a:t>2019-04-01</a:t>
             </a:fld>
             <a:endParaRPr lang="ko-KR" altLang="en-US"/>
           </a:p>
@@ -3166,7 +3166,7 @@
           <a:p>
             <a:fld id="{BDA12B1B-EA43-4C07-8238-6B2CF1392F6B}" type="datetime1">
               <a:rPr lang="ko-KR" altLang="en-US" smtClean="0"/>
-              <a:t>2019-03-31</a:t>
+              <a:t>2019-04-01</a:t>
             </a:fld>
             <a:endParaRPr lang="ko-KR" altLang="en-US"/>
           </a:p>
@@ -10266,7 +10266,7 @@
           <p:cNvPr id="10" name="TextBox 9">
             <a:extLst>
               <a:ext uri="{FF2B5EF4-FFF2-40B4-BE49-F238E27FC236}">
-                <a16:creationId xmlns:a16="http://schemas.microsoft.com/office/drawing/2014/main" id="{57A5A19C-5FB8-824C-AC41-DBE7A5E58E80}"/>
+                <a16:creationId xmlns:a16="http://schemas.microsoft.com/office/drawing/2014/main" xmlns="" id="{57A5A19C-5FB8-824C-AC41-DBE7A5E58E80}"/>
               </a:ext>
             </a:extLst>
           </p:cNvPr>
@@ -10318,7 +10318,7 @@
           <p:cNvPr id="11" name="TextBox 10">
             <a:extLst>
               <a:ext uri="{FF2B5EF4-FFF2-40B4-BE49-F238E27FC236}">
-                <a16:creationId xmlns:a16="http://schemas.microsoft.com/office/drawing/2014/main" id="{57A5A19C-5FB8-824C-AC41-DBE7A5E58E80}"/>
+                <a16:creationId xmlns:a16="http://schemas.microsoft.com/office/drawing/2014/main" xmlns="" id="{57A5A19C-5FB8-824C-AC41-DBE7A5E58E80}"/>
               </a:ext>
             </a:extLst>
           </p:cNvPr>
@@ -10370,7 +10370,7 @@
           <p:cNvPr id="12" name="TextBox 11">
             <a:extLst>
               <a:ext uri="{FF2B5EF4-FFF2-40B4-BE49-F238E27FC236}">
-                <a16:creationId xmlns:a16="http://schemas.microsoft.com/office/drawing/2014/main" id="{57A5A19C-5FB8-824C-AC41-DBE7A5E58E80}"/>
+                <a16:creationId xmlns:a16="http://schemas.microsoft.com/office/drawing/2014/main" xmlns="" id="{57A5A19C-5FB8-824C-AC41-DBE7A5E58E80}"/>
               </a:ext>
             </a:extLst>
           </p:cNvPr>
@@ -13817,7 +13817,15 @@
           <a:p>
             <a:r>
               <a:rPr lang="ko-KR" altLang="en-US" dirty="0" smtClean="0"/>
-              <a:t>전달된 데이터가 사용가능해지면 호출됨</a:t>
+              <a:t>시리얼 통신으로 데이터가 도착 </a:t>
+            </a:r>
+            <a:r>
+              <a:rPr lang="ko-KR" altLang="en-US" dirty="0" err="1" smtClean="0"/>
+              <a:t>했을때</a:t>
+            </a:r>
+            <a:r>
+              <a:rPr lang="ko-KR" altLang="en-US" dirty="0" smtClean="0"/>
+              <a:t> 자동으로 실행되는 함수</a:t>
             </a:r>
             <a:endParaRPr lang="en-US" altLang="ko-KR" dirty="0" smtClean="0"/>
           </a:p>
@@ -16741,21 +16749,21 @@
                 <a:gridCol w="2032000">
                   <a:extLst>
                     <a:ext uri="{9D8B030D-6E8A-4147-A177-3AD203B41FA5}">
-                      <a16:colId xmlns:a16="http://schemas.microsoft.com/office/drawing/2014/main" val="20000"/>
+                      <a16:colId xmlns:a16="http://schemas.microsoft.com/office/drawing/2014/main" xmlns="" val="20000"/>
                     </a:ext>
                   </a:extLst>
                 </a:gridCol>
                 <a:gridCol w="2032000">
                   <a:extLst>
                     <a:ext uri="{9D8B030D-6E8A-4147-A177-3AD203B41FA5}">
-                      <a16:colId xmlns:a16="http://schemas.microsoft.com/office/drawing/2014/main" val="20001"/>
+                      <a16:colId xmlns:a16="http://schemas.microsoft.com/office/drawing/2014/main" xmlns="" val="20001"/>
                     </a:ext>
                   </a:extLst>
                 </a:gridCol>
                 <a:gridCol w="2032000">
                   <a:extLst>
                     <a:ext uri="{9D8B030D-6E8A-4147-A177-3AD203B41FA5}">
-                      <a16:colId xmlns:a16="http://schemas.microsoft.com/office/drawing/2014/main" val="20002"/>
+                      <a16:colId xmlns:a16="http://schemas.microsoft.com/office/drawing/2014/main" xmlns="" val="20002"/>
                     </a:ext>
                   </a:extLst>
                 </a:gridCol>
@@ -16804,7 +16812,7 @@
                 </a:tc>
                 <a:extLst>
                   <a:ext uri="{0D108BD9-81ED-4DB2-BD59-A6C34878D82A}">
-                    <a16:rowId xmlns:a16="http://schemas.microsoft.com/office/drawing/2014/main" val="10000"/>
+                    <a16:rowId xmlns:a16="http://schemas.microsoft.com/office/drawing/2014/main" xmlns="" val="10000"/>
                   </a:ext>
                 </a:extLst>
               </a:tr>
@@ -16856,7 +16864,7 @@
                 </a:tc>
                 <a:extLst>
                   <a:ext uri="{0D108BD9-81ED-4DB2-BD59-A6C34878D82A}">
-                    <a16:rowId xmlns:a16="http://schemas.microsoft.com/office/drawing/2014/main" val="10001"/>
+                    <a16:rowId xmlns:a16="http://schemas.microsoft.com/office/drawing/2014/main" xmlns="" val="10001"/>
                   </a:ext>
                 </a:extLst>
               </a:tr>
@@ -16912,7 +16920,7 @@
                 </a:tc>
                 <a:extLst>
                   <a:ext uri="{0D108BD9-81ED-4DB2-BD59-A6C34878D82A}">
-                    <a16:rowId xmlns:a16="http://schemas.microsoft.com/office/drawing/2014/main" val="10002"/>
+                    <a16:rowId xmlns:a16="http://schemas.microsoft.com/office/drawing/2014/main" xmlns="" val="10002"/>
                   </a:ext>
                 </a:extLst>
               </a:tr>
@@ -16964,7 +16972,7 @@
                 </a:tc>
                 <a:extLst>
                   <a:ext uri="{0D108BD9-81ED-4DB2-BD59-A6C34878D82A}">
-                    <a16:rowId xmlns:a16="http://schemas.microsoft.com/office/drawing/2014/main" val="10003"/>
+                    <a16:rowId xmlns:a16="http://schemas.microsoft.com/office/drawing/2014/main" xmlns="" val="10003"/>
                   </a:ext>
                 </a:extLst>
               </a:tr>
@@ -17016,7 +17024,7 @@
                 </a:tc>
                 <a:extLst>
                   <a:ext uri="{0D108BD9-81ED-4DB2-BD59-A6C34878D82A}">
-                    <a16:rowId xmlns:a16="http://schemas.microsoft.com/office/drawing/2014/main" val="10004"/>
+                    <a16:rowId xmlns:a16="http://schemas.microsoft.com/office/drawing/2014/main" xmlns="" val="10004"/>
                   </a:ext>
                 </a:extLst>
               </a:tr>
@@ -17080,7 +17088,7 @@
                 </a:tc>
                 <a:extLst>
                   <a:ext uri="{0D108BD9-81ED-4DB2-BD59-A6C34878D82A}">
-                    <a16:rowId xmlns:a16="http://schemas.microsoft.com/office/drawing/2014/main" val="10005"/>
+                    <a16:rowId xmlns:a16="http://schemas.microsoft.com/office/drawing/2014/main" xmlns="" val="10005"/>
                   </a:ext>
                 </a:extLst>
               </a:tr>
